--- a/imagens.pptx
+++ b/imagens.pptx
@@ -16,6 +16,7 @@
     <p:sldId id="265" r:id="rId10"/>
     <p:sldId id="266" r:id="rId11"/>
     <p:sldId id="267" r:id="rId12"/>
+    <p:sldId id="268" r:id="rId13"/>
   </p:sldIdLst>
   <p:sldSz cx="12192000" cy="6858000"/>
   <p:notesSz cx="6858000" cy="9144000"/>
@@ -269,7 +270,7 @@
           <a:p>
             <a:fld id="{20C2FEA9-41FB-40F1-A8FA-A19BCC6F7DB1}" type="datetimeFigureOut">
               <a:rPr lang="pt-BR" smtClean="0"/>
-              <a:t>16/12/2023</a:t>
+              <a:t>30/06/2024</a:t>
             </a:fld>
             <a:endParaRPr lang="pt-BR"/>
           </a:p>
@@ -467,7 +468,7 @@
           <a:p>
             <a:fld id="{20C2FEA9-41FB-40F1-A8FA-A19BCC6F7DB1}" type="datetimeFigureOut">
               <a:rPr lang="pt-BR" smtClean="0"/>
-              <a:t>16/12/2023</a:t>
+              <a:t>30/06/2024</a:t>
             </a:fld>
             <a:endParaRPr lang="pt-BR"/>
           </a:p>
@@ -675,7 +676,7 @@
           <a:p>
             <a:fld id="{20C2FEA9-41FB-40F1-A8FA-A19BCC6F7DB1}" type="datetimeFigureOut">
               <a:rPr lang="pt-BR" smtClean="0"/>
-              <a:t>16/12/2023</a:t>
+              <a:t>30/06/2024</a:t>
             </a:fld>
             <a:endParaRPr lang="pt-BR"/>
           </a:p>
@@ -873,7 +874,7 @@
           <a:p>
             <a:fld id="{20C2FEA9-41FB-40F1-A8FA-A19BCC6F7DB1}" type="datetimeFigureOut">
               <a:rPr lang="pt-BR" smtClean="0"/>
-              <a:t>16/12/2023</a:t>
+              <a:t>30/06/2024</a:t>
             </a:fld>
             <a:endParaRPr lang="pt-BR"/>
           </a:p>
@@ -1148,7 +1149,7 @@
           <a:p>
             <a:fld id="{20C2FEA9-41FB-40F1-A8FA-A19BCC6F7DB1}" type="datetimeFigureOut">
               <a:rPr lang="pt-BR" smtClean="0"/>
-              <a:t>16/12/2023</a:t>
+              <a:t>30/06/2024</a:t>
             </a:fld>
             <a:endParaRPr lang="pt-BR"/>
           </a:p>
@@ -1413,7 +1414,7 @@
           <a:p>
             <a:fld id="{20C2FEA9-41FB-40F1-A8FA-A19BCC6F7DB1}" type="datetimeFigureOut">
               <a:rPr lang="pt-BR" smtClean="0"/>
-              <a:t>16/12/2023</a:t>
+              <a:t>30/06/2024</a:t>
             </a:fld>
             <a:endParaRPr lang="pt-BR"/>
           </a:p>
@@ -1825,7 +1826,7 @@
           <a:p>
             <a:fld id="{20C2FEA9-41FB-40F1-A8FA-A19BCC6F7DB1}" type="datetimeFigureOut">
               <a:rPr lang="pt-BR" smtClean="0"/>
-              <a:t>16/12/2023</a:t>
+              <a:t>30/06/2024</a:t>
             </a:fld>
             <a:endParaRPr lang="pt-BR"/>
           </a:p>
@@ -1966,7 +1967,7 @@
           <a:p>
             <a:fld id="{20C2FEA9-41FB-40F1-A8FA-A19BCC6F7DB1}" type="datetimeFigureOut">
               <a:rPr lang="pt-BR" smtClean="0"/>
-              <a:t>16/12/2023</a:t>
+              <a:t>30/06/2024</a:t>
             </a:fld>
             <a:endParaRPr lang="pt-BR"/>
           </a:p>
@@ -2079,7 +2080,7 @@
           <a:p>
             <a:fld id="{20C2FEA9-41FB-40F1-A8FA-A19BCC6F7DB1}" type="datetimeFigureOut">
               <a:rPr lang="pt-BR" smtClean="0"/>
-              <a:t>16/12/2023</a:t>
+              <a:t>30/06/2024</a:t>
             </a:fld>
             <a:endParaRPr lang="pt-BR"/>
           </a:p>
@@ -2390,7 +2391,7 @@
           <a:p>
             <a:fld id="{20C2FEA9-41FB-40F1-A8FA-A19BCC6F7DB1}" type="datetimeFigureOut">
               <a:rPr lang="pt-BR" smtClean="0"/>
-              <a:t>16/12/2023</a:t>
+              <a:t>30/06/2024</a:t>
             </a:fld>
             <a:endParaRPr lang="pt-BR"/>
           </a:p>
@@ -2678,7 +2679,7 @@
           <a:p>
             <a:fld id="{20C2FEA9-41FB-40F1-A8FA-A19BCC6F7DB1}" type="datetimeFigureOut">
               <a:rPr lang="pt-BR" smtClean="0"/>
-              <a:t>16/12/2023</a:t>
+              <a:t>30/06/2024</a:t>
             </a:fld>
             <a:endParaRPr lang="pt-BR"/>
           </a:p>
@@ -2919,7 +2920,7 @@
           <a:p>
             <a:fld id="{20C2FEA9-41FB-40F1-A8FA-A19BCC6F7DB1}" type="datetimeFigureOut">
               <a:rPr lang="pt-BR" smtClean="0"/>
-              <a:t>16/12/2023</a:t>
+              <a:t>30/06/2024</a:t>
             </a:fld>
             <a:endParaRPr lang="pt-BR"/>
           </a:p>
@@ -5328,8 +5329,8 @@
           </a:fontRef>
         </p:style>
       </p:cxnSp>
-      <mc:AlternateContent xmlns:mc="http://schemas.openxmlformats.org/markup-compatibility/2006">
-        <mc:Choice xmlns:a14="http://schemas.microsoft.com/office/drawing/2010/main" Requires="a14">
+      <mc:AlternateContent xmlns:mc="http://schemas.openxmlformats.org/markup-compatibility/2006" xmlns:a14="http://schemas.microsoft.com/office/drawing/2010/main">
+        <mc:Choice Requires="a14">
           <p:sp>
             <p:nvSpPr>
               <p:cNvPr id="22" name="CaixaDeTexto 21">
@@ -5398,7 +5399,7 @@
             </p:txBody>
           </p:sp>
         </mc:Choice>
-        <mc:Fallback>
+        <mc:Fallback xmlns="">
           <p:sp>
             <p:nvSpPr>
               <p:cNvPr id="22" name="CaixaDeTexto 21">
@@ -5443,8 +5444,8 @@
           </p:sp>
         </mc:Fallback>
       </mc:AlternateContent>
-      <mc:AlternateContent xmlns:mc="http://schemas.openxmlformats.org/markup-compatibility/2006">
-        <mc:Choice xmlns:a14="http://schemas.microsoft.com/office/drawing/2010/main" Requires="a14">
+      <mc:AlternateContent xmlns:mc="http://schemas.openxmlformats.org/markup-compatibility/2006" xmlns:a14="http://schemas.microsoft.com/office/drawing/2010/main">
+        <mc:Choice Requires="a14">
           <p:sp>
             <p:nvSpPr>
               <p:cNvPr id="23" name="CaixaDeTexto 22">
@@ -5519,7 +5520,7 @@
             </p:txBody>
           </p:sp>
         </mc:Choice>
-        <mc:Fallback>
+        <mc:Fallback xmlns="">
           <p:sp>
             <p:nvSpPr>
               <p:cNvPr id="23" name="CaixaDeTexto 22">
@@ -5609,8 +5610,8 @@
           </a:fontRef>
         </p:style>
       </p:cxnSp>
-      <mc:AlternateContent xmlns:mc="http://schemas.openxmlformats.org/markup-compatibility/2006">
-        <mc:Choice xmlns:a14="http://schemas.microsoft.com/office/drawing/2010/main" Requires="a14">
+      <mc:AlternateContent xmlns:mc="http://schemas.openxmlformats.org/markup-compatibility/2006" xmlns:a14="http://schemas.microsoft.com/office/drawing/2010/main">
+        <mc:Choice Requires="a14">
           <p:sp>
             <p:nvSpPr>
               <p:cNvPr id="26" name="CaixaDeTexto 25">
@@ -5724,7 +5725,7 @@
             </p:txBody>
           </p:sp>
         </mc:Choice>
-        <mc:Fallback>
+        <mc:Fallback xmlns="">
           <p:sp>
             <p:nvSpPr>
               <p:cNvPr id="26" name="CaixaDeTexto 25">
@@ -5773,6 +5774,2770 @@
     <p:extLst>
       <p:ext uri="{BB962C8B-B14F-4D97-AF65-F5344CB8AC3E}">
         <p14:creationId xmlns:p14="http://schemas.microsoft.com/office/powerpoint/2010/main" val="1233441381"/>
+      </p:ext>
+    </p:extLst>
+  </p:cSld>
+  <p:clrMapOvr>
+    <a:masterClrMapping/>
+  </p:clrMapOvr>
+</p:sld>
+</file>
+
+<file path=ppt/slides/slide12.xml><?xml version="1.0" encoding="utf-8"?>
+<p:sld xmlns:a="http://schemas.openxmlformats.org/drawingml/2006/main" xmlns:r="http://schemas.openxmlformats.org/officeDocument/2006/relationships" xmlns:p="http://schemas.openxmlformats.org/presentationml/2006/main">
+  <p:cSld>
+    <p:spTree>
+      <p:nvGrpSpPr>
+        <p:cNvPr id="1" name=""/>
+        <p:cNvGrpSpPr/>
+        <p:nvPr/>
+      </p:nvGrpSpPr>
+      <p:grpSpPr>
+        <a:xfrm>
+          <a:off x="0" y="0"/>
+          <a:ext cx="0" cy="0"/>
+          <a:chOff x="0" y="0"/>
+          <a:chExt cx="0" cy="0"/>
+        </a:xfrm>
+      </p:grpSpPr>
+      <p:sp>
+        <p:nvSpPr>
+          <p:cNvPr id="4" name="Elipse 3">
+            <a:extLst>
+              <a:ext uri="{FF2B5EF4-FFF2-40B4-BE49-F238E27FC236}">
+                <a16:creationId xmlns:a16="http://schemas.microsoft.com/office/drawing/2014/main" id="{BC73A39F-7A0A-50DD-41E4-579E08335006}"/>
+              </a:ext>
+            </a:extLst>
+          </p:cNvPr>
+          <p:cNvSpPr/>
+          <p:nvPr/>
+        </p:nvSpPr>
+        <p:spPr>
+          <a:xfrm>
+            <a:off x="5448440" y="2180168"/>
+            <a:ext cx="720000" cy="720000"/>
+          </a:xfrm>
+          <a:prstGeom prst="ellipse">
+            <a:avLst/>
+          </a:prstGeom>
+          <a:noFill/>
+          <a:ln>
+            <a:solidFill>
+              <a:schemeClr val="tx1"/>
+            </a:solidFill>
+          </a:ln>
+        </p:spPr>
+        <p:style>
+          <a:lnRef idx="2">
+            <a:schemeClr val="accent1">
+              <a:shade val="15000"/>
+            </a:schemeClr>
+          </a:lnRef>
+          <a:fillRef idx="1">
+            <a:schemeClr val="accent1"/>
+          </a:fillRef>
+          <a:effectRef idx="0">
+            <a:schemeClr val="accent1"/>
+          </a:effectRef>
+          <a:fontRef idx="minor">
+            <a:schemeClr val="lt1"/>
+          </a:fontRef>
+        </p:style>
+        <p:txBody>
+          <a:bodyPr rtlCol="0" anchor="ctr"/>
+          <a:lstStyle/>
+          <a:p>
+            <a:pPr algn="ctr"/>
+            <a:endParaRPr lang="pt-BR"/>
+          </a:p>
+        </p:txBody>
+      </p:sp>
+      <p:sp>
+        <p:nvSpPr>
+          <p:cNvPr id="5" name="Elipse 4">
+            <a:extLst>
+              <a:ext uri="{FF2B5EF4-FFF2-40B4-BE49-F238E27FC236}">
+                <a16:creationId xmlns:a16="http://schemas.microsoft.com/office/drawing/2014/main" id="{39656CA3-D773-C807-AD1F-10E0A07A06A4}"/>
+              </a:ext>
+            </a:extLst>
+          </p:cNvPr>
+          <p:cNvSpPr/>
+          <p:nvPr/>
+        </p:nvSpPr>
+        <p:spPr>
+          <a:xfrm>
+            <a:off x="4728440" y="2971351"/>
+            <a:ext cx="720000" cy="720000"/>
+          </a:xfrm>
+          <a:prstGeom prst="ellipse">
+            <a:avLst/>
+          </a:prstGeom>
+          <a:solidFill>
+            <a:srgbClr val="C00000">
+              <a:alpha val="15000"/>
+            </a:srgbClr>
+          </a:solidFill>
+          <a:ln>
+            <a:solidFill>
+              <a:schemeClr val="tx1"/>
+            </a:solidFill>
+          </a:ln>
+        </p:spPr>
+        <p:style>
+          <a:lnRef idx="2">
+            <a:schemeClr val="accent1">
+              <a:shade val="15000"/>
+            </a:schemeClr>
+          </a:lnRef>
+          <a:fillRef idx="1">
+            <a:schemeClr val="accent1"/>
+          </a:fillRef>
+          <a:effectRef idx="0">
+            <a:schemeClr val="accent1"/>
+          </a:effectRef>
+          <a:fontRef idx="minor">
+            <a:schemeClr val="lt1"/>
+          </a:fontRef>
+        </p:style>
+        <p:txBody>
+          <a:bodyPr rtlCol="0" anchor="ctr"/>
+          <a:lstStyle/>
+          <a:p>
+            <a:pPr algn="ctr"/>
+            <a:endParaRPr lang="pt-BR"/>
+          </a:p>
+        </p:txBody>
+      </p:sp>
+      <p:sp>
+        <p:nvSpPr>
+          <p:cNvPr id="6" name="Elipse 5">
+            <a:extLst>
+              <a:ext uri="{FF2B5EF4-FFF2-40B4-BE49-F238E27FC236}">
+                <a16:creationId xmlns:a16="http://schemas.microsoft.com/office/drawing/2014/main" id="{2AA9239D-16D1-4039-AAA4-14E0DAD6B4E4}"/>
+              </a:ext>
+            </a:extLst>
+          </p:cNvPr>
+          <p:cNvSpPr/>
+          <p:nvPr/>
+        </p:nvSpPr>
+        <p:spPr>
+          <a:xfrm>
+            <a:off x="6168440" y="2971351"/>
+            <a:ext cx="720000" cy="720000"/>
+          </a:xfrm>
+          <a:prstGeom prst="ellipse">
+            <a:avLst/>
+          </a:prstGeom>
+          <a:solidFill>
+            <a:schemeClr val="accent1">
+              <a:alpha val="15000"/>
+            </a:schemeClr>
+          </a:solidFill>
+          <a:ln>
+            <a:solidFill>
+              <a:schemeClr val="tx1"/>
+            </a:solidFill>
+          </a:ln>
+        </p:spPr>
+        <p:style>
+          <a:lnRef idx="2">
+            <a:schemeClr val="accent1">
+              <a:shade val="15000"/>
+            </a:schemeClr>
+          </a:lnRef>
+          <a:fillRef idx="1">
+            <a:schemeClr val="accent1"/>
+          </a:fillRef>
+          <a:effectRef idx="0">
+            <a:schemeClr val="accent1"/>
+          </a:effectRef>
+          <a:fontRef idx="minor">
+            <a:schemeClr val="lt1"/>
+          </a:fontRef>
+        </p:style>
+        <p:txBody>
+          <a:bodyPr rtlCol="0" anchor="ctr"/>
+          <a:lstStyle/>
+          <a:p>
+            <a:pPr algn="ctr"/>
+            <a:endParaRPr lang="pt-BR"/>
+          </a:p>
+        </p:txBody>
+      </p:sp>
+      <p:cxnSp>
+        <p:nvCxnSpPr>
+          <p:cNvPr id="8" name="Conector reto 7">
+            <a:extLst>
+              <a:ext uri="{FF2B5EF4-FFF2-40B4-BE49-F238E27FC236}">
+                <a16:creationId xmlns:a16="http://schemas.microsoft.com/office/drawing/2014/main" id="{9004A710-852B-94FB-C77F-C8792785997C}"/>
+              </a:ext>
+            </a:extLst>
+          </p:cNvPr>
+          <p:cNvCxnSpPr>
+            <a:cxnSpLocks/>
+            <a:stCxn id="4" idx="3"/>
+            <a:endCxn id="5" idx="7"/>
+          </p:cNvCxnSpPr>
+          <p:nvPr/>
+        </p:nvCxnSpPr>
+        <p:spPr>
+          <a:xfrm flipH="1">
+            <a:off x="5342998" y="2794726"/>
+            <a:ext cx="210884" cy="282067"/>
+          </a:xfrm>
+          <a:prstGeom prst="line">
+            <a:avLst/>
+          </a:prstGeom>
+          <a:ln w="19050">
+            <a:solidFill>
+              <a:schemeClr val="tx1"/>
+            </a:solidFill>
+          </a:ln>
+        </p:spPr>
+        <p:style>
+          <a:lnRef idx="1">
+            <a:schemeClr val="accent1"/>
+          </a:lnRef>
+          <a:fillRef idx="0">
+            <a:schemeClr val="accent1"/>
+          </a:fillRef>
+          <a:effectRef idx="0">
+            <a:schemeClr val="accent1"/>
+          </a:effectRef>
+          <a:fontRef idx="minor">
+            <a:schemeClr val="tx1"/>
+          </a:fontRef>
+        </p:style>
+      </p:cxnSp>
+      <p:cxnSp>
+        <p:nvCxnSpPr>
+          <p:cNvPr id="11" name="Conector reto 10">
+            <a:extLst>
+              <a:ext uri="{FF2B5EF4-FFF2-40B4-BE49-F238E27FC236}">
+                <a16:creationId xmlns:a16="http://schemas.microsoft.com/office/drawing/2014/main" id="{FD6A5C19-4DCF-77A5-2B6F-054FEDD8C26D}"/>
+              </a:ext>
+            </a:extLst>
+          </p:cNvPr>
+          <p:cNvCxnSpPr>
+            <a:cxnSpLocks/>
+            <a:stCxn id="4" idx="5"/>
+            <a:endCxn id="6" idx="1"/>
+          </p:cNvCxnSpPr>
+          <p:nvPr/>
+        </p:nvCxnSpPr>
+        <p:spPr>
+          <a:xfrm>
+            <a:off x="6062998" y="2794726"/>
+            <a:ext cx="210884" cy="282067"/>
+          </a:xfrm>
+          <a:prstGeom prst="line">
+            <a:avLst/>
+          </a:prstGeom>
+          <a:ln w="19050">
+            <a:solidFill>
+              <a:schemeClr val="tx1"/>
+            </a:solidFill>
+          </a:ln>
+        </p:spPr>
+        <p:style>
+          <a:lnRef idx="1">
+            <a:schemeClr val="accent1"/>
+          </a:lnRef>
+          <a:fillRef idx="0">
+            <a:schemeClr val="accent1"/>
+          </a:fillRef>
+          <a:effectRef idx="0">
+            <a:schemeClr val="accent1"/>
+          </a:effectRef>
+          <a:fontRef idx="minor">
+            <a:schemeClr val="tx1"/>
+          </a:fontRef>
+        </p:style>
+      </p:cxnSp>
+      <p:sp>
+        <p:nvSpPr>
+          <p:cNvPr id="19" name="Elipse 18">
+            <a:extLst>
+              <a:ext uri="{FF2B5EF4-FFF2-40B4-BE49-F238E27FC236}">
+                <a16:creationId xmlns:a16="http://schemas.microsoft.com/office/drawing/2014/main" id="{8E43C75A-F1E4-B4F5-26C2-CB13D2CB72D4}"/>
+              </a:ext>
+            </a:extLst>
+          </p:cNvPr>
+          <p:cNvSpPr/>
+          <p:nvPr/>
+        </p:nvSpPr>
+        <p:spPr>
+          <a:xfrm>
+            <a:off x="5812736" y="2255543"/>
+            <a:ext cx="72000" cy="72000"/>
+          </a:xfrm>
+          <a:prstGeom prst="ellipse">
+            <a:avLst/>
+          </a:prstGeom>
+          <a:solidFill>
+            <a:srgbClr val="C00000"/>
+          </a:solidFill>
+          <a:ln>
+            <a:noFill/>
+          </a:ln>
+        </p:spPr>
+        <p:style>
+          <a:lnRef idx="2">
+            <a:schemeClr val="accent1">
+              <a:shade val="15000"/>
+            </a:schemeClr>
+          </a:lnRef>
+          <a:fillRef idx="1">
+            <a:schemeClr val="accent1"/>
+          </a:fillRef>
+          <a:effectRef idx="0">
+            <a:schemeClr val="accent1"/>
+          </a:effectRef>
+          <a:fontRef idx="minor">
+            <a:schemeClr val="lt1"/>
+          </a:fontRef>
+        </p:style>
+        <p:txBody>
+          <a:bodyPr rtlCol="0" anchor="ctr"/>
+          <a:lstStyle/>
+          <a:p>
+            <a:pPr algn="ctr"/>
+            <a:endParaRPr lang="pt-BR"/>
+          </a:p>
+        </p:txBody>
+      </p:sp>
+      <p:sp>
+        <p:nvSpPr>
+          <p:cNvPr id="20" name="Elipse 19">
+            <a:extLst>
+              <a:ext uri="{FF2B5EF4-FFF2-40B4-BE49-F238E27FC236}">
+                <a16:creationId xmlns:a16="http://schemas.microsoft.com/office/drawing/2014/main" id="{B55375F6-DE79-2E36-0C1B-79A2887AACC6}"/>
+              </a:ext>
+            </a:extLst>
+          </p:cNvPr>
+          <p:cNvSpPr/>
+          <p:nvPr/>
+        </p:nvSpPr>
+        <p:spPr>
+          <a:xfrm>
+            <a:off x="5960916" y="2615343"/>
+            <a:ext cx="72000" cy="72000"/>
+          </a:xfrm>
+          <a:prstGeom prst="ellipse">
+            <a:avLst/>
+          </a:prstGeom>
+          <a:solidFill>
+            <a:srgbClr val="C00000"/>
+          </a:solidFill>
+          <a:ln>
+            <a:noFill/>
+          </a:ln>
+        </p:spPr>
+        <p:style>
+          <a:lnRef idx="2">
+            <a:schemeClr val="accent1">
+              <a:shade val="15000"/>
+            </a:schemeClr>
+          </a:lnRef>
+          <a:fillRef idx="1">
+            <a:schemeClr val="accent1"/>
+          </a:fillRef>
+          <a:effectRef idx="0">
+            <a:schemeClr val="accent1"/>
+          </a:effectRef>
+          <a:fontRef idx="minor">
+            <a:schemeClr val="lt1"/>
+          </a:fontRef>
+        </p:style>
+        <p:txBody>
+          <a:bodyPr rtlCol="0" anchor="ctr"/>
+          <a:lstStyle/>
+          <a:p>
+            <a:pPr algn="ctr"/>
+            <a:endParaRPr lang="pt-BR"/>
+          </a:p>
+        </p:txBody>
+      </p:sp>
+      <p:sp>
+        <p:nvSpPr>
+          <p:cNvPr id="21" name="Elipse 20">
+            <a:extLst>
+              <a:ext uri="{FF2B5EF4-FFF2-40B4-BE49-F238E27FC236}">
+                <a16:creationId xmlns:a16="http://schemas.microsoft.com/office/drawing/2014/main" id="{7B965AC4-6409-9DE0-A695-5F35DFF9680D}"/>
+              </a:ext>
+            </a:extLst>
+          </p:cNvPr>
+          <p:cNvSpPr/>
+          <p:nvPr/>
+        </p:nvSpPr>
+        <p:spPr>
+          <a:xfrm>
+            <a:off x="5795780" y="2722726"/>
+            <a:ext cx="72000" cy="72000"/>
+          </a:xfrm>
+          <a:prstGeom prst="ellipse">
+            <a:avLst/>
+          </a:prstGeom>
+          <a:solidFill>
+            <a:srgbClr val="C00000"/>
+          </a:solidFill>
+          <a:ln>
+            <a:noFill/>
+          </a:ln>
+        </p:spPr>
+        <p:style>
+          <a:lnRef idx="2">
+            <a:schemeClr val="accent1">
+              <a:shade val="15000"/>
+            </a:schemeClr>
+          </a:lnRef>
+          <a:fillRef idx="1">
+            <a:schemeClr val="accent1"/>
+          </a:fillRef>
+          <a:effectRef idx="0">
+            <a:schemeClr val="accent1"/>
+          </a:effectRef>
+          <a:fontRef idx="minor">
+            <a:schemeClr val="lt1"/>
+          </a:fontRef>
+        </p:style>
+        <p:txBody>
+          <a:bodyPr rtlCol="0" anchor="ctr"/>
+          <a:lstStyle/>
+          <a:p>
+            <a:pPr algn="ctr"/>
+            <a:endParaRPr lang="pt-BR"/>
+          </a:p>
+        </p:txBody>
+      </p:sp>
+      <p:sp>
+        <p:nvSpPr>
+          <p:cNvPr id="22" name="Elipse 21">
+            <a:extLst>
+              <a:ext uri="{FF2B5EF4-FFF2-40B4-BE49-F238E27FC236}">
+                <a16:creationId xmlns:a16="http://schemas.microsoft.com/office/drawing/2014/main" id="{639E8D6A-432F-7DAD-9C58-C719E18AD697}"/>
+              </a:ext>
+            </a:extLst>
+          </p:cNvPr>
+          <p:cNvSpPr/>
+          <p:nvPr/>
+        </p:nvSpPr>
+        <p:spPr>
+          <a:xfrm>
+            <a:off x="5609144" y="2508637"/>
+            <a:ext cx="72000" cy="72000"/>
+          </a:xfrm>
+          <a:prstGeom prst="ellipse">
+            <a:avLst/>
+          </a:prstGeom>
+          <a:solidFill>
+            <a:srgbClr val="C00000"/>
+          </a:solidFill>
+          <a:ln>
+            <a:noFill/>
+          </a:ln>
+        </p:spPr>
+        <p:style>
+          <a:lnRef idx="2">
+            <a:schemeClr val="accent1">
+              <a:shade val="15000"/>
+            </a:schemeClr>
+          </a:lnRef>
+          <a:fillRef idx="1">
+            <a:schemeClr val="accent1"/>
+          </a:fillRef>
+          <a:effectRef idx="0">
+            <a:schemeClr val="accent1"/>
+          </a:effectRef>
+          <a:fontRef idx="minor">
+            <a:schemeClr val="lt1"/>
+          </a:fontRef>
+        </p:style>
+        <p:txBody>
+          <a:bodyPr rtlCol="0" anchor="ctr"/>
+          <a:lstStyle/>
+          <a:p>
+            <a:pPr algn="ctr"/>
+            <a:endParaRPr lang="pt-BR"/>
+          </a:p>
+        </p:txBody>
+      </p:sp>
+      <p:sp>
+        <p:nvSpPr>
+          <p:cNvPr id="23" name="Elipse 22">
+            <a:extLst>
+              <a:ext uri="{FF2B5EF4-FFF2-40B4-BE49-F238E27FC236}">
+                <a16:creationId xmlns:a16="http://schemas.microsoft.com/office/drawing/2014/main" id="{A2786D27-B5D0-9AE3-2C6B-355E38B1C342}"/>
+              </a:ext>
+            </a:extLst>
+          </p:cNvPr>
+          <p:cNvSpPr/>
+          <p:nvPr/>
+        </p:nvSpPr>
+        <p:spPr>
+          <a:xfrm>
+            <a:off x="5609144" y="2320237"/>
+            <a:ext cx="72000" cy="72000"/>
+          </a:xfrm>
+          <a:prstGeom prst="ellipse">
+            <a:avLst/>
+          </a:prstGeom>
+          <a:solidFill>
+            <a:schemeClr val="accent1"/>
+          </a:solidFill>
+          <a:ln>
+            <a:noFill/>
+          </a:ln>
+        </p:spPr>
+        <p:style>
+          <a:lnRef idx="2">
+            <a:schemeClr val="accent1">
+              <a:shade val="15000"/>
+            </a:schemeClr>
+          </a:lnRef>
+          <a:fillRef idx="1">
+            <a:schemeClr val="accent1"/>
+          </a:fillRef>
+          <a:effectRef idx="0">
+            <a:schemeClr val="accent1"/>
+          </a:effectRef>
+          <a:fontRef idx="minor">
+            <a:schemeClr val="lt1"/>
+          </a:fontRef>
+        </p:style>
+        <p:txBody>
+          <a:bodyPr rtlCol="0" anchor="ctr"/>
+          <a:lstStyle/>
+          <a:p>
+            <a:pPr algn="ctr"/>
+            <a:endParaRPr lang="pt-BR"/>
+          </a:p>
+        </p:txBody>
+      </p:sp>
+      <p:sp>
+        <p:nvSpPr>
+          <p:cNvPr id="25" name="Elipse 24">
+            <a:extLst>
+              <a:ext uri="{FF2B5EF4-FFF2-40B4-BE49-F238E27FC236}">
+                <a16:creationId xmlns:a16="http://schemas.microsoft.com/office/drawing/2014/main" id="{15FA9FD4-F462-7956-5CD7-C12F69DAFACF}"/>
+              </a:ext>
+            </a:extLst>
+          </p:cNvPr>
+          <p:cNvSpPr/>
+          <p:nvPr/>
+        </p:nvSpPr>
+        <p:spPr>
+          <a:xfrm>
+            <a:off x="5967976" y="2392237"/>
+            <a:ext cx="72000" cy="72000"/>
+          </a:xfrm>
+          <a:prstGeom prst="ellipse">
+            <a:avLst/>
+          </a:prstGeom>
+          <a:solidFill>
+            <a:schemeClr val="accent1"/>
+          </a:solidFill>
+          <a:ln>
+            <a:noFill/>
+          </a:ln>
+        </p:spPr>
+        <p:style>
+          <a:lnRef idx="2">
+            <a:schemeClr val="accent1">
+              <a:shade val="15000"/>
+            </a:schemeClr>
+          </a:lnRef>
+          <a:fillRef idx="1">
+            <a:schemeClr val="accent1"/>
+          </a:fillRef>
+          <a:effectRef idx="0">
+            <a:schemeClr val="accent1"/>
+          </a:effectRef>
+          <a:fontRef idx="minor">
+            <a:schemeClr val="lt1"/>
+          </a:fontRef>
+        </p:style>
+        <p:txBody>
+          <a:bodyPr rtlCol="0" anchor="ctr"/>
+          <a:lstStyle/>
+          <a:p>
+            <a:pPr algn="ctr"/>
+            <a:endParaRPr lang="pt-BR"/>
+          </a:p>
+        </p:txBody>
+      </p:sp>
+      <p:sp>
+        <p:nvSpPr>
+          <p:cNvPr id="26" name="Elipse 25">
+            <a:extLst>
+              <a:ext uri="{FF2B5EF4-FFF2-40B4-BE49-F238E27FC236}">
+                <a16:creationId xmlns:a16="http://schemas.microsoft.com/office/drawing/2014/main" id="{0FE19FDB-281F-7B72-4FB8-B40280BE610E}"/>
+              </a:ext>
+            </a:extLst>
+          </p:cNvPr>
+          <p:cNvSpPr/>
+          <p:nvPr/>
+        </p:nvSpPr>
+        <p:spPr>
+          <a:xfrm>
+            <a:off x="5604110" y="2686725"/>
+            <a:ext cx="72000" cy="72000"/>
+          </a:xfrm>
+          <a:prstGeom prst="ellipse">
+            <a:avLst/>
+          </a:prstGeom>
+          <a:solidFill>
+            <a:schemeClr val="accent1"/>
+          </a:solidFill>
+          <a:ln>
+            <a:noFill/>
+          </a:ln>
+        </p:spPr>
+        <p:style>
+          <a:lnRef idx="2">
+            <a:schemeClr val="accent1">
+              <a:shade val="15000"/>
+            </a:schemeClr>
+          </a:lnRef>
+          <a:fillRef idx="1">
+            <a:schemeClr val="accent1"/>
+          </a:fillRef>
+          <a:effectRef idx="0">
+            <a:schemeClr val="accent1"/>
+          </a:effectRef>
+          <a:fontRef idx="minor">
+            <a:schemeClr val="lt1"/>
+          </a:fontRef>
+        </p:style>
+        <p:txBody>
+          <a:bodyPr rtlCol="0" anchor="ctr"/>
+          <a:lstStyle/>
+          <a:p>
+            <a:pPr algn="ctr"/>
+            <a:endParaRPr lang="pt-BR"/>
+          </a:p>
+        </p:txBody>
+      </p:sp>
+      <p:sp>
+        <p:nvSpPr>
+          <p:cNvPr id="27" name="Elipse 26">
+            <a:extLst>
+              <a:ext uri="{FF2B5EF4-FFF2-40B4-BE49-F238E27FC236}">
+                <a16:creationId xmlns:a16="http://schemas.microsoft.com/office/drawing/2014/main" id="{3F8E2080-0172-6C1F-9290-D3007FB0E2F7}"/>
+              </a:ext>
+            </a:extLst>
+          </p:cNvPr>
+          <p:cNvSpPr/>
+          <p:nvPr/>
+        </p:nvSpPr>
+        <p:spPr>
+          <a:xfrm>
+            <a:off x="5788560" y="2464237"/>
+            <a:ext cx="72000" cy="72000"/>
+          </a:xfrm>
+          <a:prstGeom prst="ellipse">
+            <a:avLst/>
+          </a:prstGeom>
+          <a:solidFill>
+            <a:schemeClr val="accent1"/>
+          </a:solidFill>
+          <a:ln>
+            <a:noFill/>
+          </a:ln>
+        </p:spPr>
+        <p:style>
+          <a:lnRef idx="2">
+            <a:schemeClr val="accent1">
+              <a:shade val="15000"/>
+            </a:schemeClr>
+          </a:lnRef>
+          <a:fillRef idx="1">
+            <a:schemeClr val="accent1"/>
+          </a:fillRef>
+          <a:effectRef idx="0">
+            <a:schemeClr val="accent1"/>
+          </a:effectRef>
+          <a:fontRef idx="minor">
+            <a:schemeClr val="lt1"/>
+          </a:fontRef>
+        </p:style>
+        <p:txBody>
+          <a:bodyPr rtlCol="0" anchor="ctr"/>
+          <a:lstStyle/>
+          <a:p>
+            <a:pPr algn="ctr"/>
+            <a:endParaRPr lang="pt-BR"/>
+          </a:p>
+        </p:txBody>
+      </p:sp>
+      <p:sp>
+        <p:nvSpPr>
+          <p:cNvPr id="28" name="Elipse 27">
+            <a:extLst>
+              <a:ext uri="{FF2B5EF4-FFF2-40B4-BE49-F238E27FC236}">
+                <a16:creationId xmlns:a16="http://schemas.microsoft.com/office/drawing/2014/main" id="{08F62A29-E444-CEFD-82BE-380B2AE75037}"/>
+              </a:ext>
+            </a:extLst>
+          </p:cNvPr>
+          <p:cNvSpPr/>
+          <p:nvPr/>
+        </p:nvSpPr>
+        <p:spPr>
+          <a:xfrm>
+            <a:off x="7995788" y="2186130"/>
+            <a:ext cx="720000" cy="720000"/>
+          </a:xfrm>
+          <a:prstGeom prst="ellipse">
+            <a:avLst/>
+          </a:prstGeom>
+          <a:noFill/>
+          <a:ln>
+            <a:solidFill>
+              <a:schemeClr val="tx1"/>
+            </a:solidFill>
+          </a:ln>
+        </p:spPr>
+        <p:style>
+          <a:lnRef idx="2">
+            <a:schemeClr val="accent1">
+              <a:shade val="15000"/>
+            </a:schemeClr>
+          </a:lnRef>
+          <a:fillRef idx="1">
+            <a:schemeClr val="accent1"/>
+          </a:fillRef>
+          <a:effectRef idx="0">
+            <a:schemeClr val="accent1"/>
+          </a:effectRef>
+          <a:fontRef idx="minor">
+            <a:schemeClr val="lt1"/>
+          </a:fontRef>
+        </p:style>
+        <p:txBody>
+          <a:bodyPr rtlCol="0" anchor="ctr"/>
+          <a:lstStyle/>
+          <a:p>
+            <a:pPr algn="ctr"/>
+            <a:endParaRPr lang="pt-BR"/>
+          </a:p>
+        </p:txBody>
+      </p:sp>
+      <p:sp>
+        <p:nvSpPr>
+          <p:cNvPr id="29" name="Elipse 28">
+            <a:extLst>
+              <a:ext uri="{FF2B5EF4-FFF2-40B4-BE49-F238E27FC236}">
+                <a16:creationId xmlns:a16="http://schemas.microsoft.com/office/drawing/2014/main" id="{091663C6-A477-5010-CD10-12CE0997D8D3}"/>
+              </a:ext>
+            </a:extLst>
+          </p:cNvPr>
+          <p:cNvSpPr/>
+          <p:nvPr/>
+        </p:nvSpPr>
+        <p:spPr>
+          <a:xfrm>
+            <a:off x="7280445" y="2976944"/>
+            <a:ext cx="720000" cy="720000"/>
+          </a:xfrm>
+          <a:prstGeom prst="ellipse">
+            <a:avLst/>
+          </a:prstGeom>
+          <a:solidFill>
+            <a:srgbClr val="C00000">
+              <a:alpha val="15000"/>
+            </a:srgbClr>
+          </a:solidFill>
+          <a:ln>
+            <a:solidFill>
+              <a:schemeClr val="tx1"/>
+            </a:solidFill>
+          </a:ln>
+        </p:spPr>
+        <p:style>
+          <a:lnRef idx="2">
+            <a:schemeClr val="accent1">
+              <a:shade val="15000"/>
+            </a:schemeClr>
+          </a:lnRef>
+          <a:fillRef idx="1">
+            <a:schemeClr val="accent1"/>
+          </a:fillRef>
+          <a:effectRef idx="0">
+            <a:schemeClr val="accent1"/>
+          </a:effectRef>
+          <a:fontRef idx="minor">
+            <a:schemeClr val="lt1"/>
+          </a:fontRef>
+        </p:style>
+        <p:txBody>
+          <a:bodyPr rtlCol="0" anchor="ctr"/>
+          <a:lstStyle/>
+          <a:p>
+            <a:pPr algn="ctr"/>
+            <a:endParaRPr lang="pt-BR"/>
+          </a:p>
+        </p:txBody>
+      </p:sp>
+      <p:sp>
+        <p:nvSpPr>
+          <p:cNvPr id="30" name="Elipse 29">
+            <a:extLst>
+              <a:ext uri="{FF2B5EF4-FFF2-40B4-BE49-F238E27FC236}">
+                <a16:creationId xmlns:a16="http://schemas.microsoft.com/office/drawing/2014/main" id="{74F50EDF-00D2-48F1-9EA5-19BEB2489BA2}"/>
+              </a:ext>
+            </a:extLst>
+          </p:cNvPr>
+          <p:cNvSpPr/>
+          <p:nvPr/>
+        </p:nvSpPr>
+        <p:spPr>
+          <a:xfrm>
+            <a:off x="8715788" y="2977313"/>
+            <a:ext cx="720000" cy="720000"/>
+          </a:xfrm>
+          <a:prstGeom prst="ellipse">
+            <a:avLst/>
+          </a:prstGeom>
+          <a:solidFill>
+            <a:schemeClr val="accent1">
+              <a:alpha val="15000"/>
+            </a:schemeClr>
+          </a:solidFill>
+          <a:ln>
+            <a:solidFill>
+              <a:schemeClr val="tx1"/>
+            </a:solidFill>
+          </a:ln>
+        </p:spPr>
+        <p:style>
+          <a:lnRef idx="2">
+            <a:schemeClr val="accent1">
+              <a:shade val="15000"/>
+            </a:schemeClr>
+          </a:lnRef>
+          <a:fillRef idx="1">
+            <a:schemeClr val="accent1"/>
+          </a:fillRef>
+          <a:effectRef idx="0">
+            <a:schemeClr val="accent1"/>
+          </a:effectRef>
+          <a:fontRef idx="minor">
+            <a:schemeClr val="lt1"/>
+          </a:fontRef>
+        </p:style>
+        <p:txBody>
+          <a:bodyPr rtlCol="0" anchor="ctr"/>
+          <a:lstStyle/>
+          <a:p>
+            <a:pPr algn="ctr"/>
+            <a:endParaRPr lang="pt-BR"/>
+          </a:p>
+        </p:txBody>
+      </p:sp>
+      <p:cxnSp>
+        <p:nvCxnSpPr>
+          <p:cNvPr id="31" name="Conector reto 30">
+            <a:extLst>
+              <a:ext uri="{FF2B5EF4-FFF2-40B4-BE49-F238E27FC236}">
+                <a16:creationId xmlns:a16="http://schemas.microsoft.com/office/drawing/2014/main" id="{928CB949-7A1D-7DEB-E11F-0599E4449898}"/>
+              </a:ext>
+            </a:extLst>
+          </p:cNvPr>
+          <p:cNvCxnSpPr>
+            <a:cxnSpLocks/>
+            <a:stCxn id="28" idx="3"/>
+            <a:endCxn id="29" idx="7"/>
+          </p:cNvCxnSpPr>
+          <p:nvPr/>
+        </p:nvCxnSpPr>
+        <p:spPr>
+          <a:xfrm flipH="1">
+            <a:off x="7895003" y="2800688"/>
+            <a:ext cx="206227" cy="281698"/>
+          </a:xfrm>
+          <a:prstGeom prst="line">
+            <a:avLst/>
+          </a:prstGeom>
+          <a:ln w="19050">
+            <a:solidFill>
+              <a:schemeClr val="tx1"/>
+            </a:solidFill>
+          </a:ln>
+        </p:spPr>
+        <p:style>
+          <a:lnRef idx="1">
+            <a:schemeClr val="accent1"/>
+          </a:lnRef>
+          <a:fillRef idx="0">
+            <a:schemeClr val="accent1"/>
+          </a:fillRef>
+          <a:effectRef idx="0">
+            <a:schemeClr val="accent1"/>
+          </a:effectRef>
+          <a:fontRef idx="minor">
+            <a:schemeClr val="tx1"/>
+          </a:fontRef>
+        </p:style>
+      </p:cxnSp>
+      <p:cxnSp>
+        <p:nvCxnSpPr>
+          <p:cNvPr id="32" name="Conector reto 31">
+            <a:extLst>
+              <a:ext uri="{FF2B5EF4-FFF2-40B4-BE49-F238E27FC236}">
+                <a16:creationId xmlns:a16="http://schemas.microsoft.com/office/drawing/2014/main" id="{2787ED70-8978-7F8E-5C9A-A4568576FDA5}"/>
+              </a:ext>
+            </a:extLst>
+          </p:cNvPr>
+          <p:cNvCxnSpPr>
+            <a:cxnSpLocks/>
+            <a:stCxn id="28" idx="5"/>
+            <a:endCxn id="30" idx="1"/>
+          </p:cNvCxnSpPr>
+          <p:nvPr/>
+        </p:nvCxnSpPr>
+        <p:spPr>
+          <a:xfrm>
+            <a:off x="8610346" y="2800688"/>
+            <a:ext cx="210884" cy="282067"/>
+          </a:xfrm>
+          <a:prstGeom prst="line">
+            <a:avLst/>
+          </a:prstGeom>
+          <a:ln w="19050">
+            <a:solidFill>
+              <a:schemeClr val="tx1"/>
+            </a:solidFill>
+          </a:ln>
+        </p:spPr>
+        <p:style>
+          <a:lnRef idx="1">
+            <a:schemeClr val="accent1"/>
+          </a:lnRef>
+          <a:fillRef idx="0">
+            <a:schemeClr val="accent1"/>
+          </a:fillRef>
+          <a:effectRef idx="0">
+            <a:schemeClr val="accent1"/>
+          </a:effectRef>
+          <a:fontRef idx="minor">
+            <a:schemeClr val="tx1"/>
+          </a:fontRef>
+        </p:style>
+      </p:cxnSp>
+      <p:sp>
+        <p:nvSpPr>
+          <p:cNvPr id="33" name="Elipse 32">
+            <a:extLst>
+              <a:ext uri="{FF2B5EF4-FFF2-40B4-BE49-F238E27FC236}">
+                <a16:creationId xmlns:a16="http://schemas.microsoft.com/office/drawing/2014/main" id="{E51CE2DD-65B5-036D-C274-225533916417}"/>
+              </a:ext>
+            </a:extLst>
+          </p:cNvPr>
+          <p:cNvSpPr/>
+          <p:nvPr/>
+        </p:nvSpPr>
+        <p:spPr>
+          <a:xfrm>
+            <a:off x="8360084" y="2261505"/>
+            <a:ext cx="72000" cy="72000"/>
+          </a:xfrm>
+          <a:prstGeom prst="ellipse">
+            <a:avLst/>
+          </a:prstGeom>
+          <a:solidFill>
+            <a:srgbClr val="C00000"/>
+          </a:solidFill>
+          <a:ln>
+            <a:noFill/>
+          </a:ln>
+        </p:spPr>
+        <p:style>
+          <a:lnRef idx="2">
+            <a:schemeClr val="accent1">
+              <a:shade val="15000"/>
+            </a:schemeClr>
+          </a:lnRef>
+          <a:fillRef idx="1">
+            <a:schemeClr val="accent1"/>
+          </a:fillRef>
+          <a:effectRef idx="0">
+            <a:schemeClr val="accent1"/>
+          </a:effectRef>
+          <a:fontRef idx="minor">
+            <a:schemeClr val="lt1"/>
+          </a:fontRef>
+        </p:style>
+        <p:txBody>
+          <a:bodyPr rtlCol="0" anchor="ctr"/>
+          <a:lstStyle/>
+          <a:p>
+            <a:pPr algn="ctr"/>
+            <a:endParaRPr lang="pt-BR"/>
+          </a:p>
+        </p:txBody>
+      </p:sp>
+      <p:sp>
+        <p:nvSpPr>
+          <p:cNvPr id="34" name="Elipse 33">
+            <a:extLst>
+              <a:ext uri="{FF2B5EF4-FFF2-40B4-BE49-F238E27FC236}">
+                <a16:creationId xmlns:a16="http://schemas.microsoft.com/office/drawing/2014/main" id="{CD19E509-6BEA-B21E-FFBA-26071DB94893}"/>
+              </a:ext>
+            </a:extLst>
+          </p:cNvPr>
+          <p:cNvSpPr/>
+          <p:nvPr/>
+        </p:nvSpPr>
+        <p:spPr>
+          <a:xfrm>
+            <a:off x="8508264" y="2621305"/>
+            <a:ext cx="72000" cy="72000"/>
+          </a:xfrm>
+          <a:prstGeom prst="ellipse">
+            <a:avLst/>
+          </a:prstGeom>
+          <a:solidFill>
+            <a:srgbClr val="C00000"/>
+          </a:solidFill>
+          <a:ln>
+            <a:noFill/>
+          </a:ln>
+        </p:spPr>
+        <p:style>
+          <a:lnRef idx="2">
+            <a:schemeClr val="accent1">
+              <a:shade val="15000"/>
+            </a:schemeClr>
+          </a:lnRef>
+          <a:fillRef idx="1">
+            <a:schemeClr val="accent1"/>
+          </a:fillRef>
+          <a:effectRef idx="0">
+            <a:schemeClr val="accent1"/>
+          </a:effectRef>
+          <a:fontRef idx="minor">
+            <a:schemeClr val="lt1"/>
+          </a:fontRef>
+        </p:style>
+        <p:txBody>
+          <a:bodyPr rtlCol="0" anchor="ctr"/>
+          <a:lstStyle/>
+          <a:p>
+            <a:pPr algn="ctr"/>
+            <a:endParaRPr lang="pt-BR"/>
+          </a:p>
+        </p:txBody>
+      </p:sp>
+      <p:sp>
+        <p:nvSpPr>
+          <p:cNvPr id="35" name="Elipse 34">
+            <a:extLst>
+              <a:ext uri="{FF2B5EF4-FFF2-40B4-BE49-F238E27FC236}">
+                <a16:creationId xmlns:a16="http://schemas.microsoft.com/office/drawing/2014/main" id="{ABD308EC-B4EA-AF9E-97FF-5A93165C06D4}"/>
+              </a:ext>
+            </a:extLst>
+          </p:cNvPr>
+          <p:cNvSpPr/>
+          <p:nvPr/>
+        </p:nvSpPr>
+        <p:spPr>
+          <a:xfrm>
+            <a:off x="7698412" y="3085691"/>
+            <a:ext cx="72000" cy="72000"/>
+          </a:xfrm>
+          <a:prstGeom prst="ellipse">
+            <a:avLst/>
+          </a:prstGeom>
+          <a:solidFill>
+            <a:srgbClr val="C00000"/>
+          </a:solidFill>
+          <a:ln>
+            <a:noFill/>
+          </a:ln>
+        </p:spPr>
+        <p:style>
+          <a:lnRef idx="2">
+            <a:schemeClr val="accent1">
+              <a:shade val="15000"/>
+            </a:schemeClr>
+          </a:lnRef>
+          <a:fillRef idx="1">
+            <a:schemeClr val="accent1"/>
+          </a:fillRef>
+          <a:effectRef idx="0">
+            <a:schemeClr val="accent1"/>
+          </a:effectRef>
+          <a:fontRef idx="minor">
+            <a:schemeClr val="lt1"/>
+          </a:fontRef>
+        </p:style>
+        <p:txBody>
+          <a:bodyPr rtlCol="0" anchor="ctr"/>
+          <a:lstStyle/>
+          <a:p>
+            <a:pPr algn="ctr"/>
+            <a:endParaRPr lang="pt-BR"/>
+          </a:p>
+        </p:txBody>
+      </p:sp>
+      <p:sp>
+        <p:nvSpPr>
+          <p:cNvPr id="36" name="Elipse 35">
+            <a:extLst>
+              <a:ext uri="{FF2B5EF4-FFF2-40B4-BE49-F238E27FC236}">
+                <a16:creationId xmlns:a16="http://schemas.microsoft.com/office/drawing/2014/main" id="{64DA90CE-DB59-D5B5-0D93-0D8D8D99E7C0}"/>
+              </a:ext>
+            </a:extLst>
+          </p:cNvPr>
+          <p:cNvSpPr/>
+          <p:nvPr/>
+        </p:nvSpPr>
+        <p:spPr>
+          <a:xfrm>
+            <a:off x="8156492" y="2514599"/>
+            <a:ext cx="72000" cy="72000"/>
+          </a:xfrm>
+          <a:prstGeom prst="ellipse">
+            <a:avLst/>
+          </a:prstGeom>
+          <a:solidFill>
+            <a:srgbClr val="C00000"/>
+          </a:solidFill>
+          <a:ln>
+            <a:noFill/>
+          </a:ln>
+        </p:spPr>
+        <p:style>
+          <a:lnRef idx="2">
+            <a:schemeClr val="accent1">
+              <a:shade val="15000"/>
+            </a:schemeClr>
+          </a:lnRef>
+          <a:fillRef idx="1">
+            <a:schemeClr val="accent1"/>
+          </a:fillRef>
+          <a:effectRef idx="0">
+            <a:schemeClr val="accent1"/>
+          </a:effectRef>
+          <a:fontRef idx="minor">
+            <a:schemeClr val="lt1"/>
+          </a:fontRef>
+        </p:style>
+        <p:txBody>
+          <a:bodyPr rtlCol="0" anchor="ctr"/>
+          <a:lstStyle/>
+          <a:p>
+            <a:pPr algn="ctr"/>
+            <a:endParaRPr lang="pt-BR"/>
+          </a:p>
+        </p:txBody>
+      </p:sp>
+      <p:sp>
+        <p:nvSpPr>
+          <p:cNvPr id="37" name="Elipse 36">
+            <a:extLst>
+              <a:ext uri="{FF2B5EF4-FFF2-40B4-BE49-F238E27FC236}">
+                <a16:creationId xmlns:a16="http://schemas.microsoft.com/office/drawing/2014/main" id="{00FD076A-EA52-C678-63F6-039C74825668}"/>
+              </a:ext>
+            </a:extLst>
+          </p:cNvPr>
+          <p:cNvSpPr/>
+          <p:nvPr/>
+        </p:nvSpPr>
+        <p:spPr>
+          <a:xfrm>
+            <a:off x="8156492" y="2326199"/>
+            <a:ext cx="72000" cy="72000"/>
+          </a:xfrm>
+          <a:prstGeom prst="ellipse">
+            <a:avLst/>
+          </a:prstGeom>
+          <a:solidFill>
+            <a:schemeClr val="accent1"/>
+          </a:solidFill>
+          <a:ln>
+            <a:noFill/>
+          </a:ln>
+        </p:spPr>
+        <p:style>
+          <a:lnRef idx="2">
+            <a:schemeClr val="accent1">
+              <a:shade val="15000"/>
+            </a:schemeClr>
+          </a:lnRef>
+          <a:fillRef idx="1">
+            <a:schemeClr val="accent1"/>
+          </a:fillRef>
+          <a:effectRef idx="0">
+            <a:schemeClr val="accent1"/>
+          </a:effectRef>
+          <a:fontRef idx="minor">
+            <a:schemeClr val="lt1"/>
+          </a:fontRef>
+        </p:style>
+        <p:txBody>
+          <a:bodyPr rtlCol="0" anchor="ctr"/>
+          <a:lstStyle/>
+          <a:p>
+            <a:pPr algn="ctr"/>
+            <a:endParaRPr lang="pt-BR"/>
+          </a:p>
+        </p:txBody>
+      </p:sp>
+      <p:sp>
+        <p:nvSpPr>
+          <p:cNvPr id="38" name="Elipse 37">
+            <a:extLst>
+              <a:ext uri="{FF2B5EF4-FFF2-40B4-BE49-F238E27FC236}">
+                <a16:creationId xmlns:a16="http://schemas.microsoft.com/office/drawing/2014/main" id="{991C7B34-CEC6-D093-4E6F-ED50BDF27831}"/>
+              </a:ext>
+            </a:extLst>
+          </p:cNvPr>
+          <p:cNvSpPr/>
+          <p:nvPr/>
+        </p:nvSpPr>
+        <p:spPr>
+          <a:xfrm>
+            <a:off x="8515324" y="2398199"/>
+            <a:ext cx="72000" cy="72000"/>
+          </a:xfrm>
+          <a:prstGeom prst="ellipse">
+            <a:avLst/>
+          </a:prstGeom>
+          <a:solidFill>
+            <a:schemeClr val="accent1"/>
+          </a:solidFill>
+          <a:ln>
+            <a:noFill/>
+          </a:ln>
+        </p:spPr>
+        <p:style>
+          <a:lnRef idx="2">
+            <a:schemeClr val="accent1">
+              <a:shade val="15000"/>
+            </a:schemeClr>
+          </a:lnRef>
+          <a:fillRef idx="1">
+            <a:schemeClr val="accent1"/>
+          </a:fillRef>
+          <a:effectRef idx="0">
+            <a:schemeClr val="accent1"/>
+          </a:effectRef>
+          <a:fontRef idx="minor">
+            <a:schemeClr val="lt1"/>
+          </a:fontRef>
+        </p:style>
+        <p:txBody>
+          <a:bodyPr rtlCol="0" anchor="ctr"/>
+          <a:lstStyle/>
+          <a:p>
+            <a:pPr algn="ctr"/>
+            <a:endParaRPr lang="pt-BR"/>
+          </a:p>
+        </p:txBody>
+      </p:sp>
+      <p:sp>
+        <p:nvSpPr>
+          <p:cNvPr id="39" name="Elipse 38">
+            <a:extLst>
+              <a:ext uri="{FF2B5EF4-FFF2-40B4-BE49-F238E27FC236}">
+                <a16:creationId xmlns:a16="http://schemas.microsoft.com/office/drawing/2014/main" id="{3B4C3F78-2F47-79B9-A402-73EE6E9020D9}"/>
+              </a:ext>
+            </a:extLst>
+          </p:cNvPr>
+          <p:cNvSpPr/>
+          <p:nvPr/>
+        </p:nvSpPr>
+        <p:spPr>
+          <a:xfrm>
+            <a:off x="8151458" y="2692687"/>
+            <a:ext cx="72000" cy="72000"/>
+          </a:xfrm>
+          <a:prstGeom prst="ellipse">
+            <a:avLst/>
+          </a:prstGeom>
+          <a:solidFill>
+            <a:schemeClr val="accent1"/>
+          </a:solidFill>
+          <a:ln>
+            <a:noFill/>
+          </a:ln>
+        </p:spPr>
+        <p:style>
+          <a:lnRef idx="2">
+            <a:schemeClr val="accent1">
+              <a:shade val="15000"/>
+            </a:schemeClr>
+          </a:lnRef>
+          <a:fillRef idx="1">
+            <a:schemeClr val="accent1"/>
+          </a:fillRef>
+          <a:effectRef idx="0">
+            <a:schemeClr val="accent1"/>
+          </a:effectRef>
+          <a:fontRef idx="minor">
+            <a:schemeClr val="lt1"/>
+          </a:fontRef>
+        </p:style>
+        <p:txBody>
+          <a:bodyPr rtlCol="0" anchor="ctr"/>
+          <a:lstStyle/>
+          <a:p>
+            <a:pPr algn="ctr"/>
+            <a:endParaRPr lang="pt-BR"/>
+          </a:p>
+        </p:txBody>
+      </p:sp>
+      <p:sp>
+        <p:nvSpPr>
+          <p:cNvPr id="40" name="Elipse 39">
+            <a:extLst>
+              <a:ext uri="{FF2B5EF4-FFF2-40B4-BE49-F238E27FC236}">
+                <a16:creationId xmlns:a16="http://schemas.microsoft.com/office/drawing/2014/main" id="{B9A47CF5-8B57-3926-20F3-5BF4E0056DFC}"/>
+              </a:ext>
+            </a:extLst>
+          </p:cNvPr>
+          <p:cNvSpPr/>
+          <p:nvPr/>
+        </p:nvSpPr>
+        <p:spPr>
+          <a:xfrm>
+            <a:off x="8335908" y="2470199"/>
+            <a:ext cx="72000" cy="72000"/>
+          </a:xfrm>
+          <a:prstGeom prst="ellipse">
+            <a:avLst/>
+          </a:prstGeom>
+          <a:solidFill>
+            <a:schemeClr val="accent1"/>
+          </a:solidFill>
+          <a:ln>
+            <a:noFill/>
+          </a:ln>
+        </p:spPr>
+        <p:style>
+          <a:lnRef idx="2">
+            <a:schemeClr val="accent1">
+              <a:shade val="15000"/>
+            </a:schemeClr>
+          </a:lnRef>
+          <a:fillRef idx="1">
+            <a:schemeClr val="accent1"/>
+          </a:fillRef>
+          <a:effectRef idx="0">
+            <a:schemeClr val="accent1"/>
+          </a:effectRef>
+          <a:fontRef idx="minor">
+            <a:schemeClr val="lt1"/>
+          </a:fontRef>
+        </p:style>
+        <p:txBody>
+          <a:bodyPr rtlCol="0" anchor="ctr"/>
+          <a:lstStyle/>
+          <a:p>
+            <a:pPr algn="ctr"/>
+            <a:endParaRPr lang="pt-BR"/>
+          </a:p>
+        </p:txBody>
+      </p:sp>
+      <p:sp>
+        <p:nvSpPr>
+          <p:cNvPr id="45" name="Elipse 44">
+            <a:extLst>
+              <a:ext uri="{FF2B5EF4-FFF2-40B4-BE49-F238E27FC236}">
+                <a16:creationId xmlns:a16="http://schemas.microsoft.com/office/drawing/2014/main" id="{CF9787F6-D7E2-33EB-1180-6F5982B30B2E}"/>
+              </a:ext>
+            </a:extLst>
+          </p:cNvPr>
+          <p:cNvSpPr/>
+          <p:nvPr/>
+        </p:nvSpPr>
+        <p:spPr>
+          <a:xfrm>
+            <a:off x="4933762" y="3211063"/>
+            <a:ext cx="72000" cy="72000"/>
+          </a:xfrm>
+          <a:prstGeom prst="ellipse">
+            <a:avLst/>
+          </a:prstGeom>
+          <a:solidFill>
+            <a:srgbClr val="C00000"/>
+          </a:solidFill>
+          <a:ln>
+            <a:noFill/>
+          </a:ln>
+        </p:spPr>
+        <p:style>
+          <a:lnRef idx="2">
+            <a:schemeClr val="accent1">
+              <a:shade val="15000"/>
+            </a:schemeClr>
+          </a:lnRef>
+          <a:fillRef idx="1">
+            <a:schemeClr val="accent1"/>
+          </a:fillRef>
+          <a:effectRef idx="0">
+            <a:schemeClr val="accent1"/>
+          </a:effectRef>
+          <a:fontRef idx="minor">
+            <a:schemeClr val="lt1"/>
+          </a:fontRef>
+        </p:style>
+        <p:txBody>
+          <a:bodyPr rtlCol="0" anchor="ctr"/>
+          <a:lstStyle/>
+          <a:p>
+            <a:pPr algn="ctr"/>
+            <a:endParaRPr lang="pt-BR"/>
+          </a:p>
+        </p:txBody>
+      </p:sp>
+      <p:sp>
+        <p:nvSpPr>
+          <p:cNvPr id="46" name="Elipse 45">
+            <a:extLst>
+              <a:ext uri="{FF2B5EF4-FFF2-40B4-BE49-F238E27FC236}">
+                <a16:creationId xmlns:a16="http://schemas.microsoft.com/office/drawing/2014/main" id="{32230791-E010-21D6-F05D-178263B5801A}"/>
+              </a:ext>
+            </a:extLst>
+          </p:cNvPr>
+          <p:cNvSpPr/>
+          <p:nvPr/>
+        </p:nvSpPr>
+        <p:spPr>
+          <a:xfrm>
+            <a:off x="5184366" y="3104014"/>
+            <a:ext cx="72000" cy="72000"/>
+          </a:xfrm>
+          <a:prstGeom prst="ellipse">
+            <a:avLst/>
+          </a:prstGeom>
+          <a:solidFill>
+            <a:srgbClr val="C00000"/>
+          </a:solidFill>
+          <a:ln>
+            <a:noFill/>
+          </a:ln>
+        </p:spPr>
+        <p:style>
+          <a:lnRef idx="2">
+            <a:schemeClr val="accent1">
+              <a:shade val="15000"/>
+            </a:schemeClr>
+          </a:lnRef>
+          <a:fillRef idx="1">
+            <a:schemeClr val="accent1"/>
+          </a:fillRef>
+          <a:effectRef idx="0">
+            <a:schemeClr val="accent1"/>
+          </a:effectRef>
+          <a:fontRef idx="minor">
+            <a:schemeClr val="lt1"/>
+          </a:fontRef>
+        </p:style>
+        <p:txBody>
+          <a:bodyPr rtlCol="0" anchor="ctr"/>
+          <a:lstStyle/>
+          <a:p>
+            <a:pPr algn="ctr"/>
+            <a:endParaRPr lang="pt-BR"/>
+          </a:p>
+        </p:txBody>
+      </p:sp>
+      <p:sp>
+        <p:nvSpPr>
+          <p:cNvPr id="47" name="Elipse 46">
+            <a:extLst>
+              <a:ext uri="{FF2B5EF4-FFF2-40B4-BE49-F238E27FC236}">
+                <a16:creationId xmlns:a16="http://schemas.microsoft.com/office/drawing/2014/main" id="{DE9E3B51-147D-07B7-1FB0-649E2B8D1269}"/>
+              </a:ext>
+            </a:extLst>
+          </p:cNvPr>
+          <p:cNvSpPr/>
+          <p:nvPr/>
+        </p:nvSpPr>
+        <p:spPr>
+          <a:xfrm>
+            <a:off x="5112366" y="3525366"/>
+            <a:ext cx="72000" cy="72000"/>
+          </a:xfrm>
+          <a:prstGeom prst="ellipse">
+            <a:avLst/>
+          </a:prstGeom>
+          <a:solidFill>
+            <a:srgbClr val="C00000"/>
+          </a:solidFill>
+          <a:ln>
+            <a:noFill/>
+          </a:ln>
+        </p:spPr>
+        <p:style>
+          <a:lnRef idx="2">
+            <a:schemeClr val="accent1">
+              <a:shade val="15000"/>
+            </a:schemeClr>
+          </a:lnRef>
+          <a:fillRef idx="1">
+            <a:schemeClr val="accent1"/>
+          </a:fillRef>
+          <a:effectRef idx="0">
+            <a:schemeClr val="accent1"/>
+          </a:effectRef>
+          <a:fontRef idx="minor">
+            <a:schemeClr val="lt1"/>
+          </a:fontRef>
+        </p:style>
+        <p:txBody>
+          <a:bodyPr rtlCol="0" anchor="ctr"/>
+          <a:lstStyle/>
+          <a:p>
+            <a:pPr algn="ctr"/>
+            <a:endParaRPr lang="pt-BR"/>
+          </a:p>
+        </p:txBody>
+      </p:sp>
+      <p:sp>
+        <p:nvSpPr>
+          <p:cNvPr id="48" name="Elipse 47">
+            <a:extLst>
+              <a:ext uri="{FF2B5EF4-FFF2-40B4-BE49-F238E27FC236}">
+                <a16:creationId xmlns:a16="http://schemas.microsoft.com/office/drawing/2014/main" id="{D875CBEB-D596-278A-8C40-B8C37E882418}"/>
+              </a:ext>
+            </a:extLst>
+          </p:cNvPr>
+          <p:cNvSpPr/>
+          <p:nvPr/>
+        </p:nvSpPr>
+        <p:spPr>
+          <a:xfrm>
+            <a:off x="5138356" y="3308677"/>
+            <a:ext cx="72000" cy="72000"/>
+          </a:xfrm>
+          <a:prstGeom prst="ellipse">
+            <a:avLst/>
+          </a:prstGeom>
+          <a:solidFill>
+            <a:schemeClr val="accent1"/>
+          </a:solidFill>
+          <a:ln>
+            <a:noFill/>
+          </a:ln>
+        </p:spPr>
+        <p:style>
+          <a:lnRef idx="2">
+            <a:schemeClr val="accent1">
+              <a:shade val="15000"/>
+            </a:schemeClr>
+          </a:lnRef>
+          <a:fillRef idx="1">
+            <a:schemeClr val="accent1"/>
+          </a:fillRef>
+          <a:effectRef idx="0">
+            <a:schemeClr val="accent1"/>
+          </a:effectRef>
+          <a:fontRef idx="minor">
+            <a:schemeClr val="lt1"/>
+          </a:fontRef>
+        </p:style>
+        <p:txBody>
+          <a:bodyPr rtlCol="0" anchor="ctr"/>
+          <a:lstStyle/>
+          <a:p>
+            <a:pPr algn="ctr"/>
+            <a:endParaRPr lang="pt-BR"/>
+          </a:p>
+        </p:txBody>
+      </p:sp>
+      <p:sp>
+        <p:nvSpPr>
+          <p:cNvPr id="49" name="Elipse 48">
+            <a:extLst>
+              <a:ext uri="{FF2B5EF4-FFF2-40B4-BE49-F238E27FC236}">
+                <a16:creationId xmlns:a16="http://schemas.microsoft.com/office/drawing/2014/main" id="{94C3E635-2787-825D-0AD0-3D00B3755779}"/>
+              </a:ext>
+            </a:extLst>
+          </p:cNvPr>
+          <p:cNvSpPr/>
+          <p:nvPr/>
+        </p:nvSpPr>
+        <p:spPr>
+          <a:xfrm>
+            <a:off x="6311947" y="3294982"/>
+            <a:ext cx="72000" cy="72000"/>
+          </a:xfrm>
+          <a:prstGeom prst="ellipse">
+            <a:avLst/>
+          </a:prstGeom>
+          <a:solidFill>
+            <a:schemeClr val="accent1"/>
+          </a:solidFill>
+          <a:ln>
+            <a:noFill/>
+          </a:ln>
+        </p:spPr>
+        <p:style>
+          <a:lnRef idx="2">
+            <a:schemeClr val="accent1">
+              <a:shade val="15000"/>
+            </a:schemeClr>
+          </a:lnRef>
+          <a:fillRef idx="1">
+            <a:schemeClr val="accent1"/>
+          </a:fillRef>
+          <a:effectRef idx="0">
+            <a:schemeClr val="accent1"/>
+          </a:effectRef>
+          <a:fontRef idx="minor">
+            <a:schemeClr val="lt1"/>
+          </a:fontRef>
+        </p:style>
+        <p:txBody>
+          <a:bodyPr rtlCol="0" anchor="ctr"/>
+          <a:lstStyle/>
+          <a:p>
+            <a:pPr algn="ctr"/>
+            <a:endParaRPr lang="pt-BR"/>
+          </a:p>
+        </p:txBody>
+      </p:sp>
+      <p:sp>
+        <p:nvSpPr>
+          <p:cNvPr id="50" name="Elipse 49">
+            <a:extLst>
+              <a:ext uri="{FF2B5EF4-FFF2-40B4-BE49-F238E27FC236}">
+                <a16:creationId xmlns:a16="http://schemas.microsoft.com/office/drawing/2014/main" id="{630EAB11-1BAC-258B-E81F-5DC64226D7A9}"/>
+              </a:ext>
+            </a:extLst>
+          </p:cNvPr>
+          <p:cNvSpPr/>
+          <p:nvPr/>
+        </p:nvSpPr>
+        <p:spPr>
+          <a:xfrm>
+            <a:off x="6511758" y="3489366"/>
+            <a:ext cx="72000" cy="72000"/>
+          </a:xfrm>
+          <a:prstGeom prst="ellipse">
+            <a:avLst/>
+          </a:prstGeom>
+          <a:solidFill>
+            <a:schemeClr val="accent1"/>
+          </a:solidFill>
+          <a:ln>
+            <a:noFill/>
+          </a:ln>
+        </p:spPr>
+        <p:style>
+          <a:lnRef idx="2">
+            <a:schemeClr val="accent1">
+              <a:shade val="15000"/>
+            </a:schemeClr>
+          </a:lnRef>
+          <a:fillRef idx="1">
+            <a:schemeClr val="accent1"/>
+          </a:fillRef>
+          <a:effectRef idx="0">
+            <a:schemeClr val="accent1"/>
+          </a:effectRef>
+          <a:fontRef idx="minor">
+            <a:schemeClr val="lt1"/>
+          </a:fontRef>
+        </p:style>
+        <p:txBody>
+          <a:bodyPr rtlCol="0" anchor="ctr"/>
+          <a:lstStyle/>
+          <a:p>
+            <a:pPr algn="ctr"/>
+            <a:endParaRPr lang="pt-BR"/>
+          </a:p>
+        </p:txBody>
+      </p:sp>
+      <p:sp>
+        <p:nvSpPr>
+          <p:cNvPr id="51" name="Elipse 50">
+            <a:extLst>
+              <a:ext uri="{FF2B5EF4-FFF2-40B4-BE49-F238E27FC236}">
+                <a16:creationId xmlns:a16="http://schemas.microsoft.com/office/drawing/2014/main" id="{37367F80-E9A1-B948-7647-E2F9FF958D49}"/>
+              </a:ext>
+            </a:extLst>
+          </p:cNvPr>
+          <p:cNvSpPr/>
+          <p:nvPr/>
+        </p:nvSpPr>
+        <p:spPr>
+          <a:xfrm>
+            <a:off x="6626907" y="3139063"/>
+            <a:ext cx="72000" cy="72000"/>
+          </a:xfrm>
+          <a:prstGeom prst="ellipse">
+            <a:avLst/>
+          </a:prstGeom>
+          <a:solidFill>
+            <a:schemeClr val="accent1"/>
+          </a:solidFill>
+          <a:ln>
+            <a:noFill/>
+          </a:ln>
+        </p:spPr>
+        <p:style>
+          <a:lnRef idx="2">
+            <a:schemeClr val="accent1">
+              <a:shade val="15000"/>
+            </a:schemeClr>
+          </a:lnRef>
+          <a:fillRef idx="1">
+            <a:schemeClr val="accent1"/>
+          </a:fillRef>
+          <a:effectRef idx="0">
+            <a:schemeClr val="accent1"/>
+          </a:effectRef>
+          <a:fontRef idx="minor">
+            <a:schemeClr val="lt1"/>
+          </a:fontRef>
+        </p:style>
+        <p:txBody>
+          <a:bodyPr rtlCol="0" anchor="ctr"/>
+          <a:lstStyle/>
+          <a:p>
+            <a:pPr algn="ctr"/>
+            <a:endParaRPr lang="pt-BR"/>
+          </a:p>
+        </p:txBody>
+      </p:sp>
+      <p:sp>
+        <p:nvSpPr>
+          <p:cNvPr id="52" name="Elipse 51">
+            <a:extLst>
+              <a:ext uri="{FF2B5EF4-FFF2-40B4-BE49-F238E27FC236}">
+                <a16:creationId xmlns:a16="http://schemas.microsoft.com/office/drawing/2014/main" id="{A06F3CEB-0F2A-3167-B349-69DD29010233}"/>
+              </a:ext>
+            </a:extLst>
+          </p:cNvPr>
+          <p:cNvSpPr/>
+          <p:nvPr/>
+        </p:nvSpPr>
+        <p:spPr>
+          <a:xfrm>
+            <a:off x="6428872" y="3099183"/>
+            <a:ext cx="72000" cy="72000"/>
+          </a:xfrm>
+          <a:prstGeom prst="ellipse">
+            <a:avLst/>
+          </a:prstGeom>
+          <a:solidFill>
+            <a:srgbClr val="C00000"/>
+          </a:solidFill>
+          <a:ln>
+            <a:noFill/>
+          </a:ln>
+        </p:spPr>
+        <p:style>
+          <a:lnRef idx="2">
+            <a:schemeClr val="accent1">
+              <a:shade val="15000"/>
+            </a:schemeClr>
+          </a:lnRef>
+          <a:fillRef idx="1">
+            <a:schemeClr val="accent1"/>
+          </a:fillRef>
+          <a:effectRef idx="0">
+            <a:schemeClr val="accent1"/>
+          </a:effectRef>
+          <a:fontRef idx="minor">
+            <a:schemeClr val="lt1"/>
+          </a:fontRef>
+        </p:style>
+        <p:txBody>
+          <a:bodyPr rtlCol="0" anchor="ctr"/>
+          <a:lstStyle/>
+          <a:p>
+            <a:pPr algn="ctr"/>
+            <a:endParaRPr lang="pt-BR"/>
+          </a:p>
+        </p:txBody>
+      </p:sp>
+      <p:sp>
+        <p:nvSpPr>
+          <p:cNvPr id="53" name="Elipse 52">
+            <a:extLst>
+              <a:ext uri="{FF2B5EF4-FFF2-40B4-BE49-F238E27FC236}">
+                <a16:creationId xmlns:a16="http://schemas.microsoft.com/office/drawing/2014/main" id="{06A490D2-06E1-336E-D72C-23EC2F2AA865}"/>
+              </a:ext>
+            </a:extLst>
+          </p:cNvPr>
+          <p:cNvSpPr/>
+          <p:nvPr/>
+        </p:nvSpPr>
+        <p:spPr>
+          <a:xfrm>
+            <a:off x="7565133" y="3181025"/>
+            <a:ext cx="72000" cy="72000"/>
+          </a:xfrm>
+          <a:prstGeom prst="ellipse">
+            <a:avLst/>
+          </a:prstGeom>
+          <a:solidFill>
+            <a:schemeClr val="accent1"/>
+          </a:solidFill>
+          <a:ln>
+            <a:noFill/>
+          </a:ln>
+        </p:spPr>
+        <p:style>
+          <a:lnRef idx="2">
+            <a:schemeClr val="accent1">
+              <a:shade val="15000"/>
+            </a:schemeClr>
+          </a:lnRef>
+          <a:fillRef idx="1">
+            <a:schemeClr val="accent1"/>
+          </a:fillRef>
+          <a:effectRef idx="0">
+            <a:schemeClr val="accent1"/>
+          </a:effectRef>
+          <a:fontRef idx="minor">
+            <a:schemeClr val="lt1"/>
+          </a:fontRef>
+        </p:style>
+        <p:txBody>
+          <a:bodyPr rtlCol="0" anchor="ctr"/>
+          <a:lstStyle/>
+          <a:p>
+            <a:pPr algn="ctr"/>
+            <a:endParaRPr lang="pt-BR"/>
+          </a:p>
+        </p:txBody>
+      </p:sp>
+      <p:sp>
+        <p:nvSpPr>
+          <p:cNvPr id="54" name="Elipse 53">
+            <a:extLst>
+              <a:ext uri="{FF2B5EF4-FFF2-40B4-BE49-F238E27FC236}">
+                <a16:creationId xmlns:a16="http://schemas.microsoft.com/office/drawing/2014/main" id="{563987AF-451C-1DDD-16D8-159A16971CC1}"/>
+              </a:ext>
+            </a:extLst>
+          </p:cNvPr>
+          <p:cNvSpPr/>
+          <p:nvPr/>
+        </p:nvSpPr>
+        <p:spPr>
+          <a:xfrm>
+            <a:off x="7770412" y="3429000"/>
+            <a:ext cx="72000" cy="72000"/>
+          </a:xfrm>
+          <a:prstGeom prst="ellipse">
+            <a:avLst/>
+          </a:prstGeom>
+          <a:solidFill>
+            <a:schemeClr val="accent1"/>
+          </a:solidFill>
+          <a:ln>
+            <a:noFill/>
+          </a:ln>
+        </p:spPr>
+        <p:style>
+          <a:lnRef idx="2">
+            <a:schemeClr val="accent1">
+              <a:shade val="15000"/>
+            </a:schemeClr>
+          </a:lnRef>
+          <a:fillRef idx="1">
+            <a:schemeClr val="accent1"/>
+          </a:fillRef>
+          <a:effectRef idx="0">
+            <a:schemeClr val="accent1"/>
+          </a:effectRef>
+          <a:fontRef idx="minor">
+            <a:schemeClr val="lt1"/>
+          </a:fontRef>
+        </p:style>
+        <p:txBody>
+          <a:bodyPr rtlCol="0" anchor="ctr"/>
+          <a:lstStyle/>
+          <a:p>
+            <a:pPr algn="ctr"/>
+            <a:endParaRPr lang="pt-BR"/>
+          </a:p>
+        </p:txBody>
+      </p:sp>
+      <p:sp>
+        <p:nvSpPr>
+          <p:cNvPr id="55" name="Elipse 54">
+            <a:extLst>
+              <a:ext uri="{FF2B5EF4-FFF2-40B4-BE49-F238E27FC236}">
+                <a16:creationId xmlns:a16="http://schemas.microsoft.com/office/drawing/2014/main" id="{99C0BCE1-3F4D-68C4-FEF4-97E29217BB23}"/>
+              </a:ext>
+            </a:extLst>
+          </p:cNvPr>
+          <p:cNvSpPr/>
+          <p:nvPr/>
+        </p:nvSpPr>
+        <p:spPr>
+          <a:xfrm>
+            <a:off x="8308892" y="2666999"/>
+            <a:ext cx="72000" cy="72000"/>
+          </a:xfrm>
+          <a:prstGeom prst="ellipse">
+            <a:avLst/>
+          </a:prstGeom>
+          <a:solidFill>
+            <a:srgbClr val="C00000"/>
+          </a:solidFill>
+          <a:ln>
+            <a:noFill/>
+          </a:ln>
+        </p:spPr>
+        <p:style>
+          <a:lnRef idx="2">
+            <a:schemeClr val="accent1">
+              <a:shade val="15000"/>
+            </a:schemeClr>
+          </a:lnRef>
+          <a:fillRef idx="1">
+            <a:schemeClr val="accent1"/>
+          </a:fillRef>
+          <a:effectRef idx="0">
+            <a:schemeClr val="accent1"/>
+          </a:effectRef>
+          <a:fontRef idx="minor">
+            <a:schemeClr val="lt1"/>
+          </a:fontRef>
+        </p:style>
+        <p:txBody>
+          <a:bodyPr rtlCol="0" anchor="ctr"/>
+          <a:lstStyle/>
+          <a:p>
+            <a:pPr algn="ctr"/>
+            <a:endParaRPr lang="pt-BR"/>
+          </a:p>
+        </p:txBody>
+      </p:sp>
+      <p:sp>
+        <p:nvSpPr>
+          <p:cNvPr id="56" name="Elipse 55">
+            <a:extLst>
+              <a:ext uri="{FF2B5EF4-FFF2-40B4-BE49-F238E27FC236}">
+                <a16:creationId xmlns:a16="http://schemas.microsoft.com/office/drawing/2014/main" id="{49F2B7B0-7595-A893-02BA-E80A51CF322C}"/>
+              </a:ext>
+            </a:extLst>
+          </p:cNvPr>
+          <p:cNvSpPr/>
+          <p:nvPr/>
+        </p:nvSpPr>
+        <p:spPr>
+          <a:xfrm>
+            <a:off x="7823003" y="3285703"/>
+            <a:ext cx="72000" cy="72000"/>
+          </a:xfrm>
+          <a:prstGeom prst="ellipse">
+            <a:avLst/>
+          </a:prstGeom>
+          <a:solidFill>
+            <a:srgbClr val="C00000"/>
+          </a:solidFill>
+          <a:ln>
+            <a:noFill/>
+          </a:ln>
+        </p:spPr>
+        <p:style>
+          <a:lnRef idx="2">
+            <a:schemeClr val="accent1">
+              <a:shade val="15000"/>
+            </a:schemeClr>
+          </a:lnRef>
+          <a:fillRef idx="1">
+            <a:schemeClr val="accent1"/>
+          </a:fillRef>
+          <a:effectRef idx="0">
+            <a:schemeClr val="accent1"/>
+          </a:effectRef>
+          <a:fontRef idx="minor">
+            <a:schemeClr val="lt1"/>
+          </a:fontRef>
+        </p:style>
+        <p:txBody>
+          <a:bodyPr rtlCol="0" anchor="ctr"/>
+          <a:lstStyle/>
+          <a:p>
+            <a:pPr algn="ctr"/>
+            <a:endParaRPr lang="pt-BR"/>
+          </a:p>
+        </p:txBody>
+      </p:sp>
+      <p:sp>
+        <p:nvSpPr>
+          <p:cNvPr id="57" name="Elipse 56">
+            <a:extLst>
+              <a:ext uri="{FF2B5EF4-FFF2-40B4-BE49-F238E27FC236}">
+                <a16:creationId xmlns:a16="http://schemas.microsoft.com/office/drawing/2014/main" id="{83239D9E-A19C-1B19-CA3A-CC60CA80E147}"/>
+              </a:ext>
+            </a:extLst>
+          </p:cNvPr>
+          <p:cNvSpPr/>
+          <p:nvPr/>
+        </p:nvSpPr>
+        <p:spPr>
+          <a:xfrm>
+            <a:off x="7390510" y="3300944"/>
+            <a:ext cx="72000" cy="72000"/>
+          </a:xfrm>
+          <a:prstGeom prst="ellipse">
+            <a:avLst/>
+          </a:prstGeom>
+          <a:solidFill>
+            <a:srgbClr val="C00000"/>
+          </a:solidFill>
+          <a:ln>
+            <a:noFill/>
+          </a:ln>
+        </p:spPr>
+        <p:style>
+          <a:lnRef idx="2">
+            <a:schemeClr val="accent1">
+              <a:shade val="15000"/>
+            </a:schemeClr>
+          </a:lnRef>
+          <a:fillRef idx="1">
+            <a:schemeClr val="accent1"/>
+          </a:fillRef>
+          <a:effectRef idx="0">
+            <a:schemeClr val="accent1"/>
+          </a:effectRef>
+          <a:fontRef idx="minor">
+            <a:schemeClr val="lt1"/>
+          </a:fontRef>
+        </p:style>
+        <p:txBody>
+          <a:bodyPr rtlCol="0" anchor="ctr"/>
+          <a:lstStyle/>
+          <a:p>
+            <a:pPr algn="ctr"/>
+            <a:endParaRPr lang="pt-BR"/>
+          </a:p>
+        </p:txBody>
+      </p:sp>
+      <p:sp>
+        <p:nvSpPr>
+          <p:cNvPr id="58" name="Elipse 57">
+            <a:extLst>
+              <a:ext uri="{FF2B5EF4-FFF2-40B4-BE49-F238E27FC236}">
+                <a16:creationId xmlns:a16="http://schemas.microsoft.com/office/drawing/2014/main" id="{2A645CC4-6F49-44A3-CDCB-BC71A2C0549F}"/>
+              </a:ext>
+            </a:extLst>
+          </p:cNvPr>
+          <p:cNvSpPr/>
+          <p:nvPr/>
+        </p:nvSpPr>
+        <p:spPr>
+          <a:xfrm>
+            <a:off x="7626412" y="3523313"/>
+            <a:ext cx="72000" cy="72000"/>
+          </a:xfrm>
+          <a:prstGeom prst="ellipse">
+            <a:avLst/>
+          </a:prstGeom>
+          <a:solidFill>
+            <a:srgbClr val="C00000"/>
+          </a:solidFill>
+          <a:ln>
+            <a:noFill/>
+          </a:ln>
+        </p:spPr>
+        <p:style>
+          <a:lnRef idx="2">
+            <a:schemeClr val="accent1">
+              <a:shade val="15000"/>
+            </a:schemeClr>
+          </a:lnRef>
+          <a:fillRef idx="1">
+            <a:schemeClr val="accent1"/>
+          </a:fillRef>
+          <a:effectRef idx="0">
+            <a:schemeClr val="accent1"/>
+          </a:effectRef>
+          <a:fontRef idx="minor">
+            <a:schemeClr val="lt1"/>
+          </a:fontRef>
+        </p:style>
+        <p:txBody>
+          <a:bodyPr rtlCol="0" anchor="ctr"/>
+          <a:lstStyle/>
+          <a:p>
+            <a:pPr algn="ctr"/>
+            <a:endParaRPr lang="pt-BR"/>
+          </a:p>
+        </p:txBody>
+      </p:sp>
+      <p:sp>
+        <p:nvSpPr>
+          <p:cNvPr id="59" name="Elipse 58">
+            <a:extLst>
+              <a:ext uri="{FF2B5EF4-FFF2-40B4-BE49-F238E27FC236}">
+                <a16:creationId xmlns:a16="http://schemas.microsoft.com/office/drawing/2014/main" id="{14872A37-3B47-6B82-1F21-E2A20DCF6C68}"/>
+              </a:ext>
+            </a:extLst>
+          </p:cNvPr>
+          <p:cNvSpPr/>
+          <p:nvPr/>
+        </p:nvSpPr>
+        <p:spPr>
+          <a:xfrm>
+            <a:off x="8823746" y="3228944"/>
+            <a:ext cx="72000" cy="72000"/>
+          </a:xfrm>
+          <a:prstGeom prst="ellipse">
+            <a:avLst/>
+          </a:prstGeom>
+          <a:solidFill>
+            <a:schemeClr val="accent1"/>
+          </a:solidFill>
+          <a:ln>
+            <a:noFill/>
+          </a:ln>
+        </p:spPr>
+        <p:style>
+          <a:lnRef idx="2">
+            <a:schemeClr val="accent1">
+              <a:shade val="15000"/>
+            </a:schemeClr>
+          </a:lnRef>
+          <a:fillRef idx="1">
+            <a:schemeClr val="accent1"/>
+          </a:fillRef>
+          <a:effectRef idx="0">
+            <a:schemeClr val="accent1"/>
+          </a:effectRef>
+          <a:fontRef idx="minor">
+            <a:schemeClr val="lt1"/>
+          </a:fontRef>
+        </p:style>
+        <p:txBody>
+          <a:bodyPr rtlCol="0" anchor="ctr"/>
+          <a:lstStyle/>
+          <a:p>
+            <a:pPr algn="ctr"/>
+            <a:endParaRPr lang="pt-BR"/>
+          </a:p>
+        </p:txBody>
+      </p:sp>
+      <p:sp>
+        <p:nvSpPr>
+          <p:cNvPr id="60" name="Elipse 59">
+            <a:extLst>
+              <a:ext uri="{FF2B5EF4-FFF2-40B4-BE49-F238E27FC236}">
+                <a16:creationId xmlns:a16="http://schemas.microsoft.com/office/drawing/2014/main" id="{B8657D5C-FE38-F741-CF9A-A4DA686AA3D5}"/>
+              </a:ext>
+            </a:extLst>
+          </p:cNvPr>
+          <p:cNvSpPr/>
+          <p:nvPr/>
+        </p:nvSpPr>
+        <p:spPr>
+          <a:xfrm>
+            <a:off x="9138036" y="3367910"/>
+            <a:ext cx="72000" cy="72000"/>
+          </a:xfrm>
+          <a:prstGeom prst="ellipse">
+            <a:avLst/>
+          </a:prstGeom>
+          <a:solidFill>
+            <a:schemeClr val="accent1"/>
+          </a:solidFill>
+          <a:ln>
+            <a:noFill/>
+          </a:ln>
+        </p:spPr>
+        <p:style>
+          <a:lnRef idx="2">
+            <a:schemeClr val="accent1">
+              <a:shade val="15000"/>
+            </a:schemeClr>
+          </a:lnRef>
+          <a:fillRef idx="1">
+            <a:schemeClr val="accent1"/>
+          </a:fillRef>
+          <a:effectRef idx="0">
+            <a:schemeClr val="accent1"/>
+          </a:effectRef>
+          <a:fontRef idx="minor">
+            <a:schemeClr val="lt1"/>
+          </a:fontRef>
+        </p:style>
+        <p:txBody>
+          <a:bodyPr rtlCol="0" anchor="ctr"/>
+          <a:lstStyle/>
+          <a:p>
+            <a:pPr algn="ctr"/>
+            <a:endParaRPr lang="pt-BR"/>
+          </a:p>
+        </p:txBody>
+      </p:sp>
+      <p:sp>
+        <p:nvSpPr>
+          <p:cNvPr id="61" name="CaixaDeTexto 60">
+            <a:extLst>
+              <a:ext uri="{FF2B5EF4-FFF2-40B4-BE49-F238E27FC236}">
+                <a16:creationId xmlns:a16="http://schemas.microsoft.com/office/drawing/2014/main" id="{DACFD64B-E7E3-3EC5-821E-D513542FAA1A}"/>
+              </a:ext>
+            </a:extLst>
+          </p:cNvPr>
+          <p:cNvSpPr txBox="1"/>
+          <p:nvPr/>
+        </p:nvSpPr>
+        <p:spPr>
+          <a:xfrm>
+            <a:off x="5575771" y="1856092"/>
+            <a:ext cx="487634" cy="338554"/>
+          </a:xfrm>
+          <a:prstGeom prst="rect">
+            <a:avLst/>
+          </a:prstGeom>
+          <a:noFill/>
+        </p:spPr>
+        <p:txBody>
+          <a:bodyPr wrap="none" rtlCol="0">
+            <a:spAutoFit/>
+          </a:bodyPr>
+          <a:lstStyle/>
+          <a:p>
+            <a:r>
+              <a:rPr lang="pt-BR" sz="1600">
+                <a:solidFill>
+                  <a:srgbClr val="C00000"/>
+                </a:solidFill>
+              </a:rPr>
+              <a:t>4</a:t>
+            </a:r>
+            <a:r>
+              <a:rPr lang="pt-BR" sz="1600"/>
+              <a:t>|</a:t>
+            </a:r>
+            <a:r>
+              <a:rPr lang="pt-BR" sz="1600">
+                <a:solidFill>
+                  <a:schemeClr val="accent1"/>
+                </a:solidFill>
+              </a:rPr>
+              <a:t>4</a:t>
+            </a:r>
+          </a:p>
+        </p:txBody>
+      </p:sp>
+      <p:sp>
+        <p:nvSpPr>
+          <p:cNvPr id="62" name="CaixaDeTexto 61">
+            <a:extLst>
+              <a:ext uri="{FF2B5EF4-FFF2-40B4-BE49-F238E27FC236}">
+                <a16:creationId xmlns:a16="http://schemas.microsoft.com/office/drawing/2014/main" id="{87B0F464-23E3-0296-573D-BA08614B79F9}"/>
+              </a:ext>
+            </a:extLst>
+          </p:cNvPr>
+          <p:cNvSpPr txBox="1"/>
+          <p:nvPr/>
+        </p:nvSpPr>
+        <p:spPr>
+          <a:xfrm>
+            <a:off x="8116582" y="1862054"/>
+            <a:ext cx="487634" cy="338554"/>
+          </a:xfrm>
+          <a:prstGeom prst="rect">
+            <a:avLst/>
+          </a:prstGeom>
+          <a:noFill/>
+        </p:spPr>
+        <p:txBody>
+          <a:bodyPr wrap="none" rtlCol="0">
+            <a:spAutoFit/>
+          </a:bodyPr>
+          <a:lstStyle/>
+          <a:p>
+            <a:r>
+              <a:rPr lang="pt-BR" sz="1600">
+                <a:solidFill>
+                  <a:srgbClr val="C00000"/>
+                </a:solidFill>
+              </a:rPr>
+              <a:t>4</a:t>
+            </a:r>
+            <a:r>
+              <a:rPr lang="pt-BR" sz="1600"/>
+              <a:t>|</a:t>
+            </a:r>
+            <a:r>
+              <a:rPr lang="pt-BR" sz="1600">
+                <a:solidFill>
+                  <a:schemeClr val="accent1"/>
+                </a:solidFill>
+              </a:rPr>
+              <a:t>4</a:t>
+            </a:r>
+          </a:p>
+        </p:txBody>
+      </p:sp>
+      <p:sp>
+        <p:nvSpPr>
+          <p:cNvPr id="63" name="CaixaDeTexto 62">
+            <a:extLst>
+              <a:ext uri="{FF2B5EF4-FFF2-40B4-BE49-F238E27FC236}">
+                <a16:creationId xmlns:a16="http://schemas.microsoft.com/office/drawing/2014/main" id="{AD8935FB-2503-8940-C7B8-5F1B6C05196A}"/>
+              </a:ext>
+            </a:extLst>
+          </p:cNvPr>
+          <p:cNvSpPr txBox="1"/>
+          <p:nvPr/>
+        </p:nvSpPr>
+        <p:spPr>
+          <a:xfrm>
+            <a:off x="7380782" y="2649802"/>
+            <a:ext cx="487634" cy="338554"/>
+          </a:xfrm>
+          <a:prstGeom prst="rect">
+            <a:avLst/>
+          </a:prstGeom>
+          <a:noFill/>
+        </p:spPr>
+        <p:txBody>
+          <a:bodyPr wrap="none" rtlCol="0">
+            <a:spAutoFit/>
+          </a:bodyPr>
+          <a:lstStyle/>
+          <a:p>
+            <a:r>
+              <a:rPr lang="pt-BR" sz="1600">
+                <a:solidFill>
+                  <a:srgbClr val="C00000"/>
+                </a:solidFill>
+              </a:rPr>
+              <a:t>4</a:t>
+            </a:r>
+            <a:r>
+              <a:rPr lang="pt-BR" sz="1600"/>
+              <a:t>|</a:t>
+            </a:r>
+            <a:r>
+              <a:rPr lang="pt-BR" sz="1600">
+                <a:solidFill>
+                  <a:schemeClr val="accent1"/>
+                </a:solidFill>
+              </a:rPr>
+              <a:t>2</a:t>
+            </a:r>
+          </a:p>
+        </p:txBody>
+      </p:sp>
+      <p:sp>
+        <p:nvSpPr>
+          <p:cNvPr id="64" name="CaixaDeTexto 63">
+            <a:extLst>
+              <a:ext uri="{FF2B5EF4-FFF2-40B4-BE49-F238E27FC236}">
+                <a16:creationId xmlns:a16="http://schemas.microsoft.com/office/drawing/2014/main" id="{E38CBA8C-3799-3404-A358-CCC33D400B3B}"/>
+              </a:ext>
+            </a:extLst>
+          </p:cNvPr>
+          <p:cNvSpPr txBox="1"/>
+          <p:nvPr/>
+        </p:nvSpPr>
+        <p:spPr>
+          <a:xfrm>
+            <a:off x="8831971" y="2648019"/>
+            <a:ext cx="487634" cy="338554"/>
+          </a:xfrm>
+          <a:prstGeom prst="rect">
+            <a:avLst/>
+          </a:prstGeom>
+          <a:noFill/>
+        </p:spPr>
+        <p:txBody>
+          <a:bodyPr wrap="none" rtlCol="0">
+            <a:spAutoFit/>
+          </a:bodyPr>
+          <a:lstStyle/>
+          <a:p>
+            <a:r>
+              <a:rPr lang="pt-BR" sz="1600">
+                <a:solidFill>
+                  <a:srgbClr val="C00000"/>
+                </a:solidFill>
+              </a:rPr>
+              <a:t>0</a:t>
+            </a:r>
+            <a:r>
+              <a:rPr lang="pt-BR" sz="1600"/>
+              <a:t>|</a:t>
+            </a:r>
+            <a:r>
+              <a:rPr lang="pt-BR" sz="1600">
+                <a:solidFill>
+                  <a:schemeClr val="accent1"/>
+                </a:solidFill>
+              </a:rPr>
+              <a:t>2</a:t>
+            </a:r>
+          </a:p>
+        </p:txBody>
+      </p:sp>
+      <p:sp>
+        <p:nvSpPr>
+          <p:cNvPr id="65" name="CaixaDeTexto 64">
+            <a:extLst>
+              <a:ext uri="{FF2B5EF4-FFF2-40B4-BE49-F238E27FC236}">
+                <a16:creationId xmlns:a16="http://schemas.microsoft.com/office/drawing/2014/main" id="{5909E44C-CC13-93E1-9AA8-85A24AA36EBC}"/>
+              </a:ext>
+            </a:extLst>
+          </p:cNvPr>
+          <p:cNvSpPr txBox="1"/>
+          <p:nvPr/>
+        </p:nvSpPr>
+        <p:spPr>
+          <a:xfrm>
+            <a:off x="4844623" y="2633498"/>
+            <a:ext cx="487634" cy="338554"/>
+          </a:xfrm>
+          <a:prstGeom prst="rect">
+            <a:avLst/>
+          </a:prstGeom>
+          <a:noFill/>
+        </p:spPr>
+        <p:txBody>
+          <a:bodyPr wrap="none" rtlCol="0">
+            <a:spAutoFit/>
+          </a:bodyPr>
+          <a:lstStyle/>
+          <a:p>
+            <a:r>
+              <a:rPr lang="pt-BR" sz="1600">
+                <a:solidFill>
+                  <a:srgbClr val="C00000"/>
+                </a:solidFill>
+              </a:rPr>
+              <a:t>3</a:t>
+            </a:r>
+            <a:r>
+              <a:rPr lang="pt-BR" sz="1600"/>
+              <a:t>|</a:t>
+            </a:r>
+            <a:r>
+              <a:rPr lang="pt-BR" sz="1600">
+                <a:solidFill>
+                  <a:schemeClr val="accent1"/>
+                </a:solidFill>
+              </a:rPr>
+              <a:t>1</a:t>
+            </a:r>
+          </a:p>
+        </p:txBody>
+      </p:sp>
+      <p:sp>
+        <p:nvSpPr>
+          <p:cNvPr id="66" name="CaixaDeTexto 65">
+            <a:extLst>
+              <a:ext uri="{FF2B5EF4-FFF2-40B4-BE49-F238E27FC236}">
+                <a16:creationId xmlns:a16="http://schemas.microsoft.com/office/drawing/2014/main" id="{F55A9C8C-07FE-EBC1-3C1E-21BBB22961E1}"/>
+              </a:ext>
+            </a:extLst>
+          </p:cNvPr>
+          <p:cNvSpPr txBox="1"/>
+          <p:nvPr/>
+        </p:nvSpPr>
+        <p:spPr>
+          <a:xfrm>
+            <a:off x="6290707" y="2651343"/>
+            <a:ext cx="487634" cy="338554"/>
+          </a:xfrm>
+          <a:prstGeom prst="rect">
+            <a:avLst/>
+          </a:prstGeom>
+          <a:noFill/>
+        </p:spPr>
+        <p:txBody>
+          <a:bodyPr wrap="none" rtlCol="0">
+            <a:spAutoFit/>
+          </a:bodyPr>
+          <a:lstStyle/>
+          <a:p>
+            <a:r>
+              <a:rPr lang="pt-BR" sz="1600">
+                <a:solidFill>
+                  <a:srgbClr val="C00000"/>
+                </a:solidFill>
+              </a:rPr>
+              <a:t>1</a:t>
+            </a:r>
+            <a:r>
+              <a:rPr lang="pt-BR" sz="1600"/>
+              <a:t>|</a:t>
+            </a:r>
+            <a:r>
+              <a:rPr lang="pt-BR" sz="1600">
+                <a:solidFill>
+                  <a:schemeClr val="accent1"/>
+                </a:solidFill>
+              </a:rPr>
+              <a:t>3</a:t>
+            </a:r>
+          </a:p>
+        </p:txBody>
+      </p:sp>
+      <mc:AlternateContent xmlns:mc="http://schemas.openxmlformats.org/markup-compatibility/2006">
+        <mc:Choice xmlns:a14="http://schemas.microsoft.com/office/drawing/2010/main" Requires="a14">
+          <p:sp>
+            <p:nvSpPr>
+              <p:cNvPr id="67" name="CaixaDeTexto 66">
+                <a:extLst>
+                  <a:ext uri="{FF2B5EF4-FFF2-40B4-BE49-F238E27FC236}">
+                    <a16:creationId xmlns:a16="http://schemas.microsoft.com/office/drawing/2014/main" id="{480775DF-987C-AB22-2BCE-549A03A09620}"/>
+                  </a:ext>
+                </a:extLst>
+              </p:cNvPr>
+              <p:cNvSpPr txBox="1"/>
+              <p:nvPr/>
+            </p:nvSpPr>
+            <p:spPr>
+              <a:xfrm>
+                <a:off x="5070436" y="3749153"/>
+                <a:ext cx="1622175" cy="646331"/>
+              </a:xfrm>
+              <a:prstGeom prst="rect">
+                <a:avLst/>
+              </a:prstGeom>
+              <a:noFill/>
+            </p:spPr>
+            <p:txBody>
+              <a:bodyPr wrap="none" rtlCol="0">
+                <a:spAutoFit/>
+              </a:bodyPr>
+              <a:lstStyle/>
+              <a:p>
+                <a:r>
+                  <a:rPr lang="pt-BR" sz="1200" b="1"/>
+                  <a:t>Gini: </a:t>
+                </a:r>
+                <a14:m>
+                  <m:oMath xmlns:m="http://schemas.openxmlformats.org/officeDocument/2006/math">
+                    <m:r>
+                      <a:rPr lang="pt-BR" sz="1200" b="0" i="1" smtClean="0">
+                        <a:latin typeface="Cambria Math" panose="02040503050406030204" pitchFamily="18" charset="0"/>
+                      </a:rPr>
+                      <m:t>0,38</m:t>
+                    </m:r>
+                  </m:oMath>
+                </a14:m>
+                <a:br>
+                  <a:rPr lang="pt-BR" sz="1200"/>
+                </a:br>
+                <a:r>
+                  <a:rPr lang="pt-BR" sz="1200" b="1"/>
+                  <a:t>Entropia cruzada: </a:t>
+                </a:r>
+                <a14:m>
+                  <m:oMath xmlns:m="http://schemas.openxmlformats.org/officeDocument/2006/math">
+                    <m:r>
+                      <a:rPr lang="pt-BR" sz="1200" b="0" i="1" smtClean="0">
+                        <a:latin typeface="Cambria Math" panose="02040503050406030204" pitchFamily="18" charset="0"/>
+                      </a:rPr>
+                      <m:t>0,57</m:t>
+                    </m:r>
+                  </m:oMath>
+                </a14:m>
+                <a:br>
+                  <a:rPr lang="pt-BR" sz="1200"/>
+                </a:br>
+                <a:r>
+                  <a:rPr lang="pt-BR" sz="1200" b="1"/>
+                  <a:t>Taxa de erro: </a:t>
+                </a:r>
+                <a14:m>
+                  <m:oMath xmlns:m="http://schemas.openxmlformats.org/officeDocument/2006/math">
+                    <m:r>
+                      <a:rPr lang="pt-BR" sz="1200" b="0" i="1" smtClean="0">
+                        <a:latin typeface="Cambria Math" panose="02040503050406030204" pitchFamily="18" charset="0"/>
+                      </a:rPr>
+                      <m:t>0,25</m:t>
+                    </m:r>
+                  </m:oMath>
+                </a14:m>
+                <a:endParaRPr lang="pt-BR" sz="1200"/>
+              </a:p>
+            </p:txBody>
+          </p:sp>
+        </mc:Choice>
+        <mc:Fallback>
+          <p:sp>
+            <p:nvSpPr>
+              <p:cNvPr id="67" name="CaixaDeTexto 66">
+                <a:extLst>
+                  <a:ext uri="{FF2B5EF4-FFF2-40B4-BE49-F238E27FC236}">
+                    <a16:creationId xmlns:a16="http://schemas.microsoft.com/office/drawing/2014/main" id="{480775DF-987C-AB22-2BCE-549A03A09620}"/>
+                  </a:ext>
+                </a:extLst>
+              </p:cNvPr>
+              <p:cNvSpPr txBox="1">
+                <a:spLocks noRot="1" noChangeAspect="1" noMove="1" noResize="1" noEditPoints="1" noAdjustHandles="1" noChangeArrowheads="1" noChangeShapeType="1" noTextEdit="1"/>
+              </p:cNvSpPr>
+              <p:nvPr/>
+            </p:nvSpPr>
+            <p:spPr>
+              <a:xfrm>
+                <a:off x="5070436" y="3749153"/>
+                <a:ext cx="1622175" cy="646331"/>
+              </a:xfrm>
+              <a:prstGeom prst="rect">
+                <a:avLst/>
+              </a:prstGeom>
+              <a:blipFill>
+                <a:blip r:embed="rId2"/>
+                <a:stretch>
+                  <a:fillRect l="-376" b="-6604"/>
+                </a:stretch>
+              </a:blipFill>
+            </p:spPr>
+            <p:txBody>
+              <a:bodyPr/>
+              <a:lstStyle/>
+              <a:p>
+                <a:r>
+                  <a:rPr lang="pt-BR">
+                    <a:noFill/>
+                  </a:rPr>
+                  <a:t> </a:t>
+                </a:r>
+              </a:p>
+            </p:txBody>
+          </p:sp>
+        </mc:Fallback>
+      </mc:AlternateContent>
+      <mc:AlternateContent xmlns:mc="http://schemas.openxmlformats.org/markup-compatibility/2006">
+        <mc:Choice xmlns:a14="http://schemas.microsoft.com/office/drawing/2010/main" Requires="a14">
+          <p:sp>
+            <p:nvSpPr>
+              <p:cNvPr id="68" name="CaixaDeTexto 67">
+                <a:extLst>
+                  <a:ext uri="{FF2B5EF4-FFF2-40B4-BE49-F238E27FC236}">
+                    <a16:creationId xmlns:a16="http://schemas.microsoft.com/office/drawing/2014/main" id="{539DB655-22E7-EED6-3E9F-8950223FDE28}"/>
+                  </a:ext>
+                </a:extLst>
+              </p:cNvPr>
+              <p:cNvSpPr txBox="1"/>
+              <p:nvPr/>
+            </p:nvSpPr>
+            <p:spPr>
+              <a:xfrm>
+                <a:off x="7604353" y="3755115"/>
+                <a:ext cx="1622175" cy="646331"/>
+              </a:xfrm>
+              <a:prstGeom prst="rect">
+                <a:avLst/>
+              </a:prstGeom>
+              <a:noFill/>
+            </p:spPr>
+            <p:txBody>
+              <a:bodyPr wrap="none" rtlCol="0">
+                <a:spAutoFit/>
+              </a:bodyPr>
+              <a:lstStyle/>
+              <a:p>
+                <a:r>
+                  <a:rPr lang="pt-BR" sz="1200" b="1"/>
+                  <a:t>Gini: </a:t>
+                </a:r>
+                <a14:m>
+                  <m:oMath xmlns:m="http://schemas.openxmlformats.org/officeDocument/2006/math">
+                    <m:r>
+                      <a:rPr lang="pt-BR" sz="1200" b="0" i="1" smtClean="0">
+                        <a:latin typeface="Cambria Math" panose="02040503050406030204" pitchFamily="18" charset="0"/>
+                      </a:rPr>
+                      <m:t>0,33</m:t>
+                    </m:r>
+                  </m:oMath>
+                </a14:m>
+                <a:br>
+                  <a:rPr lang="pt-BR" sz="1200"/>
+                </a:br>
+                <a:r>
+                  <a:rPr lang="pt-BR" sz="1200" b="1"/>
+                  <a:t>Entropia cruzada: </a:t>
+                </a:r>
+                <a14:m>
+                  <m:oMath xmlns:m="http://schemas.openxmlformats.org/officeDocument/2006/math">
+                    <m:r>
+                      <a:rPr lang="pt-BR" sz="1200" b="0" i="1" smtClean="0">
+                        <a:latin typeface="Cambria Math" panose="02040503050406030204" pitchFamily="18" charset="0"/>
+                      </a:rPr>
+                      <m:t>0,48</m:t>
+                    </m:r>
+                  </m:oMath>
+                </a14:m>
+                <a:br>
+                  <a:rPr lang="pt-BR" sz="1200"/>
+                </a:br>
+                <a:r>
+                  <a:rPr lang="pt-BR" sz="1200" b="1"/>
+                  <a:t>Taxa de erro: </a:t>
+                </a:r>
+                <a14:m>
+                  <m:oMath xmlns:m="http://schemas.openxmlformats.org/officeDocument/2006/math">
+                    <m:r>
+                      <a:rPr lang="pt-BR" sz="1200" b="0" i="1" smtClean="0">
+                        <a:latin typeface="Cambria Math" panose="02040503050406030204" pitchFamily="18" charset="0"/>
+                      </a:rPr>
+                      <m:t>0,25</m:t>
+                    </m:r>
+                  </m:oMath>
+                </a14:m>
+                <a:endParaRPr lang="pt-BR" sz="1200"/>
+              </a:p>
+            </p:txBody>
+          </p:sp>
+        </mc:Choice>
+        <mc:Fallback>
+          <p:sp>
+            <p:nvSpPr>
+              <p:cNvPr id="68" name="CaixaDeTexto 67">
+                <a:extLst>
+                  <a:ext uri="{FF2B5EF4-FFF2-40B4-BE49-F238E27FC236}">
+                    <a16:creationId xmlns:a16="http://schemas.microsoft.com/office/drawing/2014/main" id="{539DB655-22E7-EED6-3E9F-8950223FDE28}"/>
+                  </a:ext>
+                </a:extLst>
+              </p:cNvPr>
+              <p:cNvSpPr txBox="1">
+                <a:spLocks noRot="1" noChangeAspect="1" noMove="1" noResize="1" noEditPoints="1" noAdjustHandles="1" noChangeArrowheads="1" noChangeShapeType="1" noTextEdit="1"/>
+              </p:cNvSpPr>
+              <p:nvPr/>
+            </p:nvSpPr>
+            <p:spPr>
+              <a:xfrm>
+                <a:off x="7604353" y="3755115"/>
+                <a:ext cx="1622175" cy="646331"/>
+              </a:xfrm>
+              <a:prstGeom prst="rect">
+                <a:avLst/>
+              </a:prstGeom>
+              <a:blipFill>
+                <a:blip r:embed="rId3"/>
+                <a:stretch>
+                  <a:fillRect t="-943" b="-6604"/>
+                </a:stretch>
+              </a:blipFill>
+            </p:spPr>
+            <p:txBody>
+              <a:bodyPr/>
+              <a:lstStyle/>
+              <a:p>
+                <a:r>
+                  <a:rPr lang="pt-BR">
+                    <a:noFill/>
+                  </a:rPr>
+                  <a:t> </a:t>
+                </a:r>
+              </a:p>
+            </p:txBody>
+          </p:sp>
+        </mc:Fallback>
+      </mc:AlternateContent>
+    </p:spTree>
+    <p:extLst>
+      <p:ext uri="{BB962C8B-B14F-4D97-AF65-F5344CB8AC3E}">
+        <p14:creationId xmlns:p14="http://schemas.microsoft.com/office/powerpoint/2010/main" val="1266750268"/>
       </p:ext>
     </p:extLst>
   </p:cSld>

--- a/imagens.pptx
+++ b/imagens.pptx
@@ -17,6 +17,9 @@
     <p:sldId id="266" r:id="rId11"/>
     <p:sldId id="267" r:id="rId12"/>
     <p:sldId id="268" r:id="rId13"/>
+    <p:sldId id="269" r:id="rId14"/>
+    <p:sldId id="270" r:id="rId15"/>
+    <p:sldId id="271" r:id="rId16"/>
   </p:sldIdLst>
   <p:sldSz cx="12192000" cy="6858000"/>
   <p:notesSz cx="6858000" cy="9144000"/>
@@ -270,7 +273,7 @@
           <a:p>
             <a:fld id="{20C2FEA9-41FB-40F1-A8FA-A19BCC6F7DB1}" type="datetimeFigureOut">
               <a:rPr lang="pt-BR" smtClean="0"/>
-              <a:t>30/06/2024</a:t>
+              <a:t>11/07/2024</a:t>
             </a:fld>
             <a:endParaRPr lang="pt-BR"/>
           </a:p>
@@ -468,7 +471,7 @@
           <a:p>
             <a:fld id="{20C2FEA9-41FB-40F1-A8FA-A19BCC6F7DB1}" type="datetimeFigureOut">
               <a:rPr lang="pt-BR" smtClean="0"/>
-              <a:t>30/06/2024</a:t>
+              <a:t>11/07/2024</a:t>
             </a:fld>
             <a:endParaRPr lang="pt-BR"/>
           </a:p>
@@ -676,7 +679,7 @@
           <a:p>
             <a:fld id="{20C2FEA9-41FB-40F1-A8FA-A19BCC6F7DB1}" type="datetimeFigureOut">
               <a:rPr lang="pt-BR" smtClean="0"/>
-              <a:t>30/06/2024</a:t>
+              <a:t>11/07/2024</a:t>
             </a:fld>
             <a:endParaRPr lang="pt-BR"/>
           </a:p>
@@ -874,7 +877,7 @@
           <a:p>
             <a:fld id="{20C2FEA9-41FB-40F1-A8FA-A19BCC6F7DB1}" type="datetimeFigureOut">
               <a:rPr lang="pt-BR" smtClean="0"/>
-              <a:t>30/06/2024</a:t>
+              <a:t>11/07/2024</a:t>
             </a:fld>
             <a:endParaRPr lang="pt-BR"/>
           </a:p>
@@ -1149,7 +1152,7 @@
           <a:p>
             <a:fld id="{20C2FEA9-41FB-40F1-A8FA-A19BCC6F7DB1}" type="datetimeFigureOut">
               <a:rPr lang="pt-BR" smtClean="0"/>
-              <a:t>30/06/2024</a:t>
+              <a:t>11/07/2024</a:t>
             </a:fld>
             <a:endParaRPr lang="pt-BR"/>
           </a:p>
@@ -1414,7 +1417,7 @@
           <a:p>
             <a:fld id="{20C2FEA9-41FB-40F1-A8FA-A19BCC6F7DB1}" type="datetimeFigureOut">
               <a:rPr lang="pt-BR" smtClean="0"/>
-              <a:t>30/06/2024</a:t>
+              <a:t>11/07/2024</a:t>
             </a:fld>
             <a:endParaRPr lang="pt-BR"/>
           </a:p>
@@ -1826,7 +1829,7 @@
           <a:p>
             <a:fld id="{20C2FEA9-41FB-40F1-A8FA-A19BCC6F7DB1}" type="datetimeFigureOut">
               <a:rPr lang="pt-BR" smtClean="0"/>
-              <a:t>30/06/2024</a:t>
+              <a:t>11/07/2024</a:t>
             </a:fld>
             <a:endParaRPr lang="pt-BR"/>
           </a:p>
@@ -1967,7 +1970,7 @@
           <a:p>
             <a:fld id="{20C2FEA9-41FB-40F1-A8FA-A19BCC6F7DB1}" type="datetimeFigureOut">
               <a:rPr lang="pt-BR" smtClean="0"/>
-              <a:t>30/06/2024</a:t>
+              <a:t>11/07/2024</a:t>
             </a:fld>
             <a:endParaRPr lang="pt-BR"/>
           </a:p>
@@ -2080,7 +2083,7 @@
           <a:p>
             <a:fld id="{20C2FEA9-41FB-40F1-A8FA-A19BCC6F7DB1}" type="datetimeFigureOut">
               <a:rPr lang="pt-BR" smtClean="0"/>
-              <a:t>30/06/2024</a:t>
+              <a:t>11/07/2024</a:t>
             </a:fld>
             <a:endParaRPr lang="pt-BR"/>
           </a:p>
@@ -2391,7 +2394,7 @@
           <a:p>
             <a:fld id="{20C2FEA9-41FB-40F1-A8FA-A19BCC6F7DB1}" type="datetimeFigureOut">
               <a:rPr lang="pt-BR" smtClean="0"/>
-              <a:t>30/06/2024</a:t>
+              <a:t>11/07/2024</a:t>
             </a:fld>
             <a:endParaRPr lang="pt-BR"/>
           </a:p>
@@ -2679,7 +2682,7 @@
           <a:p>
             <a:fld id="{20C2FEA9-41FB-40F1-A8FA-A19BCC6F7DB1}" type="datetimeFigureOut">
               <a:rPr lang="pt-BR" smtClean="0"/>
-              <a:t>30/06/2024</a:t>
+              <a:t>11/07/2024</a:t>
             </a:fld>
             <a:endParaRPr lang="pt-BR"/>
           </a:p>
@@ -2920,7 +2923,7 @@
           <a:p>
             <a:fld id="{20C2FEA9-41FB-40F1-A8FA-A19BCC6F7DB1}" type="datetimeFigureOut">
               <a:rPr lang="pt-BR" smtClean="0"/>
-              <a:t>30/06/2024</a:t>
+              <a:t>11/07/2024</a:t>
             </a:fld>
             <a:endParaRPr lang="pt-BR"/>
           </a:p>
@@ -8278,8 +8281,8 @@
           </a:p>
         </p:txBody>
       </p:sp>
-      <mc:AlternateContent xmlns:mc="http://schemas.openxmlformats.org/markup-compatibility/2006">
-        <mc:Choice xmlns:a14="http://schemas.microsoft.com/office/drawing/2010/main" Requires="a14">
+      <mc:AlternateContent xmlns:mc="http://schemas.openxmlformats.org/markup-compatibility/2006" xmlns:a14="http://schemas.microsoft.com/office/drawing/2010/main">
+        <mc:Choice Requires="a14">
           <p:sp>
             <p:nvSpPr>
               <p:cNvPr id="67" name="CaixaDeTexto 66">
@@ -8361,7 +8364,7 @@
             </p:txBody>
           </p:sp>
         </mc:Choice>
-        <mc:Fallback>
+        <mc:Fallback xmlns="">
           <p:sp>
             <p:nvSpPr>
               <p:cNvPr id="67" name="CaixaDeTexto 66">
@@ -8406,8 +8409,8 @@
           </p:sp>
         </mc:Fallback>
       </mc:AlternateContent>
-      <mc:AlternateContent xmlns:mc="http://schemas.openxmlformats.org/markup-compatibility/2006">
-        <mc:Choice xmlns:a14="http://schemas.microsoft.com/office/drawing/2010/main" Requires="a14">
+      <mc:AlternateContent xmlns:mc="http://schemas.openxmlformats.org/markup-compatibility/2006" xmlns:a14="http://schemas.microsoft.com/office/drawing/2010/main">
+        <mc:Choice Requires="a14">
           <p:sp>
             <p:nvSpPr>
               <p:cNvPr id="68" name="CaixaDeTexto 67">
@@ -8489,7 +8492,7 @@
             </p:txBody>
           </p:sp>
         </mc:Choice>
-        <mc:Fallback>
+        <mc:Fallback xmlns="">
           <p:sp>
             <p:nvSpPr>
               <p:cNvPr id="68" name="CaixaDeTexto 67">
@@ -8538,6 +8541,6406 @@
     <p:extLst>
       <p:ext uri="{BB962C8B-B14F-4D97-AF65-F5344CB8AC3E}">
         <p14:creationId xmlns:p14="http://schemas.microsoft.com/office/powerpoint/2010/main" val="1266750268"/>
+      </p:ext>
+    </p:extLst>
+  </p:cSld>
+  <p:clrMapOvr>
+    <a:masterClrMapping/>
+  </p:clrMapOvr>
+</p:sld>
+</file>
+
+<file path=ppt/slides/slide13.xml><?xml version="1.0" encoding="utf-8"?>
+<p:sld xmlns:a="http://schemas.openxmlformats.org/drawingml/2006/main" xmlns:r="http://schemas.openxmlformats.org/officeDocument/2006/relationships" xmlns:p="http://schemas.openxmlformats.org/presentationml/2006/main">
+  <p:cSld>
+    <p:spTree>
+      <p:nvGrpSpPr>
+        <p:cNvPr id="1" name=""/>
+        <p:cNvGrpSpPr/>
+        <p:nvPr/>
+      </p:nvGrpSpPr>
+      <p:grpSpPr>
+        <a:xfrm>
+          <a:off x="0" y="0"/>
+          <a:ext cx="0" cy="0"/>
+          <a:chOff x="0" y="0"/>
+          <a:chExt cx="0" cy="0"/>
+        </a:xfrm>
+      </p:grpSpPr>
+      <p:pic>
+        <p:nvPicPr>
+          <p:cNvPr id="9" name="Imagem 8">
+            <a:extLst>
+              <a:ext uri="{FF2B5EF4-FFF2-40B4-BE49-F238E27FC236}">
+                <a16:creationId xmlns:a16="http://schemas.microsoft.com/office/drawing/2014/main" id="{3CE77629-481A-93F3-72BB-A6BDABA076FB}"/>
+              </a:ext>
+            </a:extLst>
+          </p:cNvPr>
+          <p:cNvPicPr>
+            <a:picLocks noChangeAspect="1"/>
+          </p:cNvPicPr>
+          <p:nvPr/>
+        </p:nvPicPr>
+        <p:blipFill>
+          <a:blip r:embed="rId2"/>
+          <a:stretch>
+            <a:fillRect/>
+          </a:stretch>
+        </p:blipFill>
+        <p:spPr>
+          <a:xfrm>
+            <a:off x="3783129" y="1036112"/>
+            <a:ext cx="4625741" cy="4785775"/>
+          </a:xfrm>
+          <a:prstGeom prst="rect">
+            <a:avLst/>
+          </a:prstGeom>
+        </p:spPr>
+      </p:pic>
+      <p:sp>
+        <p:nvSpPr>
+          <p:cNvPr id="10" name="Retângulo 9">
+            <a:extLst>
+              <a:ext uri="{FF2B5EF4-FFF2-40B4-BE49-F238E27FC236}">
+                <a16:creationId xmlns:a16="http://schemas.microsoft.com/office/drawing/2014/main" id="{2C89EB5D-6824-F2FC-B740-E379E3EE841A}"/>
+              </a:ext>
+            </a:extLst>
+          </p:cNvPr>
+          <p:cNvSpPr/>
+          <p:nvPr/>
+        </p:nvSpPr>
+        <p:spPr>
+          <a:xfrm>
+            <a:off x="4934607" y="5249920"/>
+            <a:ext cx="433551" cy="417786"/>
+          </a:xfrm>
+          <a:prstGeom prst="rect">
+            <a:avLst/>
+          </a:prstGeom>
+          <a:solidFill>
+            <a:schemeClr val="bg1"/>
+          </a:solidFill>
+          <a:ln>
+            <a:solidFill>
+              <a:schemeClr val="bg1"/>
+            </a:solidFill>
+          </a:ln>
+        </p:spPr>
+        <p:style>
+          <a:lnRef idx="2">
+            <a:schemeClr val="accent1">
+              <a:shade val="15000"/>
+            </a:schemeClr>
+          </a:lnRef>
+          <a:fillRef idx="1">
+            <a:schemeClr val="accent1"/>
+          </a:fillRef>
+          <a:effectRef idx="0">
+            <a:schemeClr val="accent1"/>
+          </a:effectRef>
+          <a:fontRef idx="minor">
+            <a:schemeClr val="lt1"/>
+          </a:fontRef>
+        </p:style>
+        <p:txBody>
+          <a:bodyPr rtlCol="0" anchor="ctr"/>
+          <a:lstStyle/>
+          <a:p>
+            <a:pPr algn="ctr"/>
+            <a:endParaRPr lang="pt-BR"/>
+          </a:p>
+        </p:txBody>
+      </p:sp>
+      <p:sp>
+        <p:nvSpPr>
+          <p:cNvPr id="11" name="Retângulo 10">
+            <a:extLst>
+              <a:ext uri="{FF2B5EF4-FFF2-40B4-BE49-F238E27FC236}">
+                <a16:creationId xmlns:a16="http://schemas.microsoft.com/office/drawing/2014/main" id="{52FF3CA7-65F9-8101-3476-A1FA806EA0C8}"/>
+              </a:ext>
+            </a:extLst>
+          </p:cNvPr>
+          <p:cNvSpPr/>
+          <p:nvPr/>
+        </p:nvSpPr>
+        <p:spPr>
+          <a:xfrm>
+            <a:off x="7436070" y="1476707"/>
+            <a:ext cx="265386" cy="249619"/>
+          </a:xfrm>
+          <a:prstGeom prst="rect">
+            <a:avLst/>
+          </a:prstGeom>
+          <a:solidFill>
+            <a:schemeClr val="bg1"/>
+          </a:solidFill>
+          <a:ln>
+            <a:solidFill>
+              <a:schemeClr val="bg1"/>
+            </a:solidFill>
+          </a:ln>
+        </p:spPr>
+        <p:style>
+          <a:lnRef idx="2">
+            <a:schemeClr val="accent1">
+              <a:shade val="15000"/>
+            </a:schemeClr>
+          </a:lnRef>
+          <a:fillRef idx="1">
+            <a:schemeClr val="accent1"/>
+          </a:fillRef>
+          <a:effectRef idx="0">
+            <a:schemeClr val="accent1"/>
+          </a:effectRef>
+          <a:fontRef idx="minor">
+            <a:schemeClr val="lt1"/>
+          </a:fontRef>
+        </p:style>
+        <p:txBody>
+          <a:bodyPr rtlCol="0" anchor="ctr"/>
+          <a:lstStyle/>
+          <a:p>
+            <a:pPr algn="ctr"/>
+            <a:endParaRPr lang="pt-BR"/>
+          </a:p>
+        </p:txBody>
+      </p:sp>
+      <p:pic>
+        <p:nvPicPr>
+          <p:cNvPr id="13" name="Imagem 12">
+            <a:extLst>
+              <a:ext uri="{FF2B5EF4-FFF2-40B4-BE49-F238E27FC236}">
+                <a16:creationId xmlns:a16="http://schemas.microsoft.com/office/drawing/2014/main" id="{CBA89CC3-8AFF-2D80-B78B-0855CE152366}"/>
+              </a:ext>
+            </a:extLst>
+          </p:cNvPr>
+          <p:cNvPicPr>
+            <a:picLocks noChangeAspect="1"/>
+          </p:cNvPicPr>
+          <p:nvPr/>
+        </p:nvPicPr>
+        <p:blipFill>
+          <a:blip r:embed="rId3"/>
+          <a:stretch>
+            <a:fillRect/>
+          </a:stretch>
+        </p:blipFill>
+        <p:spPr>
+          <a:xfrm>
+            <a:off x="4877000" y="5704487"/>
+            <a:ext cx="155387" cy="141992"/>
+          </a:xfrm>
+          <a:prstGeom prst="rect">
+            <a:avLst/>
+          </a:prstGeom>
+        </p:spPr>
+      </p:pic>
+      <p:pic>
+        <p:nvPicPr>
+          <p:cNvPr id="15" name="Imagem 14">
+            <a:extLst>
+              <a:ext uri="{FF2B5EF4-FFF2-40B4-BE49-F238E27FC236}">
+                <a16:creationId xmlns:a16="http://schemas.microsoft.com/office/drawing/2014/main" id="{679196A4-0403-EF00-7D8A-9BDB08C39747}"/>
+              </a:ext>
+            </a:extLst>
+          </p:cNvPr>
+          <p:cNvPicPr>
+            <a:picLocks noChangeAspect="1"/>
+          </p:cNvPicPr>
+          <p:nvPr/>
+        </p:nvPicPr>
+        <p:blipFill>
+          <a:blip r:embed="rId4"/>
+          <a:stretch>
+            <a:fillRect/>
+          </a:stretch>
+        </p:blipFill>
+        <p:spPr>
+          <a:xfrm>
+            <a:off x="5063028" y="5694571"/>
+            <a:ext cx="153206" cy="163090"/>
+          </a:xfrm>
+          <a:prstGeom prst="rect">
+            <a:avLst/>
+          </a:prstGeom>
+        </p:spPr>
+      </p:pic>
+      <p:sp>
+        <p:nvSpPr>
+          <p:cNvPr id="16" name="CaixaDeTexto 15">
+            <a:extLst>
+              <a:ext uri="{FF2B5EF4-FFF2-40B4-BE49-F238E27FC236}">
+                <a16:creationId xmlns:a16="http://schemas.microsoft.com/office/drawing/2014/main" id="{F97D8111-080B-A256-5642-C9832496839E}"/>
+              </a:ext>
+            </a:extLst>
+          </p:cNvPr>
+          <p:cNvSpPr txBox="1"/>
+          <p:nvPr/>
+        </p:nvSpPr>
+        <p:spPr>
+          <a:xfrm>
+            <a:off x="5163368" y="5606355"/>
+            <a:ext cx="1557734" cy="307777"/>
+          </a:xfrm>
+          <a:prstGeom prst="rect">
+            <a:avLst/>
+          </a:prstGeom>
+          <a:noFill/>
+        </p:spPr>
+        <p:txBody>
+          <a:bodyPr wrap="none" rtlCol="0">
+            <a:spAutoFit/>
+          </a:bodyPr>
+          <a:lstStyle/>
+          <a:p>
+            <a:r>
+              <a:rPr lang="pt-BR" sz="1400"/>
+              <a:t>vetores de suporte</a:t>
+            </a:r>
+          </a:p>
+        </p:txBody>
+      </p:sp>
+      <p:sp>
+        <p:nvSpPr>
+          <p:cNvPr id="17" name="Retângulo 16">
+            <a:extLst>
+              <a:ext uri="{FF2B5EF4-FFF2-40B4-BE49-F238E27FC236}">
+                <a16:creationId xmlns:a16="http://schemas.microsoft.com/office/drawing/2014/main" id="{FBCAEC54-2038-60AF-CA27-D58BF5BC7E33}"/>
+              </a:ext>
+            </a:extLst>
+          </p:cNvPr>
+          <p:cNvSpPr/>
+          <p:nvPr/>
+        </p:nvSpPr>
+        <p:spPr>
+          <a:xfrm>
+            <a:off x="4823460" y="5652466"/>
+            <a:ext cx="1897642" cy="246426"/>
+          </a:xfrm>
+          <a:prstGeom prst="rect">
+            <a:avLst/>
+          </a:prstGeom>
+          <a:noFill/>
+          <a:ln w="3175">
+            <a:solidFill>
+              <a:schemeClr val="tx1"/>
+            </a:solidFill>
+          </a:ln>
+        </p:spPr>
+        <p:style>
+          <a:lnRef idx="2">
+            <a:schemeClr val="accent1">
+              <a:shade val="15000"/>
+            </a:schemeClr>
+          </a:lnRef>
+          <a:fillRef idx="1">
+            <a:schemeClr val="accent1"/>
+          </a:fillRef>
+          <a:effectRef idx="0">
+            <a:schemeClr val="accent1"/>
+          </a:effectRef>
+          <a:fontRef idx="minor">
+            <a:schemeClr val="lt1"/>
+          </a:fontRef>
+        </p:style>
+        <p:txBody>
+          <a:bodyPr rtlCol="0" anchor="ctr"/>
+          <a:lstStyle/>
+          <a:p>
+            <a:pPr algn="ctr"/>
+            <a:endParaRPr lang="pt-BR"/>
+          </a:p>
+        </p:txBody>
+      </p:sp>
+    </p:spTree>
+    <p:extLst>
+      <p:ext uri="{BB962C8B-B14F-4D97-AF65-F5344CB8AC3E}">
+        <p14:creationId xmlns:p14="http://schemas.microsoft.com/office/powerpoint/2010/main" val="1430241136"/>
+      </p:ext>
+    </p:extLst>
+  </p:cSld>
+  <p:clrMapOvr>
+    <a:masterClrMapping/>
+  </p:clrMapOvr>
+</p:sld>
+</file>
+
+<file path=ppt/slides/slide14.xml><?xml version="1.0" encoding="utf-8"?>
+<p:sld xmlns:a="http://schemas.openxmlformats.org/drawingml/2006/main" xmlns:r="http://schemas.openxmlformats.org/officeDocument/2006/relationships" xmlns:p="http://schemas.openxmlformats.org/presentationml/2006/main">
+  <p:cSld>
+    <p:spTree>
+      <p:nvGrpSpPr>
+        <p:cNvPr id="1" name=""/>
+        <p:cNvGrpSpPr/>
+        <p:nvPr/>
+      </p:nvGrpSpPr>
+      <p:grpSpPr>
+        <a:xfrm>
+          <a:off x="0" y="0"/>
+          <a:ext cx="0" cy="0"/>
+          <a:chOff x="0" y="0"/>
+          <a:chExt cx="0" cy="0"/>
+        </a:xfrm>
+      </p:grpSpPr>
+      <p:pic>
+        <p:nvPicPr>
+          <p:cNvPr id="4" name="Imagem 3">
+            <a:extLst>
+              <a:ext uri="{FF2B5EF4-FFF2-40B4-BE49-F238E27FC236}">
+                <a16:creationId xmlns:a16="http://schemas.microsoft.com/office/drawing/2014/main" id="{412D79F0-6AB4-C44A-4516-0264181A5D88}"/>
+              </a:ext>
+            </a:extLst>
+          </p:cNvPr>
+          <p:cNvPicPr>
+            <a:picLocks noChangeAspect="1"/>
+          </p:cNvPicPr>
+          <p:nvPr/>
+        </p:nvPicPr>
+        <p:blipFill>
+          <a:blip r:embed="rId2"/>
+          <a:stretch>
+            <a:fillRect/>
+          </a:stretch>
+        </p:blipFill>
+        <p:spPr>
+          <a:xfrm>
+            <a:off x="3025140" y="2133666"/>
+            <a:ext cx="4354830" cy="3950904"/>
+          </a:xfrm>
+          <a:prstGeom prst="rect">
+            <a:avLst/>
+          </a:prstGeom>
+        </p:spPr>
+      </p:pic>
+      <p:sp>
+        <p:nvSpPr>
+          <p:cNvPr id="5" name="Retângulo 4">
+            <a:extLst>
+              <a:ext uri="{FF2B5EF4-FFF2-40B4-BE49-F238E27FC236}">
+                <a16:creationId xmlns:a16="http://schemas.microsoft.com/office/drawing/2014/main" id="{DD05105E-7D16-0E52-3AED-19C12DD90249}"/>
+              </a:ext>
+            </a:extLst>
+          </p:cNvPr>
+          <p:cNvSpPr/>
+          <p:nvPr/>
+        </p:nvSpPr>
+        <p:spPr>
+          <a:xfrm>
+            <a:off x="5394960" y="5461000"/>
+            <a:ext cx="782320" cy="452120"/>
+          </a:xfrm>
+          <a:prstGeom prst="rect">
+            <a:avLst/>
+          </a:prstGeom>
+          <a:solidFill>
+            <a:schemeClr val="bg1"/>
+          </a:solidFill>
+          <a:ln>
+            <a:solidFill>
+              <a:schemeClr val="bg1"/>
+            </a:solidFill>
+          </a:ln>
+        </p:spPr>
+        <p:style>
+          <a:lnRef idx="2">
+            <a:schemeClr val="accent1">
+              <a:shade val="15000"/>
+            </a:schemeClr>
+          </a:lnRef>
+          <a:fillRef idx="1">
+            <a:schemeClr val="accent1"/>
+          </a:fillRef>
+          <a:effectRef idx="0">
+            <a:schemeClr val="accent1"/>
+          </a:effectRef>
+          <a:fontRef idx="minor">
+            <a:schemeClr val="lt1"/>
+          </a:fontRef>
+        </p:style>
+        <p:txBody>
+          <a:bodyPr rtlCol="0" anchor="ctr"/>
+          <a:lstStyle/>
+          <a:p>
+            <a:pPr algn="ctr"/>
+            <a:endParaRPr lang="pt-BR"/>
+          </a:p>
+        </p:txBody>
+      </p:sp>
+      <p:sp>
+        <p:nvSpPr>
+          <p:cNvPr id="6" name="Retângulo 5">
+            <a:extLst>
+              <a:ext uri="{FF2B5EF4-FFF2-40B4-BE49-F238E27FC236}">
+                <a16:creationId xmlns:a16="http://schemas.microsoft.com/office/drawing/2014/main" id="{88696CD2-D1E3-283B-B17C-B12597E054F3}"/>
+              </a:ext>
+            </a:extLst>
+          </p:cNvPr>
+          <p:cNvSpPr/>
+          <p:nvPr/>
+        </p:nvSpPr>
+        <p:spPr>
+          <a:xfrm>
+            <a:off x="6597650" y="4033520"/>
+            <a:ext cx="631190" cy="386080"/>
+          </a:xfrm>
+          <a:prstGeom prst="rect">
+            <a:avLst/>
+          </a:prstGeom>
+          <a:solidFill>
+            <a:schemeClr val="bg1"/>
+          </a:solidFill>
+          <a:ln>
+            <a:solidFill>
+              <a:schemeClr val="bg1"/>
+            </a:solidFill>
+          </a:ln>
+        </p:spPr>
+        <p:style>
+          <a:lnRef idx="2">
+            <a:schemeClr val="accent1">
+              <a:shade val="15000"/>
+            </a:schemeClr>
+          </a:lnRef>
+          <a:fillRef idx="1">
+            <a:schemeClr val="accent1"/>
+          </a:fillRef>
+          <a:effectRef idx="0">
+            <a:schemeClr val="accent1"/>
+          </a:effectRef>
+          <a:fontRef idx="minor">
+            <a:schemeClr val="lt1"/>
+          </a:fontRef>
+        </p:style>
+        <p:txBody>
+          <a:bodyPr rtlCol="0" anchor="ctr"/>
+          <a:lstStyle/>
+          <a:p>
+            <a:pPr algn="ctr"/>
+            <a:endParaRPr lang="pt-BR"/>
+          </a:p>
+        </p:txBody>
+      </p:sp>
+      <p:sp>
+        <p:nvSpPr>
+          <p:cNvPr id="7" name="Retângulo 6">
+            <a:extLst>
+              <a:ext uri="{FF2B5EF4-FFF2-40B4-BE49-F238E27FC236}">
+                <a16:creationId xmlns:a16="http://schemas.microsoft.com/office/drawing/2014/main" id="{CADA7DC9-E8D0-17B0-07E2-F9A3786028CC}"/>
+              </a:ext>
+            </a:extLst>
+          </p:cNvPr>
+          <p:cNvSpPr/>
+          <p:nvPr/>
+        </p:nvSpPr>
+        <p:spPr>
+          <a:xfrm>
+            <a:off x="3656330" y="2423160"/>
+            <a:ext cx="1499870" cy="386080"/>
+          </a:xfrm>
+          <a:prstGeom prst="rect">
+            <a:avLst/>
+          </a:prstGeom>
+          <a:solidFill>
+            <a:schemeClr val="bg1"/>
+          </a:solidFill>
+          <a:ln>
+            <a:solidFill>
+              <a:schemeClr val="bg1"/>
+            </a:solidFill>
+          </a:ln>
+        </p:spPr>
+        <p:style>
+          <a:lnRef idx="2">
+            <a:schemeClr val="accent1">
+              <a:shade val="15000"/>
+            </a:schemeClr>
+          </a:lnRef>
+          <a:fillRef idx="1">
+            <a:schemeClr val="accent1"/>
+          </a:fillRef>
+          <a:effectRef idx="0">
+            <a:schemeClr val="accent1"/>
+          </a:effectRef>
+          <a:fontRef idx="minor">
+            <a:schemeClr val="lt1"/>
+          </a:fontRef>
+        </p:style>
+        <p:txBody>
+          <a:bodyPr rtlCol="0" anchor="ctr"/>
+          <a:lstStyle/>
+          <a:p>
+            <a:pPr algn="ctr"/>
+            <a:endParaRPr lang="pt-BR"/>
+          </a:p>
+        </p:txBody>
+      </p:sp>
+      <p:sp>
+        <p:nvSpPr>
+          <p:cNvPr id="8" name="Retângulo 7">
+            <a:extLst>
+              <a:ext uri="{FF2B5EF4-FFF2-40B4-BE49-F238E27FC236}">
+                <a16:creationId xmlns:a16="http://schemas.microsoft.com/office/drawing/2014/main" id="{09C1787A-2BDB-CF14-07BB-183EA85A6DE7}"/>
+              </a:ext>
+            </a:extLst>
+          </p:cNvPr>
+          <p:cNvSpPr/>
+          <p:nvPr/>
+        </p:nvSpPr>
+        <p:spPr>
+          <a:xfrm>
+            <a:off x="3931920" y="2809240"/>
+            <a:ext cx="127000" cy="619760"/>
+          </a:xfrm>
+          <a:prstGeom prst="rect">
+            <a:avLst/>
+          </a:prstGeom>
+          <a:solidFill>
+            <a:schemeClr val="bg1"/>
+          </a:solidFill>
+          <a:ln>
+            <a:solidFill>
+              <a:schemeClr val="bg1"/>
+            </a:solidFill>
+          </a:ln>
+        </p:spPr>
+        <p:style>
+          <a:lnRef idx="2">
+            <a:schemeClr val="accent1">
+              <a:shade val="15000"/>
+            </a:schemeClr>
+          </a:lnRef>
+          <a:fillRef idx="1">
+            <a:schemeClr val="accent1"/>
+          </a:fillRef>
+          <a:effectRef idx="0">
+            <a:schemeClr val="accent1"/>
+          </a:effectRef>
+          <a:fontRef idx="minor">
+            <a:schemeClr val="lt1"/>
+          </a:fontRef>
+        </p:style>
+        <p:txBody>
+          <a:bodyPr rtlCol="0" anchor="ctr"/>
+          <a:lstStyle/>
+          <a:p>
+            <a:pPr algn="ctr"/>
+            <a:endParaRPr lang="pt-BR"/>
+          </a:p>
+        </p:txBody>
+      </p:sp>
+      <p:sp>
+        <p:nvSpPr>
+          <p:cNvPr id="9" name="Elipse 8">
+            <a:extLst>
+              <a:ext uri="{FF2B5EF4-FFF2-40B4-BE49-F238E27FC236}">
+                <a16:creationId xmlns:a16="http://schemas.microsoft.com/office/drawing/2014/main" id="{6E90AAED-3D54-C5BB-9B89-A0C87FDFF501}"/>
+              </a:ext>
+            </a:extLst>
+          </p:cNvPr>
+          <p:cNvSpPr/>
+          <p:nvPr/>
+        </p:nvSpPr>
+        <p:spPr>
+          <a:xfrm>
+            <a:off x="4203700" y="4041140"/>
+            <a:ext cx="90000" cy="90000"/>
+          </a:xfrm>
+          <a:prstGeom prst="ellipse">
+            <a:avLst/>
+          </a:prstGeom>
+          <a:solidFill>
+            <a:schemeClr val="bg1"/>
+          </a:solidFill>
+          <a:ln>
+            <a:solidFill>
+              <a:srgbClr val="F04223"/>
+            </a:solidFill>
+          </a:ln>
+        </p:spPr>
+        <p:style>
+          <a:lnRef idx="2">
+            <a:schemeClr val="accent1">
+              <a:shade val="15000"/>
+            </a:schemeClr>
+          </a:lnRef>
+          <a:fillRef idx="1">
+            <a:schemeClr val="accent1"/>
+          </a:fillRef>
+          <a:effectRef idx="0">
+            <a:schemeClr val="accent1"/>
+          </a:effectRef>
+          <a:fontRef idx="minor">
+            <a:schemeClr val="lt1"/>
+          </a:fontRef>
+        </p:style>
+        <p:txBody>
+          <a:bodyPr rtlCol="0" anchor="ctr"/>
+          <a:lstStyle/>
+          <a:p>
+            <a:pPr algn="ctr"/>
+            <a:endParaRPr lang="pt-BR"/>
+          </a:p>
+        </p:txBody>
+      </p:sp>
+      <p:sp>
+        <p:nvSpPr>
+          <p:cNvPr id="10" name="Elipse 9">
+            <a:extLst>
+              <a:ext uri="{FF2B5EF4-FFF2-40B4-BE49-F238E27FC236}">
+                <a16:creationId xmlns:a16="http://schemas.microsoft.com/office/drawing/2014/main" id="{B309A1F2-D98D-D0BC-DC59-5328A3AC13C7}"/>
+              </a:ext>
+            </a:extLst>
+          </p:cNvPr>
+          <p:cNvSpPr/>
+          <p:nvPr/>
+        </p:nvSpPr>
+        <p:spPr>
+          <a:xfrm>
+            <a:off x="4772855" y="4372365"/>
+            <a:ext cx="90000" cy="90000"/>
+          </a:xfrm>
+          <a:prstGeom prst="ellipse">
+            <a:avLst/>
+          </a:prstGeom>
+          <a:solidFill>
+            <a:schemeClr val="bg1"/>
+          </a:solidFill>
+          <a:ln>
+            <a:solidFill>
+              <a:srgbClr val="F04223"/>
+            </a:solidFill>
+          </a:ln>
+        </p:spPr>
+        <p:style>
+          <a:lnRef idx="2">
+            <a:schemeClr val="accent1">
+              <a:shade val="15000"/>
+            </a:schemeClr>
+          </a:lnRef>
+          <a:fillRef idx="1">
+            <a:schemeClr val="accent1"/>
+          </a:fillRef>
+          <a:effectRef idx="0">
+            <a:schemeClr val="accent1"/>
+          </a:effectRef>
+          <a:fontRef idx="minor">
+            <a:schemeClr val="lt1"/>
+          </a:fontRef>
+        </p:style>
+        <p:txBody>
+          <a:bodyPr rtlCol="0" anchor="ctr"/>
+          <a:lstStyle/>
+          <a:p>
+            <a:pPr algn="ctr"/>
+            <a:endParaRPr lang="pt-BR"/>
+          </a:p>
+        </p:txBody>
+      </p:sp>
+      <p:sp>
+        <p:nvSpPr>
+          <p:cNvPr id="11" name="Elipse 10">
+            <a:extLst>
+              <a:ext uri="{FF2B5EF4-FFF2-40B4-BE49-F238E27FC236}">
+                <a16:creationId xmlns:a16="http://schemas.microsoft.com/office/drawing/2014/main" id="{43C1B55C-9428-A765-EFAA-353B9EC1EBE6}"/>
+              </a:ext>
+            </a:extLst>
+          </p:cNvPr>
+          <p:cNvSpPr/>
+          <p:nvPr/>
+        </p:nvSpPr>
+        <p:spPr>
+          <a:xfrm>
+            <a:off x="4445195" y="4041140"/>
+            <a:ext cx="90000" cy="90000"/>
+          </a:xfrm>
+          <a:prstGeom prst="ellipse">
+            <a:avLst/>
+          </a:prstGeom>
+          <a:solidFill>
+            <a:schemeClr val="bg1"/>
+          </a:solidFill>
+          <a:ln>
+            <a:solidFill>
+              <a:srgbClr val="61BB46"/>
+            </a:solidFill>
+          </a:ln>
+        </p:spPr>
+        <p:style>
+          <a:lnRef idx="2">
+            <a:schemeClr val="accent1">
+              <a:shade val="15000"/>
+            </a:schemeClr>
+          </a:lnRef>
+          <a:fillRef idx="1">
+            <a:schemeClr val="accent1"/>
+          </a:fillRef>
+          <a:effectRef idx="0">
+            <a:schemeClr val="accent1"/>
+          </a:effectRef>
+          <a:fontRef idx="minor">
+            <a:schemeClr val="lt1"/>
+          </a:fontRef>
+        </p:style>
+        <p:txBody>
+          <a:bodyPr rtlCol="0" anchor="ctr"/>
+          <a:lstStyle/>
+          <a:p>
+            <a:pPr algn="ctr"/>
+            <a:endParaRPr lang="pt-BR"/>
+          </a:p>
+        </p:txBody>
+      </p:sp>
+      <p:sp>
+        <p:nvSpPr>
+          <p:cNvPr id="12" name="Elipse 11">
+            <a:extLst>
+              <a:ext uri="{FF2B5EF4-FFF2-40B4-BE49-F238E27FC236}">
+                <a16:creationId xmlns:a16="http://schemas.microsoft.com/office/drawing/2014/main" id="{7D314DBE-879B-B4F2-1754-69D4F9CC72FF}"/>
+              </a:ext>
+            </a:extLst>
+          </p:cNvPr>
+          <p:cNvSpPr/>
+          <p:nvPr/>
+        </p:nvSpPr>
+        <p:spPr>
+          <a:xfrm>
+            <a:off x="4658555" y="3357000"/>
+            <a:ext cx="90000" cy="90000"/>
+          </a:xfrm>
+          <a:prstGeom prst="ellipse">
+            <a:avLst/>
+          </a:prstGeom>
+          <a:solidFill>
+            <a:schemeClr val="bg1"/>
+          </a:solidFill>
+          <a:ln>
+            <a:solidFill>
+              <a:srgbClr val="61BB46"/>
+            </a:solidFill>
+          </a:ln>
+        </p:spPr>
+        <p:style>
+          <a:lnRef idx="2">
+            <a:schemeClr val="accent1">
+              <a:shade val="15000"/>
+            </a:schemeClr>
+          </a:lnRef>
+          <a:fillRef idx="1">
+            <a:schemeClr val="accent1"/>
+          </a:fillRef>
+          <a:effectRef idx="0">
+            <a:schemeClr val="accent1"/>
+          </a:effectRef>
+          <a:fontRef idx="minor">
+            <a:schemeClr val="lt1"/>
+          </a:fontRef>
+        </p:style>
+        <p:txBody>
+          <a:bodyPr rtlCol="0" anchor="ctr"/>
+          <a:lstStyle/>
+          <a:p>
+            <a:pPr algn="ctr"/>
+            <a:endParaRPr lang="pt-BR"/>
+          </a:p>
+        </p:txBody>
+      </p:sp>
+      <p:sp>
+        <p:nvSpPr>
+          <p:cNvPr id="13" name="Elipse 12">
+            <a:extLst>
+              <a:ext uri="{FF2B5EF4-FFF2-40B4-BE49-F238E27FC236}">
+                <a16:creationId xmlns:a16="http://schemas.microsoft.com/office/drawing/2014/main" id="{074D2699-0F33-3169-9246-AFC069518F4F}"/>
+              </a:ext>
+            </a:extLst>
+          </p:cNvPr>
+          <p:cNvSpPr/>
+          <p:nvPr/>
+        </p:nvSpPr>
+        <p:spPr>
+          <a:xfrm>
+            <a:off x="5245295" y="3613540"/>
+            <a:ext cx="90000" cy="90000"/>
+          </a:xfrm>
+          <a:prstGeom prst="ellipse">
+            <a:avLst/>
+          </a:prstGeom>
+          <a:solidFill>
+            <a:schemeClr val="bg1"/>
+          </a:solidFill>
+          <a:ln>
+            <a:solidFill>
+              <a:srgbClr val="61BB46"/>
+            </a:solidFill>
+          </a:ln>
+        </p:spPr>
+        <p:style>
+          <a:lnRef idx="2">
+            <a:schemeClr val="accent1">
+              <a:shade val="15000"/>
+            </a:schemeClr>
+          </a:lnRef>
+          <a:fillRef idx="1">
+            <a:schemeClr val="accent1"/>
+          </a:fillRef>
+          <a:effectRef idx="0">
+            <a:schemeClr val="accent1"/>
+          </a:effectRef>
+          <a:fontRef idx="minor">
+            <a:schemeClr val="lt1"/>
+          </a:fontRef>
+        </p:style>
+        <p:txBody>
+          <a:bodyPr rtlCol="0" anchor="ctr"/>
+          <a:lstStyle/>
+          <a:p>
+            <a:pPr algn="ctr"/>
+            <a:endParaRPr lang="pt-BR"/>
+          </a:p>
+        </p:txBody>
+      </p:sp>
+      <p:sp>
+        <p:nvSpPr>
+          <p:cNvPr id="14" name="Elipse 13">
+            <a:extLst>
+              <a:ext uri="{FF2B5EF4-FFF2-40B4-BE49-F238E27FC236}">
+                <a16:creationId xmlns:a16="http://schemas.microsoft.com/office/drawing/2014/main" id="{1D27441B-D196-C80D-8BAB-FCA43E818507}"/>
+              </a:ext>
+            </a:extLst>
+          </p:cNvPr>
+          <p:cNvSpPr/>
+          <p:nvPr/>
+        </p:nvSpPr>
+        <p:spPr>
+          <a:xfrm>
+            <a:off x="5908235" y="4115540"/>
+            <a:ext cx="90000" cy="90000"/>
+          </a:xfrm>
+          <a:prstGeom prst="ellipse">
+            <a:avLst/>
+          </a:prstGeom>
+          <a:solidFill>
+            <a:schemeClr val="bg1"/>
+          </a:solidFill>
+          <a:ln>
+            <a:solidFill>
+              <a:srgbClr val="61BB46"/>
+            </a:solidFill>
+          </a:ln>
+        </p:spPr>
+        <p:style>
+          <a:lnRef idx="2">
+            <a:schemeClr val="accent1">
+              <a:shade val="15000"/>
+            </a:schemeClr>
+          </a:lnRef>
+          <a:fillRef idx="1">
+            <a:schemeClr val="accent1"/>
+          </a:fillRef>
+          <a:effectRef idx="0">
+            <a:schemeClr val="accent1"/>
+          </a:effectRef>
+          <a:fontRef idx="minor">
+            <a:schemeClr val="lt1"/>
+          </a:fontRef>
+        </p:style>
+        <p:txBody>
+          <a:bodyPr rtlCol="0" anchor="ctr"/>
+          <a:lstStyle/>
+          <a:p>
+            <a:pPr algn="ctr"/>
+            <a:endParaRPr lang="pt-BR"/>
+          </a:p>
+        </p:txBody>
+      </p:sp>
+      <p:sp>
+        <p:nvSpPr>
+          <p:cNvPr id="15" name="Elipse 14">
+            <a:extLst>
+              <a:ext uri="{FF2B5EF4-FFF2-40B4-BE49-F238E27FC236}">
+                <a16:creationId xmlns:a16="http://schemas.microsoft.com/office/drawing/2014/main" id="{3435032E-0891-465F-D2BD-4FCA05D1D2F5}"/>
+              </a:ext>
+            </a:extLst>
+          </p:cNvPr>
+          <p:cNvSpPr/>
+          <p:nvPr/>
+        </p:nvSpPr>
+        <p:spPr>
+          <a:xfrm>
+            <a:off x="5425635" y="3274840"/>
+            <a:ext cx="90000" cy="90000"/>
+          </a:xfrm>
+          <a:prstGeom prst="ellipse">
+            <a:avLst/>
+          </a:prstGeom>
+          <a:solidFill>
+            <a:schemeClr val="bg1"/>
+          </a:solidFill>
+          <a:ln>
+            <a:solidFill>
+              <a:srgbClr val="F04223"/>
+            </a:solidFill>
+          </a:ln>
+        </p:spPr>
+        <p:style>
+          <a:lnRef idx="2">
+            <a:schemeClr val="accent1">
+              <a:shade val="15000"/>
+            </a:schemeClr>
+          </a:lnRef>
+          <a:fillRef idx="1">
+            <a:schemeClr val="accent1"/>
+          </a:fillRef>
+          <a:effectRef idx="0">
+            <a:schemeClr val="accent1"/>
+          </a:effectRef>
+          <a:fontRef idx="minor">
+            <a:schemeClr val="lt1"/>
+          </a:fontRef>
+        </p:style>
+        <p:txBody>
+          <a:bodyPr rtlCol="0" anchor="ctr"/>
+          <a:lstStyle/>
+          <a:p>
+            <a:pPr algn="ctr"/>
+            <a:endParaRPr lang="pt-BR"/>
+          </a:p>
+        </p:txBody>
+      </p:sp>
+      <p:sp>
+        <p:nvSpPr>
+          <p:cNvPr id="16" name="Retângulo 15">
+            <a:extLst>
+              <a:ext uri="{FF2B5EF4-FFF2-40B4-BE49-F238E27FC236}">
+                <a16:creationId xmlns:a16="http://schemas.microsoft.com/office/drawing/2014/main" id="{619FAC7B-C97B-919F-386D-E6D627AE0756}"/>
+              </a:ext>
+            </a:extLst>
+          </p:cNvPr>
+          <p:cNvSpPr/>
+          <p:nvPr/>
+        </p:nvSpPr>
+        <p:spPr>
+          <a:xfrm>
+            <a:off x="4643314" y="5427345"/>
+            <a:ext cx="702115" cy="290480"/>
+          </a:xfrm>
+          <a:prstGeom prst="rect">
+            <a:avLst/>
+          </a:prstGeom>
+          <a:solidFill>
+            <a:schemeClr val="bg1"/>
+          </a:solidFill>
+          <a:ln>
+            <a:solidFill>
+              <a:schemeClr val="bg1"/>
+            </a:solidFill>
+          </a:ln>
+        </p:spPr>
+        <p:style>
+          <a:lnRef idx="2">
+            <a:schemeClr val="accent1">
+              <a:shade val="15000"/>
+            </a:schemeClr>
+          </a:lnRef>
+          <a:fillRef idx="1">
+            <a:schemeClr val="accent1"/>
+          </a:fillRef>
+          <a:effectRef idx="0">
+            <a:schemeClr val="accent1"/>
+          </a:effectRef>
+          <a:fontRef idx="minor">
+            <a:schemeClr val="lt1"/>
+          </a:fontRef>
+        </p:style>
+        <p:txBody>
+          <a:bodyPr rtlCol="0" anchor="ctr"/>
+          <a:lstStyle/>
+          <a:p>
+            <a:pPr algn="ctr"/>
+            <a:endParaRPr lang="pt-BR"/>
+          </a:p>
+        </p:txBody>
+      </p:sp>
+      <p:sp>
+        <p:nvSpPr>
+          <p:cNvPr id="17" name="Retângulo 16">
+            <a:extLst>
+              <a:ext uri="{FF2B5EF4-FFF2-40B4-BE49-F238E27FC236}">
+                <a16:creationId xmlns:a16="http://schemas.microsoft.com/office/drawing/2014/main" id="{E85C895E-590D-3514-A9F6-9EDDCFA9E64B}"/>
+              </a:ext>
+            </a:extLst>
+          </p:cNvPr>
+          <p:cNvSpPr/>
+          <p:nvPr/>
+        </p:nvSpPr>
+        <p:spPr>
+          <a:xfrm>
+            <a:off x="4500880" y="5159699"/>
+            <a:ext cx="782320" cy="452120"/>
+          </a:xfrm>
+          <a:prstGeom prst="rect">
+            <a:avLst/>
+          </a:prstGeom>
+          <a:solidFill>
+            <a:schemeClr val="bg1"/>
+          </a:solidFill>
+          <a:ln>
+            <a:solidFill>
+              <a:schemeClr val="bg1"/>
+            </a:solidFill>
+          </a:ln>
+        </p:spPr>
+        <p:style>
+          <a:lnRef idx="2">
+            <a:schemeClr val="accent1">
+              <a:shade val="15000"/>
+            </a:schemeClr>
+          </a:lnRef>
+          <a:fillRef idx="1">
+            <a:schemeClr val="accent1"/>
+          </a:fillRef>
+          <a:effectRef idx="0">
+            <a:schemeClr val="accent1"/>
+          </a:effectRef>
+          <a:fontRef idx="minor">
+            <a:schemeClr val="lt1"/>
+          </a:fontRef>
+        </p:style>
+        <p:txBody>
+          <a:bodyPr rtlCol="0" anchor="ctr"/>
+          <a:lstStyle/>
+          <a:p>
+            <a:pPr algn="ctr"/>
+            <a:endParaRPr lang="pt-BR"/>
+          </a:p>
+        </p:txBody>
+      </p:sp>
+      <p:sp>
+        <p:nvSpPr>
+          <p:cNvPr id="18" name="Retângulo 17">
+            <a:extLst>
+              <a:ext uri="{FF2B5EF4-FFF2-40B4-BE49-F238E27FC236}">
+                <a16:creationId xmlns:a16="http://schemas.microsoft.com/office/drawing/2014/main" id="{1EC91A65-6434-3CF6-C297-90ACEB453317}"/>
+              </a:ext>
+            </a:extLst>
+          </p:cNvPr>
+          <p:cNvSpPr/>
+          <p:nvPr/>
+        </p:nvSpPr>
+        <p:spPr>
+          <a:xfrm rot="18489220">
+            <a:off x="6188907" y="4086073"/>
+            <a:ext cx="45719" cy="452120"/>
+          </a:xfrm>
+          <a:prstGeom prst="rect">
+            <a:avLst/>
+          </a:prstGeom>
+          <a:solidFill>
+            <a:schemeClr val="bg1"/>
+          </a:solidFill>
+          <a:ln>
+            <a:solidFill>
+              <a:schemeClr val="bg1"/>
+            </a:solidFill>
+          </a:ln>
+        </p:spPr>
+        <p:style>
+          <a:lnRef idx="2">
+            <a:schemeClr val="accent1">
+              <a:shade val="15000"/>
+            </a:schemeClr>
+          </a:lnRef>
+          <a:fillRef idx="1">
+            <a:schemeClr val="accent1"/>
+          </a:fillRef>
+          <a:effectRef idx="0">
+            <a:schemeClr val="accent1"/>
+          </a:effectRef>
+          <a:fontRef idx="minor">
+            <a:schemeClr val="lt1"/>
+          </a:fontRef>
+        </p:style>
+        <p:txBody>
+          <a:bodyPr rtlCol="0" anchor="ctr"/>
+          <a:lstStyle/>
+          <a:p>
+            <a:pPr algn="ctr"/>
+            <a:endParaRPr lang="pt-BR"/>
+          </a:p>
+        </p:txBody>
+      </p:sp>
+      <p:sp>
+        <p:nvSpPr>
+          <p:cNvPr id="19" name="Retângulo 18">
+            <a:extLst>
+              <a:ext uri="{FF2B5EF4-FFF2-40B4-BE49-F238E27FC236}">
+                <a16:creationId xmlns:a16="http://schemas.microsoft.com/office/drawing/2014/main" id="{3B89F093-5347-2275-11E1-7FC5C7AE8985}"/>
+              </a:ext>
+            </a:extLst>
+          </p:cNvPr>
+          <p:cNvSpPr/>
+          <p:nvPr/>
+        </p:nvSpPr>
+        <p:spPr>
+          <a:xfrm>
+            <a:off x="6094095" y="4196675"/>
+            <a:ext cx="892908" cy="45719"/>
+          </a:xfrm>
+          <a:prstGeom prst="rect">
+            <a:avLst/>
+          </a:prstGeom>
+          <a:solidFill>
+            <a:schemeClr val="bg1"/>
+          </a:solidFill>
+          <a:ln>
+            <a:solidFill>
+              <a:schemeClr val="bg1"/>
+            </a:solidFill>
+          </a:ln>
+        </p:spPr>
+        <p:style>
+          <a:lnRef idx="2">
+            <a:schemeClr val="accent1">
+              <a:shade val="15000"/>
+            </a:schemeClr>
+          </a:lnRef>
+          <a:fillRef idx="1">
+            <a:schemeClr val="accent1"/>
+          </a:fillRef>
+          <a:effectRef idx="0">
+            <a:schemeClr val="accent1"/>
+          </a:effectRef>
+          <a:fontRef idx="minor">
+            <a:schemeClr val="lt1"/>
+          </a:fontRef>
+        </p:style>
+        <p:txBody>
+          <a:bodyPr rtlCol="0" anchor="ctr"/>
+          <a:lstStyle/>
+          <a:p>
+            <a:pPr algn="ctr"/>
+            <a:endParaRPr lang="pt-BR"/>
+          </a:p>
+        </p:txBody>
+      </p:sp>
+      <p:sp>
+        <p:nvSpPr>
+          <p:cNvPr id="20" name="Retângulo 19">
+            <a:extLst>
+              <a:ext uri="{FF2B5EF4-FFF2-40B4-BE49-F238E27FC236}">
+                <a16:creationId xmlns:a16="http://schemas.microsoft.com/office/drawing/2014/main" id="{C8AEC561-5B39-F702-52EE-81F074E8E88C}"/>
+              </a:ext>
+            </a:extLst>
+          </p:cNvPr>
+          <p:cNvSpPr/>
+          <p:nvPr/>
+        </p:nvSpPr>
+        <p:spPr>
+          <a:xfrm rot="2422765">
+            <a:off x="5300558" y="4876426"/>
+            <a:ext cx="170703" cy="295666"/>
+          </a:xfrm>
+          <a:prstGeom prst="rect">
+            <a:avLst/>
+          </a:prstGeom>
+          <a:solidFill>
+            <a:srgbClr val="FBED8A"/>
+          </a:solidFill>
+          <a:ln>
+            <a:noFill/>
+          </a:ln>
+        </p:spPr>
+        <p:style>
+          <a:lnRef idx="2">
+            <a:schemeClr val="accent1">
+              <a:shade val="15000"/>
+            </a:schemeClr>
+          </a:lnRef>
+          <a:fillRef idx="1">
+            <a:schemeClr val="accent1"/>
+          </a:fillRef>
+          <a:effectRef idx="0">
+            <a:schemeClr val="accent1"/>
+          </a:effectRef>
+          <a:fontRef idx="minor">
+            <a:schemeClr val="lt1"/>
+          </a:fontRef>
+        </p:style>
+        <p:txBody>
+          <a:bodyPr rtlCol="0" anchor="ctr"/>
+          <a:lstStyle/>
+          <a:p>
+            <a:pPr algn="ctr"/>
+            <a:endParaRPr lang="pt-BR"/>
+          </a:p>
+        </p:txBody>
+      </p:sp>
+      <p:sp>
+        <p:nvSpPr>
+          <p:cNvPr id="21" name="Retângulo 20">
+            <a:extLst>
+              <a:ext uri="{FF2B5EF4-FFF2-40B4-BE49-F238E27FC236}">
+                <a16:creationId xmlns:a16="http://schemas.microsoft.com/office/drawing/2014/main" id="{CCE3B905-19AB-A136-E594-B8187D02C63C}"/>
+              </a:ext>
+            </a:extLst>
+          </p:cNvPr>
+          <p:cNvSpPr/>
+          <p:nvPr/>
+        </p:nvSpPr>
+        <p:spPr>
+          <a:xfrm rot="2422765">
+            <a:off x="5405411" y="4801864"/>
+            <a:ext cx="170703" cy="295666"/>
+          </a:xfrm>
+          <a:prstGeom prst="rect">
+            <a:avLst/>
+          </a:prstGeom>
+          <a:solidFill>
+            <a:srgbClr val="FBED8A"/>
+          </a:solidFill>
+          <a:ln>
+            <a:noFill/>
+          </a:ln>
+        </p:spPr>
+        <p:style>
+          <a:lnRef idx="2">
+            <a:schemeClr val="accent1">
+              <a:shade val="15000"/>
+            </a:schemeClr>
+          </a:lnRef>
+          <a:fillRef idx="1">
+            <a:schemeClr val="accent1"/>
+          </a:fillRef>
+          <a:effectRef idx="0">
+            <a:schemeClr val="accent1"/>
+          </a:effectRef>
+          <a:fontRef idx="minor">
+            <a:schemeClr val="lt1"/>
+          </a:fontRef>
+        </p:style>
+        <p:txBody>
+          <a:bodyPr rtlCol="0" anchor="ctr"/>
+          <a:lstStyle/>
+          <a:p>
+            <a:pPr algn="ctr"/>
+            <a:endParaRPr lang="pt-BR"/>
+          </a:p>
+        </p:txBody>
+      </p:sp>
+      <p:sp>
+        <p:nvSpPr>
+          <p:cNvPr id="22" name="Retângulo 21">
+            <a:extLst>
+              <a:ext uri="{FF2B5EF4-FFF2-40B4-BE49-F238E27FC236}">
+                <a16:creationId xmlns:a16="http://schemas.microsoft.com/office/drawing/2014/main" id="{D244F5E4-DA0B-1139-B73C-1B712A6E7E07}"/>
+              </a:ext>
+            </a:extLst>
+          </p:cNvPr>
+          <p:cNvSpPr/>
+          <p:nvPr/>
+        </p:nvSpPr>
+        <p:spPr>
+          <a:xfrm rot="2422765">
+            <a:off x="5822883" y="4308537"/>
+            <a:ext cx="170703" cy="295666"/>
+          </a:xfrm>
+          <a:prstGeom prst="rect">
+            <a:avLst/>
+          </a:prstGeom>
+          <a:solidFill>
+            <a:srgbClr val="FBED8A"/>
+          </a:solidFill>
+          <a:ln>
+            <a:noFill/>
+          </a:ln>
+        </p:spPr>
+        <p:style>
+          <a:lnRef idx="2">
+            <a:schemeClr val="accent1">
+              <a:shade val="15000"/>
+            </a:schemeClr>
+          </a:lnRef>
+          <a:fillRef idx="1">
+            <a:schemeClr val="accent1"/>
+          </a:fillRef>
+          <a:effectRef idx="0">
+            <a:schemeClr val="accent1"/>
+          </a:effectRef>
+          <a:fontRef idx="minor">
+            <a:schemeClr val="lt1"/>
+          </a:fontRef>
+        </p:style>
+        <p:txBody>
+          <a:bodyPr rtlCol="0" anchor="ctr"/>
+          <a:lstStyle/>
+          <a:p>
+            <a:pPr algn="ctr"/>
+            <a:endParaRPr lang="pt-BR"/>
+          </a:p>
+        </p:txBody>
+      </p:sp>
+      <p:sp>
+        <p:nvSpPr>
+          <p:cNvPr id="23" name="Retângulo 22">
+            <a:extLst>
+              <a:ext uri="{FF2B5EF4-FFF2-40B4-BE49-F238E27FC236}">
+                <a16:creationId xmlns:a16="http://schemas.microsoft.com/office/drawing/2014/main" id="{41B0607B-EA98-E959-CAA5-348EE507A0B2}"/>
+              </a:ext>
+            </a:extLst>
+          </p:cNvPr>
+          <p:cNvSpPr/>
+          <p:nvPr/>
+        </p:nvSpPr>
+        <p:spPr>
+          <a:xfrm rot="2422765">
+            <a:off x="5883586" y="4199132"/>
+            <a:ext cx="116310" cy="295666"/>
+          </a:xfrm>
+          <a:prstGeom prst="rect">
+            <a:avLst/>
+          </a:prstGeom>
+          <a:solidFill>
+            <a:srgbClr val="FBED8A"/>
+          </a:solidFill>
+          <a:ln>
+            <a:noFill/>
+          </a:ln>
+        </p:spPr>
+        <p:style>
+          <a:lnRef idx="2">
+            <a:schemeClr val="accent1">
+              <a:shade val="15000"/>
+            </a:schemeClr>
+          </a:lnRef>
+          <a:fillRef idx="1">
+            <a:schemeClr val="accent1"/>
+          </a:fillRef>
+          <a:effectRef idx="0">
+            <a:schemeClr val="accent1"/>
+          </a:effectRef>
+          <a:fontRef idx="minor">
+            <a:schemeClr val="lt1"/>
+          </a:fontRef>
+        </p:style>
+        <p:txBody>
+          <a:bodyPr rtlCol="0" anchor="ctr"/>
+          <a:lstStyle/>
+          <a:p>
+            <a:pPr algn="ctr"/>
+            <a:endParaRPr lang="pt-BR"/>
+          </a:p>
+        </p:txBody>
+      </p:sp>
+      <p:sp>
+        <p:nvSpPr>
+          <p:cNvPr id="24" name="Retângulo 23">
+            <a:extLst>
+              <a:ext uri="{FF2B5EF4-FFF2-40B4-BE49-F238E27FC236}">
+                <a16:creationId xmlns:a16="http://schemas.microsoft.com/office/drawing/2014/main" id="{B9789666-E9BE-912A-BFD4-436A20BBE183}"/>
+              </a:ext>
+            </a:extLst>
+          </p:cNvPr>
+          <p:cNvSpPr/>
+          <p:nvPr/>
+        </p:nvSpPr>
+        <p:spPr>
+          <a:xfrm>
+            <a:off x="6445885" y="3993474"/>
+            <a:ext cx="782320" cy="452120"/>
+          </a:xfrm>
+          <a:prstGeom prst="rect">
+            <a:avLst/>
+          </a:prstGeom>
+          <a:solidFill>
+            <a:schemeClr val="bg1"/>
+          </a:solidFill>
+          <a:ln>
+            <a:solidFill>
+              <a:schemeClr val="bg1"/>
+            </a:solidFill>
+          </a:ln>
+        </p:spPr>
+        <p:style>
+          <a:lnRef idx="2">
+            <a:schemeClr val="accent1">
+              <a:shade val="15000"/>
+            </a:schemeClr>
+          </a:lnRef>
+          <a:fillRef idx="1">
+            <a:schemeClr val="accent1"/>
+          </a:fillRef>
+          <a:effectRef idx="0">
+            <a:schemeClr val="accent1"/>
+          </a:effectRef>
+          <a:fontRef idx="minor">
+            <a:schemeClr val="lt1"/>
+          </a:fontRef>
+        </p:style>
+        <p:txBody>
+          <a:bodyPr rtlCol="0" anchor="ctr"/>
+          <a:lstStyle/>
+          <a:p>
+            <a:pPr algn="ctr"/>
+            <a:endParaRPr lang="pt-BR"/>
+          </a:p>
+        </p:txBody>
+      </p:sp>
+      <p:sp>
+        <p:nvSpPr>
+          <p:cNvPr id="25" name="Retângulo 24">
+            <a:extLst>
+              <a:ext uri="{FF2B5EF4-FFF2-40B4-BE49-F238E27FC236}">
+                <a16:creationId xmlns:a16="http://schemas.microsoft.com/office/drawing/2014/main" id="{F9266526-06D9-19B1-CE25-96F4DD572CF0}"/>
+              </a:ext>
+            </a:extLst>
+          </p:cNvPr>
+          <p:cNvSpPr/>
+          <p:nvPr/>
+        </p:nvSpPr>
+        <p:spPr>
+          <a:xfrm rot="176950">
+            <a:off x="6261067" y="4096677"/>
+            <a:ext cx="309351" cy="245713"/>
+          </a:xfrm>
+          <a:prstGeom prst="rect">
+            <a:avLst/>
+          </a:prstGeom>
+          <a:solidFill>
+            <a:schemeClr val="bg1"/>
+          </a:solidFill>
+          <a:ln>
+            <a:solidFill>
+              <a:schemeClr val="bg1"/>
+            </a:solidFill>
+          </a:ln>
+        </p:spPr>
+        <p:style>
+          <a:lnRef idx="2">
+            <a:schemeClr val="accent1">
+              <a:shade val="15000"/>
+            </a:schemeClr>
+          </a:lnRef>
+          <a:fillRef idx="1">
+            <a:schemeClr val="accent1"/>
+          </a:fillRef>
+          <a:effectRef idx="0">
+            <a:schemeClr val="accent1"/>
+          </a:effectRef>
+          <a:fontRef idx="minor">
+            <a:schemeClr val="lt1"/>
+          </a:fontRef>
+        </p:style>
+        <p:txBody>
+          <a:bodyPr rtlCol="0" anchor="ctr"/>
+          <a:lstStyle/>
+          <a:p>
+            <a:pPr algn="ctr"/>
+            <a:endParaRPr lang="pt-BR"/>
+          </a:p>
+        </p:txBody>
+      </p:sp>
+      <mc:AlternateContent xmlns:mc="http://schemas.openxmlformats.org/markup-compatibility/2006">
+        <mc:Choice xmlns:a14="http://schemas.microsoft.com/office/drawing/2010/main" Requires="a14">
+          <p:sp>
+            <p:nvSpPr>
+              <p:cNvPr id="26" name="CaixaDeTexto 25">
+                <a:extLst>
+                  <a:ext uri="{FF2B5EF4-FFF2-40B4-BE49-F238E27FC236}">
+                    <a16:creationId xmlns:a16="http://schemas.microsoft.com/office/drawing/2014/main" id="{684728BA-D22B-BD6C-6EAC-2763DBE69F26}"/>
+                  </a:ext>
+                </a:extLst>
+              </p:cNvPr>
+              <p:cNvSpPr txBox="1"/>
+              <p:nvPr/>
+            </p:nvSpPr>
+            <p:spPr>
+              <a:xfrm>
+                <a:off x="5281295" y="4746982"/>
+                <a:ext cx="346710" cy="369332"/>
+              </a:xfrm>
+              <a:prstGeom prst="rect">
+                <a:avLst/>
+              </a:prstGeom>
+              <a:noFill/>
+            </p:spPr>
+            <p:txBody>
+              <a:bodyPr wrap="square" rtlCol="0">
+                <a:spAutoFit/>
+              </a:bodyPr>
+              <a:lstStyle/>
+              <a:p>
+                <a14:m>
+                  <m:oMathPara xmlns:m="http://schemas.openxmlformats.org/officeDocument/2006/math">
+                    <m:oMathParaPr>
+                      <m:jc m:val="centerGroup"/>
+                    </m:oMathParaPr>
+                    <m:oMath xmlns:m="http://schemas.openxmlformats.org/officeDocument/2006/math">
+                      <m:r>
+                        <a:rPr lang="pt-BR" b="0" i="1" smtClean="0">
+                          <a:latin typeface="Cambria Math" panose="02040503050406030204" pitchFamily="18" charset="0"/>
+                        </a:rPr>
+                        <m:t>𝑀</m:t>
+                      </m:r>
+                    </m:oMath>
+                  </m:oMathPara>
+                </a14:m>
+                <a:endParaRPr lang="pt-BR"/>
+              </a:p>
+            </p:txBody>
+          </p:sp>
+        </mc:Choice>
+        <mc:Fallback>
+          <p:sp>
+            <p:nvSpPr>
+              <p:cNvPr id="26" name="CaixaDeTexto 25">
+                <a:extLst>
+                  <a:ext uri="{FF2B5EF4-FFF2-40B4-BE49-F238E27FC236}">
+                    <a16:creationId xmlns:a16="http://schemas.microsoft.com/office/drawing/2014/main" id="{684728BA-D22B-BD6C-6EAC-2763DBE69F26}"/>
+                  </a:ext>
+                </a:extLst>
+              </p:cNvPr>
+              <p:cNvSpPr txBox="1">
+                <a:spLocks noRot="1" noChangeAspect="1" noMove="1" noResize="1" noEditPoints="1" noAdjustHandles="1" noChangeArrowheads="1" noChangeShapeType="1" noTextEdit="1"/>
+              </p:cNvSpPr>
+              <p:nvPr/>
+            </p:nvSpPr>
+            <p:spPr>
+              <a:xfrm>
+                <a:off x="5281295" y="4746982"/>
+                <a:ext cx="346710" cy="369332"/>
+              </a:xfrm>
+              <a:prstGeom prst="rect">
+                <a:avLst/>
+              </a:prstGeom>
+              <a:blipFill>
+                <a:blip r:embed="rId3"/>
+                <a:stretch>
+                  <a:fillRect r="-7018"/>
+                </a:stretch>
+              </a:blipFill>
+            </p:spPr>
+            <p:txBody>
+              <a:bodyPr/>
+              <a:lstStyle/>
+              <a:p>
+                <a:r>
+                  <a:rPr lang="pt-BR">
+                    <a:noFill/>
+                  </a:rPr>
+                  <a:t> </a:t>
+                </a:r>
+              </a:p>
+            </p:txBody>
+          </p:sp>
+        </mc:Fallback>
+      </mc:AlternateContent>
+      <mc:AlternateContent xmlns:mc="http://schemas.openxmlformats.org/markup-compatibility/2006">
+        <mc:Choice xmlns:a14="http://schemas.microsoft.com/office/drawing/2010/main" Requires="a14">
+          <p:sp>
+            <p:nvSpPr>
+              <p:cNvPr id="27" name="CaixaDeTexto 26">
+                <a:extLst>
+                  <a:ext uri="{FF2B5EF4-FFF2-40B4-BE49-F238E27FC236}">
+                    <a16:creationId xmlns:a16="http://schemas.microsoft.com/office/drawing/2014/main" id="{539DF8B0-93F1-CF52-9AFE-E53EEB0AB934}"/>
+                  </a:ext>
+                </a:extLst>
+              </p:cNvPr>
+              <p:cNvSpPr txBox="1"/>
+              <p:nvPr/>
+            </p:nvSpPr>
+            <p:spPr>
+              <a:xfrm>
+                <a:off x="5694760" y="4281911"/>
+                <a:ext cx="346710" cy="369332"/>
+              </a:xfrm>
+              <a:prstGeom prst="rect">
+                <a:avLst/>
+              </a:prstGeom>
+              <a:noFill/>
+            </p:spPr>
+            <p:txBody>
+              <a:bodyPr wrap="square" rtlCol="0">
+                <a:spAutoFit/>
+              </a:bodyPr>
+              <a:lstStyle/>
+              <a:p>
+                <a14:m>
+                  <m:oMathPara xmlns:m="http://schemas.openxmlformats.org/officeDocument/2006/math">
+                    <m:oMathParaPr>
+                      <m:jc m:val="centerGroup"/>
+                    </m:oMathParaPr>
+                    <m:oMath xmlns:m="http://schemas.openxmlformats.org/officeDocument/2006/math">
+                      <m:r>
+                        <a:rPr lang="pt-BR" b="0" i="1" smtClean="0">
+                          <a:latin typeface="Cambria Math" panose="02040503050406030204" pitchFamily="18" charset="0"/>
+                        </a:rPr>
+                        <m:t>𝑀</m:t>
+                      </m:r>
+                    </m:oMath>
+                  </m:oMathPara>
+                </a14:m>
+                <a:endParaRPr lang="pt-BR"/>
+              </a:p>
+            </p:txBody>
+          </p:sp>
+        </mc:Choice>
+        <mc:Fallback>
+          <p:sp>
+            <p:nvSpPr>
+              <p:cNvPr id="27" name="CaixaDeTexto 26">
+                <a:extLst>
+                  <a:ext uri="{FF2B5EF4-FFF2-40B4-BE49-F238E27FC236}">
+                    <a16:creationId xmlns:a16="http://schemas.microsoft.com/office/drawing/2014/main" id="{539DF8B0-93F1-CF52-9AFE-E53EEB0AB934}"/>
+                  </a:ext>
+                </a:extLst>
+              </p:cNvPr>
+              <p:cNvSpPr txBox="1">
+                <a:spLocks noRot="1" noChangeAspect="1" noMove="1" noResize="1" noEditPoints="1" noAdjustHandles="1" noChangeArrowheads="1" noChangeShapeType="1" noTextEdit="1"/>
+              </p:cNvSpPr>
+              <p:nvPr/>
+            </p:nvSpPr>
+            <p:spPr>
+              <a:xfrm>
+                <a:off x="5694760" y="4281911"/>
+                <a:ext cx="346710" cy="369332"/>
+              </a:xfrm>
+              <a:prstGeom prst="rect">
+                <a:avLst/>
+              </a:prstGeom>
+              <a:blipFill>
+                <a:blip r:embed="rId4"/>
+                <a:stretch>
+                  <a:fillRect r="-7018"/>
+                </a:stretch>
+              </a:blipFill>
+            </p:spPr>
+            <p:txBody>
+              <a:bodyPr/>
+              <a:lstStyle/>
+              <a:p>
+                <a:r>
+                  <a:rPr lang="pt-BR">
+                    <a:noFill/>
+                  </a:rPr>
+                  <a:t> </a:t>
+                </a:r>
+              </a:p>
+            </p:txBody>
+          </p:sp>
+        </mc:Fallback>
+      </mc:AlternateContent>
+      <p:sp>
+        <p:nvSpPr>
+          <p:cNvPr id="28" name="Elipse 27">
+            <a:extLst>
+              <a:ext uri="{FF2B5EF4-FFF2-40B4-BE49-F238E27FC236}">
+                <a16:creationId xmlns:a16="http://schemas.microsoft.com/office/drawing/2014/main" id="{32BEA794-8267-0429-8F5B-16E18EDFDFD9}"/>
+              </a:ext>
+            </a:extLst>
+          </p:cNvPr>
+          <p:cNvSpPr/>
+          <p:nvPr/>
+        </p:nvSpPr>
+        <p:spPr>
+          <a:xfrm>
+            <a:off x="5214960" y="5862503"/>
+            <a:ext cx="90000" cy="90000"/>
+          </a:xfrm>
+          <a:prstGeom prst="ellipse">
+            <a:avLst/>
+          </a:prstGeom>
+          <a:solidFill>
+            <a:schemeClr val="bg1"/>
+          </a:solidFill>
+          <a:ln>
+            <a:solidFill>
+              <a:srgbClr val="F04223"/>
+            </a:solidFill>
+          </a:ln>
+        </p:spPr>
+        <p:style>
+          <a:lnRef idx="2">
+            <a:schemeClr val="accent1">
+              <a:shade val="15000"/>
+            </a:schemeClr>
+          </a:lnRef>
+          <a:fillRef idx="1">
+            <a:schemeClr val="accent1"/>
+          </a:fillRef>
+          <a:effectRef idx="0">
+            <a:schemeClr val="accent1"/>
+          </a:effectRef>
+          <a:fontRef idx="minor">
+            <a:schemeClr val="lt1"/>
+          </a:fontRef>
+        </p:style>
+        <p:txBody>
+          <a:bodyPr rtlCol="0" anchor="ctr"/>
+          <a:lstStyle/>
+          <a:p>
+            <a:pPr algn="ctr"/>
+            <a:endParaRPr lang="pt-BR"/>
+          </a:p>
+        </p:txBody>
+      </p:sp>
+      <p:sp>
+        <p:nvSpPr>
+          <p:cNvPr id="29" name="Elipse 28">
+            <a:extLst>
+              <a:ext uri="{FF2B5EF4-FFF2-40B4-BE49-F238E27FC236}">
+                <a16:creationId xmlns:a16="http://schemas.microsoft.com/office/drawing/2014/main" id="{C223422E-936C-2269-1D5F-8BFC9CFB90BE}"/>
+              </a:ext>
+            </a:extLst>
+          </p:cNvPr>
+          <p:cNvSpPr/>
+          <p:nvPr/>
+        </p:nvSpPr>
+        <p:spPr>
+          <a:xfrm>
+            <a:off x="5380635" y="5862503"/>
+            <a:ext cx="90000" cy="90000"/>
+          </a:xfrm>
+          <a:prstGeom prst="ellipse">
+            <a:avLst/>
+          </a:prstGeom>
+          <a:solidFill>
+            <a:schemeClr val="bg1"/>
+          </a:solidFill>
+          <a:ln>
+            <a:solidFill>
+              <a:srgbClr val="61BB46"/>
+            </a:solidFill>
+          </a:ln>
+        </p:spPr>
+        <p:style>
+          <a:lnRef idx="2">
+            <a:schemeClr val="accent1">
+              <a:shade val="15000"/>
+            </a:schemeClr>
+          </a:lnRef>
+          <a:fillRef idx="1">
+            <a:schemeClr val="accent1"/>
+          </a:fillRef>
+          <a:effectRef idx="0">
+            <a:schemeClr val="accent1"/>
+          </a:effectRef>
+          <a:fontRef idx="minor">
+            <a:schemeClr val="lt1"/>
+          </a:fontRef>
+        </p:style>
+        <p:txBody>
+          <a:bodyPr rtlCol="0" anchor="ctr"/>
+          <a:lstStyle/>
+          <a:p>
+            <a:pPr algn="ctr"/>
+            <a:endParaRPr lang="pt-BR"/>
+          </a:p>
+        </p:txBody>
+      </p:sp>
+      <p:sp>
+        <p:nvSpPr>
+          <p:cNvPr id="30" name="CaixaDeTexto 29">
+            <a:extLst>
+              <a:ext uri="{FF2B5EF4-FFF2-40B4-BE49-F238E27FC236}">
+                <a16:creationId xmlns:a16="http://schemas.microsoft.com/office/drawing/2014/main" id="{1573D351-AF22-7B30-53E9-0F4FABECF3B8}"/>
+              </a:ext>
+            </a:extLst>
+          </p:cNvPr>
+          <p:cNvSpPr txBox="1"/>
+          <p:nvPr/>
+        </p:nvSpPr>
+        <p:spPr>
+          <a:xfrm>
+            <a:off x="5484960" y="5743509"/>
+            <a:ext cx="1598563" cy="307777"/>
+          </a:xfrm>
+          <a:prstGeom prst="rect">
+            <a:avLst/>
+          </a:prstGeom>
+          <a:noFill/>
+        </p:spPr>
+        <p:txBody>
+          <a:bodyPr wrap="square" rtlCol="0">
+            <a:spAutoFit/>
+          </a:bodyPr>
+          <a:lstStyle/>
+          <a:p>
+            <a:r>
+              <a:rPr lang="pt-BR" sz="1400"/>
+              <a:t>vetores de suporte</a:t>
+            </a:r>
+          </a:p>
+        </p:txBody>
+      </p:sp>
+      <p:sp>
+        <p:nvSpPr>
+          <p:cNvPr id="31" name="Retângulo 30">
+            <a:extLst>
+              <a:ext uri="{FF2B5EF4-FFF2-40B4-BE49-F238E27FC236}">
+                <a16:creationId xmlns:a16="http://schemas.microsoft.com/office/drawing/2014/main" id="{615EB711-8FF1-85EC-EFAA-A32B7348C613}"/>
+              </a:ext>
+            </a:extLst>
+          </p:cNvPr>
+          <p:cNvSpPr/>
+          <p:nvPr/>
+        </p:nvSpPr>
+        <p:spPr>
+          <a:xfrm>
+            <a:off x="5109211" y="5801991"/>
+            <a:ext cx="1925574" cy="199935"/>
+          </a:xfrm>
+          <a:prstGeom prst="rect">
+            <a:avLst/>
+          </a:prstGeom>
+          <a:noFill/>
+          <a:ln w="3175">
+            <a:solidFill>
+              <a:schemeClr val="tx1"/>
+            </a:solidFill>
+          </a:ln>
+        </p:spPr>
+        <p:style>
+          <a:lnRef idx="2">
+            <a:schemeClr val="accent1">
+              <a:shade val="15000"/>
+            </a:schemeClr>
+          </a:lnRef>
+          <a:fillRef idx="1">
+            <a:schemeClr val="accent1"/>
+          </a:fillRef>
+          <a:effectRef idx="0">
+            <a:schemeClr val="accent1"/>
+          </a:effectRef>
+          <a:fontRef idx="minor">
+            <a:schemeClr val="lt1"/>
+          </a:fontRef>
+        </p:style>
+        <p:txBody>
+          <a:bodyPr rtlCol="0" anchor="ctr"/>
+          <a:lstStyle/>
+          <a:p>
+            <a:pPr algn="ctr"/>
+            <a:endParaRPr lang="pt-BR"/>
+          </a:p>
+        </p:txBody>
+      </p:sp>
+    </p:spTree>
+    <p:extLst>
+      <p:ext uri="{BB962C8B-B14F-4D97-AF65-F5344CB8AC3E}">
+        <p14:creationId xmlns:p14="http://schemas.microsoft.com/office/powerpoint/2010/main" val="4058301733"/>
+      </p:ext>
+    </p:extLst>
+  </p:cSld>
+  <p:clrMapOvr>
+    <a:masterClrMapping/>
+  </p:clrMapOvr>
+</p:sld>
+</file>
+
+<file path=ppt/slides/slide15.xml><?xml version="1.0" encoding="utf-8"?>
+<p:sld xmlns:a="http://schemas.openxmlformats.org/drawingml/2006/main" xmlns:r="http://schemas.openxmlformats.org/officeDocument/2006/relationships" xmlns:p="http://schemas.openxmlformats.org/presentationml/2006/main">
+  <p:cSld>
+    <p:spTree>
+      <p:nvGrpSpPr>
+        <p:cNvPr id="1" name=""/>
+        <p:cNvGrpSpPr/>
+        <p:nvPr/>
+      </p:nvGrpSpPr>
+      <p:grpSpPr>
+        <a:xfrm>
+          <a:off x="0" y="0"/>
+          <a:ext cx="0" cy="0"/>
+          <a:chOff x="0" y="0"/>
+          <a:chExt cx="0" cy="0"/>
+        </a:xfrm>
+      </p:grpSpPr>
+      <p:sp>
+        <p:nvSpPr>
+          <p:cNvPr id="2" name="Título 1">
+            <a:extLst>
+              <a:ext uri="{FF2B5EF4-FFF2-40B4-BE49-F238E27FC236}">
+                <a16:creationId xmlns:a16="http://schemas.microsoft.com/office/drawing/2014/main" id="{39FC7FE2-CBE1-16D1-DCB9-9CBAAB01212E}"/>
+              </a:ext>
+            </a:extLst>
+          </p:cNvPr>
+          <p:cNvSpPr>
+            <a:spLocks noGrp="1"/>
+          </p:cNvSpPr>
+          <p:nvPr>
+            <p:ph type="title"/>
+          </p:nvPr>
+        </p:nvSpPr>
+        <p:spPr/>
+        <p:txBody>
+          <a:bodyPr/>
+          <a:lstStyle/>
+          <a:p>
+            <a:endParaRPr lang="pt-BR"/>
+          </a:p>
+        </p:txBody>
+      </p:sp>
+      <p:pic>
+        <p:nvPicPr>
+          <p:cNvPr id="4" name="Imagem 3">
+            <a:extLst>
+              <a:ext uri="{FF2B5EF4-FFF2-40B4-BE49-F238E27FC236}">
+                <a16:creationId xmlns:a16="http://schemas.microsoft.com/office/drawing/2014/main" id="{94AADBF5-3F69-807E-3B93-574687FD99C7}"/>
+              </a:ext>
+            </a:extLst>
+          </p:cNvPr>
+          <p:cNvPicPr>
+            <a:picLocks noChangeAspect="1"/>
+          </p:cNvPicPr>
+          <p:nvPr/>
+        </p:nvPicPr>
+        <p:blipFill>
+          <a:blip r:embed="rId2"/>
+          <a:stretch>
+            <a:fillRect/>
+          </a:stretch>
+        </p:blipFill>
+        <p:spPr>
+          <a:xfrm>
+            <a:off x="3520440" y="2225040"/>
+            <a:ext cx="3870960" cy="3597716"/>
+          </a:xfrm>
+          <a:prstGeom prst="rect">
+            <a:avLst/>
+          </a:prstGeom>
+        </p:spPr>
+      </p:pic>
+      <p:sp>
+        <p:nvSpPr>
+          <p:cNvPr id="5" name="Elipse 4">
+            <a:extLst>
+              <a:ext uri="{FF2B5EF4-FFF2-40B4-BE49-F238E27FC236}">
+                <a16:creationId xmlns:a16="http://schemas.microsoft.com/office/drawing/2014/main" id="{3B862ED6-BF6A-692D-F310-26C67693298F}"/>
+              </a:ext>
+            </a:extLst>
+          </p:cNvPr>
+          <p:cNvSpPr/>
+          <p:nvPr/>
+        </p:nvSpPr>
+        <p:spPr>
+          <a:xfrm>
+            <a:off x="4599940" y="3966845"/>
+            <a:ext cx="90000" cy="90000"/>
+          </a:xfrm>
+          <a:prstGeom prst="ellipse">
+            <a:avLst/>
+          </a:prstGeom>
+          <a:solidFill>
+            <a:schemeClr val="bg1"/>
+          </a:solidFill>
+          <a:ln>
+            <a:solidFill>
+              <a:srgbClr val="F04223"/>
+            </a:solidFill>
+          </a:ln>
+        </p:spPr>
+        <p:style>
+          <a:lnRef idx="2">
+            <a:schemeClr val="accent1">
+              <a:shade val="15000"/>
+            </a:schemeClr>
+          </a:lnRef>
+          <a:fillRef idx="1">
+            <a:schemeClr val="accent1"/>
+          </a:fillRef>
+          <a:effectRef idx="0">
+            <a:schemeClr val="accent1"/>
+          </a:effectRef>
+          <a:fontRef idx="minor">
+            <a:schemeClr val="lt1"/>
+          </a:fontRef>
+        </p:style>
+        <p:txBody>
+          <a:bodyPr rtlCol="0" anchor="ctr"/>
+          <a:lstStyle/>
+          <a:p>
+            <a:pPr algn="ctr"/>
+            <a:endParaRPr lang="pt-BR"/>
+          </a:p>
+        </p:txBody>
+      </p:sp>
+      <p:sp>
+        <p:nvSpPr>
+          <p:cNvPr id="6" name="Elipse 5">
+            <a:extLst>
+              <a:ext uri="{FF2B5EF4-FFF2-40B4-BE49-F238E27FC236}">
+                <a16:creationId xmlns:a16="http://schemas.microsoft.com/office/drawing/2014/main" id="{A197DCCE-41A4-9857-A56A-5BA3A48C3D12}"/>
+              </a:ext>
+            </a:extLst>
+          </p:cNvPr>
+          <p:cNvSpPr/>
+          <p:nvPr/>
+        </p:nvSpPr>
+        <p:spPr>
+          <a:xfrm>
+            <a:off x="4969070" y="3318265"/>
+            <a:ext cx="90000" cy="90000"/>
+          </a:xfrm>
+          <a:prstGeom prst="ellipse">
+            <a:avLst/>
+          </a:prstGeom>
+          <a:solidFill>
+            <a:schemeClr val="bg1"/>
+          </a:solidFill>
+          <a:ln>
+            <a:solidFill>
+              <a:srgbClr val="61BB46"/>
+            </a:solidFill>
+          </a:ln>
+        </p:spPr>
+        <p:style>
+          <a:lnRef idx="2">
+            <a:schemeClr val="accent1">
+              <a:shade val="15000"/>
+            </a:schemeClr>
+          </a:lnRef>
+          <a:fillRef idx="1">
+            <a:schemeClr val="accent1"/>
+          </a:fillRef>
+          <a:effectRef idx="0">
+            <a:schemeClr val="accent1"/>
+          </a:effectRef>
+          <a:fontRef idx="minor">
+            <a:schemeClr val="lt1"/>
+          </a:fontRef>
+        </p:style>
+        <p:txBody>
+          <a:bodyPr rtlCol="0" anchor="ctr"/>
+          <a:lstStyle/>
+          <a:p>
+            <a:pPr algn="ctr"/>
+            <a:endParaRPr lang="pt-BR"/>
+          </a:p>
+        </p:txBody>
+      </p:sp>
+      <p:sp>
+        <p:nvSpPr>
+          <p:cNvPr id="8" name="Forma Livre: Forma 7">
+            <a:extLst>
+              <a:ext uri="{FF2B5EF4-FFF2-40B4-BE49-F238E27FC236}">
+                <a16:creationId xmlns:a16="http://schemas.microsoft.com/office/drawing/2014/main" id="{9766D7DE-C4B8-78E4-85F1-1A6BEE971472}"/>
+              </a:ext>
+            </a:extLst>
+          </p:cNvPr>
+          <p:cNvSpPr/>
+          <p:nvPr/>
+        </p:nvSpPr>
+        <p:spPr>
+          <a:xfrm>
+            <a:off x="4010660" y="2280920"/>
+            <a:ext cx="1608750" cy="1115060"/>
+          </a:xfrm>
+          <a:custGeom>
+            <a:avLst/>
+            <a:gdLst>
+              <a:gd name="connsiteX0" fmla="*/ 309880 w 1608750"/>
+              <a:gd name="connsiteY0" fmla="*/ 1074420 h 1115060"/>
+              <a:gd name="connsiteX1" fmla="*/ 312420 w 1608750"/>
+              <a:gd name="connsiteY1" fmla="*/ 1104900 h 1115060"/>
+              <a:gd name="connsiteX2" fmla="*/ 320040 w 1608750"/>
+              <a:gd name="connsiteY2" fmla="*/ 1109980 h 1115060"/>
+              <a:gd name="connsiteX3" fmla="*/ 337820 w 1608750"/>
+              <a:gd name="connsiteY3" fmla="*/ 1115060 h 1115060"/>
+              <a:gd name="connsiteX4" fmla="*/ 368300 w 1608750"/>
+              <a:gd name="connsiteY4" fmla="*/ 1104900 h 1115060"/>
+              <a:gd name="connsiteX5" fmla="*/ 370840 w 1608750"/>
+              <a:gd name="connsiteY5" fmla="*/ 1097280 h 1115060"/>
+              <a:gd name="connsiteX6" fmla="*/ 375920 w 1608750"/>
+              <a:gd name="connsiteY6" fmla="*/ 1069340 h 1115060"/>
+              <a:gd name="connsiteX7" fmla="*/ 381000 w 1608750"/>
+              <a:gd name="connsiteY7" fmla="*/ 1061720 h 1115060"/>
+              <a:gd name="connsiteX8" fmla="*/ 388620 w 1608750"/>
+              <a:gd name="connsiteY8" fmla="*/ 944880 h 1115060"/>
+              <a:gd name="connsiteX9" fmla="*/ 396240 w 1608750"/>
+              <a:gd name="connsiteY9" fmla="*/ 896620 h 1115060"/>
+              <a:gd name="connsiteX10" fmla="*/ 406400 w 1608750"/>
+              <a:gd name="connsiteY10" fmla="*/ 782320 h 1115060"/>
+              <a:gd name="connsiteX11" fmla="*/ 414020 w 1608750"/>
+              <a:gd name="connsiteY11" fmla="*/ 734060 h 1115060"/>
+              <a:gd name="connsiteX12" fmla="*/ 434340 w 1608750"/>
+              <a:gd name="connsiteY12" fmla="*/ 683260 h 1115060"/>
+              <a:gd name="connsiteX13" fmla="*/ 436880 w 1608750"/>
+              <a:gd name="connsiteY13" fmla="*/ 668020 h 1115060"/>
+              <a:gd name="connsiteX14" fmla="*/ 452120 w 1608750"/>
+              <a:gd name="connsiteY14" fmla="*/ 647700 h 1115060"/>
+              <a:gd name="connsiteX15" fmla="*/ 490220 w 1608750"/>
+              <a:gd name="connsiteY15" fmla="*/ 612140 h 1115060"/>
+              <a:gd name="connsiteX16" fmla="*/ 576580 w 1608750"/>
+              <a:gd name="connsiteY16" fmla="*/ 614680 h 1115060"/>
+              <a:gd name="connsiteX17" fmla="*/ 619760 w 1608750"/>
+              <a:gd name="connsiteY17" fmla="*/ 632460 h 1115060"/>
+              <a:gd name="connsiteX18" fmla="*/ 706120 w 1608750"/>
+              <a:gd name="connsiteY18" fmla="*/ 640080 h 1115060"/>
+              <a:gd name="connsiteX19" fmla="*/ 848360 w 1608750"/>
+              <a:gd name="connsiteY19" fmla="*/ 612140 h 1115060"/>
+              <a:gd name="connsiteX20" fmla="*/ 889000 w 1608750"/>
+              <a:gd name="connsiteY20" fmla="*/ 591820 h 1115060"/>
+              <a:gd name="connsiteX21" fmla="*/ 965200 w 1608750"/>
+              <a:gd name="connsiteY21" fmla="*/ 558800 h 1115060"/>
+              <a:gd name="connsiteX22" fmla="*/ 985520 w 1608750"/>
+              <a:gd name="connsiteY22" fmla="*/ 551180 h 1115060"/>
+              <a:gd name="connsiteX23" fmla="*/ 1013460 w 1608750"/>
+              <a:gd name="connsiteY23" fmla="*/ 543560 h 1115060"/>
+              <a:gd name="connsiteX24" fmla="*/ 1153160 w 1608750"/>
+              <a:gd name="connsiteY24" fmla="*/ 535940 h 1115060"/>
+              <a:gd name="connsiteX25" fmla="*/ 1173480 w 1608750"/>
+              <a:gd name="connsiteY25" fmla="*/ 533400 h 1115060"/>
+              <a:gd name="connsiteX26" fmla="*/ 1183640 w 1608750"/>
+              <a:gd name="connsiteY26" fmla="*/ 530860 h 1115060"/>
+              <a:gd name="connsiteX27" fmla="*/ 1267460 w 1608750"/>
+              <a:gd name="connsiteY27" fmla="*/ 528320 h 1115060"/>
+              <a:gd name="connsiteX28" fmla="*/ 1295400 w 1608750"/>
+              <a:gd name="connsiteY28" fmla="*/ 518160 h 1115060"/>
+              <a:gd name="connsiteX29" fmla="*/ 1313180 w 1608750"/>
+              <a:gd name="connsiteY29" fmla="*/ 500380 h 1115060"/>
+              <a:gd name="connsiteX30" fmla="*/ 1320800 w 1608750"/>
+              <a:gd name="connsiteY30" fmla="*/ 490220 h 1115060"/>
+              <a:gd name="connsiteX31" fmla="*/ 1330960 w 1608750"/>
+              <a:gd name="connsiteY31" fmla="*/ 485140 h 1115060"/>
+              <a:gd name="connsiteX32" fmla="*/ 1341120 w 1608750"/>
+              <a:gd name="connsiteY32" fmla="*/ 464820 h 1115060"/>
+              <a:gd name="connsiteX33" fmla="*/ 1348740 w 1608750"/>
+              <a:gd name="connsiteY33" fmla="*/ 452120 h 1115060"/>
+              <a:gd name="connsiteX34" fmla="*/ 1384300 w 1608750"/>
+              <a:gd name="connsiteY34" fmla="*/ 436880 h 1115060"/>
+              <a:gd name="connsiteX35" fmla="*/ 1445260 w 1608750"/>
+              <a:gd name="connsiteY35" fmla="*/ 429260 h 1115060"/>
+              <a:gd name="connsiteX36" fmla="*/ 1475740 w 1608750"/>
+              <a:gd name="connsiteY36" fmla="*/ 424180 h 1115060"/>
+              <a:gd name="connsiteX37" fmla="*/ 1584960 w 1608750"/>
+              <a:gd name="connsiteY37" fmla="*/ 416560 h 1115060"/>
+              <a:gd name="connsiteX38" fmla="*/ 1607820 w 1608750"/>
+              <a:gd name="connsiteY38" fmla="*/ 403860 h 1115060"/>
+              <a:gd name="connsiteX39" fmla="*/ 1602740 w 1608750"/>
+              <a:gd name="connsiteY39" fmla="*/ 388620 h 1115060"/>
+              <a:gd name="connsiteX40" fmla="*/ 1564640 w 1608750"/>
+              <a:gd name="connsiteY40" fmla="*/ 355600 h 1115060"/>
+              <a:gd name="connsiteX41" fmla="*/ 1501140 w 1608750"/>
+              <a:gd name="connsiteY41" fmla="*/ 314960 h 1115060"/>
+              <a:gd name="connsiteX42" fmla="*/ 1485900 w 1608750"/>
+              <a:gd name="connsiteY42" fmla="*/ 309880 h 1115060"/>
+              <a:gd name="connsiteX43" fmla="*/ 1470660 w 1608750"/>
+              <a:gd name="connsiteY43" fmla="*/ 297180 h 1115060"/>
+              <a:gd name="connsiteX44" fmla="*/ 1440180 w 1608750"/>
+              <a:gd name="connsiteY44" fmla="*/ 281940 h 1115060"/>
+              <a:gd name="connsiteX45" fmla="*/ 1427480 w 1608750"/>
+              <a:gd name="connsiteY45" fmla="*/ 256540 h 1115060"/>
+              <a:gd name="connsiteX46" fmla="*/ 1402080 w 1608750"/>
+              <a:gd name="connsiteY46" fmla="*/ 185420 h 1115060"/>
+              <a:gd name="connsiteX47" fmla="*/ 1358900 w 1608750"/>
+              <a:gd name="connsiteY47" fmla="*/ 109220 h 1115060"/>
+              <a:gd name="connsiteX48" fmla="*/ 1287780 w 1608750"/>
+              <a:gd name="connsiteY48" fmla="*/ 33020 h 1115060"/>
+              <a:gd name="connsiteX49" fmla="*/ 1176020 w 1608750"/>
+              <a:gd name="connsiteY49" fmla="*/ 0 h 1115060"/>
+              <a:gd name="connsiteX50" fmla="*/ 1115060 w 1608750"/>
+              <a:gd name="connsiteY50" fmla="*/ 10160 h 1115060"/>
+              <a:gd name="connsiteX51" fmla="*/ 1056640 w 1608750"/>
+              <a:gd name="connsiteY51" fmla="*/ 45720 h 1115060"/>
+              <a:gd name="connsiteX52" fmla="*/ 1005840 w 1608750"/>
+              <a:gd name="connsiteY52" fmla="*/ 71120 h 1115060"/>
+              <a:gd name="connsiteX53" fmla="*/ 975360 w 1608750"/>
+              <a:gd name="connsiteY53" fmla="*/ 88900 h 1115060"/>
+              <a:gd name="connsiteX54" fmla="*/ 929640 w 1608750"/>
+              <a:gd name="connsiteY54" fmla="*/ 104140 h 1115060"/>
+              <a:gd name="connsiteX55" fmla="*/ 891540 w 1608750"/>
+              <a:gd name="connsiteY55" fmla="*/ 116840 h 1115060"/>
+              <a:gd name="connsiteX56" fmla="*/ 873760 w 1608750"/>
+              <a:gd name="connsiteY56" fmla="*/ 121920 h 1115060"/>
+              <a:gd name="connsiteX57" fmla="*/ 607060 w 1608750"/>
+              <a:gd name="connsiteY57" fmla="*/ 124460 h 1115060"/>
+              <a:gd name="connsiteX58" fmla="*/ 510540 w 1608750"/>
+              <a:gd name="connsiteY58" fmla="*/ 152400 h 1115060"/>
+              <a:gd name="connsiteX59" fmla="*/ 401320 w 1608750"/>
+              <a:gd name="connsiteY59" fmla="*/ 177800 h 1115060"/>
+              <a:gd name="connsiteX60" fmla="*/ 259080 w 1608750"/>
+              <a:gd name="connsiteY60" fmla="*/ 208280 h 1115060"/>
+              <a:gd name="connsiteX61" fmla="*/ 233680 w 1608750"/>
+              <a:gd name="connsiteY61" fmla="*/ 215900 h 1115060"/>
+              <a:gd name="connsiteX62" fmla="*/ 208280 w 1608750"/>
+              <a:gd name="connsiteY62" fmla="*/ 220980 h 1115060"/>
+              <a:gd name="connsiteX63" fmla="*/ 124460 w 1608750"/>
+              <a:gd name="connsiteY63" fmla="*/ 246380 h 1115060"/>
+              <a:gd name="connsiteX64" fmla="*/ 66040 w 1608750"/>
+              <a:gd name="connsiteY64" fmla="*/ 274320 h 1115060"/>
+              <a:gd name="connsiteX65" fmla="*/ 50800 w 1608750"/>
+              <a:gd name="connsiteY65" fmla="*/ 287020 h 1115060"/>
+              <a:gd name="connsiteX66" fmla="*/ 33020 w 1608750"/>
+              <a:gd name="connsiteY66" fmla="*/ 299720 h 1115060"/>
+              <a:gd name="connsiteX67" fmla="*/ 25400 w 1608750"/>
+              <a:gd name="connsiteY67" fmla="*/ 309880 h 1115060"/>
+              <a:gd name="connsiteX68" fmla="*/ 2540 w 1608750"/>
+              <a:gd name="connsiteY68" fmla="*/ 358140 h 1115060"/>
+              <a:gd name="connsiteX69" fmla="*/ 0 w 1608750"/>
+              <a:gd name="connsiteY69" fmla="*/ 370840 h 1115060"/>
+              <a:gd name="connsiteX70" fmla="*/ 7620 w 1608750"/>
+              <a:gd name="connsiteY70" fmla="*/ 424180 h 1115060"/>
+              <a:gd name="connsiteX71" fmla="*/ 17780 w 1608750"/>
+              <a:gd name="connsiteY71" fmla="*/ 444500 h 1115060"/>
+              <a:gd name="connsiteX72" fmla="*/ 50800 w 1608750"/>
+              <a:gd name="connsiteY72" fmla="*/ 487680 h 1115060"/>
+              <a:gd name="connsiteX73" fmla="*/ 60960 w 1608750"/>
+              <a:gd name="connsiteY73" fmla="*/ 502920 h 1115060"/>
+              <a:gd name="connsiteX74" fmla="*/ 88900 w 1608750"/>
+              <a:gd name="connsiteY74" fmla="*/ 543560 h 1115060"/>
+              <a:gd name="connsiteX75" fmla="*/ 104140 w 1608750"/>
+              <a:gd name="connsiteY75" fmla="*/ 579120 h 1115060"/>
+              <a:gd name="connsiteX76" fmla="*/ 134620 w 1608750"/>
+              <a:gd name="connsiteY76" fmla="*/ 635000 h 1115060"/>
+              <a:gd name="connsiteX77" fmla="*/ 139700 w 1608750"/>
+              <a:gd name="connsiteY77" fmla="*/ 652780 h 1115060"/>
+              <a:gd name="connsiteX78" fmla="*/ 152400 w 1608750"/>
+              <a:gd name="connsiteY78" fmla="*/ 683260 h 1115060"/>
+              <a:gd name="connsiteX79" fmla="*/ 172720 w 1608750"/>
+              <a:gd name="connsiteY79" fmla="*/ 741680 h 1115060"/>
+              <a:gd name="connsiteX80" fmla="*/ 182880 w 1608750"/>
+              <a:gd name="connsiteY80" fmla="*/ 769620 h 1115060"/>
+              <a:gd name="connsiteX81" fmla="*/ 187960 w 1608750"/>
+              <a:gd name="connsiteY81" fmla="*/ 777240 h 1115060"/>
+              <a:gd name="connsiteX82" fmla="*/ 193040 w 1608750"/>
+              <a:gd name="connsiteY82" fmla="*/ 792480 h 1115060"/>
+              <a:gd name="connsiteX83" fmla="*/ 200660 w 1608750"/>
+              <a:gd name="connsiteY83" fmla="*/ 807720 h 1115060"/>
+              <a:gd name="connsiteX84" fmla="*/ 205740 w 1608750"/>
+              <a:gd name="connsiteY84" fmla="*/ 820420 h 1115060"/>
+              <a:gd name="connsiteX85" fmla="*/ 215900 w 1608750"/>
+              <a:gd name="connsiteY85" fmla="*/ 833120 h 1115060"/>
+              <a:gd name="connsiteX86" fmla="*/ 226060 w 1608750"/>
+              <a:gd name="connsiteY86" fmla="*/ 853440 h 1115060"/>
+              <a:gd name="connsiteX87" fmla="*/ 228600 w 1608750"/>
+              <a:gd name="connsiteY87" fmla="*/ 861060 h 1115060"/>
+              <a:gd name="connsiteX88" fmla="*/ 238760 w 1608750"/>
+              <a:gd name="connsiteY88" fmla="*/ 876300 h 1115060"/>
+              <a:gd name="connsiteX89" fmla="*/ 243840 w 1608750"/>
+              <a:gd name="connsiteY89" fmla="*/ 883920 h 1115060"/>
+              <a:gd name="connsiteX90" fmla="*/ 251460 w 1608750"/>
+              <a:gd name="connsiteY90" fmla="*/ 889000 h 1115060"/>
+              <a:gd name="connsiteX91" fmla="*/ 266700 w 1608750"/>
+              <a:gd name="connsiteY91" fmla="*/ 919480 h 1115060"/>
+              <a:gd name="connsiteX92" fmla="*/ 274320 w 1608750"/>
+              <a:gd name="connsiteY92" fmla="*/ 942340 h 1115060"/>
+              <a:gd name="connsiteX93" fmla="*/ 279400 w 1608750"/>
+              <a:gd name="connsiteY93" fmla="*/ 949960 h 1115060"/>
+              <a:gd name="connsiteX94" fmla="*/ 287020 w 1608750"/>
+              <a:gd name="connsiteY94" fmla="*/ 972820 h 1115060"/>
+              <a:gd name="connsiteX95" fmla="*/ 292100 w 1608750"/>
+              <a:gd name="connsiteY95" fmla="*/ 980440 h 1115060"/>
+              <a:gd name="connsiteX96" fmla="*/ 294640 w 1608750"/>
+              <a:gd name="connsiteY96" fmla="*/ 988060 h 1115060"/>
+              <a:gd name="connsiteX97" fmla="*/ 299720 w 1608750"/>
+              <a:gd name="connsiteY97" fmla="*/ 1000760 h 1115060"/>
+              <a:gd name="connsiteX98" fmla="*/ 302260 w 1608750"/>
+              <a:gd name="connsiteY98" fmla="*/ 1010920 h 1115060"/>
+              <a:gd name="connsiteX99" fmla="*/ 307340 w 1608750"/>
+              <a:gd name="connsiteY99" fmla="*/ 1023620 h 1115060"/>
+              <a:gd name="connsiteX100" fmla="*/ 309880 w 1608750"/>
+              <a:gd name="connsiteY100" fmla="*/ 1074420 h 1115060"/>
+            </a:gdLst>
+            <a:ahLst/>
+            <a:cxnLst>
+              <a:cxn ang="0">
+                <a:pos x="connsiteX0" y="connsiteY0"/>
+              </a:cxn>
+              <a:cxn ang="0">
+                <a:pos x="connsiteX1" y="connsiteY1"/>
+              </a:cxn>
+              <a:cxn ang="0">
+                <a:pos x="connsiteX2" y="connsiteY2"/>
+              </a:cxn>
+              <a:cxn ang="0">
+                <a:pos x="connsiteX3" y="connsiteY3"/>
+              </a:cxn>
+              <a:cxn ang="0">
+                <a:pos x="connsiteX4" y="connsiteY4"/>
+              </a:cxn>
+              <a:cxn ang="0">
+                <a:pos x="connsiteX5" y="connsiteY5"/>
+              </a:cxn>
+              <a:cxn ang="0">
+                <a:pos x="connsiteX6" y="connsiteY6"/>
+              </a:cxn>
+              <a:cxn ang="0">
+                <a:pos x="connsiteX7" y="connsiteY7"/>
+              </a:cxn>
+              <a:cxn ang="0">
+                <a:pos x="connsiteX8" y="connsiteY8"/>
+              </a:cxn>
+              <a:cxn ang="0">
+                <a:pos x="connsiteX9" y="connsiteY9"/>
+              </a:cxn>
+              <a:cxn ang="0">
+                <a:pos x="connsiteX10" y="connsiteY10"/>
+              </a:cxn>
+              <a:cxn ang="0">
+                <a:pos x="connsiteX11" y="connsiteY11"/>
+              </a:cxn>
+              <a:cxn ang="0">
+                <a:pos x="connsiteX12" y="connsiteY12"/>
+              </a:cxn>
+              <a:cxn ang="0">
+                <a:pos x="connsiteX13" y="connsiteY13"/>
+              </a:cxn>
+              <a:cxn ang="0">
+                <a:pos x="connsiteX14" y="connsiteY14"/>
+              </a:cxn>
+              <a:cxn ang="0">
+                <a:pos x="connsiteX15" y="connsiteY15"/>
+              </a:cxn>
+              <a:cxn ang="0">
+                <a:pos x="connsiteX16" y="connsiteY16"/>
+              </a:cxn>
+              <a:cxn ang="0">
+                <a:pos x="connsiteX17" y="connsiteY17"/>
+              </a:cxn>
+              <a:cxn ang="0">
+                <a:pos x="connsiteX18" y="connsiteY18"/>
+              </a:cxn>
+              <a:cxn ang="0">
+                <a:pos x="connsiteX19" y="connsiteY19"/>
+              </a:cxn>
+              <a:cxn ang="0">
+                <a:pos x="connsiteX20" y="connsiteY20"/>
+              </a:cxn>
+              <a:cxn ang="0">
+                <a:pos x="connsiteX21" y="connsiteY21"/>
+              </a:cxn>
+              <a:cxn ang="0">
+                <a:pos x="connsiteX22" y="connsiteY22"/>
+              </a:cxn>
+              <a:cxn ang="0">
+                <a:pos x="connsiteX23" y="connsiteY23"/>
+              </a:cxn>
+              <a:cxn ang="0">
+                <a:pos x="connsiteX24" y="connsiteY24"/>
+              </a:cxn>
+              <a:cxn ang="0">
+                <a:pos x="connsiteX25" y="connsiteY25"/>
+              </a:cxn>
+              <a:cxn ang="0">
+                <a:pos x="connsiteX26" y="connsiteY26"/>
+              </a:cxn>
+              <a:cxn ang="0">
+                <a:pos x="connsiteX27" y="connsiteY27"/>
+              </a:cxn>
+              <a:cxn ang="0">
+                <a:pos x="connsiteX28" y="connsiteY28"/>
+              </a:cxn>
+              <a:cxn ang="0">
+                <a:pos x="connsiteX29" y="connsiteY29"/>
+              </a:cxn>
+              <a:cxn ang="0">
+                <a:pos x="connsiteX30" y="connsiteY30"/>
+              </a:cxn>
+              <a:cxn ang="0">
+                <a:pos x="connsiteX31" y="connsiteY31"/>
+              </a:cxn>
+              <a:cxn ang="0">
+                <a:pos x="connsiteX32" y="connsiteY32"/>
+              </a:cxn>
+              <a:cxn ang="0">
+                <a:pos x="connsiteX33" y="connsiteY33"/>
+              </a:cxn>
+              <a:cxn ang="0">
+                <a:pos x="connsiteX34" y="connsiteY34"/>
+              </a:cxn>
+              <a:cxn ang="0">
+                <a:pos x="connsiteX35" y="connsiteY35"/>
+              </a:cxn>
+              <a:cxn ang="0">
+                <a:pos x="connsiteX36" y="connsiteY36"/>
+              </a:cxn>
+              <a:cxn ang="0">
+                <a:pos x="connsiteX37" y="connsiteY37"/>
+              </a:cxn>
+              <a:cxn ang="0">
+                <a:pos x="connsiteX38" y="connsiteY38"/>
+              </a:cxn>
+              <a:cxn ang="0">
+                <a:pos x="connsiteX39" y="connsiteY39"/>
+              </a:cxn>
+              <a:cxn ang="0">
+                <a:pos x="connsiteX40" y="connsiteY40"/>
+              </a:cxn>
+              <a:cxn ang="0">
+                <a:pos x="connsiteX41" y="connsiteY41"/>
+              </a:cxn>
+              <a:cxn ang="0">
+                <a:pos x="connsiteX42" y="connsiteY42"/>
+              </a:cxn>
+              <a:cxn ang="0">
+                <a:pos x="connsiteX43" y="connsiteY43"/>
+              </a:cxn>
+              <a:cxn ang="0">
+                <a:pos x="connsiteX44" y="connsiteY44"/>
+              </a:cxn>
+              <a:cxn ang="0">
+                <a:pos x="connsiteX45" y="connsiteY45"/>
+              </a:cxn>
+              <a:cxn ang="0">
+                <a:pos x="connsiteX46" y="connsiteY46"/>
+              </a:cxn>
+              <a:cxn ang="0">
+                <a:pos x="connsiteX47" y="connsiteY47"/>
+              </a:cxn>
+              <a:cxn ang="0">
+                <a:pos x="connsiteX48" y="connsiteY48"/>
+              </a:cxn>
+              <a:cxn ang="0">
+                <a:pos x="connsiteX49" y="connsiteY49"/>
+              </a:cxn>
+              <a:cxn ang="0">
+                <a:pos x="connsiteX50" y="connsiteY50"/>
+              </a:cxn>
+              <a:cxn ang="0">
+                <a:pos x="connsiteX51" y="connsiteY51"/>
+              </a:cxn>
+              <a:cxn ang="0">
+                <a:pos x="connsiteX52" y="connsiteY52"/>
+              </a:cxn>
+              <a:cxn ang="0">
+                <a:pos x="connsiteX53" y="connsiteY53"/>
+              </a:cxn>
+              <a:cxn ang="0">
+                <a:pos x="connsiteX54" y="connsiteY54"/>
+              </a:cxn>
+              <a:cxn ang="0">
+                <a:pos x="connsiteX55" y="connsiteY55"/>
+              </a:cxn>
+              <a:cxn ang="0">
+                <a:pos x="connsiteX56" y="connsiteY56"/>
+              </a:cxn>
+              <a:cxn ang="0">
+                <a:pos x="connsiteX57" y="connsiteY57"/>
+              </a:cxn>
+              <a:cxn ang="0">
+                <a:pos x="connsiteX58" y="connsiteY58"/>
+              </a:cxn>
+              <a:cxn ang="0">
+                <a:pos x="connsiteX59" y="connsiteY59"/>
+              </a:cxn>
+              <a:cxn ang="0">
+                <a:pos x="connsiteX60" y="connsiteY60"/>
+              </a:cxn>
+              <a:cxn ang="0">
+                <a:pos x="connsiteX61" y="connsiteY61"/>
+              </a:cxn>
+              <a:cxn ang="0">
+                <a:pos x="connsiteX62" y="connsiteY62"/>
+              </a:cxn>
+              <a:cxn ang="0">
+                <a:pos x="connsiteX63" y="connsiteY63"/>
+              </a:cxn>
+              <a:cxn ang="0">
+                <a:pos x="connsiteX64" y="connsiteY64"/>
+              </a:cxn>
+              <a:cxn ang="0">
+                <a:pos x="connsiteX65" y="connsiteY65"/>
+              </a:cxn>
+              <a:cxn ang="0">
+                <a:pos x="connsiteX66" y="connsiteY66"/>
+              </a:cxn>
+              <a:cxn ang="0">
+                <a:pos x="connsiteX67" y="connsiteY67"/>
+              </a:cxn>
+              <a:cxn ang="0">
+                <a:pos x="connsiteX68" y="connsiteY68"/>
+              </a:cxn>
+              <a:cxn ang="0">
+                <a:pos x="connsiteX69" y="connsiteY69"/>
+              </a:cxn>
+              <a:cxn ang="0">
+                <a:pos x="connsiteX70" y="connsiteY70"/>
+              </a:cxn>
+              <a:cxn ang="0">
+                <a:pos x="connsiteX71" y="connsiteY71"/>
+              </a:cxn>
+              <a:cxn ang="0">
+                <a:pos x="connsiteX72" y="connsiteY72"/>
+              </a:cxn>
+              <a:cxn ang="0">
+                <a:pos x="connsiteX73" y="connsiteY73"/>
+              </a:cxn>
+              <a:cxn ang="0">
+                <a:pos x="connsiteX74" y="connsiteY74"/>
+              </a:cxn>
+              <a:cxn ang="0">
+                <a:pos x="connsiteX75" y="connsiteY75"/>
+              </a:cxn>
+              <a:cxn ang="0">
+                <a:pos x="connsiteX76" y="connsiteY76"/>
+              </a:cxn>
+              <a:cxn ang="0">
+                <a:pos x="connsiteX77" y="connsiteY77"/>
+              </a:cxn>
+              <a:cxn ang="0">
+                <a:pos x="connsiteX78" y="connsiteY78"/>
+              </a:cxn>
+              <a:cxn ang="0">
+                <a:pos x="connsiteX79" y="connsiteY79"/>
+              </a:cxn>
+              <a:cxn ang="0">
+                <a:pos x="connsiteX80" y="connsiteY80"/>
+              </a:cxn>
+              <a:cxn ang="0">
+                <a:pos x="connsiteX81" y="connsiteY81"/>
+              </a:cxn>
+              <a:cxn ang="0">
+                <a:pos x="connsiteX82" y="connsiteY82"/>
+              </a:cxn>
+              <a:cxn ang="0">
+                <a:pos x="connsiteX83" y="connsiteY83"/>
+              </a:cxn>
+              <a:cxn ang="0">
+                <a:pos x="connsiteX84" y="connsiteY84"/>
+              </a:cxn>
+              <a:cxn ang="0">
+                <a:pos x="connsiteX85" y="connsiteY85"/>
+              </a:cxn>
+              <a:cxn ang="0">
+                <a:pos x="connsiteX86" y="connsiteY86"/>
+              </a:cxn>
+              <a:cxn ang="0">
+                <a:pos x="connsiteX87" y="connsiteY87"/>
+              </a:cxn>
+              <a:cxn ang="0">
+                <a:pos x="connsiteX88" y="connsiteY88"/>
+              </a:cxn>
+              <a:cxn ang="0">
+                <a:pos x="connsiteX89" y="connsiteY89"/>
+              </a:cxn>
+              <a:cxn ang="0">
+                <a:pos x="connsiteX90" y="connsiteY90"/>
+              </a:cxn>
+              <a:cxn ang="0">
+                <a:pos x="connsiteX91" y="connsiteY91"/>
+              </a:cxn>
+              <a:cxn ang="0">
+                <a:pos x="connsiteX92" y="connsiteY92"/>
+              </a:cxn>
+              <a:cxn ang="0">
+                <a:pos x="connsiteX93" y="connsiteY93"/>
+              </a:cxn>
+              <a:cxn ang="0">
+                <a:pos x="connsiteX94" y="connsiteY94"/>
+              </a:cxn>
+              <a:cxn ang="0">
+                <a:pos x="connsiteX95" y="connsiteY95"/>
+              </a:cxn>
+              <a:cxn ang="0">
+                <a:pos x="connsiteX96" y="connsiteY96"/>
+              </a:cxn>
+              <a:cxn ang="0">
+                <a:pos x="connsiteX97" y="connsiteY97"/>
+              </a:cxn>
+              <a:cxn ang="0">
+                <a:pos x="connsiteX98" y="connsiteY98"/>
+              </a:cxn>
+              <a:cxn ang="0">
+                <a:pos x="connsiteX99" y="connsiteY99"/>
+              </a:cxn>
+              <a:cxn ang="0">
+                <a:pos x="connsiteX100" y="connsiteY100"/>
+              </a:cxn>
+            </a:cxnLst>
+            <a:rect l="l" t="t" r="r" b="b"/>
+            <a:pathLst>
+              <a:path w="1608750" h="1115060">
+                <a:moveTo>
+                  <a:pt x="309880" y="1074420"/>
+                </a:moveTo>
+                <a:cubicBezTo>
+                  <a:pt x="310727" y="1087966"/>
+                  <a:pt x="309619" y="1095097"/>
+                  <a:pt x="312420" y="1104900"/>
+                </a:cubicBezTo>
+                <a:cubicBezTo>
+                  <a:pt x="313259" y="1107835"/>
+                  <a:pt x="317310" y="1108615"/>
+                  <a:pt x="320040" y="1109980"/>
+                </a:cubicBezTo>
+                <a:cubicBezTo>
+                  <a:pt x="323684" y="1111802"/>
+                  <a:pt x="334565" y="1114246"/>
+                  <a:pt x="337820" y="1115060"/>
+                </a:cubicBezTo>
+                <a:cubicBezTo>
+                  <a:pt x="354230" y="1113237"/>
+                  <a:pt x="359954" y="1117420"/>
+                  <a:pt x="368300" y="1104900"/>
+                </a:cubicBezTo>
+                <a:cubicBezTo>
+                  <a:pt x="369785" y="1102672"/>
+                  <a:pt x="369993" y="1099820"/>
+                  <a:pt x="370840" y="1097280"/>
+                </a:cubicBezTo>
+                <a:cubicBezTo>
+                  <a:pt x="371716" y="1090275"/>
+                  <a:pt x="372005" y="1077171"/>
+                  <a:pt x="375920" y="1069340"/>
+                </a:cubicBezTo>
+                <a:cubicBezTo>
+                  <a:pt x="377285" y="1066610"/>
+                  <a:pt x="379307" y="1064260"/>
+                  <a:pt x="381000" y="1061720"/>
+                </a:cubicBezTo>
+                <a:cubicBezTo>
+                  <a:pt x="388919" y="998369"/>
+                  <a:pt x="376655" y="1100429"/>
+                  <a:pt x="388620" y="944880"/>
+                </a:cubicBezTo>
+                <a:cubicBezTo>
+                  <a:pt x="390043" y="926386"/>
+                  <a:pt x="392891" y="913367"/>
+                  <a:pt x="396240" y="896620"/>
+                </a:cubicBezTo>
+                <a:cubicBezTo>
+                  <a:pt x="400708" y="749169"/>
+                  <a:pt x="391397" y="859836"/>
+                  <a:pt x="406400" y="782320"/>
+                </a:cubicBezTo>
+                <a:cubicBezTo>
+                  <a:pt x="409495" y="766331"/>
+                  <a:pt x="409599" y="749734"/>
+                  <a:pt x="414020" y="734060"/>
+                </a:cubicBezTo>
+                <a:cubicBezTo>
+                  <a:pt x="418971" y="716507"/>
+                  <a:pt x="427567" y="700193"/>
+                  <a:pt x="434340" y="683260"/>
+                </a:cubicBezTo>
+                <a:cubicBezTo>
+                  <a:pt x="435187" y="678180"/>
+                  <a:pt x="434577" y="672626"/>
+                  <a:pt x="436880" y="668020"/>
+                </a:cubicBezTo>
+                <a:cubicBezTo>
+                  <a:pt x="440666" y="660447"/>
+                  <a:pt x="446700" y="654204"/>
+                  <a:pt x="452120" y="647700"/>
+                </a:cubicBezTo>
+                <a:cubicBezTo>
+                  <a:pt x="474574" y="620756"/>
+                  <a:pt x="467909" y="627014"/>
+                  <a:pt x="490220" y="612140"/>
+                </a:cubicBezTo>
+                <a:lnTo>
+                  <a:pt x="576580" y="614680"/>
+                </a:lnTo>
+                <a:cubicBezTo>
+                  <a:pt x="591958" y="617092"/>
+                  <a:pt x="604712" y="628477"/>
+                  <a:pt x="619760" y="632460"/>
+                </a:cubicBezTo>
+                <a:cubicBezTo>
+                  <a:pt x="636188" y="636809"/>
+                  <a:pt x="689333" y="639093"/>
+                  <a:pt x="706120" y="640080"/>
+                </a:cubicBezTo>
+                <a:cubicBezTo>
+                  <a:pt x="785649" y="631243"/>
+                  <a:pt x="786013" y="638118"/>
+                  <a:pt x="848360" y="612140"/>
+                </a:cubicBezTo>
+                <a:cubicBezTo>
+                  <a:pt x="862341" y="606315"/>
+                  <a:pt x="875222" y="598110"/>
+                  <a:pt x="889000" y="591820"/>
+                </a:cubicBezTo>
+                <a:cubicBezTo>
+                  <a:pt x="914182" y="580324"/>
+                  <a:pt x="939280" y="568520"/>
+                  <a:pt x="965200" y="558800"/>
+                </a:cubicBezTo>
+                <a:cubicBezTo>
+                  <a:pt x="971973" y="556260"/>
+                  <a:pt x="978622" y="553358"/>
+                  <a:pt x="985520" y="551180"/>
+                </a:cubicBezTo>
+                <a:cubicBezTo>
+                  <a:pt x="994725" y="548273"/>
+                  <a:pt x="1003994" y="545453"/>
+                  <a:pt x="1013460" y="543560"/>
+                </a:cubicBezTo>
+                <a:cubicBezTo>
+                  <a:pt x="1060638" y="534124"/>
+                  <a:pt x="1103044" y="537162"/>
+                  <a:pt x="1153160" y="535940"/>
+                </a:cubicBezTo>
+                <a:cubicBezTo>
+                  <a:pt x="1159933" y="535093"/>
+                  <a:pt x="1166747" y="534522"/>
+                  <a:pt x="1173480" y="533400"/>
+                </a:cubicBezTo>
+                <a:cubicBezTo>
+                  <a:pt x="1176923" y="532826"/>
+                  <a:pt x="1180154" y="531048"/>
+                  <a:pt x="1183640" y="530860"/>
+                </a:cubicBezTo>
+                <a:cubicBezTo>
+                  <a:pt x="1211552" y="529351"/>
+                  <a:pt x="1239520" y="529167"/>
+                  <a:pt x="1267460" y="528320"/>
+                </a:cubicBezTo>
+                <a:cubicBezTo>
+                  <a:pt x="1269592" y="527609"/>
+                  <a:pt x="1292573" y="520281"/>
+                  <a:pt x="1295400" y="518160"/>
+                </a:cubicBezTo>
+                <a:cubicBezTo>
+                  <a:pt x="1302105" y="513131"/>
+                  <a:pt x="1308151" y="507085"/>
+                  <a:pt x="1313180" y="500380"/>
+                </a:cubicBezTo>
+                <a:cubicBezTo>
+                  <a:pt x="1315720" y="496993"/>
+                  <a:pt x="1317586" y="492975"/>
+                  <a:pt x="1320800" y="490220"/>
+                </a:cubicBezTo>
+                <a:cubicBezTo>
+                  <a:pt x="1323675" y="487756"/>
+                  <a:pt x="1327573" y="486833"/>
+                  <a:pt x="1330960" y="485140"/>
+                </a:cubicBezTo>
+                <a:cubicBezTo>
+                  <a:pt x="1335061" y="468737"/>
+                  <a:pt x="1330758" y="480363"/>
+                  <a:pt x="1341120" y="464820"/>
+                </a:cubicBezTo>
+                <a:cubicBezTo>
+                  <a:pt x="1343858" y="460712"/>
+                  <a:pt x="1344595" y="454802"/>
+                  <a:pt x="1348740" y="452120"/>
+                </a:cubicBezTo>
+                <a:cubicBezTo>
+                  <a:pt x="1359567" y="445114"/>
+                  <a:pt x="1371935" y="440544"/>
+                  <a:pt x="1384300" y="436880"/>
+                </a:cubicBezTo>
+                <a:cubicBezTo>
+                  <a:pt x="1401341" y="431831"/>
+                  <a:pt x="1427410" y="431588"/>
+                  <a:pt x="1445260" y="429260"/>
+                </a:cubicBezTo>
+                <a:cubicBezTo>
+                  <a:pt x="1455474" y="427928"/>
+                  <a:pt x="1465482" y="425113"/>
+                  <a:pt x="1475740" y="424180"/>
+                </a:cubicBezTo>
+                <a:cubicBezTo>
+                  <a:pt x="1512085" y="420876"/>
+                  <a:pt x="1548553" y="419100"/>
+                  <a:pt x="1584960" y="416560"/>
+                </a:cubicBezTo>
+                <a:cubicBezTo>
+                  <a:pt x="1592580" y="412327"/>
+                  <a:pt x="1603140" y="411214"/>
+                  <a:pt x="1607820" y="403860"/>
+                </a:cubicBezTo>
+                <a:cubicBezTo>
+                  <a:pt x="1610695" y="399342"/>
+                  <a:pt x="1606311" y="392611"/>
+                  <a:pt x="1602740" y="388620"/>
+                </a:cubicBezTo>
+                <a:cubicBezTo>
+                  <a:pt x="1591534" y="376096"/>
+                  <a:pt x="1577400" y="366537"/>
+                  <a:pt x="1564640" y="355600"/>
+                </a:cubicBezTo>
+                <a:cubicBezTo>
+                  <a:pt x="1545467" y="339166"/>
+                  <a:pt x="1526038" y="323259"/>
+                  <a:pt x="1501140" y="314960"/>
+                </a:cubicBezTo>
+                <a:lnTo>
+                  <a:pt x="1485900" y="309880"/>
+                </a:lnTo>
+                <a:cubicBezTo>
+                  <a:pt x="1476641" y="295992"/>
+                  <a:pt x="1486129" y="307492"/>
+                  <a:pt x="1470660" y="297180"/>
+                </a:cubicBezTo>
+                <a:cubicBezTo>
+                  <a:pt x="1447017" y="281418"/>
+                  <a:pt x="1470142" y="290501"/>
+                  <a:pt x="1440180" y="281940"/>
+                </a:cubicBezTo>
+                <a:cubicBezTo>
+                  <a:pt x="1435947" y="273473"/>
+                  <a:pt x="1430956" y="265345"/>
+                  <a:pt x="1427480" y="256540"/>
+                </a:cubicBezTo>
+                <a:cubicBezTo>
+                  <a:pt x="1418237" y="233125"/>
+                  <a:pt x="1413926" y="207632"/>
+                  <a:pt x="1402080" y="185420"/>
+                </a:cubicBezTo>
+                <a:cubicBezTo>
+                  <a:pt x="1385349" y="154049"/>
+                  <a:pt x="1378301" y="139291"/>
+                  <a:pt x="1358900" y="109220"/>
+                </a:cubicBezTo>
+                <a:cubicBezTo>
+                  <a:pt x="1337086" y="75409"/>
+                  <a:pt x="1324720" y="53858"/>
+                  <a:pt x="1287780" y="33020"/>
+                </a:cubicBezTo>
+                <a:cubicBezTo>
+                  <a:pt x="1257890" y="16159"/>
+                  <a:pt x="1208878" y="7468"/>
+                  <a:pt x="1176020" y="0"/>
+                </a:cubicBezTo>
+                <a:cubicBezTo>
+                  <a:pt x="1155700" y="3387"/>
+                  <a:pt x="1134298" y="2792"/>
+                  <a:pt x="1115060" y="10160"/>
+                </a:cubicBezTo>
+                <a:cubicBezTo>
+                  <a:pt x="1093771" y="18313"/>
+                  <a:pt x="1076546" y="34609"/>
+                  <a:pt x="1056640" y="45720"/>
+                </a:cubicBezTo>
+                <a:cubicBezTo>
+                  <a:pt x="1040109" y="54947"/>
+                  <a:pt x="1022559" y="62238"/>
+                  <a:pt x="1005840" y="71120"/>
+                </a:cubicBezTo>
+                <a:cubicBezTo>
+                  <a:pt x="995453" y="76638"/>
+                  <a:pt x="986153" y="84223"/>
+                  <a:pt x="975360" y="88900"/>
+                </a:cubicBezTo>
+                <a:cubicBezTo>
+                  <a:pt x="960620" y="95287"/>
+                  <a:pt x="944405" y="97812"/>
+                  <a:pt x="929640" y="104140"/>
+                </a:cubicBezTo>
+                <a:cubicBezTo>
+                  <a:pt x="902916" y="115593"/>
+                  <a:pt x="920851" y="109024"/>
+                  <a:pt x="891540" y="116840"/>
+                </a:cubicBezTo>
+                <a:cubicBezTo>
+                  <a:pt x="885584" y="118428"/>
+                  <a:pt x="879922" y="121755"/>
+                  <a:pt x="873760" y="121920"/>
+                </a:cubicBezTo>
+                <a:cubicBezTo>
+                  <a:pt x="784888" y="124301"/>
+                  <a:pt x="695960" y="123613"/>
+                  <a:pt x="607060" y="124460"/>
+                </a:cubicBezTo>
+                <a:cubicBezTo>
+                  <a:pt x="500524" y="144436"/>
+                  <a:pt x="646120" y="114855"/>
+                  <a:pt x="510540" y="152400"/>
+                </a:cubicBezTo>
+                <a:cubicBezTo>
+                  <a:pt x="474518" y="162375"/>
+                  <a:pt x="438038" y="170806"/>
+                  <a:pt x="401320" y="177800"/>
+                </a:cubicBezTo>
+                <a:cubicBezTo>
+                  <a:pt x="359493" y="185767"/>
+                  <a:pt x="296139" y="197162"/>
+                  <a:pt x="259080" y="208280"/>
+                </a:cubicBezTo>
+                <a:cubicBezTo>
+                  <a:pt x="250613" y="210820"/>
+                  <a:pt x="242256" y="213756"/>
+                  <a:pt x="233680" y="215900"/>
+                </a:cubicBezTo>
+                <a:cubicBezTo>
+                  <a:pt x="225303" y="217994"/>
+                  <a:pt x="216700" y="219066"/>
+                  <a:pt x="208280" y="220980"/>
+                </a:cubicBezTo>
+                <a:cubicBezTo>
+                  <a:pt x="179639" y="227489"/>
+                  <a:pt x="151777" y="235453"/>
+                  <a:pt x="124460" y="246380"/>
+                </a:cubicBezTo>
+                <a:cubicBezTo>
+                  <a:pt x="111010" y="251760"/>
+                  <a:pt x="81219" y="263811"/>
+                  <a:pt x="66040" y="274320"/>
+                </a:cubicBezTo>
+                <a:cubicBezTo>
+                  <a:pt x="60603" y="278084"/>
+                  <a:pt x="56041" y="282988"/>
+                  <a:pt x="50800" y="287020"/>
+                </a:cubicBezTo>
+                <a:cubicBezTo>
+                  <a:pt x="45027" y="291461"/>
+                  <a:pt x="38434" y="294848"/>
+                  <a:pt x="33020" y="299720"/>
+                </a:cubicBezTo>
+                <a:cubicBezTo>
+                  <a:pt x="29873" y="302552"/>
+                  <a:pt x="27619" y="306275"/>
+                  <a:pt x="25400" y="309880"/>
+                </a:cubicBezTo>
+                <a:cubicBezTo>
+                  <a:pt x="15109" y="326604"/>
+                  <a:pt x="8785" y="339405"/>
+                  <a:pt x="2540" y="358140"/>
+                </a:cubicBezTo>
+                <a:cubicBezTo>
+                  <a:pt x="1175" y="362236"/>
+                  <a:pt x="847" y="366607"/>
+                  <a:pt x="0" y="370840"/>
+                </a:cubicBezTo>
+                <a:cubicBezTo>
+                  <a:pt x="2540" y="388620"/>
+                  <a:pt x="3406" y="406721"/>
+                  <a:pt x="7620" y="424180"/>
+                </a:cubicBezTo>
+                <a:cubicBezTo>
+                  <a:pt x="9397" y="431541"/>
+                  <a:pt x="13884" y="438006"/>
+                  <a:pt x="17780" y="444500"/>
+                </a:cubicBezTo>
+                <a:cubicBezTo>
+                  <a:pt x="25757" y="457795"/>
+                  <a:pt x="42343" y="476405"/>
+                  <a:pt x="50800" y="487680"/>
+                </a:cubicBezTo>
+                <a:cubicBezTo>
+                  <a:pt x="54463" y="492564"/>
+                  <a:pt x="57369" y="497982"/>
+                  <a:pt x="60960" y="502920"/>
+                </a:cubicBezTo>
+                <a:cubicBezTo>
+                  <a:pt x="75387" y="522757"/>
+                  <a:pt x="73564" y="514067"/>
+                  <a:pt x="88900" y="543560"/>
+                </a:cubicBezTo>
+                <a:cubicBezTo>
+                  <a:pt x="94850" y="555002"/>
+                  <a:pt x="98373" y="567585"/>
+                  <a:pt x="104140" y="579120"/>
+                </a:cubicBezTo>
+                <a:cubicBezTo>
+                  <a:pt x="112824" y="596489"/>
+                  <a:pt x="129230" y="616134"/>
+                  <a:pt x="134620" y="635000"/>
+                </a:cubicBezTo>
+                <a:cubicBezTo>
+                  <a:pt x="136313" y="640927"/>
+                  <a:pt x="137569" y="646996"/>
+                  <a:pt x="139700" y="652780"/>
+                </a:cubicBezTo>
+                <a:cubicBezTo>
+                  <a:pt x="143505" y="663108"/>
+                  <a:pt x="148919" y="672818"/>
+                  <a:pt x="152400" y="683260"/>
+                </a:cubicBezTo>
+                <a:cubicBezTo>
+                  <a:pt x="182588" y="773823"/>
+                  <a:pt x="152186" y="684184"/>
+                  <a:pt x="172720" y="741680"/>
+                </a:cubicBezTo>
+                <a:cubicBezTo>
+                  <a:pt x="175684" y="749978"/>
+                  <a:pt x="178841" y="761542"/>
+                  <a:pt x="182880" y="769620"/>
+                </a:cubicBezTo>
+                <a:cubicBezTo>
+                  <a:pt x="184245" y="772350"/>
+                  <a:pt x="186720" y="774450"/>
+                  <a:pt x="187960" y="777240"/>
+                </a:cubicBezTo>
+                <a:cubicBezTo>
+                  <a:pt x="190135" y="782133"/>
+                  <a:pt x="190980" y="787537"/>
+                  <a:pt x="193040" y="792480"/>
+                </a:cubicBezTo>
+                <a:cubicBezTo>
+                  <a:pt x="195224" y="797723"/>
+                  <a:pt x="198310" y="802549"/>
+                  <a:pt x="200660" y="807720"/>
+                </a:cubicBezTo>
+                <a:cubicBezTo>
+                  <a:pt x="202547" y="811871"/>
+                  <a:pt x="203394" y="816510"/>
+                  <a:pt x="205740" y="820420"/>
+                </a:cubicBezTo>
+                <a:cubicBezTo>
+                  <a:pt x="208529" y="825069"/>
+                  <a:pt x="212513" y="828887"/>
+                  <a:pt x="215900" y="833120"/>
+                </a:cubicBezTo>
+                <a:cubicBezTo>
+                  <a:pt x="220950" y="853321"/>
+                  <a:pt x="214546" y="833291"/>
+                  <a:pt x="226060" y="853440"/>
+                </a:cubicBezTo>
+                <a:cubicBezTo>
+                  <a:pt x="227388" y="855765"/>
+                  <a:pt x="227300" y="858720"/>
+                  <a:pt x="228600" y="861060"/>
+                </a:cubicBezTo>
+                <a:cubicBezTo>
+                  <a:pt x="231565" y="866397"/>
+                  <a:pt x="235373" y="871220"/>
+                  <a:pt x="238760" y="876300"/>
+                </a:cubicBezTo>
+                <a:cubicBezTo>
+                  <a:pt x="240453" y="878840"/>
+                  <a:pt x="241300" y="882227"/>
+                  <a:pt x="243840" y="883920"/>
+                </a:cubicBezTo>
+                <a:lnTo>
+                  <a:pt x="251460" y="889000"/>
+                </a:lnTo>
+                <a:cubicBezTo>
+                  <a:pt x="260216" y="915268"/>
+                  <a:pt x="253400" y="906180"/>
+                  <a:pt x="266700" y="919480"/>
+                </a:cubicBezTo>
+                <a:cubicBezTo>
+                  <a:pt x="269125" y="929181"/>
+                  <a:pt x="269538" y="932775"/>
+                  <a:pt x="274320" y="942340"/>
+                </a:cubicBezTo>
+                <a:cubicBezTo>
+                  <a:pt x="275685" y="945070"/>
+                  <a:pt x="278035" y="947230"/>
+                  <a:pt x="279400" y="949960"/>
+                </a:cubicBezTo>
+                <a:cubicBezTo>
+                  <a:pt x="300021" y="991201"/>
+                  <a:pt x="272468" y="938866"/>
+                  <a:pt x="287020" y="972820"/>
+                </a:cubicBezTo>
+                <a:cubicBezTo>
+                  <a:pt x="288223" y="975626"/>
+                  <a:pt x="290735" y="977710"/>
+                  <a:pt x="292100" y="980440"/>
+                </a:cubicBezTo>
+                <a:cubicBezTo>
+                  <a:pt x="293297" y="982835"/>
+                  <a:pt x="293700" y="985553"/>
+                  <a:pt x="294640" y="988060"/>
+                </a:cubicBezTo>
+                <a:cubicBezTo>
+                  <a:pt x="296241" y="992329"/>
+                  <a:pt x="298278" y="996435"/>
+                  <a:pt x="299720" y="1000760"/>
+                </a:cubicBezTo>
+                <a:cubicBezTo>
+                  <a:pt x="300824" y="1004072"/>
+                  <a:pt x="301156" y="1007608"/>
+                  <a:pt x="302260" y="1010920"/>
+                </a:cubicBezTo>
+                <a:cubicBezTo>
+                  <a:pt x="303702" y="1015245"/>
+                  <a:pt x="305999" y="1019262"/>
+                  <a:pt x="307340" y="1023620"/>
+                </a:cubicBezTo>
+                <a:cubicBezTo>
+                  <a:pt x="312625" y="1040797"/>
+                  <a:pt x="309033" y="1060874"/>
+                  <a:pt x="309880" y="1074420"/>
+                </a:cubicBezTo>
+                <a:close/>
+              </a:path>
+            </a:pathLst>
+          </a:custGeom>
+          <a:solidFill>
+            <a:schemeClr val="bg1"/>
+          </a:solidFill>
+          <a:ln>
+            <a:solidFill>
+              <a:schemeClr val="bg1"/>
+            </a:solidFill>
+          </a:ln>
+        </p:spPr>
+        <p:style>
+          <a:lnRef idx="2">
+            <a:schemeClr val="accent1">
+              <a:shade val="15000"/>
+            </a:schemeClr>
+          </a:lnRef>
+          <a:fillRef idx="1">
+            <a:schemeClr val="accent1"/>
+          </a:fillRef>
+          <a:effectRef idx="0">
+            <a:schemeClr val="accent1"/>
+          </a:effectRef>
+          <a:fontRef idx="minor">
+            <a:schemeClr val="lt1"/>
+          </a:fontRef>
+        </p:style>
+        <p:txBody>
+          <a:bodyPr rtlCol="0" anchor="ctr"/>
+          <a:lstStyle/>
+          <a:p>
+            <a:pPr algn="ctr"/>
+            <a:endParaRPr lang="pt-BR"/>
+          </a:p>
+        </p:txBody>
+      </p:sp>
+      <p:sp>
+        <p:nvSpPr>
+          <p:cNvPr id="10" name="Forma Livre: Forma 9">
+            <a:extLst>
+              <a:ext uri="{FF2B5EF4-FFF2-40B4-BE49-F238E27FC236}">
+                <a16:creationId xmlns:a16="http://schemas.microsoft.com/office/drawing/2014/main" id="{AE1ED15A-32C5-F792-A22D-0080350ADF8C}"/>
+              </a:ext>
+            </a:extLst>
+          </p:cNvPr>
+          <p:cNvSpPr/>
+          <p:nvPr/>
+        </p:nvSpPr>
+        <p:spPr>
+          <a:xfrm>
+            <a:off x="6142381" y="3699510"/>
+            <a:ext cx="1266164" cy="371475"/>
+          </a:xfrm>
+          <a:custGeom>
+            <a:avLst/>
+            <a:gdLst>
+              <a:gd name="connsiteX0" fmla="*/ 3149 w 1266164"/>
+              <a:gd name="connsiteY0" fmla="*/ 112395 h 371475"/>
+              <a:gd name="connsiteX1" fmla="*/ 1244 w 1266164"/>
+              <a:gd name="connsiteY1" fmla="*/ 167640 h 371475"/>
+              <a:gd name="connsiteX2" fmla="*/ 3149 w 1266164"/>
+              <a:gd name="connsiteY2" fmla="*/ 217170 h 371475"/>
+              <a:gd name="connsiteX3" fmla="*/ 5054 w 1266164"/>
+              <a:gd name="connsiteY3" fmla="*/ 226695 h 371475"/>
+              <a:gd name="connsiteX4" fmla="*/ 10769 w 1266164"/>
+              <a:gd name="connsiteY4" fmla="*/ 230505 h 371475"/>
+              <a:gd name="connsiteX5" fmla="*/ 26009 w 1266164"/>
+              <a:gd name="connsiteY5" fmla="*/ 238125 h 371475"/>
+              <a:gd name="connsiteX6" fmla="*/ 227939 w 1266164"/>
+              <a:gd name="connsiteY6" fmla="*/ 241935 h 371475"/>
+              <a:gd name="connsiteX7" fmla="*/ 277469 w 1266164"/>
+              <a:gd name="connsiteY7" fmla="*/ 249555 h 371475"/>
+              <a:gd name="connsiteX8" fmla="*/ 361289 w 1266164"/>
+              <a:gd name="connsiteY8" fmla="*/ 255270 h 371475"/>
+              <a:gd name="connsiteX9" fmla="*/ 403199 w 1266164"/>
+              <a:gd name="connsiteY9" fmla="*/ 259080 h 371475"/>
+              <a:gd name="connsiteX10" fmla="*/ 424154 w 1266164"/>
+              <a:gd name="connsiteY10" fmla="*/ 264795 h 371475"/>
+              <a:gd name="connsiteX11" fmla="*/ 443204 w 1266164"/>
+              <a:gd name="connsiteY11" fmla="*/ 268605 h 371475"/>
+              <a:gd name="connsiteX12" fmla="*/ 460349 w 1266164"/>
+              <a:gd name="connsiteY12" fmla="*/ 272415 h 371475"/>
+              <a:gd name="connsiteX13" fmla="*/ 475589 w 1266164"/>
+              <a:gd name="connsiteY13" fmla="*/ 276225 h 371475"/>
+              <a:gd name="connsiteX14" fmla="*/ 494639 w 1266164"/>
+              <a:gd name="connsiteY14" fmla="*/ 278130 h 371475"/>
+              <a:gd name="connsiteX15" fmla="*/ 610844 w 1266164"/>
+              <a:gd name="connsiteY15" fmla="*/ 281940 h 371475"/>
+              <a:gd name="connsiteX16" fmla="*/ 639419 w 1266164"/>
+              <a:gd name="connsiteY16" fmla="*/ 293370 h 371475"/>
+              <a:gd name="connsiteX17" fmla="*/ 671804 w 1266164"/>
+              <a:gd name="connsiteY17" fmla="*/ 306705 h 371475"/>
+              <a:gd name="connsiteX18" fmla="*/ 681329 w 1266164"/>
+              <a:gd name="connsiteY18" fmla="*/ 314325 h 371475"/>
+              <a:gd name="connsiteX19" fmla="*/ 690854 w 1266164"/>
+              <a:gd name="connsiteY19" fmla="*/ 323850 h 371475"/>
+              <a:gd name="connsiteX20" fmla="*/ 706094 w 1266164"/>
+              <a:gd name="connsiteY20" fmla="*/ 327660 h 371475"/>
+              <a:gd name="connsiteX21" fmla="*/ 807059 w 1266164"/>
+              <a:gd name="connsiteY21" fmla="*/ 329565 h 371475"/>
+              <a:gd name="connsiteX22" fmla="*/ 820394 w 1266164"/>
+              <a:gd name="connsiteY22" fmla="*/ 335280 h 371475"/>
+              <a:gd name="connsiteX23" fmla="*/ 828014 w 1266164"/>
+              <a:gd name="connsiteY23" fmla="*/ 340995 h 371475"/>
+              <a:gd name="connsiteX24" fmla="*/ 818489 w 1266164"/>
+              <a:gd name="connsiteY24" fmla="*/ 344805 h 371475"/>
+              <a:gd name="connsiteX25" fmla="*/ 795629 w 1266164"/>
+              <a:gd name="connsiteY25" fmla="*/ 346710 h 371475"/>
+              <a:gd name="connsiteX26" fmla="*/ 801344 w 1266164"/>
+              <a:gd name="connsiteY26" fmla="*/ 356235 h 371475"/>
+              <a:gd name="connsiteX27" fmla="*/ 805154 w 1266164"/>
+              <a:gd name="connsiteY27" fmla="*/ 361950 h 371475"/>
+              <a:gd name="connsiteX28" fmla="*/ 814679 w 1266164"/>
+              <a:gd name="connsiteY28" fmla="*/ 365760 h 371475"/>
+              <a:gd name="connsiteX29" fmla="*/ 852779 w 1266164"/>
+              <a:gd name="connsiteY29" fmla="*/ 371475 h 371475"/>
+              <a:gd name="connsiteX30" fmla="*/ 1085189 w 1266164"/>
+              <a:gd name="connsiteY30" fmla="*/ 369570 h 371475"/>
+              <a:gd name="connsiteX31" fmla="*/ 1129004 w 1266164"/>
+              <a:gd name="connsiteY31" fmla="*/ 365760 h 371475"/>
+              <a:gd name="connsiteX32" fmla="*/ 1115669 w 1266164"/>
+              <a:gd name="connsiteY32" fmla="*/ 356235 h 371475"/>
+              <a:gd name="connsiteX33" fmla="*/ 1100429 w 1266164"/>
+              <a:gd name="connsiteY33" fmla="*/ 350520 h 371475"/>
+              <a:gd name="connsiteX34" fmla="*/ 1096619 w 1266164"/>
+              <a:gd name="connsiteY34" fmla="*/ 344805 h 371475"/>
+              <a:gd name="connsiteX35" fmla="*/ 1104239 w 1266164"/>
+              <a:gd name="connsiteY35" fmla="*/ 323850 h 371475"/>
+              <a:gd name="connsiteX36" fmla="*/ 1108049 w 1266164"/>
+              <a:gd name="connsiteY36" fmla="*/ 318135 h 371475"/>
+              <a:gd name="connsiteX37" fmla="*/ 1144244 w 1266164"/>
+              <a:gd name="connsiteY37" fmla="*/ 310515 h 371475"/>
+              <a:gd name="connsiteX38" fmla="*/ 1167104 w 1266164"/>
+              <a:gd name="connsiteY38" fmla="*/ 304800 h 371475"/>
+              <a:gd name="connsiteX39" fmla="*/ 1189964 w 1266164"/>
+              <a:gd name="connsiteY39" fmla="*/ 300990 h 371475"/>
+              <a:gd name="connsiteX40" fmla="*/ 1209014 w 1266164"/>
+              <a:gd name="connsiteY40" fmla="*/ 297180 h 371475"/>
+              <a:gd name="connsiteX41" fmla="*/ 1229969 w 1266164"/>
+              <a:gd name="connsiteY41" fmla="*/ 287655 h 371475"/>
+              <a:gd name="connsiteX42" fmla="*/ 1266164 w 1266164"/>
+              <a:gd name="connsiteY42" fmla="*/ 272415 h 371475"/>
+              <a:gd name="connsiteX43" fmla="*/ 1233779 w 1266164"/>
+              <a:gd name="connsiteY43" fmla="*/ 238125 h 371475"/>
+              <a:gd name="connsiteX44" fmla="*/ 1209014 w 1266164"/>
+              <a:gd name="connsiteY44" fmla="*/ 220980 h 371475"/>
+              <a:gd name="connsiteX45" fmla="*/ 1167104 w 1266164"/>
+              <a:gd name="connsiteY45" fmla="*/ 180975 h 371475"/>
+              <a:gd name="connsiteX46" fmla="*/ 1149959 w 1266164"/>
+              <a:gd name="connsiteY46" fmla="*/ 167640 h 371475"/>
+              <a:gd name="connsiteX47" fmla="*/ 1132814 w 1266164"/>
+              <a:gd name="connsiteY47" fmla="*/ 150495 h 371475"/>
+              <a:gd name="connsiteX48" fmla="*/ 1125194 w 1266164"/>
+              <a:gd name="connsiteY48" fmla="*/ 129540 h 371475"/>
+              <a:gd name="connsiteX49" fmla="*/ 1106144 w 1266164"/>
+              <a:gd name="connsiteY49" fmla="*/ 93345 h 371475"/>
+              <a:gd name="connsiteX50" fmla="*/ 1088999 w 1266164"/>
+              <a:gd name="connsiteY50" fmla="*/ 66675 h 371475"/>
+              <a:gd name="connsiteX51" fmla="*/ 1052804 w 1266164"/>
+              <a:gd name="connsiteY51" fmla="*/ 43815 h 371475"/>
+              <a:gd name="connsiteX52" fmla="*/ 1041374 w 1266164"/>
+              <a:gd name="connsiteY52" fmla="*/ 40005 h 371475"/>
+              <a:gd name="connsiteX53" fmla="*/ 1031849 w 1266164"/>
+              <a:gd name="connsiteY53" fmla="*/ 34290 h 371475"/>
+              <a:gd name="connsiteX54" fmla="*/ 1010894 w 1266164"/>
+              <a:gd name="connsiteY54" fmla="*/ 28575 h 371475"/>
+              <a:gd name="connsiteX55" fmla="*/ 993749 w 1266164"/>
+              <a:gd name="connsiteY55" fmla="*/ 22860 h 371475"/>
+              <a:gd name="connsiteX56" fmla="*/ 982319 w 1266164"/>
+              <a:gd name="connsiteY56" fmla="*/ 19050 h 371475"/>
+              <a:gd name="connsiteX57" fmla="*/ 957554 w 1266164"/>
+              <a:gd name="connsiteY57" fmla="*/ 15240 h 371475"/>
+              <a:gd name="connsiteX58" fmla="*/ 944219 w 1266164"/>
+              <a:gd name="connsiteY58" fmla="*/ 11430 h 371475"/>
+              <a:gd name="connsiteX59" fmla="*/ 936599 w 1266164"/>
+              <a:gd name="connsiteY59" fmla="*/ 9525 h 371475"/>
+              <a:gd name="connsiteX60" fmla="*/ 896594 w 1266164"/>
+              <a:gd name="connsiteY60" fmla="*/ 7620 h 371475"/>
+              <a:gd name="connsiteX61" fmla="*/ 734669 w 1266164"/>
+              <a:gd name="connsiteY61" fmla="*/ 3810 h 371475"/>
+              <a:gd name="connsiteX62" fmla="*/ 688949 w 1266164"/>
+              <a:gd name="connsiteY62" fmla="*/ 1905 h 371475"/>
+              <a:gd name="connsiteX63" fmla="*/ 587984 w 1266164"/>
+              <a:gd name="connsiteY63" fmla="*/ 0 h 371475"/>
+              <a:gd name="connsiteX64" fmla="*/ 488924 w 1266164"/>
+              <a:gd name="connsiteY64" fmla="*/ 3810 h 371475"/>
+              <a:gd name="connsiteX65" fmla="*/ 418439 w 1266164"/>
+              <a:gd name="connsiteY65" fmla="*/ 11430 h 371475"/>
+              <a:gd name="connsiteX66" fmla="*/ 387959 w 1266164"/>
+              <a:gd name="connsiteY66" fmla="*/ 13335 h 371475"/>
+              <a:gd name="connsiteX67" fmla="*/ 346049 w 1266164"/>
+              <a:gd name="connsiteY67" fmla="*/ 19050 h 371475"/>
+              <a:gd name="connsiteX68" fmla="*/ 294614 w 1266164"/>
+              <a:gd name="connsiteY68" fmla="*/ 20955 h 371475"/>
+              <a:gd name="connsiteX69" fmla="*/ 258419 w 1266164"/>
+              <a:gd name="connsiteY69" fmla="*/ 24765 h 371475"/>
+              <a:gd name="connsiteX70" fmla="*/ 246989 w 1266164"/>
+              <a:gd name="connsiteY70" fmla="*/ 28575 h 371475"/>
+              <a:gd name="connsiteX71" fmla="*/ 233654 w 1266164"/>
+              <a:gd name="connsiteY71" fmla="*/ 30480 h 371475"/>
+              <a:gd name="connsiteX72" fmla="*/ 224129 w 1266164"/>
+              <a:gd name="connsiteY72" fmla="*/ 32385 h 371475"/>
+              <a:gd name="connsiteX73" fmla="*/ 216509 w 1266164"/>
+              <a:gd name="connsiteY73" fmla="*/ 34290 h 371475"/>
+              <a:gd name="connsiteX74" fmla="*/ 191744 w 1266164"/>
+              <a:gd name="connsiteY74" fmla="*/ 38100 h 371475"/>
+              <a:gd name="connsiteX75" fmla="*/ 159359 w 1266164"/>
+              <a:gd name="connsiteY75" fmla="*/ 47625 h 371475"/>
+              <a:gd name="connsiteX76" fmla="*/ 140309 w 1266164"/>
+              <a:gd name="connsiteY76" fmla="*/ 53340 h 371475"/>
+              <a:gd name="connsiteX77" fmla="*/ 134594 w 1266164"/>
+              <a:gd name="connsiteY77" fmla="*/ 57150 h 371475"/>
+              <a:gd name="connsiteX78" fmla="*/ 121259 w 1266164"/>
+              <a:gd name="connsiteY78" fmla="*/ 59055 h 371475"/>
+              <a:gd name="connsiteX79" fmla="*/ 111734 w 1266164"/>
+              <a:gd name="connsiteY79" fmla="*/ 60960 h 371475"/>
+              <a:gd name="connsiteX80" fmla="*/ 98399 w 1266164"/>
+              <a:gd name="connsiteY80" fmla="*/ 66675 h 371475"/>
+              <a:gd name="connsiteX81" fmla="*/ 69824 w 1266164"/>
+              <a:gd name="connsiteY81" fmla="*/ 70485 h 371475"/>
+              <a:gd name="connsiteX82" fmla="*/ 48869 w 1266164"/>
+              <a:gd name="connsiteY82" fmla="*/ 80010 h 371475"/>
+              <a:gd name="connsiteX83" fmla="*/ 35534 w 1266164"/>
+              <a:gd name="connsiteY83" fmla="*/ 87630 h 371475"/>
+              <a:gd name="connsiteX84" fmla="*/ 3149 w 1266164"/>
+              <a:gd name="connsiteY84" fmla="*/ 112395 h 371475"/>
+            </a:gdLst>
+            <a:ahLst/>
+            <a:cxnLst>
+              <a:cxn ang="0">
+                <a:pos x="connsiteX0" y="connsiteY0"/>
+              </a:cxn>
+              <a:cxn ang="0">
+                <a:pos x="connsiteX1" y="connsiteY1"/>
+              </a:cxn>
+              <a:cxn ang="0">
+                <a:pos x="connsiteX2" y="connsiteY2"/>
+              </a:cxn>
+              <a:cxn ang="0">
+                <a:pos x="connsiteX3" y="connsiteY3"/>
+              </a:cxn>
+              <a:cxn ang="0">
+                <a:pos x="connsiteX4" y="connsiteY4"/>
+              </a:cxn>
+              <a:cxn ang="0">
+                <a:pos x="connsiteX5" y="connsiteY5"/>
+              </a:cxn>
+              <a:cxn ang="0">
+                <a:pos x="connsiteX6" y="connsiteY6"/>
+              </a:cxn>
+              <a:cxn ang="0">
+                <a:pos x="connsiteX7" y="connsiteY7"/>
+              </a:cxn>
+              <a:cxn ang="0">
+                <a:pos x="connsiteX8" y="connsiteY8"/>
+              </a:cxn>
+              <a:cxn ang="0">
+                <a:pos x="connsiteX9" y="connsiteY9"/>
+              </a:cxn>
+              <a:cxn ang="0">
+                <a:pos x="connsiteX10" y="connsiteY10"/>
+              </a:cxn>
+              <a:cxn ang="0">
+                <a:pos x="connsiteX11" y="connsiteY11"/>
+              </a:cxn>
+              <a:cxn ang="0">
+                <a:pos x="connsiteX12" y="connsiteY12"/>
+              </a:cxn>
+              <a:cxn ang="0">
+                <a:pos x="connsiteX13" y="connsiteY13"/>
+              </a:cxn>
+              <a:cxn ang="0">
+                <a:pos x="connsiteX14" y="connsiteY14"/>
+              </a:cxn>
+              <a:cxn ang="0">
+                <a:pos x="connsiteX15" y="connsiteY15"/>
+              </a:cxn>
+              <a:cxn ang="0">
+                <a:pos x="connsiteX16" y="connsiteY16"/>
+              </a:cxn>
+              <a:cxn ang="0">
+                <a:pos x="connsiteX17" y="connsiteY17"/>
+              </a:cxn>
+              <a:cxn ang="0">
+                <a:pos x="connsiteX18" y="connsiteY18"/>
+              </a:cxn>
+              <a:cxn ang="0">
+                <a:pos x="connsiteX19" y="connsiteY19"/>
+              </a:cxn>
+              <a:cxn ang="0">
+                <a:pos x="connsiteX20" y="connsiteY20"/>
+              </a:cxn>
+              <a:cxn ang="0">
+                <a:pos x="connsiteX21" y="connsiteY21"/>
+              </a:cxn>
+              <a:cxn ang="0">
+                <a:pos x="connsiteX22" y="connsiteY22"/>
+              </a:cxn>
+              <a:cxn ang="0">
+                <a:pos x="connsiteX23" y="connsiteY23"/>
+              </a:cxn>
+              <a:cxn ang="0">
+                <a:pos x="connsiteX24" y="connsiteY24"/>
+              </a:cxn>
+              <a:cxn ang="0">
+                <a:pos x="connsiteX25" y="connsiteY25"/>
+              </a:cxn>
+              <a:cxn ang="0">
+                <a:pos x="connsiteX26" y="connsiteY26"/>
+              </a:cxn>
+              <a:cxn ang="0">
+                <a:pos x="connsiteX27" y="connsiteY27"/>
+              </a:cxn>
+              <a:cxn ang="0">
+                <a:pos x="connsiteX28" y="connsiteY28"/>
+              </a:cxn>
+              <a:cxn ang="0">
+                <a:pos x="connsiteX29" y="connsiteY29"/>
+              </a:cxn>
+              <a:cxn ang="0">
+                <a:pos x="connsiteX30" y="connsiteY30"/>
+              </a:cxn>
+              <a:cxn ang="0">
+                <a:pos x="connsiteX31" y="connsiteY31"/>
+              </a:cxn>
+              <a:cxn ang="0">
+                <a:pos x="connsiteX32" y="connsiteY32"/>
+              </a:cxn>
+              <a:cxn ang="0">
+                <a:pos x="connsiteX33" y="connsiteY33"/>
+              </a:cxn>
+              <a:cxn ang="0">
+                <a:pos x="connsiteX34" y="connsiteY34"/>
+              </a:cxn>
+              <a:cxn ang="0">
+                <a:pos x="connsiteX35" y="connsiteY35"/>
+              </a:cxn>
+              <a:cxn ang="0">
+                <a:pos x="connsiteX36" y="connsiteY36"/>
+              </a:cxn>
+              <a:cxn ang="0">
+                <a:pos x="connsiteX37" y="connsiteY37"/>
+              </a:cxn>
+              <a:cxn ang="0">
+                <a:pos x="connsiteX38" y="connsiteY38"/>
+              </a:cxn>
+              <a:cxn ang="0">
+                <a:pos x="connsiteX39" y="connsiteY39"/>
+              </a:cxn>
+              <a:cxn ang="0">
+                <a:pos x="connsiteX40" y="connsiteY40"/>
+              </a:cxn>
+              <a:cxn ang="0">
+                <a:pos x="connsiteX41" y="connsiteY41"/>
+              </a:cxn>
+              <a:cxn ang="0">
+                <a:pos x="connsiteX42" y="connsiteY42"/>
+              </a:cxn>
+              <a:cxn ang="0">
+                <a:pos x="connsiteX43" y="connsiteY43"/>
+              </a:cxn>
+              <a:cxn ang="0">
+                <a:pos x="connsiteX44" y="connsiteY44"/>
+              </a:cxn>
+              <a:cxn ang="0">
+                <a:pos x="connsiteX45" y="connsiteY45"/>
+              </a:cxn>
+              <a:cxn ang="0">
+                <a:pos x="connsiteX46" y="connsiteY46"/>
+              </a:cxn>
+              <a:cxn ang="0">
+                <a:pos x="connsiteX47" y="connsiteY47"/>
+              </a:cxn>
+              <a:cxn ang="0">
+                <a:pos x="connsiteX48" y="connsiteY48"/>
+              </a:cxn>
+              <a:cxn ang="0">
+                <a:pos x="connsiteX49" y="connsiteY49"/>
+              </a:cxn>
+              <a:cxn ang="0">
+                <a:pos x="connsiteX50" y="connsiteY50"/>
+              </a:cxn>
+              <a:cxn ang="0">
+                <a:pos x="connsiteX51" y="connsiteY51"/>
+              </a:cxn>
+              <a:cxn ang="0">
+                <a:pos x="connsiteX52" y="connsiteY52"/>
+              </a:cxn>
+              <a:cxn ang="0">
+                <a:pos x="connsiteX53" y="connsiteY53"/>
+              </a:cxn>
+              <a:cxn ang="0">
+                <a:pos x="connsiteX54" y="connsiteY54"/>
+              </a:cxn>
+              <a:cxn ang="0">
+                <a:pos x="connsiteX55" y="connsiteY55"/>
+              </a:cxn>
+              <a:cxn ang="0">
+                <a:pos x="connsiteX56" y="connsiteY56"/>
+              </a:cxn>
+              <a:cxn ang="0">
+                <a:pos x="connsiteX57" y="connsiteY57"/>
+              </a:cxn>
+              <a:cxn ang="0">
+                <a:pos x="connsiteX58" y="connsiteY58"/>
+              </a:cxn>
+              <a:cxn ang="0">
+                <a:pos x="connsiteX59" y="connsiteY59"/>
+              </a:cxn>
+              <a:cxn ang="0">
+                <a:pos x="connsiteX60" y="connsiteY60"/>
+              </a:cxn>
+              <a:cxn ang="0">
+                <a:pos x="connsiteX61" y="connsiteY61"/>
+              </a:cxn>
+              <a:cxn ang="0">
+                <a:pos x="connsiteX62" y="connsiteY62"/>
+              </a:cxn>
+              <a:cxn ang="0">
+                <a:pos x="connsiteX63" y="connsiteY63"/>
+              </a:cxn>
+              <a:cxn ang="0">
+                <a:pos x="connsiteX64" y="connsiteY64"/>
+              </a:cxn>
+              <a:cxn ang="0">
+                <a:pos x="connsiteX65" y="connsiteY65"/>
+              </a:cxn>
+              <a:cxn ang="0">
+                <a:pos x="connsiteX66" y="connsiteY66"/>
+              </a:cxn>
+              <a:cxn ang="0">
+                <a:pos x="connsiteX67" y="connsiteY67"/>
+              </a:cxn>
+              <a:cxn ang="0">
+                <a:pos x="connsiteX68" y="connsiteY68"/>
+              </a:cxn>
+              <a:cxn ang="0">
+                <a:pos x="connsiteX69" y="connsiteY69"/>
+              </a:cxn>
+              <a:cxn ang="0">
+                <a:pos x="connsiteX70" y="connsiteY70"/>
+              </a:cxn>
+              <a:cxn ang="0">
+                <a:pos x="connsiteX71" y="connsiteY71"/>
+              </a:cxn>
+              <a:cxn ang="0">
+                <a:pos x="connsiteX72" y="connsiteY72"/>
+              </a:cxn>
+              <a:cxn ang="0">
+                <a:pos x="connsiteX73" y="connsiteY73"/>
+              </a:cxn>
+              <a:cxn ang="0">
+                <a:pos x="connsiteX74" y="connsiteY74"/>
+              </a:cxn>
+              <a:cxn ang="0">
+                <a:pos x="connsiteX75" y="connsiteY75"/>
+              </a:cxn>
+              <a:cxn ang="0">
+                <a:pos x="connsiteX76" y="connsiteY76"/>
+              </a:cxn>
+              <a:cxn ang="0">
+                <a:pos x="connsiteX77" y="connsiteY77"/>
+              </a:cxn>
+              <a:cxn ang="0">
+                <a:pos x="connsiteX78" y="connsiteY78"/>
+              </a:cxn>
+              <a:cxn ang="0">
+                <a:pos x="connsiteX79" y="connsiteY79"/>
+              </a:cxn>
+              <a:cxn ang="0">
+                <a:pos x="connsiteX80" y="connsiteY80"/>
+              </a:cxn>
+              <a:cxn ang="0">
+                <a:pos x="connsiteX81" y="connsiteY81"/>
+              </a:cxn>
+              <a:cxn ang="0">
+                <a:pos x="connsiteX82" y="connsiteY82"/>
+              </a:cxn>
+              <a:cxn ang="0">
+                <a:pos x="connsiteX83" y="connsiteY83"/>
+              </a:cxn>
+              <a:cxn ang="0">
+                <a:pos x="connsiteX84" y="connsiteY84"/>
+              </a:cxn>
+            </a:cxnLst>
+            <a:rect l="l" t="t" r="r" b="b"/>
+            <a:pathLst>
+              <a:path w="1266164" h="371475">
+                <a:moveTo>
+                  <a:pt x="3149" y="112395"/>
+                </a:moveTo>
+                <a:cubicBezTo>
+                  <a:pt x="-2566" y="125730"/>
+                  <a:pt x="1244" y="149214"/>
+                  <a:pt x="1244" y="167640"/>
+                </a:cubicBezTo>
+                <a:cubicBezTo>
+                  <a:pt x="1244" y="184162"/>
+                  <a:pt x="2085" y="200682"/>
+                  <a:pt x="3149" y="217170"/>
+                </a:cubicBezTo>
+                <a:cubicBezTo>
+                  <a:pt x="3357" y="220401"/>
+                  <a:pt x="3448" y="223884"/>
+                  <a:pt x="5054" y="226695"/>
+                </a:cubicBezTo>
+                <a:cubicBezTo>
+                  <a:pt x="6190" y="228683"/>
+                  <a:pt x="9010" y="229039"/>
+                  <a:pt x="10769" y="230505"/>
+                </a:cubicBezTo>
+                <a:cubicBezTo>
+                  <a:pt x="20880" y="238931"/>
+                  <a:pt x="11311" y="235185"/>
+                  <a:pt x="26009" y="238125"/>
+                </a:cubicBezTo>
+                <a:cubicBezTo>
+                  <a:pt x="120552" y="232025"/>
+                  <a:pt x="94634" y="231376"/>
+                  <a:pt x="227939" y="241935"/>
+                </a:cubicBezTo>
+                <a:cubicBezTo>
+                  <a:pt x="244591" y="243254"/>
+                  <a:pt x="260925" y="247247"/>
+                  <a:pt x="277469" y="249555"/>
+                </a:cubicBezTo>
+                <a:cubicBezTo>
+                  <a:pt x="316339" y="254979"/>
+                  <a:pt x="315651" y="253580"/>
+                  <a:pt x="361289" y="255270"/>
+                </a:cubicBezTo>
+                <a:cubicBezTo>
+                  <a:pt x="363536" y="255457"/>
+                  <a:pt x="399052" y="258290"/>
+                  <a:pt x="403199" y="259080"/>
+                </a:cubicBezTo>
+                <a:cubicBezTo>
+                  <a:pt x="410311" y="260435"/>
+                  <a:pt x="417111" y="263118"/>
+                  <a:pt x="424154" y="264795"/>
+                </a:cubicBezTo>
+                <a:cubicBezTo>
+                  <a:pt x="430454" y="266295"/>
+                  <a:pt x="436867" y="267271"/>
+                  <a:pt x="443204" y="268605"/>
+                </a:cubicBezTo>
+                <a:cubicBezTo>
+                  <a:pt x="448933" y="269811"/>
+                  <a:pt x="454650" y="271074"/>
+                  <a:pt x="460349" y="272415"/>
+                </a:cubicBezTo>
+                <a:cubicBezTo>
+                  <a:pt x="465446" y="273614"/>
+                  <a:pt x="470424" y="275364"/>
+                  <a:pt x="475589" y="276225"/>
+                </a:cubicBezTo>
+                <a:cubicBezTo>
+                  <a:pt x="481884" y="277274"/>
+                  <a:pt x="488263" y="277861"/>
+                  <a:pt x="494639" y="278130"/>
+                </a:cubicBezTo>
+                <a:lnTo>
+                  <a:pt x="610844" y="281940"/>
+                </a:lnTo>
+                <a:cubicBezTo>
+                  <a:pt x="654103" y="298162"/>
+                  <a:pt x="600158" y="277666"/>
+                  <a:pt x="639419" y="293370"/>
+                </a:cubicBezTo>
+                <a:cubicBezTo>
+                  <a:pt x="649388" y="297358"/>
+                  <a:pt x="662527" y="301404"/>
+                  <a:pt x="671804" y="306705"/>
+                </a:cubicBezTo>
+                <a:cubicBezTo>
+                  <a:pt x="675334" y="308722"/>
+                  <a:pt x="678307" y="311605"/>
+                  <a:pt x="681329" y="314325"/>
+                </a:cubicBezTo>
+                <a:cubicBezTo>
+                  <a:pt x="684666" y="317329"/>
+                  <a:pt x="686901" y="321721"/>
+                  <a:pt x="690854" y="323850"/>
+                </a:cubicBezTo>
+                <a:cubicBezTo>
+                  <a:pt x="695464" y="326333"/>
+                  <a:pt x="700864" y="327403"/>
+                  <a:pt x="706094" y="327660"/>
+                </a:cubicBezTo>
+                <a:cubicBezTo>
+                  <a:pt x="739714" y="329313"/>
+                  <a:pt x="773404" y="328930"/>
+                  <a:pt x="807059" y="329565"/>
+                </a:cubicBezTo>
+                <a:cubicBezTo>
+                  <a:pt x="811504" y="331470"/>
+                  <a:pt x="816148" y="332964"/>
+                  <a:pt x="820394" y="335280"/>
+                </a:cubicBezTo>
+                <a:cubicBezTo>
+                  <a:pt x="823181" y="336800"/>
+                  <a:pt x="828637" y="337882"/>
+                  <a:pt x="828014" y="340995"/>
+                </a:cubicBezTo>
+                <a:cubicBezTo>
+                  <a:pt x="827343" y="344348"/>
+                  <a:pt x="821857" y="344211"/>
+                  <a:pt x="818489" y="344805"/>
+                </a:cubicBezTo>
+                <a:cubicBezTo>
+                  <a:pt x="810959" y="346134"/>
+                  <a:pt x="803249" y="346075"/>
+                  <a:pt x="795629" y="346710"/>
+                </a:cubicBezTo>
+                <a:cubicBezTo>
+                  <a:pt x="797534" y="349885"/>
+                  <a:pt x="799382" y="353095"/>
+                  <a:pt x="801344" y="356235"/>
+                </a:cubicBezTo>
+                <a:cubicBezTo>
+                  <a:pt x="802557" y="358177"/>
+                  <a:pt x="803291" y="360619"/>
+                  <a:pt x="805154" y="361950"/>
+                </a:cubicBezTo>
+                <a:cubicBezTo>
+                  <a:pt x="807937" y="363938"/>
+                  <a:pt x="811465" y="364591"/>
+                  <a:pt x="814679" y="365760"/>
+                </a:cubicBezTo>
+                <a:cubicBezTo>
+                  <a:pt x="832502" y="372241"/>
+                  <a:pt x="826680" y="369611"/>
+                  <a:pt x="852779" y="371475"/>
+                </a:cubicBezTo>
+                <a:lnTo>
+                  <a:pt x="1085189" y="369570"/>
+                </a:lnTo>
+                <a:cubicBezTo>
+                  <a:pt x="1099846" y="369267"/>
+                  <a:pt x="1115573" y="371636"/>
+                  <a:pt x="1129004" y="365760"/>
+                </a:cubicBezTo>
+                <a:cubicBezTo>
+                  <a:pt x="1134008" y="363571"/>
+                  <a:pt x="1120489" y="358806"/>
+                  <a:pt x="1115669" y="356235"/>
+                </a:cubicBezTo>
+                <a:cubicBezTo>
+                  <a:pt x="1110882" y="353682"/>
+                  <a:pt x="1105509" y="352425"/>
+                  <a:pt x="1100429" y="350520"/>
+                </a:cubicBezTo>
+                <a:cubicBezTo>
+                  <a:pt x="1099159" y="348615"/>
+                  <a:pt x="1096903" y="347077"/>
+                  <a:pt x="1096619" y="344805"/>
+                </a:cubicBezTo>
+                <a:cubicBezTo>
+                  <a:pt x="1095835" y="338535"/>
+                  <a:pt x="1101712" y="328398"/>
+                  <a:pt x="1104239" y="323850"/>
+                </a:cubicBezTo>
+                <a:cubicBezTo>
+                  <a:pt x="1105351" y="321849"/>
+                  <a:pt x="1106048" y="319247"/>
+                  <a:pt x="1108049" y="318135"/>
+                </a:cubicBezTo>
+                <a:cubicBezTo>
+                  <a:pt x="1114645" y="314470"/>
+                  <a:pt x="1140497" y="311296"/>
+                  <a:pt x="1144244" y="310515"/>
+                </a:cubicBezTo>
+                <a:cubicBezTo>
+                  <a:pt x="1151933" y="308913"/>
+                  <a:pt x="1159415" y="306402"/>
+                  <a:pt x="1167104" y="304800"/>
+                </a:cubicBezTo>
+                <a:cubicBezTo>
+                  <a:pt x="1174667" y="303224"/>
+                  <a:pt x="1182363" y="302372"/>
+                  <a:pt x="1189964" y="300990"/>
+                </a:cubicBezTo>
+                <a:cubicBezTo>
+                  <a:pt x="1196335" y="299832"/>
+                  <a:pt x="1202664" y="298450"/>
+                  <a:pt x="1209014" y="297180"/>
+                </a:cubicBezTo>
+                <a:cubicBezTo>
+                  <a:pt x="1215999" y="294005"/>
+                  <a:pt x="1222868" y="290560"/>
+                  <a:pt x="1229969" y="287655"/>
+                </a:cubicBezTo>
+                <a:cubicBezTo>
+                  <a:pt x="1269408" y="271521"/>
+                  <a:pt x="1234230" y="288382"/>
+                  <a:pt x="1266164" y="272415"/>
+                </a:cubicBezTo>
+                <a:cubicBezTo>
+                  <a:pt x="1254223" y="254504"/>
+                  <a:pt x="1257220" y="257058"/>
+                  <a:pt x="1233779" y="238125"/>
+                </a:cubicBezTo>
+                <a:cubicBezTo>
+                  <a:pt x="1225968" y="231816"/>
+                  <a:pt x="1216637" y="227514"/>
+                  <a:pt x="1209014" y="220980"/>
+                </a:cubicBezTo>
+                <a:cubicBezTo>
+                  <a:pt x="1194351" y="208411"/>
+                  <a:pt x="1182349" y="192832"/>
+                  <a:pt x="1167104" y="180975"/>
+                </a:cubicBezTo>
+                <a:cubicBezTo>
+                  <a:pt x="1161389" y="176530"/>
+                  <a:pt x="1155370" y="172450"/>
+                  <a:pt x="1149959" y="167640"/>
+                </a:cubicBezTo>
+                <a:cubicBezTo>
+                  <a:pt x="1143918" y="162270"/>
+                  <a:pt x="1132814" y="150495"/>
+                  <a:pt x="1132814" y="150495"/>
+                </a:cubicBezTo>
+                <a:cubicBezTo>
+                  <a:pt x="1130517" y="143604"/>
+                  <a:pt x="1128287" y="136167"/>
+                  <a:pt x="1125194" y="129540"/>
+                </a:cubicBezTo>
+                <a:cubicBezTo>
+                  <a:pt x="1118474" y="115140"/>
+                  <a:pt x="1113841" y="107029"/>
+                  <a:pt x="1106144" y="93345"/>
+                </a:cubicBezTo>
+                <a:cubicBezTo>
+                  <a:pt x="1101423" y="84952"/>
+                  <a:pt x="1095515" y="73842"/>
+                  <a:pt x="1088999" y="66675"/>
+                </a:cubicBezTo>
+                <a:cubicBezTo>
+                  <a:pt x="1082059" y="59041"/>
+                  <a:pt x="1056361" y="45001"/>
+                  <a:pt x="1052804" y="43815"/>
+                </a:cubicBezTo>
+                <a:cubicBezTo>
+                  <a:pt x="1048994" y="42545"/>
+                  <a:pt x="1045030" y="41667"/>
+                  <a:pt x="1041374" y="40005"/>
+                </a:cubicBezTo>
+                <a:cubicBezTo>
+                  <a:pt x="1038003" y="38473"/>
+                  <a:pt x="1035161" y="35946"/>
+                  <a:pt x="1031849" y="34290"/>
+                </a:cubicBezTo>
+                <a:cubicBezTo>
+                  <a:pt x="1022671" y="29701"/>
+                  <a:pt x="1021254" y="30302"/>
+                  <a:pt x="1010894" y="28575"/>
+                </a:cubicBezTo>
+                <a:cubicBezTo>
+                  <a:pt x="991795" y="20936"/>
+                  <a:pt x="1010155" y="27782"/>
+                  <a:pt x="993749" y="22860"/>
+                </a:cubicBezTo>
+                <a:cubicBezTo>
+                  <a:pt x="989902" y="21706"/>
+                  <a:pt x="986215" y="20024"/>
+                  <a:pt x="982319" y="19050"/>
+                </a:cubicBezTo>
+                <a:cubicBezTo>
+                  <a:pt x="977409" y="17822"/>
+                  <a:pt x="961985" y="16046"/>
+                  <a:pt x="957554" y="15240"/>
+                </a:cubicBezTo>
+                <a:cubicBezTo>
+                  <a:pt x="949365" y="13751"/>
+                  <a:pt x="951360" y="13470"/>
+                  <a:pt x="944219" y="11430"/>
+                </a:cubicBezTo>
+                <a:cubicBezTo>
+                  <a:pt x="941702" y="10711"/>
+                  <a:pt x="939209" y="9734"/>
+                  <a:pt x="936599" y="9525"/>
+                </a:cubicBezTo>
+                <a:cubicBezTo>
+                  <a:pt x="923291" y="8460"/>
+                  <a:pt x="909939" y="7998"/>
+                  <a:pt x="896594" y="7620"/>
+                </a:cubicBezTo>
+                <a:lnTo>
+                  <a:pt x="734669" y="3810"/>
+                </a:lnTo>
+                <a:cubicBezTo>
+                  <a:pt x="719422" y="3390"/>
+                  <a:pt x="704197" y="2301"/>
+                  <a:pt x="688949" y="1905"/>
+                </a:cubicBezTo>
+                <a:lnTo>
+                  <a:pt x="587984" y="0"/>
+                </a:lnTo>
+                <a:lnTo>
+                  <a:pt x="488924" y="3810"/>
+                </a:lnTo>
+                <a:cubicBezTo>
+                  <a:pt x="444904" y="6222"/>
+                  <a:pt x="457489" y="7769"/>
+                  <a:pt x="418439" y="11430"/>
+                </a:cubicBezTo>
+                <a:cubicBezTo>
+                  <a:pt x="408304" y="12380"/>
+                  <a:pt x="398119" y="12700"/>
+                  <a:pt x="387959" y="13335"/>
+                </a:cubicBezTo>
+                <a:cubicBezTo>
+                  <a:pt x="378401" y="14805"/>
+                  <a:pt x="357112" y="18435"/>
+                  <a:pt x="346049" y="19050"/>
+                </a:cubicBezTo>
+                <a:cubicBezTo>
+                  <a:pt x="328919" y="20002"/>
+                  <a:pt x="311759" y="20320"/>
+                  <a:pt x="294614" y="20955"/>
+                </a:cubicBezTo>
+                <a:cubicBezTo>
+                  <a:pt x="286223" y="21600"/>
+                  <a:pt x="268580" y="22225"/>
+                  <a:pt x="258419" y="24765"/>
+                </a:cubicBezTo>
+                <a:cubicBezTo>
+                  <a:pt x="254523" y="25739"/>
+                  <a:pt x="250902" y="27672"/>
+                  <a:pt x="246989" y="28575"/>
+                </a:cubicBezTo>
+                <a:cubicBezTo>
+                  <a:pt x="242614" y="29585"/>
+                  <a:pt x="238083" y="29742"/>
+                  <a:pt x="233654" y="30480"/>
+                </a:cubicBezTo>
+                <a:cubicBezTo>
+                  <a:pt x="230460" y="31012"/>
+                  <a:pt x="227290" y="31683"/>
+                  <a:pt x="224129" y="32385"/>
+                </a:cubicBezTo>
+                <a:cubicBezTo>
+                  <a:pt x="221573" y="32953"/>
+                  <a:pt x="219085" y="33822"/>
+                  <a:pt x="216509" y="34290"/>
+                </a:cubicBezTo>
+                <a:cubicBezTo>
+                  <a:pt x="213730" y="34795"/>
+                  <a:pt x="195233" y="37131"/>
+                  <a:pt x="191744" y="38100"/>
+                </a:cubicBezTo>
+                <a:cubicBezTo>
+                  <a:pt x="147290" y="50448"/>
+                  <a:pt x="184227" y="42651"/>
+                  <a:pt x="159359" y="47625"/>
+                </a:cubicBezTo>
+                <a:cubicBezTo>
+                  <a:pt x="137821" y="58394"/>
+                  <a:pt x="168771" y="43853"/>
+                  <a:pt x="140309" y="53340"/>
+                </a:cubicBezTo>
+                <a:cubicBezTo>
+                  <a:pt x="138137" y="54064"/>
+                  <a:pt x="136787" y="56492"/>
+                  <a:pt x="134594" y="57150"/>
+                </a:cubicBezTo>
+                <a:cubicBezTo>
+                  <a:pt x="130293" y="58440"/>
+                  <a:pt x="125688" y="58317"/>
+                  <a:pt x="121259" y="59055"/>
+                </a:cubicBezTo>
+                <a:cubicBezTo>
+                  <a:pt x="118065" y="59587"/>
+                  <a:pt x="114875" y="60175"/>
+                  <a:pt x="111734" y="60960"/>
+                </a:cubicBezTo>
+                <a:cubicBezTo>
+                  <a:pt x="90707" y="66217"/>
+                  <a:pt x="125659" y="58497"/>
+                  <a:pt x="98399" y="66675"/>
+                </a:cubicBezTo>
+                <a:cubicBezTo>
+                  <a:pt x="93369" y="68184"/>
+                  <a:pt x="72836" y="70150"/>
+                  <a:pt x="69824" y="70485"/>
+                </a:cubicBezTo>
+                <a:cubicBezTo>
+                  <a:pt x="52788" y="79003"/>
+                  <a:pt x="59972" y="76309"/>
+                  <a:pt x="48869" y="80010"/>
+                </a:cubicBezTo>
+                <a:cubicBezTo>
+                  <a:pt x="41942" y="85205"/>
+                  <a:pt x="42807" y="85812"/>
+                  <a:pt x="35534" y="87630"/>
+                </a:cubicBezTo>
+                <a:cubicBezTo>
+                  <a:pt x="34918" y="87784"/>
+                  <a:pt x="8864" y="99060"/>
+                  <a:pt x="3149" y="112395"/>
+                </a:cubicBezTo>
+                <a:close/>
+              </a:path>
+            </a:pathLst>
+          </a:custGeom>
+          <a:solidFill>
+            <a:schemeClr val="bg1"/>
+          </a:solidFill>
+          <a:ln>
+            <a:solidFill>
+              <a:schemeClr val="bg1"/>
+            </a:solidFill>
+          </a:ln>
+        </p:spPr>
+        <p:style>
+          <a:lnRef idx="2">
+            <a:schemeClr val="accent1">
+              <a:shade val="15000"/>
+            </a:schemeClr>
+          </a:lnRef>
+          <a:fillRef idx="1">
+            <a:schemeClr val="accent1"/>
+          </a:fillRef>
+          <a:effectRef idx="0">
+            <a:schemeClr val="accent1"/>
+          </a:effectRef>
+          <a:fontRef idx="minor">
+            <a:schemeClr val="lt1"/>
+          </a:fontRef>
+        </p:style>
+        <p:txBody>
+          <a:bodyPr rtlCol="0" anchor="ctr"/>
+          <a:lstStyle/>
+          <a:p>
+            <a:pPr algn="ctr"/>
+            <a:endParaRPr lang="pt-BR"/>
+          </a:p>
+        </p:txBody>
+      </p:sp>
+      <p:sp>
+        <p:nvSpPr>
+          <p:cNvPr id="11" name="Forma Livre: Forma 10">
+            <a:extLst>
+              <a:ext uri="{FF2B5EF4-FFF2-40B4-BE49-F238E27FC236}">
+                <a16:creationId xmlns:a16="http://schemas.microsoft.com/office/drawing/2014/main" id="{2D76F55F-F83D-DCA3-231B-B89EC99B9694}"/>
+              </a:ext>
+            </a:extLst>
+          </p:cNvPr>
+          <p:cNvSpPr/>
+          <p:nvPr/>
+        </p:nvSpPr>
+        <p:spPr>
+          <a:xfrm>
+            <a:off x="5492029" y="4669055"/>
+            <a:ext cx="1080221" cy="741145"/>
+          </a:xfrm>
+          <a:custGeom>
+            <a:avLst/>
+            <a:gdLst>
+              <a:gd name="connsiteX0" fmla="*/ 47711 w 1080221"/>
+              <a:gd name="connsiteY0" fmla="*/ 360145 h 741145"/>
+              <a:gd name="connsiteX1" fmla="*/ 43901 w 1080221"/>
+              <a:gd name="connsiteY1" fmla="*/ 373480 h 741145"/>
+              <a:gd name="connsiteX2" fmla="*/ 1991 w 1080221"/>
+              <a:gd name="connsiteY2" fmla="*/ 487780 h 741145"/>
+              <a:gd name="connsiteX3" fmla="*/ 86 w 1080221"/>
+              <a:gd name="connsiteY3" fmla="*/ 501115 h 741145"/>
+              <a:gd name="connsiteX4" fmla="*/ 17231 w 1080221"/>
+              <a:gd name="connsiteY4" fmla="*/ 544930 h 741145"/>
+              <a:gd name="connsiteX5" fmla="*/ 38186 w 1080221"/>
+              <a:gd name="connsiteY5" fmla="*/ 579220 h 741145"/>
+              <a:gd name="connsiteX6" fmla="*/ 101051 w 1080221"/>
+              <a:gd name="connsiteY6" fmla="*/ 634465 h 741145"/>
+              <a:gd name="connsiteX7" fmla="*/ 144866 w 1080221"/>
+              <a:gd name="connsiteY7" fmla="*/ 661135 h 741145"/>
+              <a:gd name="connsiteX8" fmla="*/ 173441 w 1080221"/>
+              <a:gd name="connsiteY8" fmla="*/ 676375 h 741145"/>
+              <a:gd name="connsiteX9" fmla="*/ 264881 w 1080221"/>
+              <a:gd name="connsiteY9" fmla="*/ 689710 h 741145"/>
+              <a:gd name="connsiteX10" fmla="*/ 415376 w 1080221"/>
+              <a:gd name="connsiteY10" fmla="*/ 693520 h 741145"/>
+              <a:gd name="connsiteX11" fmla="*/ 442046 w 1080221"/>
+              <a:gd name="connsiteY11" fmla="*/ 710665 h 741145"/>
+              <a:gd name="connsiteX12" fmla="*/ 453476 w 1080221"/>
+              <a:gd name="connsiteY12" fmla="*/ 718285 h 741145"/>
+              <a:gd name="connsiteX13" fmla="*/ 483956 w 1080221"/>
+              <a:gd name="connsiteY13" fmla="*/ 733525 h 741145"/>
+              <a:gd name="connsiteX14" fmla="*/ 518246 w 1080221"/>
+              <a:gd name="connsiteY14" fmla="*/ 741145 h 741145"/>
+              <a:gd name="connsiteX15" fmla="*/ 575396 w 1080221"/>
+              <a:gd name="connsiteY15" fmla="*/ 735430 h 741145"/>
+              <a:gd name="connsiteX16" fmla="*/ 613496 w 1080221"/>
+              <a:gd name="connsiteY16" fmla="*/ 727810 h 741145"/>
+              <a:gd name="connsiteX17" fmla="*/ 666836 w 1080221"/>
+              <a:gd name="connsiteY17" fmla="*/ 724000 h 741145"/>
+              <a:gd name="connsiteX18" fmla="*/ 935441 w 1080221"/>
+              <a:gd name="connsiteY18" fmla="*/ 724000 h 741145"/>
+              <a:gd name="connsiteX19" fmla="*/ 960206 w 1080221"/>
+              <a:gd name="connsiteY19" fmla="*/ 714475 h 741145"/>
+              <a:gd name="connsiteX20" fmla="*/ 979256 w 1080221"/>
+              <a:gd name="connsiteY20" fmla="*/ 708760 h 741145"/>
+              <a:gd name="connsiteX21" fmla="*/ 998306 w 1080221"/>
+              <a:gd name="connsiteY21" fmla="*/ 689710 h 741145"/>
+              <a:gd name="connsiteX22" fmla="*/ 1026881 w 1080221"/>
+              <a:gd name="connsiteY22" fmla="*/ 621130 h 741145"/>
+              <a:gd name="connsiteX23" fmla="*/ 1053551 w 1080221"/>
+              <a:gd name="connsiteY23" fmla="*/ 607795 h 741145"/>
+              <a:gd name="connsiteX24" fmla="*/ 1063076 w 1080221"/>
+              <a:gd name="connsiteY24" fmla="*/ 594460 h 741145"/>
+              <a:gd name="connsiteX25" fmla="*/ 1080221 w 1080221"/>
+              <a:gd name="connsiteY25" fmla="*/ 573505 h 741145"/>
+              <a:gd name="connsiteX26" fmla="*/ 1055456 w 1080221"/>
+              <a:gd name="connsiteY26" fmla="*/ 546835 h 741145"/>
+              <a:gd name="connsiteX27" fmla="*/ 1017356 w 1080221"/>
+              <a:gd name="connsiteY27" fmla="*/ 520165 h 741145"/>
+              <a:gd name="connsiteX28" fmla="*/ 986876 w 1080221"/>
+              <a:gd name="connsiteY28" fmla="*/ 499210 h 741145"/>
+              <a:gd name="connsiteX29" fmla="*/ 977351 w 1080221"/>
+              <a:gd name="connsiteY29" fmla="*/ 485875 h 741145"/>
+              <a:gd name="connsiteX30" fmla="*/ 967826 w 1080221"/>
+              <a:gd name="connsiteY30" fmla="*/ 470635 h 741145"/>
+              <a:gd name="connsiteX31" fmla="*/ 965921 w 1080221"/>
+              <a:gd name="connsiteY31" fmla="*/ 463015 h 741145"/>
+              <a:gd name="connsiteX32" fmla="*/ 960206 w 1080221"/>
+              <a:gd name="connsiteY32" fmla="*/ 455395 h 741145"/>
+              <a:gd name="connsiteX33" fmla="*/ 956396 w 1080221"/>
+              <a:gd name="connsiteY33" fmla="*/ 445870 h 741145"/>
+              <a:gd name="connsiteX34" fmla="*/ 954491 w 1080221"/>
+              <a:gd name="connsiteY34" fmla="*/ 440155 h 741145"/>
+              <a:gd name="connsiteX35" fmla="*/ 948776 w 1080221"/>
+              <a:gd name="connsiteY35" fmla="*/ 434440 h 741145"/>
+              <a:gd name="connsiteX36" fmla="*/ 937346 w 1080221"/>
+              <a:gd name="connsiteY36" fmla="*/ 421105 h 741145"/>
+              <a:gd name="connsiteX37" fmla="*/ 933536 w 1080221"/>
+              <a:gd name="connsiteY37" fmla="*/ 415390 h 741145"/>
+              <a:gd name="connsiteX38" fmla="*/ 927821 w 1080221"/>
+              <a:gd name="connsiteY38" fmla="*/ 411580 h 741145"/>
+              <a:gd name="connsiteX39" fmla="*/ 916391 w 1080221"/>
+              <a:gd name="connsiteY39" fmla="*/ 398245 h 741145"/>
+              <a:gd name="connsiteX40" fmla="*/ 914486 w 1080221"/>
+              <a:gd name="connsiteY40" fmla="*/ 392530 h 741145"/>
+              <a:gd name="connsiteX41" fmla="*/ 910676 w 1080221"/>
+              <a:gd name="connsiteY41" fmla="*/ 386815 h 741145"/>
+              <a:gd name="connsiteX42" fmla="*/ 904961 w 1080221"/>
+              <a:gd name="connsiteY42" fmla="*/ 377290 h 741145"/>
+              <a:gd name="connsiteX43" fmla="*/ 901151 w 1080221"/>
+              <a:gd name="connsiteY43" fmla="*/ 369670 h 741145"/>
+              <a:gd name="connsiteX44" fmla="*/ 895436 w 1080221"/>
+              <a:gd name="connsiteY44" fmla="*/ 363955 h 741145"/>
+              <a:gd name="connsiteX45" fmla="*/ 889721 w 1080221"/>
+              <a:gd name="connsiteY45" fmla="*/ 356335 h 741145"/>
+              <a:gd name="connsiteX46" fmla="*/ 880196 w 1080221"/>
+              <a:gd name="connsiteY46" fmla="*/ 350620 h 741145"/>
+              <a:gd name="connsiteX47" fmla="*/ 857336 w 1080221"/>
+              <a:gd name="connsiteY47" fmla="*/ 343000 h 741145"/>
+              <a:gd name="connsiteX48" fmla="*/ 834476 w 1080221"/>
+              <a:gd name="connsiteY48" fmla="*/ 335380 h 741145"/>
+              <a:gd name="connsiteX49" fmla="*/ 809711 w 1080221"/>
+              <a:gd name="connsiteY49" fmla="*/ 331570 h 741145"/>
+              <a:gd name="connsiteX50" fmla="*/ 777326 w 1080221"/>
+              <a:gd name="connsiteY50" fmla="*/ 325855 h 741145"/>
+              <a:gd name="connsiteX51" fmla="*/ 763991 w 1080221"/>
+              <a:gd name="connsiteY51" fmla="*/ 322045 h 741145"/>
+              <a:gd name="connsiteX52" fmla="*/ 748751 w 1080221"/>
+              <a:gd name="connsiteY52" fmla="*/ 320140 h 741145"/>
+              <a:gd name="connsiteX53" fmla="*/ 716366 w 1080221"/>
+              <a:gd name="connsiteY53" fmla="*/ 314425 h 741145"/>
+              <a:gd name="connsiteX54" fmla="*/ 701126 w 1080221"/>
+              <a:gd name="connsiteY54" fmla="*/ 306805 h 741145"/>
+              <a:gd name="connsiteX55" fmla="*/ 683981 w 1080221"/>
+              <a:gd name="connsiteY55" fmla="*/ 299185 h 741145"/>
+              <a:gd name="connsiteX56" fmla="*/ 676361 w 1080221"/>
+              <a:gd name="connsiteY56" fmla="*/ 297280 h 741145"/>
+              <a:gd name="connsiteX57" fmla="*/ 668741 w 1080221"/>
+              <a:gd name="connsiteY57" fmla="*/ 291565 h 741145"/>
+              <a:gd name="connsiteX58" fmla="*/ 651596 w 1080221"/>
+              <a:gd name="connsiteY58" fmla="*/ 285850 h 741145"/>
+              <a:gd name="connsiteX59" fmla="*/ 645881 w 1080221"/>
+              <a:gd name="connsiteY59" fmla="*/ 283945 h 741145"/>
+              <a:gd name="connsiteX60" fmla="*/ 638261 w 1080221"/>
+              <a:gd name="connsiteY60" fmla="*/ 278230 h 741145"/>
+              <a:gd name="connsiteX61" fmla="*/ 621116 w 1080221"/>
+              <a:gd name="connsiteY61" fmla="*/ 272515 h 741145"/>
+              <a:gd name="connsiteX62" fmla="*/ 607781 w 1080221"/>
+              <a:gd name="connsiteY62" fmla="*/ 266800 h 741145"/>
+              <a:gd name="connsiteX63" fmla="*/ 592541 w 1080221"/>
+              <a:gd name="connsiteY63" fmla="*/ 259180 h 741145"/>
+              <a:gd name="connsiteX64" fmla="*/ 583016 w 1080221"/>
+              <a:gd name="connsiteY64" fmla="*/ 255370 h 741145"/>
+              <a:gd name="connsiteX65" fmla="*/ 571586 w 1080221"/>
+              <a:gd name="connsiteY65" fmla="*/ 249655 h 741145"/>
+              <a:gd name="connsiteX66" fmla="*/ 543011 w 1080221"/>
+              <a:gd name="connsiteY66" fmla="*/ 247750 h 741145"/>
+              <a:gd name="connsiteX67" fmla="*/ 508721 w 1080221"/>
+              <a:gd name="connsiteY67" fmla="*/ 242035 h 741145"/>
+              <a:gd name="connsiteX68" fmla="*/ 489671 w 1080221"/>
+              <a:gd name="connsiteY68" fmla="*/ 234415 h 741145"/>
+              <a:gd name="connsiteX69" fmla="*/ 468716 w 1080221"/>
+              <a:gd name="connsiteY69" fmla="*/ 224890 h 741145"/>
+              <a:gd name="connsiteX70" fmla="*/ 449666 w 1080221"/>
+              <a:gd name="connsiteY70" fmla="*/ 213460 h 741145"/>
+              <a:gd name="connsiteX71" fmla="*/ 438236 w 1080221"/>
+              <a:gd name="connsiteY71" fmla="*/ 207745 h 741145"/>
+              <a:gd name="connsiteX72" fmla="*/ 426806 w 1080221"/>
+              <a:gd name="connsiteY72" fmla="*/ 200125 h 741145"/>
+              <a:gd name="connsiteX73" fmla="*/ 419186 w 1080221"/>
+              <a:gd name="connsiteY73" fmla="*/ 188695 h 741145"/>
+              <a:gd name="connsiteX74" fmla="*/ 405851 w 1080221"/>
+              <a:gd name="connsiteY74" fmla="*/ 171550 h 741145"/>
+              <a:gd name="connsiteX75" fmla="*/ 392516 w 1080221"/>
+              <a:gd name="connsiteY75" fmla="*/ 148690 h 741145"/>
+              <a:gd name="connsiteX76" fmla="*/ 390611 w 1080221"/>
+              <a:gd name="connsiteY76" fmla="*/ 142975 h 741145"/>
+              <a:gd name="connsiteX77" fmla="*/ 384896 w 1080221"/>
+              <a:gd name="connsiteY77" fmla="*/ 139165 h 741145"/>
+              <a:gd name="connsiteX78" fmla="*/ 371561 w 1080221"/>
+              <a:gd name="connsiteY78" fmla="*/ 129640 h 741145"/>
+              <a:gd name="connsiteX79" fmla="*/ 369656 w 1080221"/>
+              <a:gd name="connsiteY79" fmla="*/ 123925 h 741145"/>
+              <a:gd name="connsiteX80" fmla="*/ 363941 w 1080221"/>
+              <a:gd name="connsiteY80" fmla="*/ 122020 h 741145"/>
+              <a:gd name="connsiteX81" fmla="*/ 356321 w 1080221"/>
+              <a:gd name="connsiteY81" fmla="*/ 116305 h 741145"/>
+              <a:gd name="connsiteX82" fmla="*/ 344891 w 1080221"/>
+              <a:gd name="connsiteY82" fmla="*/ 104875 h 741145"/>
+              <a:gd name="connsiteX83" fmla="*/ 333461 w 1080221"/>
+              <a:gd name="connsiteY83" fmla="*/ 99160 h 741145"/>
+              <a:gd name="connsiteX84" fmla="*/ 323936 w 1080221"/>
+              <a:gd name="connsiteY84" fmla="*/ 87730 h 741145"/>
+              <a:gd name="connsiteX85" fmla="*/ 318221 w 1080221"/>
+              <a:gd name="connsiteY85" fmla="*/ 85825 h 741145"/>
+              <a:gd name="connsiteX86" fmla="*/ 308696 w 1080221"/>
+              <a:gd name="connsiteY86" fmla="*/ 76300 h 741145"/>
+              <a:gd name="connsiteX87" fmla="*/ 301076 w 1080221"/>
+              <a:gd name="connsiteY87" fmla="*/ 64870 h 741145"/>
+              <a:gd name="connsiteX88" fmla="*/ 295361 w 1080221"/>
+              <a:gd name="connsiteY88" fmla="*/ 59155 h 741145"/>
+              <a:gd name="connsiteX89" fmla="*/ 289646 w 1080221"/>
+              <a:gd name="connsiteY89" fmla="*/ 55345 h 741145"/>
+              <a:gd name="connsiteX90" fmla="*/ 283931 w 1080221"/>
+              <a:gd name="connsiteY90" fmla="*/ 47725 h 741145"/>
+              <a:gd name="connsiteX91" fmla="*/ 272501 w 1080221"/>
+              <a:gd name="connsiteY91" fmla="*/ 40105 h 741145"/>
+              <a:gd name="connsiteX92" fmla="*/ 259166 w 1080221"/>
+              <a:gd name="connsiteY92" fmla="*/ 32485 h 741145"/>
+              <a:gd name="connsiteX93" fmla="*/ 245831 w 1080221"/>
+              <a:gd name="connsiteY93" fmla="*/ 22960 h 741145"/>
+              <a:gd name="connsiteX94" fmla="*/ 240116 w 1080221"/>
+              <a:gd name="connsiteY94" fmla="*/ 21055 h 741145"/>
+              <a:gd name="connsiteX95" fmla="*/ 234401 w 1080221"/>
+              <a:gd name="connsiteY95" fmla="*/ 11530 h 741145"/>
+              <a:gd name="connsiteX96" fmla="*/ 221066 w 1080221"/>
+              <a:gd name="connsiteY96" fmla="*/ 9625 h 741145"/>
+              <a:gd name="connsiteX97" fmla="*/ 215351 w 1080221"/>
+              <a:gd name="connsiteY97" fmla="*/ 7720 h 741145"/>
+              <a:gd name="connsiteX98" fmla="*/ 211541 w 1080221"/>
+              <a:gd name="connsiteY98" fmla="*/ 2005 h 741145"/>
+              <a:gd name="connsiteX99" fmla="*/ 192491 w 1080221"/>
+              <a:gd name="connsiteY99" fmla="*/ 2005 h 741145"/>
+              <a:gd name="connsiteX100" fmla="*/ 184871 w 1080221"/>
+              <a:gd name="connsiteY100" fmla="*/ 9625 h 741145"/>
+              <a:gd name="connsiteX101" fmla="*/ 171536 w 1080221"/>
+              <a:gd name="connsiteY101" fmla="*/ 24865 h 741145"/>
+              <a:gd name="connsiteX102" fmla="*/ 169631 w 1080221"/>
+              <a:gd name="connsiteY102" fmla="*/ 32485 h 741145"/>
+              <a:gd name="connsiteX103" fmla="*/ 158201 w 1080221"/>
+              <a:gd name="connsiteY103" fmla="*/ 53440 h 741145"/>
+              <a:gd name="connsiteX104" fmla="*/ 142961 w 1080221"/>
+              <a:gd name="connsiteY104" fmla="*/ 82015 h 741145"/>
+              <a:gd name="connsiteX105" fmla="*/ 135341 w 1080221"/>
+              <a:gd name="connsiteY105" fmla="*/ 106780 h 741145"/>
+              <a:gd name="connsiteX106" fmla="*/ 125816 w 1080221"/>
+              <a:gd name="connsiteY106" fmla="*/ 129640 h 741145"/>
+              <a:gd name="connsiteX107" fmla="*/ 120101 w 1080221"/>
+              <a:gd name="connsiteY107" fmla="*/ 154405 h 741145"/>
+              <a:gd name="connsiteX108" fmla="*/ 106766 w 1080221"/>
+              <a:gd name="connsiteY108" fmla="*/ 198220 h 741145"/>
+              <a:gd name="connsiteX109" fmla="*/ 102956 w 1080221"/>
+              <a:gd name="connsiteY109" fmla="*/ 221080 h 741145"/>
+              <a:gd name="connsiteX110" fmla="*/ 99146 w 1080221"/>
+              <a:gd name="connsiteY110" fmla="*/ 232510 h 741145"/>
+              <a:gd name="connsiteX111" fmla="*/ 95336 w 1080221"/>
+              <a:gd name="connsiteY111" fmla="*/ 245845 h 741145"/>
+              <a:gd name="connsiteX112" fmla="*/ 91526 w 1080221"/>
+              <a:gd name="connsiteY112" fmla="*/ 266800 h 741145"/>
+              <a:gd name="connsiteX113" fmla="*/ 85811 w 1080221"/>
+              <a:gd name="connsiteY113" fmla="*/ 289660 h 741145"/>
+              <a:gd name="connsiteX114" fmla="*/ 83906 w 1080221"/>
+              <a:gd name="connsiteY114" fmla="*/ 301090 h 741145"/>
+              <a:gd name="connsiteX115" fmla="*/ 72476 w 1080221"/>
+              <a:gd name="connsiteY115" fmla="*/ 331570 h 741145"/>
+              <a:gd name="connsiteX116" fmla="*/ 66761 w 1080221"/>
+              <a:gd name="connsiteY116" fmla="*/ 339190 h 741145"/>
+              <a:gd name="connsiteX117" fmla="*/ 47711 w 1080221"/>
+              <a:gd name="connsiteY117" fmla="*/ 360145 h 741145"/>
+            </a:gdLst>
+            <a:ahLst/>
+            <a:cxnLst>
+              <a:cxn ang="0">
+                <a:pos x="connsiteX0" y="connsiteY0"/>
+              </a:cxn>
+              <a:cxn ang="0">
+                <a:pos x="connsiteX1" y="connsiteY1"/>
+              </a:cxn>
+              <a:cxn ang="0">
+                <a:pos x="connsiteX2" y="connsiteY2"/>
+              </a:cxn>
+              <a:cxn ang="0">
+                <a:pos x="connsiteX3" y="connsiteY3"/>
+              </a:cxn>
+              <a:cxn ang="0">
+                <a:pos x="connsiteX4" y="connsiteY4"/>
+              </a:cxn>
+              <a:cxn ang="0">
+                <a:pos x="connsiteX5" y="connsiteY5"/>
+              </a:cxn>
+              <a:cxn ang="0">
+                <a:pos x="connsiteX6" y="connsiteY6"/>
+              </a:cxn>
+              <a:cxn ang="0">
+                <a:pos x="connsiteX7" y="connsiteY7"/>
+              </a:cxn>
+              <a:cxn ang="0">
+                <a:pos x="connsiteX8" y="connsiteY8"/>
+              </a:cxn>
+              <a:cxn ang="0">
+                <a:pos x="connsiteX9" y="connsiteY9"/>
+              </a:cxn>
+              <a:cxn ang="0">
+                <a:pos x="connsiteX10" y="connsiteY10"/>
+              </a:cxn>
+              <a:cxn ang="0">
+                <a:pos x="connsiteX11" y="connsiteY11"/>
+              </a:cxn>
+              <a:cxn ang="0">
+                <a:pos x="connsiteX12" y="connsiteY12"/>
+              </a:cxn>
+              <a:cxn ang="0">
+                <a:pos x="connsiteX13" y="connsiteY13"/>
+              </a:cxn>
+              <a:cxn ang="0">
+                <a:pos x="connsiteX14" y="connsiteY14"/>
+              </a:cxn>
+              <a:cxn ang="0">
+                <a:pos x="connsiteX15" y="connsiteY15"/>
+              </a:cxn>
+              <a:cxn ang="0">
+                <a:pos x="connsiteX16" y="connsiteY16"/>
+              </a:cxn>
+              <a:cxn ang="0">
+                <a:pos x="connsiteX17" y="connsiteY17"/>
+              </a:cxn>
+              <a:cxn ang="0">
+                <a:pos x="connsiteX18" y="connsiteY18"/>
+              </a:cxn>
+              <a:cxn ang="0">
+                <a:pos x="connsiteX19" y="connsiteY19"/>
+              </a:cxn>
+              <a:cxn ang="0">
+                <a:pos x="connsiteX20" y="connsiteY20"/>
+              </a:cxn>
+              <a:cxn ang="0">
+                <a:pos x="connsiteX21" y="connsiteY21"/>
+              </a:cxn>
+              <a:cxn ang="0">
+                <a:pos x="connsiteX22" y="connsiteY22"/>
+              </a:cxn>
+              <a:cxn ang="0">
+                <a:pos x="connsiteX23" y="connsiteY23"/>
+              </a:cxn>
+              <a:cxn ang="0">
+                <a:pos x="connsiteX24" y="connsiteY24"/>
+              </a:cxn>
+              <a:cxn ang="0">
+                <a:pos x="connsiteX25" y="connsiteY25"/>
+              </a:cxn>
+              <a:cxn ang="0">
+                <a:pos x="connsiteX26" y="connsiteY26"/>
+              </a:cxn>
+              <a:cxn ang="0">
+                <a:pos x="connsiteX27" y="connsiteY27"/>
+              </a:cxn>
+              <a:cxn ang="0">
+                <a:pos x="connsiteX28" y="connsiteY28"/>
+              </a:cxn>
+              <a:cxn ang="0">
+                <a:pos x="connsiteX29" y="connsiteY29"/>
+              </a:cxn>
+              <a:cxn ang="0">
+                <a:pos x="connsiteX30" y="connsiteY30"/>
+              </a:cxn>
+              <a:cxn ang="0">
+                <a:pos x="connsiteX31" y="connsiteY31"/>
+              </a:cxn>
+              <a:cxn ang="0">
+                <a:pos x="connsiteX32" y="connsiteY32"/>
+              </a:cxn>
+              <a:cxn ang="0">
+                <a:pos x="connsiteX33" y="connsiteY33"/>
+              </a:cxn>
+              <a:cxn ang="0">
+                <a:pos x="connsiteX34" y="connsiteY34"/>
+              </a:cxn>
+              <a:cxn ang="0">
+                <a:pos x="connsiteX35" y="connsiteY35"/>
+              </a:cxn>
+              <a:cxn ang="0">
+                <a:pos x="connsiteX36" y="connsiteY36"/>
+              </a:cxn>
+              <a:cxn ang="0">
+                <a:pos x="connsiteX37" y="connsiteY37"/>
+              </a:cxn>
+              <a:cxn ang="0">
+                <a:pos x="connsiteX38" y="connsiteY38"/>
+              </a:cxn>
+              <a:cxn ang="0">
+                <a:pos x="connsiteX39" y="connsiteY39"/>
+              </a:cxn>
+              <a:cxn ang="0">
+                <a:pos x="connsiteX40" y="connsiteY40"/>
+              </a:cxn>
+              <a:cxn ang="0">
+                <a:pos x="connsiteX41" y="connsiteY41"/>
+              </a:cxn>
+              <a:cxn ang="0">
+                <a:pos x="connsiteX42" y="connsiteY42"/>
+              </a:cxn>
+              <a:cxn ang="0">
+                <a:pos x="connsiteX43" y="connsiteY43"/>
+              </a:cxn>
+              <a:cxn ang="0">
+                <a:pos x="connsiteX44" y="connsiteY44"/>
+              </a:cxn>
+              <a:cxn ang="0">
+                <a:pos x="connsiteX45" y="connsiteY45"/>
+              </a:cxn>
+              <a:cxn ang="0">
+                <a:pos x="connsiteX46" y="connsiteY46"/>
+              </a:cxn>
+              <a:cxn ang="0">
+                <a:pos x="connsiteX47" y="connsiteY47"/>
+              </a:cxn>
+              <a:cxn ang="0">
+                <a:pos x="connsiteX48" y="connsiteY48"/>
+              </a:cxn>
+              <a:cxn ang="0">
+                <a:pos x="connsiteX49" y="connsiteY49"/>
+              </a:cxn>
+              <a:cxn ang="0">
+                <a:pos x="connsiteX50" y="connsiteY50"/>
+              </a:cxn>
+              <a:cxn ang="0">
+                <a:pos x="connsiteX51" y="connsiteY51"/>
+              </a:cxn>
+              <a:cxn ang="0">
+                <a:pos x="connsiteX52" y="connsiteY52"/>
+              </a:cxn>
+              <a:cxn ang="0">
+                <a:pos x="connsiteX53" y="connsiteY53"/>
+              </a:cxn>
+              <a:cxn ang="0">
+                <a:pos x="connsiteX54" y="connsiteY54"/>
+              </a:cxn>
+              <a:cxn ang="0">
+                <a:pos x="connsiteX55" y="connsiteY55"/>
+              </a:cxn>
+              <a:cxn ang="0">
+                <a:pos x="connsiteX56" y="connsiteY56"/>
+              </a:cxn>
+              <a:cxn ang="0">
+                <a:pos x="connsiteX57" y="connsiteY57"/>
+              </a:cxn>
+              <a:cxn ang="0">
+                <a:pos x="connsiteX58" y="connsiteY58"/>
+              </a:cxn>
+              <a:cxn ang="0">
+                <a:pos x="connsiteX59" y="connsiteY59"/>
+              </a:cxn>
+              <a:cxn ang="0">
+                <a:pos x="connsiteX60" y="connsiteY60"/>
+              </a:cxn>
+              <a:cxn ang="0">
+                <a:pos x="connsiteX61" y="connsiteY61"/>
+              </a:cxn>
+              <a:cxn ang="0">
+                <a:pos x="connsiteX62" y="connsiteY62"/>
+              </a:cxn>
+              <a:cxn ang="0">
+                <a:pos x="connsiteX63" y="connsiteY63"/>
+              </a:cxn>
+              <a:cxn ang="0">
+                <a:pos x="connsiteX64" y="connsiteY64"/>
+              </a:cxn>
+              <a:cxn ang="0">
+                <a:pos x="connsiteX65" y="connsiteY65"/>
+              </a:cxn>
+              <a:cxn ang="0">
+                <a:pos x="connsiteX66" y="connsiteY66"/>
+              </a:cxn>
+              <a:cxn ang="0">
+                <a:pos x="connsiteX67" y="connsiteY67"/>
+              </a:cxn>
+              <a:cxn ang="0">
+                <a:pos x="connsiteX68" y="connsiteY68"/>
+              </a:cxn>
+              <a:cxn ang="0">
+                <a:pos x="connsiteX69" y="connsiteY69"/>
+              </a:cxn>
+              <a:cxn ang="0">
+                <a:pos x="connsiteX70" y="connsiteY70"/>
+              </a:cxn>
+              <a:cxn ang="0">
+                <a:pos x="connsiteX71" y="connsiteY71"/>
+              </a:cxn>
+              <a:cxn ang="0">
+                <a:pos x="connsiteX72" y="connsiteY72"/>
+              </a:cxn>
+              <a:cxn ang="0">
+                <a:pos x="connsiteX73" y="connsiteY73"/>
+              </a:cxn>
+              <a:cxn ang="0">
+                <a:pos x="connsiteX74" y="connsiteY74"/>
+              </a:cxn>
+              <a:cxn ang="0">
+                <a:pos x="connsiteX75" y="connsiteY75"/>
+              </a:cxn>
+              <a:cxn ang="0">
+                <a:pos x="connsiteX76" y="connsiteY76"/>
+              </a:cxn>
+              <a:cxn ang="0">
+                <a:pos x="connsiteX77" y="connsiteY77"/>
+              </a:cxn>
+              <a:cxn ang="0">
+                <a:pos x="connsiteX78" y="connsiteY78"/>
+              </a:cxn>
+              <a:cxn ang="0">
+                <a:pos x="connsiteX79" y="connsiteY79"/>
+              </a:cxn>
+              <a:cxn ang="0">
+                <a:pos x="connsiteX80" y="connsiteY80"/>
+              </a:cxn>
+              <a:cxn ang="0">
+                <a:pos x="connsiteX81" y="connsiteY81"/>
+              </a:cxn>
+              <a:cxn ang="0">
+                <a:pos x="connsiteX82" y="connsiteY82"/>
+              </a:cxn>
+              <a:cxn ang="0">
+                <a:pos x="connsiteX83" y="connsiteY83"/>
+              </a:cxn>
+              <a:cxn ang="0">
+                <a:pos x="connsiteX84" y="connsiteY84"/>
+              </a:cxn>
+              <a:cxn ang="0">
+                <a:pos x="connsiteX85" y="connsiteY85"/>
+              </a:cxn>
+              <a:cxn ang="0">
+                <a:pos x="connsiteX86" y="connsiteY86"/>
+              </a:cxn>
+              <a:cxn ang="0">
+                <a:pos x="connsiteX87" y="connsiteY87"/>
+              </a:cxn>
+              <a:cxn ang="0">
+                <a:pos x="connsiteX88" y="connsiteY88"/>
+              </a:cxn>
+              <a:cxn ang="0">
+                <a:pos x="connsiteX89" y="connsiteY89"/>
+              </a:cxn>
+              <a:cxn ang="0">
+                <a:pos x="connsiteX90" y="connsiteY90"/>
+              </a:cxn>
+              <a:cxn ang="0">
+                <a:pos x="connsiteX91" y="connsiteY91"/>
+              </a:cxn>
+              <a:cxn ang="0">
+                <a:pos x="connsiteX92" y="connsiteY92"/>
+              </a:cxn>
+              <a:cxn ang="0">
+                <a:pos x="connsiteX93" y="connsiteY93"/>
+              </a:cxn>
+              <a:cxn ang="0">
+                <a:pos x="connsiteX94" y="connsiteY94"/>
+              </a:cxn>
+              <a:cxn ang="0">
+                <a:pos x="connsiteX95" y="connsiteY95"/>
+              </a:cxn>
+              <a:cxn ang="0">
+                <a:pos x="connsiteX96" y="connsiteY96"/>
+              </a:cxn>
+              <a:cxn ang="0">
+                <a:pos x="connsiteX97" y="connsiteY97"/>
+              </a:cxn>
+              <a:cxn ang="0">
+                <a:pos x="connsiteX98" y="connsiteY98"/>
+              </a:cxn>
+              <a:cxn ang="0">
+                <a:pos x="connsiteX99" y="connsiteY99"/>
+              </a:cxn>
+              <a:cxn ang="0">
+                <a:pos x="connsiteX100" y="connsiteY100"/>
+              </a:cxn>
+              <a:cxn ang="0">
+                <a:pos x="connsiteX101" y="connsiteY101"/>
+              </a:cxn>
+              <a:cxn ang="0">
+                <a:pos x="connsiteX102" y="connsiteY102"/>
+              </a:cxn>
+              <a:cxn ang="0">
+                <a:pos x="connsiteX103" y="connsiteY103"/>
+              </a:cxn>
+              <a:cxn ang="0">
+                <a:pos x="connsiteX104" y="connsiteY104"/>
+              </a:cxn>
+              <a:cxn ang="0">
+                <a:pos x="connsiteX105" y="connsiteY105"/>
+              </a:cxn>
+              <a:cxn ang="0">
+                <a:pos x="connsiteX106" y="connsiteY106"/>
+              </a:cxn>
+              <a:cxn ang="0">
+                <a:pos x="connsiteX107" y="connsiteY107"/>
+              </a:cxn>
+              <a:cxn ang="0">
+                <a:pos x="connsiteX108" y="connsiteY108"/>
+              </a:cxn>
+              <a:cxn ang="0">
+                <a:pos x="connsiteX109" y="connsiteY109"/>
+              </a:cxn>
+              <a:cxn ang="0">
+                <a:pos x="connsiteX110" y="connsiteY110"/>
+              </a:cxn>
+              <a:cxn ang="0">
+                <a:pos x="connsiteX111" y="connsiteY111"/>
+              </a:cxn>
+              <a:cxn ang="0">
+                <a:pos x="connsiteX112" y="connsiteY112"/>
+              </a:cxn>
+              <a:cxn ang="0">
+                <a:pos x="connsiteX113" y="connsiteY113"/>
+              </a:cxn>
+              <a:cxn ang="0">
+                <a:pos x="connsiteX114" y="connsiteY114"/>
+              </a:cxn>
+              <a:cxn ang="0">
+                <a:pos x="connsiteX115" y="connsiteY115"/>
+              </a:cxn>
+              <a:cxn ang="0">
+                <a:pos x="connsiteX116" y="connsiteY116"/>
+              </a:cxn>
+              <a:cxn ang="0">
+                <a:pos x="connsiteX117" y="connsiteY117"/>
+              </a:cxn>
+            </a:cxnLst>
+            <a:rect l="l" t="t" r="r" b="b"/>
+            <a:pathLst>
+              <a:path w="1080221" h="741145">
+                <a:moveTo>
+                  <a:pt x="47711" y="360145"/>
+                </a:moveTo>
+                <a:cubicBezTo>
+                  <a:pt x="43901" y="365860"/>
+                  <a:pt x="45460" y="369128"/>
+                  <a:pt x="43901" y="373480"/>
+                </a:cubicBezTo>
+                <a:cubicBezTo>
+                  <a:pt x="30216" y="411683"/>
+                  <a:pt x="1991" y="487780"/>
+                  <a:pt x="1991" y="487780"/>
+                </a:cubicBezTo>
+                <a:cubicBezTo>
+                  <a:pt x="1356" y="492225"/>
+                  <a:pt x="-410" y="496652"/>
+                  <a:pt x="86" y="501115"/>
+                </a:cubicBezTo>
+                <a:cubicBezTo>
+                  <a:pt x="1772" y="516291"/>
+                  <a:pt x="9941" y="532066"/>
+                  <a:pt x="17231" y="544930"/>
+                </a:cubicBezTo>
+                <a:cubicBezTo>
+                  <a:pt x="23835" y="556584"/>
+                  <a:pt x="29896" y="568698"/>
+                  <a:pt x="38186" y="579220"/>
+                </a:cubicBezTo>
+                <a:cubicBezTo>
+                  <a:pt x="52416" y="597281"/>
+                  <a:pt x="82555" y="621834"/>
+                  <a:pt x="101051" y="634465"/>
+                </a:cubicBezTo>
+                <a:cubicBezTo>
+                  <a:pt x="115170" y="644108"/>
+                  <a:pt x="131188" y="650876"/>
+                  <a:pt x="144866" y="661135"/>
+                </a:cubicBezTo>
+                <a:cubicBezTo>
+                  <a:pt x="155578" y="669169"/>
+                  <a:pt x="156958" y="671058"/>
+                  <a:pt x="173441" y="676375"/>
+                </a:cubicBezTo>
+                <a:cubicBezTo>
+                  <a:pt x="208916" y="687819"/>
+                  <a:pt x="225605" y="688242"/>
+                  <a:pt x="264881" y="689710"/>
+                </a:cubicBezTo>
+                <a:cubicBezTo>
+                  <a:pt x="315027" y="691585"/>
+                  <a:pt x="365211" y="692250"/>
+                  <a:pt x="415376" y="693520"/>
+                </a:cubicBezTo>
+                <a:cubicBezTo>
+                  <a:pt x="441450" y="712144"/>
+                  <a:pt x="415934" y="694596"/>
+                  <a:pt x="442046" y="710665"/>
+                </a:cubicBezTo>
+                <a:cubicBezTo>
+                  <a:pt x="445946" y="713065"/>
+                  <a:pt x="449576" y="715885"/>
+                  <a:pt x="453476" y="718285"/>
+                </a:cubicBezTo>
+                <a:cubicBezTo>
+                  <a:pt x="463402" y="724393"/>
+                  <a:pt x="472931" y="729463"/>
+                  <a:pt x="483956" y="733525"/>
+                </a:cubicBezTo>
+                <a:cubicBezTo>
+                  <a:pt x="501177" y="739869"/>
+                  <a:pt x="501627" y="739068"/>
+                  <a:pt x="518246" y="741145"/>
+                </a:cubicBezTo>
+                <a:cubicBezTo>
+                  <a:pt x="537296" y="739240"/>
+                  <a:pt x="556392" y="737748"/>
+                  <a:pt x="575396" y="735430"/>
+                </a:cubicBezTo>
+                <a:cubicBezTo>
+                  <a:pt x="609866" y="731226"/>
+                  <a:pt x="583026" y="732621"/>
+                  <a:pt x="613496" y="727810"/>
+                </a:cubicBezTo>
+                <a:cubicBezTo>
+                  <a:pt x="626716" y="725723"/>
+                  <a:pt x="657065" y="724543"/>
+                  <a:pt x="666836" y="724000"/>
+                </a:cubicBezTo>
+                <a:cubicBezTo>
+                  <a:pt x="685828" y="724369"/>
+                  <a:pt x="872109" y="732693"/>
+                  <a:pt x="935441" y="724000"/>
+                </a:cubicBezTo>
+                <a:cubicBezTo>
+                  <a:pt x="944203" y="722797"/>
+                  <a:pt x="951852" y="717381"/>
+                  <a:pt x="960206" y="714475"/>
+                </a:cubicBezTo>
+                <a:cubicBezTo>
+                  <a:pt x="966468" y="712297"/>
+                  <a:pt x="972906" y="710665"/>
+                  <a:pt x="979256" y="708760"/>
+                </a:cubicBezTo>
+                <a:cubicBezTo>
+                  <a:pt x="985606" y="702410"/>
+                  <a:pt x="994065" y="697626"/>
+                  <a:pt x="998306" y="689710"/>
+                </a:cubicBezTo>
+                <a:cubicBezTo>
+                  <a:pt x="1007409" y="672718"/>
+                  <a:pt x="1006392" y="632838"/>
+                  <a:pt x="1026881" y="621130"/>
+                </a:cubicBezTo>
+                <a:cubicBezTo>
+                  <a:pt x="1044415" y="611111"/>
+                  <a:pt x="1035510" y="615527"/>
+                  <a:pt x="1053551" y="607795"/>
+                </a:cubicBezTo>
+                <a:cubicBezTo>
+                  <a:pt x="1056726" y="603350"/>
+                  <a:pt x="1059579" y="598656"/>
+                  <a:pt x="1063076" y="594460"/>
+                </a:cubicBezTo>
+                <a:cubicBezTo>
+                  <a:pt x="1084347" y="568934"/>
+                  <a:pt x="1061433" y="601687"/>
+                  <a:pt x="1080221" y="573505"/>
+                </a:cubicBezTo>
+                <a:cubicBezTo>
+                  <a:pt x="1073935" y="551503"/>
+                  <a:pt x="1080673" y="563917"/>
+                  <a:pt x="1055456" y="546835"/>
+                </a:cubicBezTo>
+                <a:cubicBezTo>
+                  <a:pt x="1042621" y="538141"/>
+                  <a:pt x="1030816" y="527856"/>
+                  <a:pt x="1017356" y="520165"/>
+                </a:cubicBezTo>
+                <a:cubicBezTo>
+                  <a:pt x="1005503" y="513392"/>
+                  <a:pt x="997077" y="509411"/>
+                  <a:pt x="986876" y="499210"/>
+                </a:cubicBezTo>
+                <a:cubicBezTo>
+                  <a:pt x="975981" y="488315"/>
+                  <a:pt x="985709" y="499248"/>
+                  <a:pt x="977351" y="485875"/>
+                </a:cubicBezTo>
+                <a:cubicBezTo>
+                  <a:pt x="971732" y="476884"/>
+                  <a:pt x="971446" y="480289"/>
+                  <a:pt x="967826" y="470635"/>
+                </a:cubicBezTo>
+                <a:cubicBezTo>
+                  <a:pt x="966907" y="468184"/>
+                  <a:pt x="967092" y="465357"/>
+                  <a:pt x="965921" y="463015"/>
+                </a:cubicBezTo>
+                <a:cubicBezTo>
+                  <a:pt x="964501" y="460175"/>
+                  <a:pt x="961748" y="458170"/>
+                  <a:pt x="960206" y="455395"/>
+                </a:cubicBezTo>
+                <a:cubicBezTo>
+                  <a:pt x="958545" y="452406"/>
+                  <a:pt x="957597" y="449072"/>
+                  <a:pt x="956396" y="445870"/>
+                </a:cubicBezTo>
+                <a:cubicBezTo>
+                  <a:pt x="955691" y="443990"/>
+                  <a:pt x="955605" y="441826"/>
+                  <a:pt x="954491" y="440155"/>
+                </a:cubicBezTo>
+                <a:cubicBezTo>
+                  <a:pt x="952997" y="437913"/>
+                  <a:pt x="950392" y="436595"/>
+                  <a:pt x="948776" y="434440"/>
+                </a:cubicBezTo>
+                <a:cubicBezTo>
+                  <a:pt x="938437" y="420654"/>
+                  <a:pt x="948273" y="428390"/>
+                  <a:pt x="937346" y="421105"/>
+                </a:cubicBezTo>
+                <a:cubicBezTo>
+                  <a:pt x="936076" y="419200"/>
+                  <a:pt x="935155" y="417009"/>
+                  <a:pt x="933536" y="415390"/>
+                </a:cubicBezTo>
+                <a:cubicBezTo>
+                  <a:pt x="931917" y="413771"/>
+                  <a:pt x="929559" y="413070"/>
+                  <a:pt x="927821" y="411580"/>
+                </a:cubicBezTo>
+                <a:cubicBezTo>
+                  <a:pt x="923720" y="408065"/>
+                  <a:pt x="918919" y="403301"/>
+                  <a:pt x="916391" y="398245"/>
+                </a:cubicBezTo>
+                <a:cubicBezTo>
+                  <a:pt x="915493" y="396449"/>
+                  <a:pt x="915384" y="394326"/>
+                  <a:pt x="914486" y="392530"/>
+                </a:cubicBezTo>
+                <a:cubicBezTo>
+                  <a:pt x="913462" y="390482"/>
+                  <a:pt x="911889" y="388757"/>
+                  <a:pt x="910676" y="386815"/>
+                </a:cubicBezTo>
+                <a:cubicBezTo>
+                  <a:pt x="908714" y="383675"/>
+                  <a:pt x="906759" y="380527"/>
+                  <a:pt x="904961" y="377290"/>
+                </a:cubicBezTo>
+                <a:cubicBezTo>
+                  <a:pt x="903582" y="374808"/>
+                  <a:pt x="902802" y="371981"/>
+                  <a:pt x="901151" y="369670"/>
+                </a:cubicBezTo>
+                <a:cubicBezTo>
+                  <a:pt x="899585" y="367478"/>
+                  <a:pt x="897189" y="366000"/>
+                  <a:pt x="895436" y="363955"/>
+                </a:cubicBezTo>
+                <a:cubicBezTo>
+                  <a:pt x="893370" y="361544"/>
+                  <a:pt x="892110" y="358426"/>
+                  <a:pt x="889721" y="356335"/>
+                </a:cubicBezTo>
+                <a:cubicBezTo>
+                  <a:pt x="886934" y="353897"/>
+                  <a:pt x="883508" y="352276"/>
+                  <a:pt x="880196" y="350620"/>
+                </a:cubicBezTo>
+                <a:cubicBezTo>
+                  <a:pt x="871156" y="346100"/>
+                  <a:pt x="867501" y="346388"/>
+                  <a:pt x="857336" y="343000"/>
+                </a:cubicBezTo>
+                <a:cubicBezTo>
+                  <a:pt x="841125" y="337596"/>
+                  <a:pt x="854335" y="339963"/>
+                  <a:pt x="834476" y="335380"/>
+                </a:cubicBezTo>
+                <a:cubicBezTo>
+                  <a:pt x="828994" y="334115"/>
+                  <a:pt x="814807" y="332419"/>
+                  <a:pt x="809711" y="331570"/>
+                </a:cubicBezTo>
+                <a:cubicBezTo>
+                  <a:pt x="798898" y="329768"/>
+                  <a:pt x="787866" y="328866"/>
+                  <a:pt x="777326" y="325855"/>
+                </a:cubicBezTo>
+                <a:cubicBezTo>
+                  <a:pt x="772881" y="324585"/>
+                  <a:pt x="768524" y="322952"/>
+                  <a:pt x="763991" y="322045"/>
+                </a:cubicBezTo>
+                <a:cubicBezTo>
+                  <a:pt x="758971" y="321041"/>
+                  <a:pt x="753806" y="320949"/>
+                  <a:pt x="748751" y="320140"/>
+                </a:cubicBezTo>
+                <a:cubicBezTo>
+                  <a:pt x="737927" y="318408"/>
+                  <a:pt x="716366" y="314425"/>
+                  <a:pt x="716366" y="314425"/>
+                </a:cubicBezTo>
+                <a:lnTo>
+                  <a:pt x="701126" y="306805"/>
+                </a:lnTo>
+                <a:cubicBezTo>
+                  <a:pt x="694487" y="303486"/>
+                  <a:pt x="691278" y="301617"/>
+                  <a:pt x="683981" y="299185"/>
+                </a:cubicBezTo>
+                <a:cubicBezTo>
+                  <a:pt x="681497" y="298357"/>
+                  <a:pt x="678901" y="297915"/>
+                  <a:pt x="676361" y="297280"/>
+                </a:cubicBezTo>
+                <a:cubicBezTo>
+                  <a:pt x="673821" y="295375"/>
+                  <a:pt x="671516" y="293107"/>
+                  <a:pt x="668741" y="291565"/>
+                </a:cubicBezTo>
+                <a:cubicBezTo>
+                  <a:pt x="661787" y="287701"/>
+                  <a:pt x="658704" y="287881"/>
+                  <a:pt x="651596" y="285850"/>
+                </a:cubicBezTo>
+                <a:cubicBezTo>
+                  <a:pt x="649665" y="285298"/>
+                  <a:pt x="647786" y="284580"/>
+                  <a:pt x="645881" y="283945"/>
+                </a:cubicBezTo>
+                <a:cubicBezTo>
+                  <a:pt x="643341" y="282040"/>
+                  <a:pt x="641036" y="279772"/>
+                  <a:pt x="638261" y="278230"/>
+                </a:cubicBezTo>
+                <a:cubicBezTo>
+                  <a:pt x="627537" y="272272"/>
+                  <a:pt x="631110" y="276149"/>
+                  <a:pt x="621116" y="272515"/>
+                </a:cubicBezTo>
+                <a:cubicBezTo>
+                  <a:pt x="616571" y="270862"/>
+                  <a:pt x="612163" y="268845"/>
+                  <a:pt x="607781" y="266800"/>
+                </a:cubicBezTo>
+                <a:cubicBezTo>
+                  <a:pt x="602634" y="264398"/>
+                  <a:pt x="597814" y="261289"/>
+                  <a:pt x="592541" y="259180"/>
+                </a:cubicBezTo>
+                <a:cubicBezTo>
+                  <a:pt x="589366" y="257910"/>
+                  <a:pt x="586129" y="256785"/>
+                  <a:pt x="583016" y="255370"/>
+                </a:cubicBezTo>
+                <a:cubicBezTo>
+                  <a:pt x="579138" y="253607"/>
+                  <a:pt x="575770" y="250452"/>
+                  <a:pt x="571586" y="249655"/>
+                </a:cubicBezTo>
+                <a:cubicBezTo>
+                  <a:pt x="562208" y="247869"/>
+                  <a:pt x="552521" y="248577"/>
+                  <a:pt x="543011" y="247750"/>
+                </a:cubicBezTo>
+                <a:cubicBezTo>
+                  <a:pt x="528637" y="246500"/>
+                  <a:pt x="523568" y="245004"/>
+                  <a:pt x="508721" y="242035"/>
+                </a:cubicBezTo>
+                <a:cubicBezTo>
+                  <a:pt x="488631" y="231990"/>
+                  <a:pt x="516350" y="245400"/>
+                  <a:pt x="489671" y="234415"/>
+                </a:cubicBezTo>
+                <a:cubicBezTo>
+                  <a:pt x="482576" y="231494"/>
+                  <a:pt x="475513" y="228450"/>
+                  <a:pt x="468716" y="224890"/>
+                </a:cubicBezTo>
+                <a:cubicBezTo>
+                  <a:pt x="462156" y="221454"/>
+                  <a:pt x="456120" y="217091"/>
+                  <a:pt x="449666" y="213460"/>
+                </a:cubicBezTo>
+                <a:cubicBezTo>
+                  <a:pt x="445953" y="211372"/>
+                  <a:pt x="441915" y="209891"/>
+                  <a:pt x="438236" y="207745"/>
+                </a:cubicBezTo>
+                <a:cubicBezTo>
+                  <a:pt x="434281" y="205438"/>
+                  <a:pt x="426806" y="200125"/>
+                  <a:pt x="426806" y="200125"/>
+                </a:cubicBezTo>
+                <a:cubicBezTo>
+                  <a:pt x="422997" y="184889"/>
+                  <a:pt x="428259" y="198675"/>
+                  <a:pt x="419186" y="188695"/>
+                </a:cubicBezTo>
+                <a:cubicBezTo>
+                  <a:pt x="414316" y="183338"/>
+                  <a:pt x="410265" y="177289"/>
+                  <a:pt x="405851" y="171550"/>
+                </a:cubicBezTo>
+                <a:cubicBezTo>
+                  <a:pt x="399880" y="163787"/>
+                  <a:pt x="395918" y="158897"/>
+                  <a:pt x="392516" y="148690"/>
+                </a:cubicBezTo>
+                <a:cubicBezTo>
+                  <a:pt x="391881" y="146785"/>
+                  <a:pt x="391865" y="144543"/>
+                  <a:pt x="390611" y="142975"/>
+                </a:cubicBezTo>
+                <a:cubicBezTo>
+                  <a:pt x="389181" y="141187"/>
+                  <a:pt x="386759" y="140496"/>
+                  <a:pt x="384896" y="139165"/>
+                </a:cubicBezTo>
+                <a:cubicBezTo>
+                  <a:pt x="368356" y="127350"/>
+                  <a:pt x="385030" y="138619"/>
+                  <a:pt x="371561" y="129640"/>
+                </a:cubicBezTo>
+                <a:cubicBezTo>
+                  <a:pt x="370926" y="127735"/>
+                  <a:pt x="371076" y="125345"/>
+                  <a:pt x="369656" y="123925"/>
+                </a:cubicBezTo>
+                <a:cubicBezTo>
+                  <a:pt x="368236" y="122505"/>
+                  <a:pt x="365684" y="123016"/>
+                  <a:pt x="363941" y="122020"/>
+                </a:cubicBezTo>
+                <a:cubicBezTo>
+                  <a:pt x="361184" y="120445"/>
+                  <a:pt x="358681" y="118429"/>
+                  <a:pt x="356321" y="116305"/>
+                </a:cubicBezTo>
+                <a:cubicBezTo>
+                  <a:pt x="352316" y="112701"/>
+                  <a:pt x="350003" y="106579"/>
+                  <a:pt x="344891" y="104875"/>
+                </a:cubicBezTo>
+                <a:cubicBezTo>
+                  <a:pt x="337004" y="102246"/>
+                  <a:pt x="340847" y="104084"/>
+                  <a:pt x="333461" y="99160"/>
+                </a:cubicBezTo>
+                <a:cubicBezTo>
+                  <a:pt x="330650" y="94943"/>
+                  <a:pt x="328336" y="90664"/>
+                  <a:pt x="323936" y="87730"/>
+                </a:cubicBezTo>
+                <a:cubicBezTo>
+                  <a:pt x="322265" y="86616"/>
+                  <a:pt x="320126" y="86460"/>
+                  <a:pt x="318221" y="85825"/>
+                </a:cubicBezTo>
+                <a:cubicBezTo>
+                  <a:pt x="302981" y="62965"/>
+                  <a:pt x="326476" y="96620"/>
+                  <a:pt x="308696" y="76300"/>
+                </a:cubicBezTo>
+                <a:cubicBezTo>
+                  <a:pt x="305681" y="72854"/>
+                  <a:pt x="304314" y="68108"/>
+                  <a:pt x="301076" y="64870"/>
+                </a:cubicBezTo>
+                <a:cubicBezTo>
+                  <a:pt x="299171" y="62965"/>
+                  <a:pt x="297431" y="60880"/>
+                  <a:pt x="295361" y="59155"/>
+                </a:cubicBezTo>
+                <a:cubicBezTo>
+                  <a:pt x="293602" y="57689"/>
+                  <a:pt x="291265" y="56964"/>
+                  <a:pt x="289646" y="55345"/>
+                </a:cubicBezTo>
+                <a:cubicBezTo>
+                  <a:pt x="287401" y="53100"/>
+                  <a:pt x="286304" y="49834"/>
+                  <a:pt x="283931" y="47725"/>
+                </a:cubicBezTo>
+                <a:cubicBezTo>
+                  <a:pt x="280509" y="44683"/>
+                  <a:pt x="276115" y="42916"/>
+                  <a:pt x="272501" y="40105"/>
+                </a:cubicBezTo>
+                <a:cubicBezTo>
+                  <a:pt x="261749" y="31742"/>
+                  <a:pt x="272496" y="35817"/>
+                  <a:pt x="259166" y="32485"/>
+                </a:cubicBezTo>
+                <a:cubicBezTo>
+                  <a:pt x="255991" y="22960"/>
+                  <a:pt x="259166" y="27405"/>
+                  <a:pt x="245831" y="22960"/>
+                </a:cubicBezTo>
+                <a:lnTo>
+                  <a:pt x="240116" y="21055"/>
+                </a:lnTo>
+                <a:cubicBezTo>
+                  <a:pt x="238211" y="17880"/>
+                  <a:pt x="237576" y="13435"/>
+                  <a:pt x="234401" y="11530"/>
+                </a:cubicBezTo>
+                <a:cubicBezTo>
+                  <a:pt x="230551" y="9220"/>
+                  <a:pt x="225469" y="10506"/>
+                  <a:pt x="221066" y="9625"/>
+                </a:cubicBezTo>
+                <a:cubicBezTo>
+                  <a:pt x="219097" y="9231"/>
+                  <a:pt x="217256" y="8355"/>
+                  <a:pt x="215351" y="7720"/>
+                </a:cubicBezTo>
+                <a:cubicBezTo>
+                  <a:pt x="214081" y="5815"/>
+                  <a:pt x="213529" y="3141"/>
+                  <a:pt x="211541" y="2005"/>
+                </a:cubicBezTo>
+                <a:cubicBezTo>
+                  <a:pt x="204956" y="-1758"/>
+                  <a:pt x="199076" y="688"/>
+                  <a:pt x="192491" y="2005"/>
+                </a:cubicBezTo>
+                <a:cubicBezTo>
+                  <a:pt x="187411" y="17245"/>
+                  <a:pt x="195031" y="-535"/>
+                  <a:pt x="184871" y="9625"/>
+                </a:cubicBezTo>
+                <a:cubicBezTo>
+                  <a:pt x="162646" y="31850"/>
+                  <a:pt x="187729" y="14070"/>
+                  <a:pt x="171536" y="24865"/>
+                </a:cubicBezTo>
+                <a:cubicBezTo>
+                  <a:pt x="170901" y="27405"/>
+                  <a:pt x="170550" y="30034"/>
+                  <a:pt x="169631" y="32485"/>
+                </a:cubicBezTo>
+                <a:cubicBezTo>
+                  <a:pt x="167967" y="36921"/>
+                  <a:pt x="159233" y="51634"/>
+                  <a:pt x="158201" y="53440"/>
+                </a:cubicBezTo>
+                <a:cubicBezTo>
+                  <a:pt x="147441" y="96478"/>
+                  <a:pt x="163981" y="39975"/>
+                  <a:pt x="142961" y="82015"/>
+                </a:cubicBezTo>
+                <a:cubicBezTo>
+                  <a:pt x="139098" y="89740"/>
+                  <a:pt x="138266" y="98654"/>
+                  <a:pt x="135341" y="106780"/>
+                </a:cubicBezTo>
+                <a:cubicBezTo>
+                  <a:pt x="132545" y="114547"/>
+                  <a:pt x="128670" y="121894"/>
+                  <a:pt x="125816" y="129640"/>
+                </a:cubicBezTo>
+                <a:cubicBezTo>
+                  <a:pt x="115667" y="157186"/>
+                  <a:pt x="127176" y="129644"/>
+                  <a:pt x="120101" y="154405"/>
+                </a:cubicBezTo>
+                <a:cubicBezTo>
+                  <a:pt x="107000" y="200258"/>
+                  <a:pt x="122915" y="125551"/>
+                  <a:pt x="106766" y="198220"/>
+                </a:cubicBezTo>
+                <a:cubicBezTo>
+                  <a:pt x="105090" y="205761"/>
+                  <a:pt x="104632" y="213539"/>
+                  <a:pt x="102956" y="221080"/>
+                </a:cubicBezTo>
+                <a:cubicBezTo>
+                  <a:pt x="102085" y="225000"/>
+                  <a:pt x="100327" y="228672"/>
+                  <a:pt x="99146" y="232510"/>
+                </a:cubicBezTo>
+                <a:cubicBezTo>
+                  <a:pt x="97786" y="236928"/>
+                  <a:pt x="96339" y="241332"/>
+                  <a:pt x="95336" y="245845"/>
+                </a:cubicBezTo>
+                <a:cubicBezTo>
+                  <a:pt x="93796" y="252775"/>
+                  <a:pt x="93034" y="259863"/>
+                  <a:pt x="91526" y="266800"/>
+                </a:cubicBezTo>
+                <a:cubicBezTo>
+                  <a:pt x="89857" y="274475"/>
+                  <a:pt x="87515" y="281993"/>
+                  <a:pt x="85811" y="289660"/>
+                </a:cubicBezTo>
+                <a:cubicBezTo>
+                  <a:pt x="84973" y="293431"/>
+                  <a:pt x="84901" y="297358"/>
+                  <a:pt x="83906" y="301090"/>
+                </a:cubicBezTo>
+                <a:cubicBezTo>
+                  <a:pt x="82125" y="307770"/>
+                  <a:pt x="76178" y="324782"/>
+                  <a:pt x="72476" y="331570"/>
+                </a:cubicBezTo>
+                <a:cubicBezTo>
+                  <a:pt x="70956" y="334357"/>
+                  <a:pt x="68666" y="336650"/>
+                  <a:pt x="66761" y="339190"/>
+                </a:cubicBezTo>
+                <a:cubicBezTo>
+                  <a:pt x="64655" y="345507"/>
+                  <a:pt x="51521" y="354430"/>
+                  <a:pt x="47711" y="360145"/>
+                </a:cubicBezTo>
+                <a:close/>
+              </a:path>
+            </a:pathLst>
+          </a:custGeom>
+          <a:solidFill>
+            <a:schemeClr val="bg1"/>
+          </a:solidFill>
+          <a:ln>
+            <a:solidFill>
+              <a:schemeClr val="bg1"/>
+            </a:solidFill>
+          </a:ln>
+        </p:spPr>
+        <p:style>
+          <a:lnRef idx="2">
+            <a:schemeClr val="accent1">
+              <a:shade val="15000"/>
+            </a:schemeClr>
+          </a:lnRef>
+          <a:fillRef idx="1">
+            <a:schemeClr val="accent1"/>
+          </a:fillRef>
+          <a:effectRef idx="0">
+            <a:schemeClr val="accent1"/>
+          </a:effectRef>
+          <a:fontRef idx="minor">
+            <a:schemeClr val="lt1"/>
+          </a:fontRef>
+        </p:style>
+        <p:txBody>
+          <a:bodyPr rtlCol="0" anchor="ctr"/>
+          <a:lstStyle/>
+          <a:p>
+            <a:pPr algn="ctr"/>
+            <a:endParaRPr lang="pt-BR"/>
+          </a:p>
+        </p:txBody>
+      </p:sp>
+      <p:sp>
+        <p:nvSpPr>
+          <p:cNvPr id="12" name="Forma Livre: Forma 11">
+            <a:extLst>
+              <a:ext uri="{FF2B5EF4-FFF2-40B4-BE49-F238E27FC236}">
+                <a16:creationId xmlns:a16="http://schemas.microsoft.com/office/drawing/2014/main" id="{EF2DAA85-1B60-B987-075E-84375F203D49}"/>
+              </a:ext>
+            </a:extLst>
+          </p:cNvPr>
+          <p:cNvSpPr/>
+          <p:nvPr/>
+        </p:nvSpPr>
+        <p:spPr>
+          <a:xfrm>
+            <a:off x="6122205" y="3899535"/>
+            <a:ext cx="90000" cy="137159"/>
+          </a:xfrm>
+          <a:custGeom>
+            <a:avLst/>
+            <a:gdLst>
+              <a:gd name="connsiteX0" fmla="*/ 2783 w 40883"/>
+              <a:gd name="connsiteY0" fmla="*/ 4619 h 80819"/>
+              <a:gd name="connsiteX1" fmla="*/ 12308 w 40883"/>
+              <a:gd name="connsiteY1" fmla="*/ 54149 h 80819"/>
+              <a:gd name="connsiteX2" fmla="*/ 18023 w 40883"/>
+              <a:gd name="connsiteY2" fmla="*/ 56054 h 80819"/>
+              <a:gd name="connsiteX3" fmla="*/ 21833 w 40883"/>
+              <a:gd name="connsiteY3" fmla="*/ 71294 h 80819"/>
+              <a:gd name="connsiteX4" fmla="*/ 23738 w 40883"/>
+              <a:gd name="connsiteY4" fmla="*/ 78914 h 80819"/>
+              <a:gd name="connsiteX5" fmla="*/ 29453 w 40883"/>
+              <a:gd name="connsiteY5" fmla="*/ 80819 h 80819"/>
+              <a:gd name="connsiteX6" fmla="*/ 35168 w 40883"/>
+              <a:gd name="connsiteY6" fmla="*/ 75104 h 80819"/>
+              <a:gd name="connsiteX7" fmla="*/ 37073 w 40883"/>
+              <a:gd name="connsiteY7" fmla="*/ 67484 h 80819"/>
+              <a:gd name="connsiteX8" fmla="*/ 40883 w 40883"/>
+              <a:gd name="connsiteY8" fmla="*/ 35099 h 80819"/>
+              <a:gd name="connsiteX9" fmla="*/ 35168 w 40883"/>
+              <a:gd name="connsiteY9" fmla="*/ 27479 h 80819"/>
+              <a:gd name="connsiteX10" fmla="*/ 19928 w 40883"/>
+              <a:gd name="connsiteY10" fmla="*/ 21764 h 80819"/>
+              <a:gd name="connsiteX11" fmla="*/ 18023 w 40883"/>
+              <a:gd name="connsiteY11" fmla="*/ 10334 h 80819"/>
+              <a:gd name="connsiteX12" fmla="*/ 2783 w 40883"/>
+              <a:gd name="connsiteY12" fmla="*/ 4619 h 80819"/>
+            </a:gdLst>
+            <a:ahLst/>
+            <a:cxnLst>
+              <a:cxn ang="0">
+                <a:pos x="connsiteX0" y="connsiteY0"/>
+              </a:cxn>
+              <a:cxn ang="0">
+                <a:pos x="connsiteX1" y="connsiteY1"/>
+              </a:cxn>
+              <a:cxn ang="0">
+                <a:pos x="connsiteX2" y="connsiteY2"/>
+              </a:cxn>
+              <a:cxn ang="0">
+                <a:pos x="connsiteX3" y="connsiteY3"/>
+              </a:cxn>
+              <a:cxn ang="0">
+                <a:pos x="connsiteX4" y="connsiteY4"/>
+              </a:cxn>
+              <a:cxn ang="0">
+                <a:pos x="connsiteX5" y="connsiteY5"/>
+              </a:cxn>
+              <a:cxn ang="0">
+                <a:pos x="connsiteX6" y="connsiteY6"/>
+              </a:cxn>
+              <a:cxn ang="0">
+                <a:pos x="connsiteX7" y="connsiteY7"/>
+              </a:cxn>
+              <a:cxn ang="0">
+                <a:pos x="connsiteX8" y="connsiteY8"/>
+              </a:cxn>
+              <a:cxn ang="0">
+                <a:pos x="connsiteX9" y="connsiteY9"/>
+              </a:cxn>
+              <a:cxn ang="0">
+                <a:pos x="connsiteX10" y="connsiteY10"/>
+              </a:cxn>
+              <a:cxn ang="0">
+                <a:pos x="connsiteX11" y="connsiteY11"/>
+              </a:cxn>
+              <a:cxn ang="0">
+                <a:pos x="connsiteX12" y="connsiteY12"/>
+              </a:cxn>
+            </a:cxnLst>
+            <a:rect l="l" t="t" r="r" b="b"/>
+            <a:pathLst>
+              <a:path w="40883" h="80819">
+                <a:moveTo>
+                  <a:pt x="2783" y="4619"/>
+                </a:moveTo>
+                <a:cubicBezTo>
+                  <a:pt x="1831" y="11921"/>
+                  <a:pt x="-6853" y="43200"/>
+                  <a:pt x="12308" y="54149"/>
+                </a:cubicBezTo>
+                <a:cubicBezTo>
+                  <a:pt x="14051" y="55145"/>
+                  <a:pt x="16118" y="55419"/>
+                  <a:pt x="18023" y="56054"/>
+                </a:cubicBezTo>
+                <a:cubicBezTo>
+                  <a:pt x="21896" y="75419"/>
+                  <a:pt x="17928" y="57626"/>
+                  <a:pt x="21833" y="71294"/>
+                </a:cubicBezTo>
+                <a:cubicBezTo>
+                  <a:pt x="22552" y="73811"/>
+                  <a:pt x="22102" y="76870"/>
+                  <a:pt x="23738" y="78914"/>
+                </a:cubicBezTo>
+                <a:cubicBezTo>
+                  <a:pt x="24992" y="80482"/>
+                  <a:pt x="27548" y="80184"/>
+                  <a:pt x="29453" y="80819"/>
+                </a:cubicBezTo>
+                <a:cubicBezTo>
+                  <a:pt x="31358" y="78914"/>
+                  <a:pt x="33831" y="77443"/>
+                  <a:pt x="35168" y="75104"/>
+                </a:cubicBezTo>
+                <a:cubicBezTo>
+                  <a:pt x="36467" y="72831"/>
+                  <a:pt x="36767" y="70084"/>
+                  <a:pt x="37073" y="67484"/>
+                </a:cubicBezTo>
+                <a:cubicBezTo>
+                  <a:pt x="41285" y="31685"/>
+                  <a:pt x="36304" y="53415"/>
+                  <a:pt x="40883" y="35099"/>
+                </a:cubicBezTo>
+                <a:cubicBezTo>
+                  <a:pt x="38978" y="32559"/>
+                  <a:pt x="37579" y="29545"/>
+                  <a:pt x="35168" y="27479"/>
+                </a:cubicBezTo>
+                <a:cubicBezTo>
+                  <a:pt x="31066" y="23963"/>
+                  <a:pt x="24900" y="23007"/>
+                  <a:pt x="19928" y="21764"/>
+                </a:cubicBezTo>
+                <a:cubicBezTo>
+                  <a:pt x="19293" y="17954"/>
+                  <a:pt x="20754" y="13065"/>
+                  <a:pt x="18023" y="10334"/>
+                </a:cubicBezTo>
+                <a:cubicBezTo>
+                  <a:pt x="5967" y="-1722"/>
+                  <a:pt x="3735" y="-2683"/>
+                  <a:pt x="2783" y="4619"/>
+                </a:cubicBezTo>
+                <a:close/>
+              </a:path>
+            </a:pathLst>
+          </a:custGeom>
+          <a:solidFill>
+            <a:schemeClr val="bg1"/>
+          </a:solidFill>
+          <a:ln>
+            <a:solidFill>
+              <a:schemeClr val="bg1"/>
+            </a:solidFill>
+          </a:ln>
+        </p:spPr>
+        <p:style>
+          <a:lnRef idx="2">
+            <a:schemeClr val="accent1">
+              <a:shade val="15000"/>
+            </a:schemeClr>
+          </a:lnRef>
+          <a:fillRef idx="1">
+            <a:schemeClr val="accent1"/>
+          </a:fillRef>
+          <a:effectRef idx="0">
+            <a:schemeClr val="accent1"/>
+          </a:effectRef>
+          <a:fontRef idx="minor">
+            <a:schemeClr val="lt1"/>
+          </a:fontRef>
+        </p:style>
+        <p:txBody>
+          <a:bodyPr rtlCol="0" anchor="ctr"/>
+          <a:lstStyle/>
+          <a:p>
+            <a:pPr algn="ctr"/>
+            <a:endParaRPr lang="pt-BR"/>
+          </a:p>
+        </p:txBody>
+      </p:sp>
+      <p:sp>
+        <p:nvSpPr>
+          <p:cNvPr id="13" name="Retângulo 12">
+            <a:extLst>
+              <a:ext uri="{FF2B5EF4-FFF2-40B4-BE49-F238E27FC236}">
+                <a16:creationId xmlns:a16="http://schemas.microsoft.com/office/drawing/2014/main" id="{E16216F5-0C15-6607-C8E5-5ECA8BF7F4B0}"/>
+              </a:ext>
+            </a:extLst>
+          </p:cNvPr>
+          <p:cNvSpPr/>
+          <p:nvPr/>
+        </p:nvSpPr>
+        <p:spPr>
+          <a:xfrm rot="1861626">
+            <a:off x="5685290" y="4409911"/>
+            <a:ext cx="238404" cy="248677"/>
+          </a:xfrm>
+          <a:prstGeom prst="rect">
+            <a:avLst/>
+          </a:prstGeom>
+          <a:solidFill>
+            <a:srgbClr val="FBED8A"/>
+          </a:solidFill>
+          <a:ln>
+            <a:solidFill>
+              <a:srgbClr val="FBED8A"/>
+            </a:solidFill>
+          </a:ln>
+        </p:spPr>
+        <p:style>
+          <a:lnRef idx="2">
+            <a:schemeClr val="accent1">
+              <a:shade val="15000"/>
+            </a:schemeClr>
+          </a:lnRef>
+          <a:fillRef idx="1">
+            <a:schemeClr val="accent1"/>
+          </a:fillRef>
+          <a:effectRef idx="0">
+            <a:schemeClr val="accent1"/>
+          </a:effectRef>
+          <a:fontRef idx="minor">
+            <a:schemeClr val="lt1"/>
+          </a:fontRef>
+        </p:style>
+        <p:txBody>
+          <a:bodyPr rtlCol="0" anchor="ctr"/>
+          <a:lstStyle/>
+          <a:p>
+            <a:pPr algn="ctr"/>
+            <a:endParaRPr lang="pt-BR"/>
+          </a:p>
+        </p:txBody>
+      </p:sp>
+      <p:sp>
+        <p:nvSpPr>
+          <p:cNvPr id="14" name="Retângulo 13">
+            <a:extLst>
+              <a:ext uri="{FF2B5EF4-FFF2-40B4-BE49-F238E27FC236}">
+                <a16:creationId xmlns:a16="http://schemas.microsoft.com/office/drawing/2014/main" id="{F9DAA085-B827-8B63-D2B3-7AEAEA15A433}"/>
+              </a:ext>
+            </a:extLst>
+          </p:cNvPr>
+          <p:cNvSpPr/>
+          <p:nvPr/>
+        </p:nvSpPr>
+        <p:spPr>
+          <a:xfrm rot="2201303">
+            <a:off x="5702015" y="4512625"/>
+            <a:ext cx="238404" cy="45719"/>
+          </a:xfrm>
+          <a:prstGeom prst="rect">
+            <a:avLst/>
+          </a:prstGeom>
+          <a:solidFill>
+            <a:srgbClr val="FBED8A"/>
+          </a:solidFill>
+          <a:ln>
+            <a:solidFill>
+              <a:srgbClr val="FBED8A"/>
+            </a:solidFill>
+          </a:ln>
+        </p:spPr>
+        <p:style>
+          <a:lnRef idx="2">
+            <a:schemeClr val="accent1">
+              <a:shade val="15000"/>
+            </a:schemeClr>
+          </a:lnRef>
+          <a:fillRef idx="1">
+            <a:schemeClr val="accent1"/>
+          </a:fillRef>
+          <a:effectRef idx="0">
+            <a:schemeClr val="accent1"/>
+          </a:effectRef>
+          <a:fontRef idx="minor">
+            <a:schemeClr val="lt1"/>
+          </a:fontRef>
+        </p:style>
+        <p:txBody>
+          <a:bodyPr rtlCol="0" anchor="ctr"/>
+          <a:lstStyle/>
+          <a:p>
+            <a:pPr algn="ctr"/>
+            <a:endParaRPr lang="pt-BR"/>
+          </a:p>
+        </p:txBody>
+      </p:sp>
+      <p:sp>
+        <p:nvSpPr>
+          <p:cNvPr id="15" name="Retângulo 14">
+            <a:extLst>
+              <a:ext uri="{FF2B5EF4-FFF2-40B4-BE49-F238E27FC236}">
+                <a16:creationId xmlns:a16="http://schemas.microsoft.com/office/drawing/2014/main" id="{B1DE296E-DBE4-5BB4-E925-074A326393FA}"/>
+              </a:ext>
+            </a:extLst>
+          </p:cNvPr>
+          <p:cNvSpPr/>
+          <p:nvPr/>
+        </p:nvSpPr>
+        <p:spPr>
+          <a:xfrm rot="7378836">
+            <a:off x="6104294" y="4118497"/>
+            <a:ext cx="114917" cy="45719"/>
+          </a:xfrm>
+          <a:prstGeom prst="rect">
+            <a:avLst/>
+          </a:prstGeom>
+          <a:solidFill>
+            <a:srgbClr val="FBED8A"/>
+          </a:solidFill>
+          <a:ln>
+            <a:solidFill>
+              <a:srgbClr val="FBED8A"/>
+            </a:solidFill>
+          </a:ln>
+        </p:spPr>
+        <p:style>
+          <a:lnRef idx="2">
+            <a:schemeClr val="accent1">
+              <a:shade val="15000"/>
+            </a:schemeClr>
+          </a:lnRef>
+          <a:fillRef idx="1">
+            <a:schemeClr val="accent1"/>
+          </a:fillRef>
+          <a:effectRef idx="0">
+            <a:schemeClr val="accent1"/>
+          </a:effectRef>
+          <a:fontRef idx="minor">
+            <a:schemeClr val="lt1"/>
+          </a:fontRef>
+        </p:style>
+        <p:txBody>
+          <a:bodyPr rtlCol="0" anchor="ctr"/>
+          <a:lstStyle/>
+          <a:p>
+            <a:pPr algn="ctr"/>
+            <a:endParaRPr lang="pt-BR"/>
+          </a:p>
+        </p:txBody>
+      </p:sp>
+      <p:sp>
+        <p:nvSpPr>
+          <p:cNvPr id="7" name="Elipse 6">
+            <a:extLst>
+              <a:ext uri="{FF2B5EF4-FFF2-40B4-BE49-F238E27FC236}">
+                <a16:creationId xmlns:a16="http://schemas.microsoft.com/office/drawing/2014/main" id="{19931D9D-3E80-09C4-0514-D60BC8DA5730}"/>
+              </a:ext>
+            </a:extLst>
+          </p:cNvPr>
+          <p:cNvSpPr/>
+          <p:nvPr/>
+        </p:nvSpPr>
+        <p:spPr>
+          <a:xfrm>
+            <a:off x="6096000" y="3994321"/>
+            <a:ext cx="90000" cy="90000"/>
+          </a:xfrm>
+          <a:prstGeom prst="ellipse">
+            <a:avLst/>
+          </a:prstGeom>
+          <a:solidFill>
+            <a:schemeClr val="bg1"/>
+          </a:solidFill>
+          <a:ln>
+            <a:solidFill>
+              <a:srgbClr val="61BB46"/>
+            </a:solidFill>
+          </a:ln>
+        </p:spPr>
+        <p:style>
+          <a:lnRef idx="2">
+            <a:schemeClr val="accent1">
+              <a:shade val="15000"/>
+            </a:schemeClr>
+          </a:lnRef>
+          <a:fillRef idx="1">
+            <a:schemeClr val="accent1"/>
+          </a:fillRef>
+          <a:effectRef idx="0">
+            <a:schemeClr val="accent1"/>
+          </a:effectRef>
+          <a:fontRef idx="minor">
+            <a:schemeClr val="lt1"/>
+          </a:fontRef>
+        </p:style>
+        <p:txBody>
+          <a:bodyPr rtlCol="0" anchor="ctr"/>
+          <a:lstStyle/>
+          <a:p>
+            <a:pPr algn="ctr"/>
+            <a:endParaRPr lang="pt-BR"/>
+          </a:p>
+        </p:txBody>
+      </p:sp>
+      <p:sp>
+        <p:nvSpPr>
+          <p:cNvPr id="16" name="Retângulo 15">
+            <a:extLst>
+              <a:ext uri="{FF2B5EF4-FFF2-40B4-BE49-F238E27FC236}">
+                <a16:creationId xmlns:a16="http://schemas.microsoft.com/office/drawing/2014/main" id="{66CF054B-6057-8CE1-9A54-59A5D07406C3}"/>
+              </a:ext>
+            </a:extLst>
+          </p:cNvPr>
+          <p:cNvSpPr/>
+          <p:nvPr/>
+        </p:nvSpPr>
+        <p:spPr>
+          <a:xfrm rot="7378836">
+            <a:off x="6104293" y="4160870"/>
+            <a:ext cx="114917" cy="45719"/>
+          </a:xfrm>
+          <a:prstGeom prst="rect">
+            <a:avLst/>
+          </a:prstGeom>
+          <a:solidFill>
+            <a:srgbClr val="FBED8A"/>
+          </a:solidFill>
+          <a:ln>
+            <a:solidFill>
+              <a:srgbClr val="FBED8A"/>
+            </a:solidFill>
+          </a:ln>
+        </p:spPr>
+        <p:style>
+          <a:lnRef idx="2">
+            <a:schemeClr val="accent1">
+              <a:shade val="15000"/>
+            </a:schemeClr>
+          </a:lnRef>
+          <a:fillRef idx="1">
+            <a:schemeClr val="accent1"/>
+          </a:fillRef>
+          <a:effectRef idx="0">
+            <a:schemeClr val="accent1"/>
+          </a:effectRef>
+          <a:fontRef idx="minor">
+            <a:schemeClr val="lt1"/>
+          </a:fontRef>
+        </p:style>
+        <p:txBody>
+          <a:bodyPr rtlCol="0" anchor="ctr"/>
+          <a:lstStyle/>
+          <a:p>
+            <a:pPr algn="ctr"/>
+            <a:endParaRPr lang="pt-BR"/>
+          </a:p>
+        </p:txBody>
+      </p:sp>
+      <p:sp>
+        <p:nvSpPr>
+          <p:cNvPr id="17" name="Retângulo 16">
+            <a:extLst>
+              <a:ext uri="{FF2B5EF4-FFF2-40B4-BE49-F238E27FC236}">
+                <a16:creationId xmlns:a16="http://schemas.microsoft.com/office/drawing/2014/main" id="{78A2A00D-F166-50B6-9F1F-1A98E74A1F33}"/>
+              </a:ext>
+            </a:extLst>
+          </p:cNvPr>
+          <p:cNvSpPr/>
+          <p:nvPr/>
+        </p:nvSpPr>
+        <p:spPr>
+          <a:xfrm rot="7378836">
+            <a:off x="6104292" y="4186718"/>
+            <a:ext cx="114917" cy="45719"/>
+          </a:xfrm>
+          <a:prstGeom prst="rect">
+            <a:avLst/>
+          </a:prstGeom>
+          <a:solidFill>
+            <a:srgbClr val="FBED8A"/>
+          </a:solidFill>
+          <a:ln>
+            <a:solidFill>
+              <a:srgbClr val="FBED8A"/>
+            </a:solidFill>
+          </a:ln>
+        </p:spPr>
+        <p:style>
+          <a:lnRef idx="2">
+            <a:schemeClr val="accent1">
+              <a:shade val="15000"/>
+            </a:schemeClr>
+          </a:lnRef>
+          <a:fillRef idx="1">
+            <a:schemeClr val="accent1"/>
+          </a:fillRef>
+          <a:effectRef idx="0">
+            <a:schemeClr val="accent1"/>
+          </a:effectRef>
+          <a:fontRef idx="minor">
+            <a:schemeClr val="lt1"/>
+          </a:fontRef>
+        </p:style>
+        <p:txBody>
+          <a:bodyPr rtlCol="0" anchor="ctr"/>
+          <a:lstStyle/>
+          <a:p>
+            <a:pPr algn="ctr"/>
+            <a:endParaRPr lang="pt-BR"/>
+          </a:p>
+        </p:txBody>
+      </p:sp>
+      <p:sp>
+        <p:nvSpPr>
+          <p:cNvPr id="18" name="Elipse 17">
+            <a:extLst>
+              <a:ext uri="{FF2B5EF4-FFF2-40B4-BE49-F238E27FC236}">
+                <a16:creationId xmlns:a16="http://schemas.microsoft.com/office/drawing/2014/main" id="{F7747DEF-9820-FB70-AB21-99F060279030}"/>
+              </a:ext>
+            </a:extLst>
+          </p:cNvPr>
+          <p:cNvSpPr/>
+          <p:nvPr/>
+        </p:nvSpPr>
+        <p:spPr>
+          <a:xfrm>
+            <a:off x="5285343" y="5577960"/>
+            <a:ext cx="90000" cy="90000"/>
+          </a:xfrm>
+          <a:prstGeom prst="ellipse">
+            <a:avLst/>
+          </a:prstGeom>
+          <a:solidFill>
+            <a:schemeClr val="bg1"/>
+          </a:solidFill>
+          <a:ln>
+            <a:solidFill>
+              <a:srgbClr val="F04223"/>
+            </a:solidFill>
+          </a:ln>
+        </p:spPr>
+        <p:style>
+          <a:lnRef idx="2">
+            <a:schemeClr val="accent1">
+              <a:shade val="15000"/>
+            </a:schemeClr>
+          </a:lnRef>
+          <a:fillRef idx="1">
+            <a:schemeClr val="accent1"/>
+          </a:fillRef>
+          <a:effectRef idx="0">
+            <a:schemeClr val="accent1"/>
+          </a:effectRef>
+          <a:fontRef idx="minor">
+            <a:schemeClr val="lt1"/>
+          </a:fontRef>
+        </p:style>
+        <p:txBody>
+          <a:bodyPr rtlCol="0" anchor="ctr"/>
+          <a:lstStyle/>
+          <a:p>
+            <a:pPr algn="ctr"/>
+            <a:endParaRPr lang="pt-BR"/>
+          </a:p>
+        </p:txBody>
+      </p:sp>
+      <p:sp>
+        <p:nvSpPr>
+          <p:cNvPr id="19" name="Elipse 18">
+            <a:extLst>
+              <a:ext uri="{FF2B5EF4-FFF2-40B4-BE49-F238E27FC236}">
+                <a16:creationId xmlns:a16="http://schemas.microsoft.com/office/drawing/2014/main" id="{48C55792-DFC6-E80C-B91D-11DA25D27329}"/>
+              </a:ext>
+            </a:extLst>
+          </p:cNvPr>
+          <p:cNvSpPr/>
+          <p:nvPr/>
+        </p:nvSpPr>
+        <p:spPr>
+          <a:xfrm>
+            <a:off x="5451018" y="5577960"/>
+            <a:ext cx="90000" cy="90000"/>
+          </a:xfrm>
+          <a:prstGeom prst="ellipse">
+            <a:avLst/>
+          </a:prstGeom>
+          <a:solidFill>
+            <a:schemeClr val="bg1"/>
+          </a:solidFill>
+          <a:ln>
+            <a:solidFill>
+              <a:srgbClr val="61BB46"/>
+            </a:solidFill>
+          </a:ln>
+        </p:spPr>
+        <p:style>
+          <a:lnRef idx="2">
+            <a:schemeClr val="accent1">
+              <a:shade val="15000"/>
+            </a:schemeClr>
+          </a:lnRef>
+          <a:fillRef idx="1">
+            <a:schemeClr val="accent1"/>
+          </a:fillRef>
+          <a:effectRef idx="0">
+            <a:schemeClr val="accent1"/>
+          </a:effectRef>
+          <a:fontRef idx="minor">
+            <a:schemeClr val="lt1"/>
+          </a:fontRef>
+        </p:style>
+        <p:txBody>
+          <a:bodyPr rtlCol="0" anchor="ctr"/>
+          <a:lstStyle/>
+          <a:p>
+            <a:pPr algn="ctr"/>
+            <a:endParaRPr lang="pt-BR"/>
+          </a:p>
+        </p:txBody>
+      </p:sp>
+      <p:sp>
+        <p:nvSpPr>
+          <p:cNvPr id="20" name="CaixaDeTexto 19">
+            <a:extLst>
+              <a:ext uri="{FF2B5EF4-FFF2-40B4-BE49-F238E27FC236}">
+                <a16:creationId xmlns:a16="http://schemas.microsoft.com/office/drawing/2014/main" id="{8F7D3FB9-D9E3-C723-A0D4-082D45D31B8C}"/>
+              </a:ext>
+            </a:extLst>
+          </p:cNvPr>
+          <p:cNvSpPr txBox="1"/>
+          <p:nvPr/>
+        </p:nvSpPr>
+        <p:spPr>
+          <a:xfrm>
+            <a:off x="5555343" y="5458966"/>
+            <a:ext cx="1598563" cy="307777"/>
+          </a:xfrm>
+          <a:prstGeom prst="rect">
+            <a:avLst/>
+          </a:prstGeom>
+          <a:noFill/>
+        </p:spPr>
+        <p:txBody>
+          <a:bodyPr wrap="square" rtlCol="0">
+            <a:spAutoFit/>
+          </a:bodyPr>
+          <a:lstStyle/>
+          <a:p>
+            <a:r>
+              <a:rPr lang="pt-BR" sz="1400"/>
+              <a:t>vetores de suporte</a:t>
+            </a:r>
+          </a:p>
+        </p:txBody>
+      </p:sp>
+      <p:sp>
+        <p:nvSpPr>
+          <p:cNvPr id="21" name="Retângulo 20">
+            <a:extLst>
+              <a:ext uri="{FF2B5EF4-FFF2-40B4-BE49-F238E27FC236}">
+                <a16:creationId xmlns:a16="http://schemas.microsoft.com/office/drawing/2014/main" id="{8CFFCC68-DF9E-9183-FA66-BCC30258EC4D}"/>
+              </a:ext>
+            </a:extLst>
+          </p:cNvPr>
+          <p:cNvSpPr/>
+          <p:nvPr/>
+        </p:nvSpPr>
+        <p:spPr>
+          <a:xfrm>
+            <a:off x="5179594" y="5517448"/>
+            <a:ext cx="1925574" cy="199935"/>
+          </a:xfrm>
+          <a:prstGeom prst="rect">
+            <a:avLst/>
+          </a:prstGeom>
+          <a:noFill/>
+          <a:ln w="3175">
+            <a:solidFill>
+              <a:schemeClr val="tx1"/>
+            </a:solidFill>
+          </a:ln>
+        </p:spPr>
+        <p:style>
+          <a:lnRef idx="2">
+            <a:schemeClr val="accent1">
+              <a:shade val="15000"/>
+            </a:schemeClr>
+          </a:lnRef>
+          <a:fillRef idx="1">
+            <a:schemeClr val="accent1"/>
+          </a:fillRef>
+          <a:effectRef idx="0">
+            <a:schemeClr val="accent1"/>
+          </a:effectRef>
+          <a:fontRef idx="minor">
+            <a:schemeClr val="lt1"/>
+          </a:fontRef>
+        </p:style>
+        <p:txBody>
+          <a:bodyPr rtlCol="0" anchor="ctr"/>
+          <a:lstStyle/>
+          <a:p>
+            <a:pPr algn="ctr"/>
+            <a:endParaRPr lang="pt-BR"/>
+          </a:p>
+        </p:txBody>
+      </p:sp>
+      <mc:AlternateContent xmlns:mc="http://schemas.openxmlformats.org/markup-compatibility/2006">
+        <mc:Choice xmlns:a14="http://schemas.microsoft.com/office/drawing/2010/main" Requires="a14">
+          <p:sp>
+            <p:nvSpPr>
+              <p:cNvPr id="22" name="CaixaDeTexto 21">
+                <a:extLst>
+                  <a:ext uri="{FF2B5EF4-FFF2-40B4-BE49-F238E27FC236}">
+                    <a16:creationId xmlns:a16="http://schemas.microsoft.com/office/drawing/2014/main" id="{B1EEC005-F0BF-D434-A876-7CF2255B00F5}"/>
+                  </a:ext>
+                </a:extLst>
+              </p:cNvPr>
+              <p:cNvSpPr txBox="1"/>
+              <p:nvPr/>
+            </p:nvSpPr>
+            <p:spPr>
+              <a:xfrm>
+                <a:off x="5656543" y="4357292"/>
+                <a:ext cx="346710" cy="338554"/>
+              </a:xfrm>
+              <a:prstGeom prst="rect">
+                <a:avLst/>
+              </a:prstGeom>
+              <a:noFill/>
+            </p:spPr>
+            <p:txBody>
+              <a:bodyPr wrap="square" rtlCol="0">
+                <a:spAutoFit/>
+              </a:bodyPr>
+              <a:lstStyle/>
+              <a:p>
+                <a14:m>
+                  <m:oMathPara xmlns:m="http://schemas.openxmlformats.org/officeDocument/2006/math">
+                    <m:oMathParaPr>
+                      <m:jc m:val="centerGroup"/>
+                    </m:oMathParaPr>
+                    <m:oMath xmlns:m="http://schemas.openxmlformats.org/officeDocument/2006/math">
+                      <m:r>
+                        <a:rPr lang="pt-BR" sz="1600" b="0" i="1" smtClean="0">
+                          <a:latin typeface="Cambria Math" panose="02040503050406030204" pitchFamily="18" charset="0"/>
+                        </a:rPr>
+                        <m:t>𝑀</m:t>
+                      </m:r>
+                    </m:oMath>
+                  </m:oMathPara>
+                </a14:m>
+                <a:endParaRPr lang="pt-BR" sz="1600"/>
+              </a:p>
+            </p:txBody>
+          </p:sp>
+        </mc:Choice>
+        <mc:Fallback>
+          <p:sp>
+            <p:nvSpPr>
+              <p:cNvPr id="22" name="CaixaDeTexto 21">
+                <a:extLst>
+                  <a:ext uri="{FF2B5EF4-FFF2-40B4-BE49-F238E27FC236}">
+                    <a16:creationId xmlns:a16="http://schemas.microsoft.com/office/drawing/2014/main" id="{B1EEC005-F0BF-D434-A876-7CF2255B00F5}"/>
+                  </a:ext>
+                </a:extLst>
+              </p:cNvPr>
+              <p:cNvSpPr txBox="1">
+                <a:spLocks noRot="1" noChangeAspect="1" noMove="1" noResize="1" noEditPoints="1" noAdjustHandles="1" noChangeArrowheads="1" noChangeShapeType="1" noTextEdit="1"/>
+              </p:cNvSpPr>
+              <p:nvPr/>
+            </p:nvSpPr>
+            <p:spPr>
+              <a:xfrm>
+                <a:off x="5656543" y="4357292"/>
+                <a:ext cx="346710" cy="338554"/>
+              </a:xfrm>
+              <a:prstGeom prst="rect">
+                <a:avLst/>
+              </a:prstGeom>
+              <a:blipFill>
+                <a:blip r:embed="rId3"/>
+                <a:stretch>
+                  <a:fillRect/>
+                </a:stretch>
+              </a:blipFill>
+            </p:spPr>
+            <p:txBody>
+              <a:bodyPr/>
+              <a:lstStyle/>
+              <a:p>
+                <a:r>
+                  <a:rPr lang="pt-BR">
+                    <a:noFill/>
+                  </a:rPr>
+                  <a:t> </a:t>
+                </a:r>
+              </a:p>
+            </p:txBody>
+          </p:sp>
+        </mc:Fallback>
+      </mc:AlternateContent>
+      <mc:AlternateContent xmlns:mc="http://schemas.openxmlformats.org/markup-compatibility/2006">
+        <mc:Choice xmlns:a14="http://schemas.microsoft.com/office/drawing/2010/main" Requires="a14">
+          <p:sp>
+            <p:nvSpPr>
+              <p:cNvPr id="23" name="CaixaDeTexto 22">
+                <a:extLst>
+                  <a:ext uri="{FF2B5EF4-FFF2-40B4-BE49-F238E27FC236}">
+                    <a16:creationId xmlns:a16="http://schemas.microsoft.com/office/drawing/2014/main" id="{8A23AE91-B1DE-BEF5-3EF2-FAB7647C9F40}"/>
+                  </a:ext>
+                </a:extLst>
+              </p:cNvPr>
+              <p:cNvSpPr txBox="1"/>
+              <p:nvPr/>
+            </p:nvSpPr>
+            <p:spPr>
+              <a:xfrm>
+                <a:off x="5876944" y="4089608"/>
+                <a:ext cx="346710" cy="338554"/>
+              </a:xfrm>
+              <a:prstGeom prst="rect">
+                <a:avLst/>
+              </a:prstGeom>
+              <a:noFill/>
+            </p:spPr>
+            <p:txBody>
+              <a:bodyPr wrap="square" rtlCol="0">
+                <a:spAutoFit/>
+              </a:bodyPr>
+              <a:lstStyle/>
+              <a:p>
+                <a14:m>
+                  <m:oMathPara xmlns:m="http://schemas.openxmlformats.org/officeDocument/2006/math">
+                    <m:oMathParaPr>
+                      <m:jc m:val="centerGroup"/>
+                    </m:oMathParaPr>
+                    <m:oMath xmlns:m="http://schemas.openxmlformats.org/officeDocument/2006/math">
+                      <m:r>
+                        <a:rPr lang="pt-BR" sz="1600" b="0" i="1" smtClean="0">
+                          <a:latin typeface="Cambria Math" panose="02040503050406030204" pitchFamily="18" charset="0"/>
+                        </a:rPr>
+                        <m:t>𝑀</m:t>
+                      </m:r>
+                    </m:oMath>
+                  </m:oMathPara>
+                </a14:m>
+                <a:endParaRPr lang="pt-BR" sz="1600"/>
+              </a:p>
+            </p:txBody>
+          </p:sp>
+        </mc:Choice>
+        <mc:Fallback>
+          <p:sp>
+            <p:nvSpPr>
+              <p:cNvPr id="23" name="CaixaDeTexto 22">
+                <a:extLst>
+                  <a:ext uri="{FF2B5EF4-FFF2-40B4-BE49-F238E27FC236}">
+                    <a16:creationId xmlns:a16="http://schemas.microsoft.com/office/drawing/2014/main" id="{8A23AE91-B1DE-BEF5-3EF2-FAB7647C9F40}"/>
+                  </a:ext>
+                </a:extLst>
+              </p:cNvPr>
+              <p:cNvSpPr txBox="1">
+                <a:spLocks noRot="1" noChangeAspect="1" noMove="1" noResize="1" noEditPoints="1" noAdjustHandles="1" noChangeArrowheads="1" noChangeShapeType="1" noTextEdit="1"/>
+              </p:cNvSpPr>
+              <p:nvPr/>
+            </p:nvSpPr>
+            <p:spPr>
+              <a:xfrm>
+                <a:off x="5876944" y="4089608"/>
+                <a:ext cx="346710" cy="338554"/>
+              </a:xfrm>
+              <a:prstGeom prst="rect">
+                <a:avLst/>
+              </a:prstGeom>
+              <a:blipFill>
+                <a:blip r:embed="rId4"/>
+                <a:stretch>
+                  <a:fillRect/>
+                </a:stretch>
+              </a:blipFill>
+            </p:spPr>
+            <p:txBody>
+              <a:bodyPr/>
+              <a:lstStyle/>
+              <a:p>
+                <a:r>
+                  <a:rPr lang="pt-BR">
+                    <a:noFill/>
+                  </a:rPr>
+                  <a:t> </a:t>
+                </a:r>
+              </a:p>
+            </p:txBody>
+          </p:sp>
+        </mc:Fallback>
+      </mc:AlternateContent>
+      <mc:AlternateContent xmlns:mc="http://schemas.openxmlformats.org/markup-compatibility/2006">
+        <mc:Choice xmlns:a14="http://schemas.microsoft.com/office/drawing/2010/main" Requires="a14">
+          <p:sp>
+            <p:nvSpPr>
+              <p:cNvPr id="24" name="CaixaDeTexto 23">
+                <a:extLst>
+                  <a:ext uri="{FF2B5EF4-FFF2-40B4-BE49-F238E27FC236}">
+                    <a16:creationId xmlns:a16="http://schemas.microsoft.com/office/drawing/2014/main" id="{0FC1F832-F303-80BC-0ACF-0A3930EFDECD}"/>
+                  </a:ext>
+                </a:extLst>
+              </p:cNvPr>
+              <p:cNvSpPr txBox="1"/>
+              <p:nvPr/>
+            </p:nvSpPr>
+            <p:spPr>
+              <a:xfrm>
+                <a:off x="3587884" y="2838450"/>
+                <a:ext cx="1057056" cy="307777"/>
+              </a:xfrm>
+              <a:prstGeom prst="rect">
+                <a:avLst/>
+              </a:prstGeom>
+              <a:noFill/>
+            </p:spPr>
+            <p:txBody>
+              <a:bodyPr wrap="square" rtlCol="0">
+                <a:spAutoFit/>
+              </a:bodyPr>
+              <a:lstStyle/>
+              <a:p>
+                <a14:m>
+                  <m:oMathPara xmlns:m="http://schemas.openxmlformats.org/officeDocument/2006/math">
+                    <m:oMathParaPr>
+                      <m:jc m:val="centerGroup"/>
+                    </m:oMathParaPr>
+                    <m:oMath xmlns:m="http://schemas.openxmlformats.org/officeDocument/2006/math">
+                      <m:r>
+                        <a:rPr lang="pt-BR" sz="1400" b="0" i="1" smtClean="0">
+                          <a:latin typeface="Cambria Math" panose="02040503050406030204" pitchFamily="18" charset="0"/>
+                        </a:rPr>
+                        <m:t>𝑓</m:t>
+                      </m:r>
+                      <m:d>
+                        <m:dPr>
+                          <m:ctrlPr>
+                            <a:rPr lang="pt-BR" sz="1400" b="0" i="1" smtClean="0">
+                              <a:latin typeface="Cambria Math" panose="02040503050406030204" pitchFamily="18" charset="0"/>
+                            </a:rPr>
+                          </m:ctrlPr>
+                        </m:dPr>
+                        <m:e>
+                          <m:r>
+                            <a:rPr lang="pt-BR" sz="1400" b="1" i="1" smtClean="0">
+                              <a:latin typeface="Cambria Math" panose="02040503050406030204" pitchFamily="18" charset="0"/>
+                            </a:rPr>
+                            <m:t>𝒙</m:t>
+                          </m:r>
+                        </m:e>
+                      </m:d>
+                      <m:r>
+                        <a:rPr lang="pt-BR" sz="1400" b="0" i="1" smtClean="0">
+                          <a:latin typeface="Cambria Math" panose="02040503050406030204" pitchFamily="18" charset="0"/>
+                        </a:rPr>
+                        <m:t>=0</m:t>
+                      </m:r>
+                    </m:oMath>
+                  </m:oMathPara>
+                </a14:m>
+                <a:endParaRPr lang="pt-BR" sz="1400"/>
+              </a:p>
+            </p:txBody>
+          </p:sp>
+        </mc:Choice>
+        <mc:Fallback>
+          <p:sp>
+            <p:nvSpPr>
+              <p:cNvPr id="24" name="CaixaDeTexto 23">
+                <a:extLst>
+                  <a:ext uri="{FF2B5EF4-FFF2-40B4-BE49-F238E27FC236}">
+                    <a16:creationId xmlns:a16="http://schemas.microsoft.com/office/drawing/2014/main" id="{0FC1F832-F303-80BC-0ACF-0A3930EFDECD}"/>
+                  </a:ext>
+                </a:extLst>
+              </p:cNvPr>
+              <p:cNvSpPr txBox="1">
+                <a:spLocks noRot="1" noChangeAspect="1" noMove="1" noResize="1" noEditPoints="1" noAdjustHandles="1" noChangeArrowheads="1" noChangeShapeType="1" noTextEdit="1"/>
+              </p:cNvSpPr>
+              <p:nvPr/>
+            </p:nvSpPr>
+            <p:spPr>
+              <a:xfrm>
+                <a:off x="3587884" y="2838450"/>
+                <a:ext cx="1057056" cy="307777"/>
+              </a:xfrm>
+              <a:prstGeom prst="rect">
+                <a:avLst/>
+              </a:prstGeom>
+              <a:blipFill>
+                <a:blip r:embed="rId5"/>
+                <a:stretch>
+                  <a:fillRect b="-8000"/>
+                </a:stretch>
+              </a:blipFill>
+            </p:spPr>
+            <p:txBody>
+              <a:bodyPr/>
+              <a:lstStyle/>
+              <a:p>
+                <a:r>
+                  <a:rPr lang="pt-BR">
+                    <a:noFill/>
+                  </a:rPr>
+                  <a:t> </a:t>
+                </a:r>
+              </a:p>
+            </p:txBody>
+          </p:sp>
+        </mc:Fallback>
+      </mc:AlternateContent>
+      <p:sp>
+        <p:nvSpPr>
+          <p:cNvPr id="26" name="Forma Livre: Forma 25">
+            <a:extLst>
+              <a:ext uri="{FF2B5EF4-FFF2-40B4-BE49-F238E27FC236}">
+                <a16:creationId xmlns:a16="http://schemas.microsoft.com/office/drawing/2014/main" id="{B0C64D50-B31D-FF9E-23FF-9DC46A881C49}"/>
+              </a:ext>
+            </a:extLst>
+          </p:cNvPr>
+          <p:cNvSpPr/>
+          <p:nvPr/>
+        </p:nvSpPr>
+        <p:spPr>
+          <a:xfrm>
+            <a:off x="4011168" y="3127248"/>
+            <a:ext cx="304800" cy="256032"/>
+          </a:xfrm>
+          <a:custGeom>
+            <a:avLst/>
+            <a:gdLst>
+              <a:gd name="connsiteX0" fmla="*/ 0 w 304800"/>
+              <a:gd name="connsiteY0" fmla="*/ 0 h 256032"/>
+              <a:gd name="connsiteX1" fmla="*/ 54864 w 304800"/>
+              <a:gd name="connsiteY1" fmla="*/ 182880 h 256032"/>
+              <a:gd name="connsiteX2" fmla="*/ 304800 w 304800"/>
+              <a:gd name="connsiteY2" fmla="*/ 256032 h 256032"/>
+            </a:gdLst>
+            <a:ahLst/>
+            <a:cxnLst>
+              <a:cxn ang="0">
+                <a:pos x="connsiteX0" y="connsiteY0"/>
+              </a:cxn>
+              <a:cxn ang="0">
+                <a:pos x="connsiteX1" y="connsiteY1"/>
+              </a:cxn>
+              <a:cxn ang="0">
+                <a:pos x="connsiteX2" y="connsiteY2"/>
+              </a:cxn>
+            </a:cxnLst>
+            <a:rect l="l" t="t" r="r" b="b"/>
+            <a:pathLst>
+              <a:path w="304800" h="256032">
+                <a:moveTo>
+                  <a:pt x="0" y="0"/>
+                </a:moveTo>
+                <a:cubicBezTo>
+                  <a:pt x="2032" y="70104"/>
+                  <a:pt x="4064" y="140208"/>
+                  <a:pt x="54864" y="182880"/>
+                </a:cubicBezTo>
+                <a:cubicBezTo>
+                  <a:pt x="105664" y="225552"/>
+                  <a:pt x="205232" y="240792"/>
+                  <a:pt x="304800" y="256032"/>
+                </a:cubicBezTo>
+              </a:path>
+            </a:pathLst>
+          </a:custGeom>
+          <a:noFill/>
+          <a:ln>
+            <a:solidFill>
+              <a:schemeClr val="tx1"/>
+            </a:solidFill>
+            <a:headEnd type="none" w="med" len="med"/>
+            <a:tailEnd type="arrow" w="med" len="med"/>
+          </a:ln>
+        </p:spPr>
+        <p:style>
+          <a:lnRef idx="2">
+            <a:schemeClr val="accent1">
+              <a:shade val="15000"/>
+            </a:schemeClr>
+          </a:lnRef>
+          <a:fillRef idx="1">
+            <a:schemeClr val="accent1"/>
+          </a:fillRef>
+          <a:effectRef idx="0">
+            <a:schemeClr val="accent1"/>
+          </a:effectRef>
+          <a:fontRef idx="minor">
+            <a:schemeClr val="lt1"/>
+          </a:fontRef>
+        </p:style>
+        <p:txBody>
+          <a:bodyPr rtlCol="0" anchor="ctr"/>
+          <a:lstStyle/>
+          <a:p>
+            <a:pPr algn="ctr"/>
+            <a:endParaRPr lang="pt-BR"/>
+          </a:p>
+        </p:txBody>
+      </p:sp>
+    </p:spTree>
+    <p:extLst>
+      <p:ext uri="{BB962C8B-B14F-4D97-AF65-F5344CB8AC3E}">
+        <p14:creationId xmlns:p14="http://schemas.microsoft.com/office/powerpoint/2010/main" val="3010179271"/>
       </p:ext>
     </p:extLst>
   </p:cSld>
